--- a/Capstone_Presentation.pptx
+++ b/Capstone_Presentation.pptx
@@ -5,25 +5,23 @@
     <p:sldMasterId id="2147484024" r:id="rId4"/>
   </p:sldMasterIdLst>
   <p:notesMasterIdLst>
-    <p:notesMasterId r:id="rId18"/>
+    <p:notesMasterId r:id="rId16"/>
   </p:notesMasterIdLst>
   <p:handoutMasterIdLst>
-    <p:handoutMasterId r:id="rId19"/>
+    <p:handoutMasterId r:id="rId17"/>
   </p:handoutMasterIdLst>
   <p:sldIdLst>
     <p:sldId id="257" r:id="rId5"/>
     <p:sldId id="274" r:id="rId6"/>
     <p:sldId id="276" r:id="rId7"/>
     <p:sldId id="275" r:id="rId8"/>
-    <p:sldId id="267" r:id="rId9"/>
-    <p:sldId id="269" r:id="rId10"/>
-    <p:sldId id="270" r:id="rId11"/>
-    <p:sldId id="259" r:id="rId12"/>
-    <p:sldId id="261" r:id="rId13"/>
-    <p:sldId id="262" r:id="rId14"/>
-    <p:sldId id="263" r:id="rId15"/>
-    <p:sldId id="271" r:id="rId16"/>
-    <p:sldId id="265" r:id="rId17"/>
+    <p:sldId id="278" r:id="rId9"/>
+    <p:sldId id="279" r:id="rId10"/>
+    <p:sldId id="261" r:id="rId11"/>
+    <p:sldId id="267" r:id="rId12"/>
+    <p:sldId id="277" r:id="rId13"/>
+    <p:sldId id="271" r:id="rId14"/>
+    <p:sldId id="265" r:id="rId15"/>
   </p:sldIdLst>
   <p:sldSz cx="12188825" cy="6858000"/>
   <p:notesSz cx="6858000" cy="9144000"/>
@@ -135,6 +133,11 @@
             <a:srgbClr val="A4A3A4"/>
           </p15:clr>
         </p15:guide>
+        <p15:guide id="6" orient="horz" pos="2260" userDrawn="1">
+          <p15:clr>
+            <a:srgbClr val="A4A3A4"/>
+          </p15:clr>
+        </p15:guide>
       </p15:sldGuideLst>
     </p:ext>
     <p:ext uri="{2D200454-40CA-4A62-9FC3-DE9A4176ACB9}">
@@ -153,3955 +156,6 @@
     </p:ext>
   </p:extLst>
 </p:presentation>
-</file>
-
-<file path=ppt/diagrams/colors1.xml><?xml version="1.0" encoding="utf-8"?>
-<dgm:colorsDef xmlns:dgm="http://schemas.openxmlformats.org/drawingml/2006/diagram" xmlns:a="http://schemas.openxmlformats.org/drawingml/2006/main" uniqueId="urn:microsoft.com/office/officeart/2005/8/colors/colorful1">
-  <dgm:title val=""/>
-  <dgm:desc val=""/>
-  <dgm:catLst>
-    <dgm:cat type="colorful" pri="10100"/>
-  </dgm:catLst>
-  <dgm:styleLbl name="node0">
-    <dgm:fillClrLst meth="repeat">
-      <a:schemeClr val="accent1"/>
-    </dgm:fillClrLst>
-    <dgm:linClrLst meth="repeat">
-      <a:schemeClr val="lt1"/>
-    </dgm:linClrLst>
-    <dgm:effectClrLst/>
-    <dgm:txLinClrLst/>
-    <dgm:txFillClrLst/>
-    <dgm:txEffectClrLst/>
-  </dgm:styleLbl>
-  <dgm:styleLbl name="node1">
-    <dgm:fillClrLst meth="repeat">
-      <a:schemeClr val="accent2"/>
-      <a:schemeClr val="accent3"/>
-      <a:schemeClr val="accent4"/>
-      <a:schemeClr val="accent5"/>
-      <a:schemeClr val="accent6"/>
-    </dgm:fillClrLst>
-    <dgm:linClrLst meth="repeat">
-      <a:schemeClr val="lt1"/>
-    </dgm:linClrLst>
-    <dgm:effectClrLst/>
-    <dgm:txLinClrLst/>
-    <dgm:txFillClrLst/>
-    <dgm:txEffectClrLst/>
-  </dgm:styleLbl>
-  <dgm:styleLbl name="alignNode1">
-    <dgm:fillClrLst meth="repeat">
-      <a:schemeClr val="accent2"/>
-      <a:schemeClr val="accent3"/>
-      <a:schemeClr val="accent4"/>
-      <a:schemeClr val="accent5"/>
-      <a:schemeClr val="accent6"/>
-    </dgm:fillClrLst>
-    <dgm:linClrLst meth="repeat">
-      <a:schemeClr val="accent2"/>
-      <a:schemeClr val="accent3"/>
-      <a:schemeClr val="accent4"/>
-      <a:schemeClr val="accent5"/>
-      <a:schemeClr val="accent6"/>
-    </dgm:linClrLst>
-    <dgm:effectClrLst/>
-    <dgm:txLinClrLst/>
-    <dgm:txFillClrLst/>
-    <dgm:txEffectClrLst/>
-  </dgm:styleLbl>
-  <dgm:styleLbl name="lnNode1">
-    <dgm:fillClrLst meth="repeat">
-      <a:schemeClr val="accent2"/>
-      <a:schemeClr val="accent3"/>
-      <a:schemeClr val="accent4"/>
-      <a:schemeClr val="accent5"/>
-      <a:schemeClr val="accent6"/>
-    </dgm:fillClrLst>
-    <dgm:linClrLst meth="repeat">
-      <a:schemeClr val="lt1"/>
-    </dgm:linClrLst>
-    <dgm:effectClrLst/>
-    <dgm:txLinClrLst/>
-    <dgm:txFillClrLst/>
-    <dgm:txEffectClrLst/>
-  </dgm:styleLbl>
-  <dgm:styleLbl name="vennNode1">
-    <dgm:fillClrLst meth="repeat">
-      <a:schemeClr val="accent2">
-        <a:alpha val="50000"/>
-      </a:schemeClr>
-      <a:schemeClr val="accent3">
-        <a:alpha val="50000"/>
-      </a:schemeClr>
-      <a:schemeClr val="accent4">
-        <a:alpha val="50000"/>
-      </a:schemeClr>
-      <a:schemeClr val="accent5">
-        <a:alpha val="50000"/>
-      </a:schemeClr>
-      <a:schemeClr val="accent6">
-        <a:alpha val="50000"/>
-      </a:schemeClr>
-    </dgm:fillClrLst>
-    <dgm:linClrLst meth="repeat">
-      <a:schemeClr val="lt1"/>
-    </dgm:linClrLst>
-    <dgm:effectClrLst/>
-    <dgm:txLinClrLst/>
-    <dgm:txFillClrLst/>
-    <dgm:txEffectClrLst/>
-  </dgm:styleLbl>
-  <dgm:styleLbl name="node2">
-    <dgm:fillClrLst>
-      <a:schemeClr val="accent2"/>
-    </dgm:fillClrLst>
-    <dgm:linClrLst meth="repeat">
-      <a:schemeClr val="lt1"/>
-    </dgm:linClrLst>
-    <dgm:effectClrLst/>
-    <dgm:txLinClrLst/>
-    <dgm:txFillClrLst/>
-    <dgm:txEffectClrLst/>
-  </dgm:styleLbl>
-  <dgm:styleLbl name="node3">
-    <dgm:fillClrLst>
-      <a:schemeClr val="accent3"/>
-    </dgm:fillClrLst>
-    <dgm:linClrLst meth="repeat">
-      <a:schemeClr val="lt1"/>
-    </dgm:linClrLst>
-    <dgm:effectClrLst/>
-    <dgm:txLinClrLst/>
-    <dgm:txFillClrLst/>
-    <dgm:txEffectClrLst/>
-  </dgm:styleLbl>
-  <dgm:styleLbl name="node4">
-    <dgm:fillClrLst>
-      <a:schemeClr val="accent4"/>
-    </dgm:fillClrLst>
-    <dgm:linClrLst meth="repeat">
-      <a:schemeClr val="lt1"/>
-    </dgm:linClrLst>
-    <dgm:effectClrLst/>
-    <dgm:txLinClrLst/>
-    <dgm:txFillClrLst/>
-    <dgm:txEffectClrLst/>
-  </dgm:styleLbl>
-  <dgm:styleLbl name="fgImgPlace1">
-    <dgm:fillClrLst meth="repeat">
-      <a:schemeClr val="accent2">
-        <a:tint val="50000"/>
-      </a:schemeClr>
-      <a:schemeClr val="accent3">
-        <a:tint val="50000"/>
-      </a:schemeClr>
-      <a:schemeClr val="accent4">
-        <a:tint val="50000"/>
-      </a:schemeClr>
-      <a:schemeClr val="accent5">
-        <a:tint val="50000"/>
-      </a:schemeClr>
-      <a:schemeClr val="accent6">
-        <a:tint val="50000"/>
-      </a:schemeClr>
-    </dgm:fillClrLst>
-    <dgm:linClrLst meth="repeat">
-      <a:schemeClr val="lt1"/>
-    </dgm:linClrLst>
-    <dgm:effectClrLst/>
-    <dgm:txLinClrLst/>
-    <dgm:txFillClrLst meth="repeat">
-      <a:schemeClr val="lt1"/>
-    </dgm:txFillClrLst>
-    <dgm:txEffectClrLst/>
-  </dgm:styleLbl>
-  <dgm:styleLbl name="alignImgPlace1">
-    <dgm:fillClrLst>
-      <a:schemeClr val="accent1">
-        <a:tint val="50000"/>
-      </a:schemeClr>
-      <a:schemeClr val="accent2">
-        <a:tint val="20000"/>
-      </a:schemeClr>
-    </dgm:fillClrLst>
-    <dgm:linClrLst meth="repeat">
-      <a:schemeClr val="lt1"/>
-    </dgm:linClrLst>
-    <dgm:effectClrLst/>
-    <dgm:txLinClrLst/>
-    <dgm:txFillClrLst meth="repeat">
-      <a:schemeClr val="lt1"/>
-    </dgm:txFillClrLst>
-    <dgm:txEffectClrLst/>
-  </dgm:styleLbl>
-  <dgm:styleLbl name="bgImgPlace1">
-    <dgm:fillClrLst>
-      <a:schemeClr val="accent1">
-        <a:tint val="50000"/>
-      </a:schemeClr>
-      <a:schemeClr val="accent2">
-        <a:tint val="20000"/>
-      </a:schemeClr>
-    </dgm:fillClrLst>
-    <dgm:linClrLst meth="repeat">
-      <a:schemeClr val="lt1"/>
-    </dgm:linClrLst>
-    <dgm:effectClrLst/>
-    <dgm:txLinClrLst/>
-    <dgm:txFillClrLst meth="repeat">
-      <a:schemeClr val="lt1"/>
-    </dgm:txFillClrLst>
-    <dgm:txEffectClrLst/>
-  </dgm:styleLbl>
-  <dgm:styleLbl name="sibTrans2D1">
-    <dgm:fillClrLst meth="repeat">
-      <a:schemeClr val="accent2"/>
-      <a:schemeClr val="accent3"/>
-      <a:schemeClr val="accent4"/>
-      <a:schemeClr val="accent5"/>
-      <a:schemeClr val="accent6"/>
-    </dgm:fillClrLst>
-    <dgm:linClrLst meth="cycle">
-      <a:schemeClr val="lt1"/>
-    </dgm:linClrLst>
-    <dgm:effectClrLst/>
-    <dgm:txLinClrLst/>
-    <dgm:txFillClrLst/>
-    <dgm:txEffectClrLst/>
-  </dgm:styleLbl>
-  <dgm:styleLbl name="fgSibTrans2D1">
-    <dgm:fillClrLst meth="repeat">
-      <a:schemeClr val="accent2"/>
-      <a:schemeClr val="accent3"/>
-      <a:schemeClr val="accent4"/>
-      <a:schemeClr val="accent5"/>
-      <a:schemeClr val="accent6"/>
-    </dgm:fillClrLst>
-    <dgm:linClrLst meth="cycle">
-      <a:schemeClr val="lt1"/>
-    </dgm:linClrLst>
-    <dgm:effectClrLst/>
-    <dgm:txLinClrLst/>
-    <dgm:txFillClrLst meth="repeat">
-      <a:schemeClr val="lt1"/>
-    </dgm:txFillClrLst>
-    <dgm:txEffectClrLst/>
-  </dgm:styleLbl>
-  <dgm:styleLbl name="bgSibTrans2D1">
-    <dgm:fillClrLst meth="repeat">
-      <a:schemeClr val="accent2"/>
-      <a:schemeClr val="accent3"/>
-      <a:schemeClr val="accent4"/>
-      <a:schemeClr val="accent5"/>
-      <a:schemeClr val="accent6"/>
-    </dgm:fillClrLst>
-    <dgm:linClrLst meth="cycle">
-      <a:schemeClr val="lt1"/>
-    </dgm:linClrLst>
-    <dgm:effectClrLst/>
-    <dgm:txLinClrLst/>
-    <dgm:txFillClrLst meth="repeat">
-      <a:schemeClr val="lt1"/>
-    </dgm:txFillClrLst>
-    <dgm:txEffectClrLst/>
-  </dgm:styleLbl>
-  <dgm:styleLbl name="sibTrans1D1">
-    <dgm:fillClrLst meth="repeat">
-      <a:schemeClr val="accent2"/>
-      <a:schemeClr val="accent3"/>
-      <a:schemeClr val="accent4"/>
-      <a:schemeClr val="accent5"/>
-      <a:schemeClr val="accent6"/>
-    </dgm:fillClrLst>
-    <dgm:linClrLst meth="repeat">
-      <a:schemeClr val="accent2"/>
-      <a:schemeClr val="accent3"/>
-      <a:schemeClr val="accent4"/>
-      <a:schemeClr val="accent5"/>
-      <a:schemeClr val="accent6"/>
-    </dgm:linClrLst>
-    <dgm:effectClrLst/>
-    <dgm:txLinClrLst/>
-    <dgm:txFillClrLst meth="repeat">
-      <a:schemeClr val="tx1"/>
-    </dgm:txFillClrLst>
-    <dgm:txEffectClrLst/>
-  </dgm:styleLbl>
-  <dgm:styleLbl name="callout">
-    <dgm:fillClrLst meth="repeat">
-      <a:schemeClr val="accent2"/>
-    </dgm:fillClrLst>
-    <dgm:linClrLst meth="repeat">
-      <a:schemeClr val="accent2">
-        <a:tint val="50000"/>
-      </a:schemeClr>
-    </dgm:linClrLst>
-    <dgm:effectClrLst/>
-    <dgm:txLinClrLst/>
-    <dgm:txFillClrLst meth="repeat">
-      <a:schemeClr val="tx1"/>
-    </dgm:txFillClrLst>
-    <dgm:txEffectClrLst/>
-  </dgm:styleLbl>
-  <dgm:styleLbl name="asst0">
-    <dgm:fillClrLst meth="repeat">
-      <a:schemeClr val="accent1"/>
-    </dgm:fillClrLst>
-    <dgm:linClrLst meth="repeat">
-      <a:schemeClr val="lt1"/>
-    </dgm:linClrLst>
-    <dgm:effectClrLst/>
-    <dgm:txLinClrLst/>
-    <dgm:txFillClrLst/>
-    <dgm:txEffectClrLst/>
-  </dgm:styleLbl>
-  <dgm:styleLbl name="asst1">
-    <dgm:fillClrLst meth="repeat">
-      <a:schemeClr val="accent2"/>
-    </dgm:fillClrLst>
-    <dgm:linClrLst meth="repeat">
-      <a:schemeClr val="lt1"/>
-    </dgm:linClrLst>
-    <dgm:effectClrLst/>
-    <dgm:txLinClrLst/>
-    <dgm:txFillClrLst/>
-    <dgm:txEffectClrLst/>
-  </dgm:styleLbl>
-  <dgm:styleLbl name="asst2">
-    <dgm:fillClrLst>
-      <a:schemeClr val="accent3"/>
-    </dgm:fillClrLst>
-    <dgm:linClrLst meth="repeat">
-      <a:schemeClr val="lt1"/>
-    </dgm:linClrLst>
-    <dgm:effectClrLst/>
-    <dgm:txLinClrLst/>
-    <dgm:txFillClrLst/>
-    <dgm:txEffectClrLst/>
-  </dgm:styleLbl>
-  <dgm:styleLbl name="asst3">
-    <dgm:fillClrLst>
-      <a:schemeClr val="accent4"/>
-    </dgm:fillClrLst>
-    <dgm:linClrLst meth="repeat">
-      <a:schemeClr val="lt1"/>
-    </dgm:linClrLst>
-    <dgm:effectClrLst/>
-    <dgm:txLinClrLst/>
-    <dgm:txFillClrLst/>
-    <dgm:txEffectClrLst/>
-  </dgm:styleLbl>
-  <dgm:styleLbl name="asst4">
-    <dgm:fillClrLst>
-      <a:schemeClr val="accent5"/>
-    </dgm:fillClrLst>
-    <dgm:linClrLst meth="repeat">
-      <a:schemeClr val="lt1"/>
-    </dgm:linClrLst>
-    <dgm:effectClrLst/>
-    <dgm:txLinClrLst/>
-    <dgm:txFillClrLst/>
-    <dgm:txEffectClrLst/>
-  </dgm:styleLbl>
-  <dgm:styleLbl name="parChTrans2D1">
-    <dgm:fillClrLst meth="repeat">
-      <a:schemeClr val="accent2"/>
-    </dgm:fillClrLst>
-    <dgm:linClrLst meth="repeat">
-      <a:schemeClr val="lt1"/>
-    </dgm:linClrLst>
-    <dgm:effectClrLst/>
-    <dgm:txLinClrLst/>
-    <dgm:txFillClrLst meth="repeat">
-      <a:schemeClr val="lt1"/>
-    </dgm:txFillClrLst>
-    <dgm:txEffectClrLst/>
-  </dgm:styleLbl>
-  <dgm:styleLbl name="parChTrans2D2">
-    <dgm:fillClrLst meth="repeat">
-      <a:schemeClr val="accent3"/>
-    </dgm:fillClrLst>
-    <dgm:linClrLst meth="repeat">
-      <a:schemeClr val="lt1"/>
-    </dgm:linClrLst>
-    <dgm:effectClrLst/>
-    <dgm:txLinClrLst/>
-    <dgm:txFillClrLst/>
-    <dgm:txEffectClrLst/>
-  </dgm:styleLbl>
-  <dgm:styleLbl name="parChTrans2D3">
-    <dgm:fillClrLst meth="repeat">
-      <a:schemeClr val="accent4"/>
-    </dgm:fillClrLst>
-    <dgm:linClrLst meth="repeat">
-      <a:schemeClr val="lt1"/>
-    </dgm:linClrLst>
-    <dgm:effectClrLst/>
-    <dgm:txLinClrLst/>
-    <dgm:txFillClrLst/>
-    <dgm:txEffectClrLst/>
-  </dgm:styleLbl>
-  <dgm:styleLbl name="parChTrans2D4">
-    <dgm:fillClrLst meth="repeat">
-      <a:schemeClr val="accent5"/>
-    </dgm:fillClrLst>
-    <dgm:linClrLst meth="repeat">
-      <a:schemeClr val="lt1"/>
-    </dgm:linClrLst>
-    <dgm:effectClrLst/>
-    <dgm:txLinClrLst/>
-    <dgm:txFillClrLst meth="repeat">
-      <a:schemeClr val="lt1"/>
-    </dgm:txFillClrLst>
-    <dgm:txEffectClrLst/>
-  </dgm:styleLbl>
-  <dgm:styleLbl name="parChTrans1D1">
-    <dgm:fillClrLst meth="repeat">
-      <a:schemeClr val="accent2"/>
-    </dgm:fillClrLst>
-    <dgm:linClrLst meth="repeat">
-      <a:schemeClr val="accent1"/>
-    </dgm:linClrLst>
-    <dgm:effectClrLst/>
-    <dgm:txLinClrLst/>
-    <dgm:txFillClrLst meth="repeat">
-      <a:schemeClr val="tx1"/>
-    </dgm:txFillClrLst>
-    <dgm:txEffectClrLst/>
-  </dgm:styleLbl>
-  <dgm:styleLbl name="parChTrans1D2">
-    <dgm:fillClrLst meth="repeat">
-      <a:schemeClr val="accent3">
-        <a:tint val="90000"/>
-      </a:schemeClr>
-    </dgm:fillClrLst>
-    <dgm:linClrLst meth="repeat">
-      <a:schemeClr val="accent2"/>
-    </dgm:linClrLst>
-    <dgm:effectClrLst/>
-    <dgm:txLinClrLst/>
-    <dgm:txFillClrLst meth="repeat">
-      <a:schemeClr val="tx1"/>
-    </dgm:txFillClrLst>
-    <dgm:txEffectClrLst/>
-  </dgm:styleLbl>
-  <dgm:styleLbl name="parChTrans1D3">
-    <dgm:fillClrLst meth="repeat">
-      <a:schemeClr val="accent4">
-        <a:tint val="70000"/>
-      </a:schemeClr>
-    </dgm:fillClrLst>
-    <dgm:linClrLst meth="repeat">
-      <a:schemeClr val="accent3"/>
-    </dgm:linClrLst>
-    <dgm:effectClrLst/>
-    <dgm:txLinClrLst/>
-    <dgm:txFillClrLst meth="repeat">
-      <a:schemeClr val="tx1"/>
-    </dgm:txFillClrLst>
-    <dgm:txEffectClrLst/>
-  </dgm:styleLbl>
-  <dgm:styleLbl name="parChTrans1D4">
-    <dgm:fillClrLst meth="repeat">
-      <a:schemeClr val="accent5">
-        <a:tint val="50000"/>
-      </a:schemeClr>
-    </dgm:fillClrLst>
-    <dgm:linClrLst meth="repeat">
-      <a:schemeClr val="accent4"/>
-    </dgm:linClrLst>
-    <dgm:effectClrLst/>
-    <dgm:txLinClrLst/>
-    <dgm:txFillClrLst meth="repeat">
-      <a:schemeClr val="tx1"/>
-    </dgm:txFillClrLst>
-    <dgm:txEffectClrLst/>
-  </dgm:styleLbl>
-  <dgm:styleLbl name="fgAcc1">
-    <dgm:fillClrLst meth="repeat">
-      <a:schemeClr val="lt1">
-        <a:alpha val="90000"/>
-      </a:schemeClr>
-    </dgm:fillClrLst>
-    <dgm:linClrLst meth="repeat">
-      <a:schemeClr val="accent2"/>
-      <a:schemeClr val="accent3"/>
-      <a:schemeClr val="accent4"/>
-      <a:schemeClr val="accent5"/>
-      <a:schemeClr val="accent6"/>
-    </dgm:linClrLst>
-    <dgm:effectClrLst/>
-    <dgm:txLinClrLst/>
-    <dgm:txFillClrLst meth="repeat">
-      <a:schemeClr val="dk1"/>
-    </dgm:txFillClrLst>
-    <dgm:txEffectClrLst/>
-  </dgm:styleLbl>
-  <dgm:styleLbl name="conFgAcc1">
-    <dgm:fillClrLst meth="repeat">
-      <a:schemeClr val="lt1">
-        <a:alpha val="90000"/>
-      </a:schemeClr>
-    </dgm:fillClrLst>
-    <dgm:linClrLst meth="repeat">
-      <a:schemeClr val="accent2"/>
-      <a:schemeClr val="accent3"/>
-      <a:schemeClr val="accent4"/>
-      <a:schemeClr val="accent5"/>
-      <a:schemeClr val="accent6"/>
-    </dgm:linClrLst>
-    <dgm:effectClrLst/>
-    <dgm:txLinClrLst/>
-    <dgm:txFillClrLst meth="repeat">
-      <a:schemeClr val="dk1"/>
-    </dgm:txFillClrLst>
-    <dgm:txEffectClrLst/>
-  </dgm:styleLbl>
-  <dgm:styleLbl name="alignAcc1">
-    <dgm:fillClrLst meth="repeat">
-      <a:schemeClr val="lt1">
-        <a:alpha val="90000"/>
-      </a:schemeClr>
-    </dgm:fillClrLst>
-    <dgm:linClrLst meth="repeat">
-      <a:schemeClr val="accent2"/>
-      <a:schemeClr val="accent3"/>
-      <a:schemeClr val="accent4"/>
-      <a:schemeClr val="accent5"/>
-      <a:schemeClr val="accent6"/>
-    </dgm:linClrLst>
-    <dgm:effectClrLst/>
-    <dgm:txLinClrLst/>
-    <dgm:txFillClrLst meth="repeat">
-      <a:schemeClr val="dk1"/>
-    </dgm:txFillClrLst>
-    <dgm:txEffectClrLst/>
-  </dgm:styleLbl>
-  <dgm:styleLbl name="trAlignAcc1">
-    <dgm:fillClrLst meth="repeat">
-      <a:schemeClr val="lt1">
-        <a:alpha val="40000"/>
-      </a:schemeClr>
-    </dgm:fillClrLst>
-    <dgm:linClrLst meth="repeat">
-      <a:schemeClr val="accent1"/>
-    </dgm:linClrLst>
-    <dgm:effectClrLst/>
-    <dgm:txLinClrLst/>
-    <dgm:txFillClrLst meth="repeat">
-      <a:schemeClr val="dk1"/>
-    </dgm:txFillClrLst>
-    <dgm:txEffectClrLst/>
-  </dgm:styleLbl>
-  <dgm:styleLbl name="bgAcc1">
-    <dgm:fillClrLst meth="repeat">
-      <a:schemeClr val="lt1">
-        <a:alpha val="90000"/>
-      </a:schemeClr>
-    </dgm:fillClrLst>
-    <dgm:linClrLst meth="repeat">
-      <a:schemeClr val="accent2"/>
-      <a:schemeClr val="accent3"/>
-      <a:schemeClr val="accent4"/>
-      <a:schemeClr val="accent5"/>
-      <a:schemeClr val="accent6"/>
-    </dgm:linClrLst>
-    <dgm:effectClrLst/>
-    <dgm:txLinClrLst/>
-    <dgm:txFillClrLst meth="repeat">
-      <a:schemeClr val="dk1"/>
-    </dgm:txFillClrLst>
-    <dgm:txEffectClrLst/>
-  </dgm:styleLbl>
-  <dgm:styleLbl name="solidFgAcc1">
-    <dgm:fillClrLst meth="repeat">
-      <a:schemeClr val="lt1"/>
-    </dgm:fillClrLst>
-    <dgm:linClrLst meth="repeat">
-      <a:schemeClr val="accent2"/>
-      <a:schemeClr val="accent3"/>
-      <a:schemeClr val="accent4"/>
-      <a:schemeClr val="accent5"/>
-      <a:schemeClr val="accent6"/>
-    </dgm:linClrLst>
-    <dgm:effectClrLst/>
-    <dgm:txLinClrLst/>
-    <dgm:txFillClrLst meth="repeat">
-      <a:schemeClr val="dk1"/>
-    </dgm:txFillClrLst>
-    <dgm:txEffectClrLst/>
-  </dgm:styleLbl>
-  <dgm:styleLbl name="solidAlignAcc1">
-    <dgm:fillClrLst meth="repeat">
-      <a:schemeClr val="lt1"/>
-    </dgm:fillClrLst>
-    <dgm:linClrLst meth="repeat">
-      <a:schemeClr val="accent2"/>
-      <a:schemeClr val="accent3"/>
-      <a:schemeClr val="accent4"/>
-      <a:schemeClr val="accent5"/>
-      <a:schemeClr val="accent6"/>
-    </dgm:linClrLst>
-    <dgm:effectClrLst/>
-    <dgm:txLinClrLst/>
-    <dgm:txFillClrLst meth="repeat">
-      <a:schemeClr val="dk1"/>
-    </dgm:txFillClrLst>
-    <dgm:txEffectClrLst/>
-  </dgm:styleLbl>
-  <dgm:styleLbl name="solidBgAcc1">
-    <dgm:fillClrLst meth="repeat">
-      <a:schemeClr val="lt1"/>
-    </dgm:fillClrLst>
-    <dgm:linClrLst meth="repeat">
-      <a:schemeClr val="accent2"/>
-      <a:schemeClr val="accent3"/>
-      <a:schemeClr val="accent4"/>
-      <a:schemeClr val="accent5"/>
-      <a:schemeClr val="accent6"/>
-    </dgm:linClrLst>
-    <dgm:effectClrLst/>
-    <dgm:txLinClrLst/>
-    <dgm:txFillClrLst meth="repeat">
-      <a:schemeClr val="dk1"/>
-    </dgm:txFillClrLst>
-    <dgm:txEffectClrLst/>
-  </dgm:styleLbl>
-  <dgm:styleLbl name="fgAccFollowNode1">
-    <dgm:fillClrLst meth="repeat">
-      <a:schemeClr val="accent2">
-        <a:tint val="40000"/>
-        <a:alpha val="90000"/>
-      </a:schemeClr>
-      <a:schemeClr val="accent3">
-        <a:tint val="40000"/>
-        <a:alpha val="90000"/>
-      </a:schemeClr>
-      <a:schemeClr val="accent4">
-        <a:tint val="40000"/>
-        <a:alpha val="90000"/>
-      </a:schemeClr>
-      <a:schemeClr val="accent5">
-        <a:tint val="40000"/>
-        <a:alpha val="90000"/>
-      </a:schemeClr>
-      <a:schemeClr val="accent6">
-        <a:tint val="40000"/>
-        <a:alpha val="90000"/>
-      </a:schemeClr>
-    </dgm:fillClrLst>
-    <dgm:linClrLst meth="repeat">
-      <a:schemeClr val="accent2">
-        <a:tint val="40000"/>
-        <a:alpha val="90000"/>
-      </a:schemeClr>
-      <a:schemeClr val="accent3">
-        <a:tint val="40000"/>
-        <a:alpha val="90000"/>
-      </a:schemeClr>
-      <a:schemeClr val="accent4">
-        <a:tint val="40000"/>
-        <a:alpha val="90000"/>
-      </a:schemeClr>
-      <a:schemeClr val="accent5">
-        <a:tint val="40000"/>
-        <a:alpha val="90000"/>
-      </a:schemeClr>
-      <a:schemeClr val="accent6">
-        <a:tint val="40000"/>
-        <a:alpha val="90000"/>
-      </a:schemeClr>
-    </dgm:linClrLst>
-    <dgm:effectClrLst/>
-    <dgm:txLinClrLst/>
-    <dgm:txFillClrLst meth="repeat">
-      <a:schemeClr val="dk1"/>
-    </dgm:txFillClrLst>
-    <dgm:txEffectClrLst/>
-  </dgm:styleLbl>
-  <dgm:styleLbl name="alignAccFollowNode1">
-    <dgm:fillClrLst meth="repeat">
-      <a:schemeClr val="accent2">
-        <a:tint val="40000"/>
-        <a:alpha val="90000"/>
-      </a:schemeClr>
-      <a:schemeClr val="accent3">
-        <a:tint val="40000"/>
-        <a:alpha val="90000"/>
-      </a:schemeClr>
-      <a:schemeClr val="accent4">
-        <a:tint val="40000"/>
-        <a:alpha val="90000"/>
-      </a:schemeClr>
-      <a:schemeClr val="accent5">
-        <a:tint val="40000"/>
-        <a:alpha val="90000"/>
-      </a:schemeClr>
-      <a:schemeClr val="accent6">
-        <a:tint val="40000"/>
-        <a:alpha val="90000"/>
-      </a:schemeClr>
-    </dgm:fillClrLst>
-    <dgm:linClrLst meth="repeat">
-      <a:schemeClr val="accent2">
-        <a:tint val="40000"/>
-        <a:alpha val="90000"/>
-      </a:schemeClr>
-      <a:schemeClr val="accent3">
-        <a:tint val="40000"/>
-        <a:alpha val="90000"/>
-      </a:schemeClr>
-      <a:schemeClr val="accent4">
-        <a:tint val="40000"/>
-        <a:alpha val="90000"/>
-      </a:schemeClr>
-      <a:schemeClr val="accent5">
-        <a:tint val="40000"/>
-        <a:alpha val="90000"/>
-      </a:schemeClr>
-      <a:schemeClr val="accent6">
-        <a:tint val="40000"/>
-        <a:alpha val="90000"/>
-      </a:schemeClr>
-    </dgm:linClrLst>
-    <dgm:effectClrLst/>
-    <dgm:txLinClrLst/>
-    <dgm:txFillClrLst meth="repeat">
-      <a:schemeClr val="dk1"/>
-    </dgm:txFillClrLst>
-    <dgm:txEffectClrLst/>
-  </dgm:styleLbl>
-  <dgm:styleLbl name="bgAccFollowNode1">
-    <dgm:fillClrLst meth="repeat">
-      <a:schemeClr val="accent2">
-        <a:tint val="40000"/>
-        <a:alpha val="90000"/>
-      </a:schemeClr>
-      <a:schemeClr val="accent3">
-        <a:tint val="40000"/>
-        <a:alpha val="90000"/>
-      </a:schemeClr>
-      <a:schemeClr val="accent4">
-        <a:tint val="40000"/>
-        <a:alpha val="90000"/>
-      </a:schemeClr>
-      <a:schemeClr val="accent5">
-        <a:tint val="40000"/>
-        <a:alpha val="90000"/>
-      </a:schemeClr>
-      <a:schemeClr val="accent6">
-        <a:tint val="40000"/>
-        <a:alpha val="90000"/>
-      </a:schemeClr>
-    </dgm:fillClrLst>
-    <dgm:linClrLst meth="repeat">
-      <a:schemeClr val="accent2">
-        <a:tint val="40000"/>
-        <a:alpha val="90000"/>
-      </a:schemeClr>
-      <a:schemeClr val="accent3">
-        <a:tint val="40000"/>
-        <a:alpha val="90000"/>
-      </a:schemeClr>
-      <a:schemeClr val="accent4">
-        <a:tint val="40000"/>
-        <a:alpha val="90000"/>
-      </a:schemeClr>
-      <a:schemeClr val="accent5">
-        <a:tint val="40000"/>
-        <a:alpha val="90000"/>
-      </a:schemeClr>
-      <a:schemeClr val="accent6">
-        <a:tint val="40000"/>
-        <a:alpha val="90000"/>
-      </a:schemeClr>
-    </dgm:linClrLst>
-    <dgm:effectClrLst/>
-    <dgm:txLinClrLst/>
-    <dgm:txFillClrLst meth="repeat">
-      <a:schemeClr val="dk1"/>
-    </dgm:txFillClrLst>
-    <dgm:txEffectClrLst/>
-  </dgm:styleLbl>
-  <dgm:styleLbl name="fgAcc0">
-    <dgm:fillClrLst meth="repeat">
-      <a:schemeClr val="lt1">
-        <a:alpha val="90000"/>
-      </a:schemeClr>
-    </dgm:fillClrLst>
-    <dgm:linClrLst>
-      <a:schemeClr val="accent1"/>
-    </dgm:linClrLst>
-    <dgm:effectClrLst/>
-    <dgm:txLinClrLst/>
-    <dgm:txFillClrLst meth="repeat">
-      <a:schemeClr val="dk1"/>
-    </dgm:txFillClrLst>
-    <dgm:txEffectClrLst/>
-  </dgm:styleLbl>
-  <dgm:styleLbl name="fgAcc2">
-    <dgm:fillClrLst meth="repeat">
-      <a:schemeClr val="lt1">
-        <a:alpha val="90000"/>
-      </a:schemeClr>
-    </dgm:fillClrLst>
-    <dgm:linClrLst>
-      <a:schemeClr val="accent2"/>
-    </dgm:linClrLst>
-    <dgm:effectClrLst/>
-    <dgm:txLinClrLst/>
-    <dgm:txFillClrLst meth="repeat">
-      <a:schemeClr val="dk1"/>
-    </dgm:txFillClrLst>
-    <dgm:txEffectClrLst/>
-  </dgm:styleLbl>
-  <dgm:styleLbl name="fgAcc3">
-    <dgm:fillClrLst meth="repeat">
-      <a:schemeClr val="lt1">
-        <a:alpha val="90000"/>
-      </a:schemeClr>
-    </dgm:fillClrLst>
-    <dgm:linClrLst>
-      <a:schemeClr val="accent3"/>
-    </dgm:linClrLst>
-    <dgm:effectClrLst/>
-    <dgm:txLinClrLst/>
-    <dgm:txFillClrLst meth="repeat">
-      <a:schemeClr val="dk1"/>
-    </dgm:txFillClrLst>
-    <dgm:txEffectClrLst/>
-  </dgm:styleLbl>
-  <dgm:styleLbl name="fgAcc4">
-    <dgm:fillClrLst meth="repeat">
-      <a:schemeClr val="lt1">
-        <a:alpha val="90000"/>
-      </a:schemeClr>
-    </dgm:fillClrLst>
-    <dgm:linClrLst>
-      <a:schemeClr val="accent4"/>
-    </dgm:linClrLst>
-    <dgm:effectClrLst/>
-    <dgm:txLinClrLst/>
-    <dgm:txFillClrLst meth="repeat">
-      <a:schemeClr val="dk1"/>
-    </dgm:txFillClrLst>
-    <dgm:txEffectClrLst/>
-  </dgm:styleLbl>
-  <dgm:styleLbl name="bgShp">
-    <dgm:fillClrLst meth="repeat">
-      <a:schemeClr val="accent2">
-        <a:tint val="40000"/>
-      </a:schemeClr>
-    </dgm:fillClrLst>
-    <dgm:linClrLst meth="repeat">
-      <a:schemeClr val="dk1"/>
-    </dgm:linClrLst>
-    <dgm:effectClrLst/>
-    <dgm:txLinClrLst/>
-    <dgm:txFillClrLst meth="repeat">
-      <a:schemeClr val="dk1"/>
-    </dgm:txFillClrLst>
-    <dgm:txEffectClrLst/>
-  </dgm:styleLbl>
-  <dgm:styleLbl name="dkBgShp">
-    <dgm:fillClrLst meth="repeat">
-      <a:schemeClr val="accent2">
-        <a:shade val="90000"/>
-      </a:schemeClr>
-    </dgm:fillClrLst>
-    <dgm:linClrLst meth="repeat">
-      <a:schemeClr val="dk1"/>
-    </dgm:linClrLst>
-    <dgm:effectClrLst/>
-    <dgm:txLinClrLst/>
-    <dgm:txFillClrLst meth="repeat">
-      <a:schemeClr val="lt1"/>
-    </dgm:txFillClrLst>
-    <dgm:txEffectClrLst/>
-  </dgm:styleLbl>
-  <dgm:styleLbl name="trBgShp">
-    <dgm:fillClrLst meth="repeat">
-      <a:schemeClr val="accent1">
-        <a:tint val="50000"/>
-        <a:alpha val="40000"/>
-      </a:schemeClr>
-    </dgm:fillClrLst>
-    <dgm:linClrLst meth="repeat">
-      <a:schemeClr val="accent2"/>
-    </dgm:linClrLst>
-    <dgm:effectClrLst/>
-    <dgm:txLinClrLst/>
-    <dgm:txFillClrLst meth="repeat">
-      <a:schemeClr val="lt1"/>
-    </dgm:txFillClrLst>
-    <dgm:txEffectClrLst/>
-  </dgm:styleLbl>
-  <dgm:styleLbl name="fgShp">
-    <dgm:fillClrLst meth="repeat">
-      <a:schemeClr val="accent2">
-        <a:tint val="40000"/>
-      </a:schemeClr>
-    </dgm:fillClrLst>
-    <dgm:linClrLst meth="repeat">
-      <a:schemeClr val="lt1"/>
-    </dgm:linClrLst>
-    <dgm:effectClrLst/>
-    <dgm:txLinClrLst/>
-    <dgm:txFillClrLst meth="repeat">
-      <a:schemeClr val="dk1"/>
-    </dgm:txFillClrLst>
-    <dgm:txEffectClrLst/>
-  </dgm:styleLbl>
-  <dgm:styleLbl name="revTx">
-    <dgm:fillClrLst meth="repeat">
-      <a:schemeClr val="lt1">
-        <a:alpha val="0"/>
-      </a:schemeClr>
-    </dgm:fillClrLst>
-    <dgm:linClrLst meth="repeat">
-      <a:schemeClr val="dk1">
-        <a:alpha val="0"/>
-      </a:schemeClr>
-    </dgm:linClrLst>
-    <dgm:effectClrLst/>
-    <dgm:txLinClrLst/>
-    <dgm:txFillClrLst meth="repeat">
-      <a:schemeClr val="tx1"/>
-    </dgm:txFillClrLst>
-    <dgm:txEffectClrLst/>
-  </dgm:styleLbl>
-</dgm:colorsDef>
-</file>
-
-<file path=ppt/diagrams/data1.xml><?xml version="1.0" encoding="utf-8"?>
-<dgm:dataModel xmlns:dgm="http://schemas.openxmlformats.org/drawingml/2006/diagram" xmlns:a="http://schemas.openxmlformats.org/drawingml/2006/main">
-  <dgm:ptLst>
-    <dgm:pt modelId="{CD7942A0-B7D2-4B14-8FEA-55FC702F5BE7}" type="doc">
-      <dgm:prSet loTypeId="urn:microsoft.com/office/officeart/2005/8/layout/vProcess5" loCatId="process" qsTypeId="urn:microsoft.com/office/officeart/2005/8/quickstyle/simple4" qsCatId="simple" csTypeId="urn:microsoft.com/office/officeart/2005/8/colors/colorful1" csCatId="colorful" phldr="1"/>
-      <dgm:spPr/>
-      <dgm:t>
-        <a:bodyPr/>
-        <a:lstStyle/>
-        <a:p>
-          <a:endParaRPr lang="en-US"/>
-        </a:p>
-      </dgm:t>
-    </dgm:pt>
-    <dgm:pt modelId="{095A5E99-E976-4550-8F80-53CC813F2F5A}">
-      <dgm:prSet phldrT="[Text]"/>
-      <dgm:spPr>
-        <a:gradFill rotWithShape="0">
-          <a:gsLst>
-            <a:gs pos="0">
-              <a:srgbClr val="703000"/>
-            </a:gs>
-            <a:gs pos="50000">
-              <a:srgbClr val="A44A00"/>
-            </a:gs>
-            <a:gs pos="70000">
-              <a:srgbClr val="BC5500"/>
-            </a:gs>
-            <a:gs pos="100000">
-              <a:srgbClr val="F26D00"/>
-            </a:gs>
-          </a:gsLst>
-        </a:gradFill>
-      </dgm:spPr>
-      <dgm:t>
-        <a:bodyPr/>
-        <a:lstStyle/>
-        <a:p>
-          <a:r>
-            <a:rPr lang="en-US" dirty="0"/>
-            <a:t>Task 1</a:t>
-          </a:r>
-        </a:p>
-      </dgm:t>
-      <dgm:extLst>
-        <a:ext uri="{E40237B7-FDA0-4F09-8148-C483321AD2D9}">
-          <dgm14:cNvPr xmlns:dgm14="http://schemas.microsoft.com/office/drawing/2010/diagram" id="0" name="" descr="Staggered process showing 3 tasks arranged one below the other and two downward pointing arrows are used to indicate progression from first task to second task and second task to third task."/>
-        </a:ext>
-      </dgm:extLst>
-    </dgm:pt>
-    <dgm:pt modelId="{03339A0D-5DC0-4B29-8353-C5AEBFD4DE86}" type="parTrans" cxnId="{D1A4D8E6-F04E-4AB1-8D0C-63DC7AB1E81F}">
-      <dgm:prSet/>
-      <dgm:spPr/>
-      <dgm:t>
-        <a:bodyPr/>
-        <a:lstStyle/>
-        <a:p>
-          <a:endParaRPr lang="en-US"/>
-        </a:p>
-      </dgm:t>
-    </dgm:pt>
-    <dgm:pt modelId="{8877691F-1B60-4485-9174-DDEC7EE68B70}" type="sibTrans" cxnId="{D1A4D8E6-F04E-4AB1-8D0C-63DC7AB1E81F}">
-      <dgm:prSet/>
-      <dgm:spPr/>
-      <dgm:t>
-        <a:bodyPr/>
-        <a:lstStyle/>
-        <a:p>
-          <a:endParaRPr lang="en-US"/>
-        </a:p>
-      </dgm:t>
-    </dgm:pt>
-    <dgm:pt modelId="{8EC937D8-BD76-4A12-A3E5-900D5C1E2E05}">
-      <dgm:prSet phldrT="[Text]"/>
-      <dgm:spPr/>
-      <dgm:t>
-        <a:bodyPr/>
-        <a:lstStyle/>
-        <a:p>
-          <a:r>
-            <a:rPr lang="en-US" dirty="0"/>
-            <a:t>Task 2</a:t>
-          </a:r>
-        </a:p>
-      </dgm:t>
-    </dgm:pt>
-    <dgm:pt modelId="{8265EE85-9851-494E-A6D3-1CDACE947DF3}" type="parTrans" cxnId="{43DC8383-AEE5-490C-A8E5-1F216F2B8FE6}">
-      <dgm:prSet/>
-      <dgm:spPr/>
-      <dgm:t>
-        <a:bodyPr/>
-        <a:lstStyle/>
-        <a:p>
-          <a:endParaRPr lang="en-US"/>
-        </a:p>
-      </dgm:t>
-    </dgm:pt>
-    <dgm:pt modelId="{B3EFD4A5-9FA1-4ABE-B722-05162509509B}" type="sibTrans" cxnId="{43DC8383-AEE5-490C-A8E5-1F216F2B8FE6}">
-      <dgm:prSet/>
-      <dgm:spPr/>
-      <dgm:t>
-        <a:bodyPr/>
-        <a:lstStyle/>
-        <a:p>
-          <a:endParaRPr lang="en-US"/>
-        </a:p>
-      </dgm:t>
-    </dgm:pt>
-    <dgm:pt modelId="{7133ECF5-4190-4604-AA2F-03C9A0A9210F}">
-      <dgm:prSet phldrT="[Text]"/>
-      <dgm:spPr>
-        <a:gradFill rotWithShape="0">
-          <a:gsLst>
-            <a:gs pos="0">
-              <a:srgbClr val="394404"/>
-            </a:gs>
-            <a:gs pos="50000">
-              <a:srgbClr val="5F6F0F"/>
-            </a:gs>
-            <a:gs pos="70000">
-              <a:srgbClr val="65741A"/>
-            </a:gs>
-            <a:gs pos="100000">
-              <a:schemeClr val="accent4">
-                <a:hueOff val="0"/>
-                <a:satOff val="0"/>
-                <a:lumOff val="0"/>
-                <a:alphaOff val="0"/>
-                <a:tint val="100000"/>
-                <a:shade val="100000"/>
-                <a:satMod val="155000"/>
-              </a:schemeClr>
-            </a:gs>
-          </a:gsLst>
-        </a:gradFill>
-      </dgm:spPr>
-      <dgm:t>
-        <a:bodyPr/>
-        <a:lstStyle/>
-        <a:p>
-          <a:r>
-            <a:rPr lang="en-US" dirty="0"/>
-            <a:t>Task 3</a:t>
-          </a:r>
-        </a:p>
-      </dgm:t>
-      <dgm:extLst>
-        <a:ext uri="{E40237B7-FDA0-4F09-8148-C483321AD2D9}">
-          <dgm14:cNvPr xmlns:dgm14="http://schemas.microsoft.com/office/drawing/2010/diagram" id="0" name="" descr="Staggered process showing 3 tasks arranged one below the other and two downward pointing arrows are used to indicate progression from first task to second task and second task to third task."/>
-        </a:ext>
-      </dgm:extLst>
-    </dgm:pt>
-    <dgm:pt modelId="{7D1B29D7-21DD-436A-8F7C-E87DE53C1431}" type="parTrans" cxnId="{011A9761-E983-4C7D-AB1D-2038261D8FF8}">
-      <dgm:prSet/>
-      <dgm:spPr/>
-      <dgm:t>
-        <a:bodyPr/>
-        <a:lstStyle/>
-        <a:p>
-          <a:endParaRPr lang="en-US"/>
-        </a:p>
-      </dgm:t>
-    </dgm:pt>
-    <dgm:pt modelId="{46037378-034A-4662-877A-B53E1DA069A3}" type="sibTrans" cxnId="{011A9761-E983-4C7D-AB1D-2038261D8FF8}">
-      <dgm:prSet/>
-      <dgm:spPr/>
-      <dgm:t>
-        <a:bodyPr/>
-        <a:lstStyle/>
-        <a:p>
-          <a:endParaRPr lang="en-US"/>
-        </a:p>
-      </dgm:t>
-    </dgm:pt>
-    <dgm:pt modelId="{1D84D8B6-AB32-4491-B5D2-EFE3D7668B88}" type="pres">
-      <dgm:prSet presAssocID="{CD7942A0-B7D2-4B14-8FEA-55FC702F5BE7}" presName="outerComposite" presStyleCnt="0">
-        <dgm:presLayoutVars>
-          <dgm:chMax val="5"/>
-          <dgm:dir/>
-          <dgm:resizeHandles val="exact"/>
-        </dgm:presLayoutVars>
-      </dgm:prSet>
-      <dgm:spPr/>
-    </dgm:pt>
-    <dgm:pt modelId="{3E0E8213-E460-4EB7-9A92-C2B1CC553F0D}" type="pres">
-      <dgm:prSet presAssocID="{CD7942A0-B7D2-4B14-8FEA-55FC702F5BE7}" presName="dummyMaxCanvas" presStyleCnt="0">
-        <dgm:presLayoutVars/>
-      </dgm:prSet>
-      <dgm:spPr/>
-    </dgm:pt>
-    <dgm:pt modelId="{124EF20B-D98C-45B2-BB13-7B93B5373CEB}" type="pres">
-      <dgm:prSet presAssocID="{CD7942A0-B7D2-4B14-8FEA-55FC702F5BE7}" presName="ThreeNodes_1" presStyleLbl="node1" presStyleIdx="0" presStyleCnt="3">
-        <dgm:presLayoutVars>
-          <dgm:bulletEnabled val="1"/>
-        </dgm:presLayoutVars>
-      </dgm:prSet>
-      <dgm:spPr/>
-    </dgm:pt>
-    <dgm:pt modelId="{CA544AF7-F7B2-4CA5-9251-B4CDB8D06634}" type="pres">
-      <dgm:prSet presAssocID="{CD7942A0-B7D2-4B14-8FEA-55FC702F5BE7}" presName="ThreeNodes_2" presStyleLbl="node1" presStyleIdx="1" presStyleCnt="3">
-        <dgm:presLayoutVars>
-          <dgm:bulletEnabled val="1"/>
-        </dgm:presLayoutVars>
-      </dgm:prSet>
-      <dgm:spPr/>
-    </dgm:pt>
-    <dgm:pt modelId="{2AE92D3F-F0FA-45DD-BB60-4C6FBC6BC016}" type="pres">
-      <dgm:prSet presAssocID="{CD7942A0-B7D2-4B14-8FEA-55FC702F5BE7}" presName="ThreeNodes_3" presStyleLbl="node1" presStyleIdx="2" presStyleCnt="3">
-        <dgm:presLayoutVars>
-          <dgm:bulletEnabled val="1"/>
-        </dgm:presLayoutVars>
-      </dgm:prSet>
-      <dgm:spPr/>
-    </dgm:pt>
-    <dgm:pt modelId="{9CA877D8-99F8-40A0-89E9-59A61C9A70F4}" type="pres">
-      <dgm:prSet presAssocID="{CD7942A0-B7D2-4B14-8FEA-55FC702F5BE7}" presName="ThreeConn_1-2" presStyleLbl="fgAccFollowNode1" presStyleIdx="0" presStyleCnt="2">
-        <dgm:presLayoutVars>
-          <dgm:bulletEnabled val="1"/>
-        </dgm:presLayoutVars>
-      </dgm:prSet>
-      <dgm:spPr/>
-    </dgm:pt>
-    <dgm:pt modelId="{62643EF2-016C-41F1-8CBC-398422A85727}" type="pres">
-      <dgm:prSet presAssocID="{CD7942A0-B7D2-4B14-8FEA-55FC702F5BE7}" presName="ThreeConn_2-3" presStyleLbl="fgAccFollowNode1" presStyleIdx="1" presStyleCnt="2">
-        <dgm:presLayoutVars>
-          <dgm:bulletEnabled val="1"/>
-        </dgm:presLayoutVars>
-      </dgm:prSet>
-      <dgm:spPr/>
-    </dgm:pt>
-    <dgm:pt modelId="{7A2F6994-DA87-4497-BFC7-DD9D6EC5315F}" type="pres">
-      <dgm:prSet presAssocID="{CD7942A0-B7D2-4B14-8FEA-55FC702F5BE7}" presName="ThreeNodes_1_text" presStyleLbl="node1" presStyleIdx="2" presStyleCnt="3">
-        <dgm:presLayoutVars>
-          <dgm:bulletEnabled val="1"/>
-        </dgm:presLayoutVars>
-      </dgm:prSet>
-      <dgm:spPr/>
-    </dgm:pt>
-    <dgm:pt modelId="{916C48CB-E452-4B79-A9B9-4C9A90B47960}" type="pres">
-      <dgm:prSet presAssocID="{CD7942A0-B7D2-4B14-8FEA-55FC702F5BE7}" presName="ThreeNodes_2_text" presStyleLbl="node1" presStyleIdx="2" presStyleCnt="3">
-        <dgm:presLayoutVars>
-          <dgm:bulletEnabled val="1"/>
-        </dgm:presLayoutVars>
-      </dgm:prSet>
-      <dgm:spPr/>
-    </dgm:pt>
-    <dgm:pt modelId="{A31D264E-E285-4E5C-8EB7-762CD501BE72}" type="pres">
-      <dgm:prSet presAssocID="{CD7942A0-B7D2-4B14-8FEA-55FC702F5BE7}" presName="ThreeNodes_3_text" presStyleLbl="node1" presStyleIdx="2" presStyleCnt="3">
-        <dgm:presLayoutVars>
-          <dgm:bulletEnabled val="1"/>
-        </dgm:presLayoutVars>
-      </dgm:prSet>
-      <dgm:spPr/>
-    </dgm:pt>
-  </dgm:ptLst>
-  <dgm:cxnLst>
-    <dgm:cxn modelId="{5A89A138-BC1A-490F-935E-2EC3F74E8E18}" type="presOf" srcId="{7133ECF5-4190-4604-AA2F-03C9A0A9210F}" destId="{2AE92D3F-F0FA-45DD-BB60-4C6FBC6BC016}" srcOrd="0" destOrd="0" presId="urn:microsoft.com/office/officeart/2005/8/layout/vProcess5"/>
-    <dgm:cxn modelId="{011A9761-E983-4C7D-AB1D-2038261D8FF8}" srcId="{CD7942A0-B7D2-4B14-8FEA-55FC702F5BE7}" destId="{7133ECF5-4190-4604-AA2F-03C9A0A9210F}" srcOrd="2" destOrd="0" parTransId="{7D1B29D7-21DD-436A-8F7C-E87DE53C1431}" sibTransId="{46037378-034A-4662-877A-B53E1DA069A3}"/>
-    <dgm:cxn modelId="{8A063A46-8F8D-405A-B2D6-6495FA638F46}" type="presOf" srcId="{8EC937D8-BD76-4A12-A3E5-900D5C1E2E05}" destId="{CA544AF7-F7B2-4CA5-9251-B4CDB8D06634}" srcOrd="0" destOrd="0" presId="urn:microsoft.com/office/officeart/2005/8/layout/vProcess5"/>
-    <dgm:cxn modelId="{A071614A-8A85-47B2-A113-0652CAB9B428}" type="presOf" srcId="{095A5E99-E976-4550-8F80-53CC813F2F5A}" destId="{124EF20B-D98C-45B2-BB13-7B93B5373CEB}" srcOrd="0" destOrd="0" presId="urn:microsoft.com/office/officeart/2005/8/layout/vProcess5"/>
-    <dgm:cxn modelId="{43DC8383-AEE5-490C-A8E5-1F216F2B8FE6}" srcId="{CD7942A0-B7D2-4B14-8FEA-55FC702F5BE7}" destId="{8EC937D8-BD76-4A12-A3E5-900D5C1E2E05}" srcOrd="1" destOrd="0" parTransId="{8265EE85-9851-494E-A6D3-1CDACE947DF3}" sibTransId="{B3EFD4A5-9FA1-4ABE-B722-05162509509B}"/>
-    <dgm:cxn modelId="{03E7038C-2CC0-496B-88A0-60396CDC31E4}" type="presOf" srcId="{7133ECF5-4190-4604-AA2F-03C9A0A9210F}" destId="{A31D264E-E285-4E5C-8EB7-762CD501BE72}" srcOrd="1" destOrd="0" presId="urn:microsoft.com/office/officeart/2005/8/layout/vProcess5"/>
-    <dgm:cxn modelId="{C2D0E194-BD14-4AD2-9E3A-CE984C34B6CD}" type="presOf" srcId="{CD7942A0-B7D2-4B14-8FEA-55FC702F5BE7}" destId="{1D84D8B6-AB32-4491-B5D2-EFE3D7668B88}" srcOrd="0" destOrd="0" presId="urn:microsoft.com/office/officeart/2005/8/layout/vProcess5"/>
-    <dgm:cxn modelId="{BB374C9D-646D-46E6-89B4-117F0E21BA34}" type="presOf" srcId="{8EC937D8-BD76-4A12-A3E5-900D5C1E2E05}" destId="{916C48CB-E452-4B79-A9B9-4C9A90B47960}" srcOrd="1" destOrd="0" presId="urn:microsoft.com/office/officeart/2005/8/layout/vProcess5"/>
-    <dgm:cxn modelId="{12FC7FDE-4033-4970-A683-61DE6FA84E89}" type="presOf" srcId="{8877691F-1B60-4485-9174-DDEC7EE68B70}" destId="{9CA877D8-99F8-40A0-89E9-59A61C9A70F4}" srcOrd="0" destOrd="0" presId="urn:microsoft.com/office/officeart/2005/8/layout/vProcess5"/>
-    <dgm:cxn modelId="{D1A4D8E6-F04E-4AB1-8D0C-63DC7AB1E81F}" srcId="{CD7942A0-B7D2-4B14-8FEA-55FC702F5BE7}" destId="{095A5E99-E976-4550-8F80-53CC813F2F5A}" srcOrd="0" destOrd="0" parTransId="{03339A0D-5DC0-4B29-8353-C5AEBFD4DE86}" sibTransId="{8877691F-1B60-4485-9174-DDEC7EE68B70}"/>
-    <dgm:cxn modelId="{7C007CEB-6418-4EA7-9CB6-5B93D0C655E6}" type="presOf" srcId="{095A5E99-E976-4550-8F80-53CC813F2F5A}" destId="{7A2F6994-DA87-4497-BFC7-DD9D6EC5315F}" srcOrd="1" destOrd="0" presId="urn:microsoft.com/office/officeart/2005/8/layout/vProcess5"/>
-    <dgm:cxn modelId="{6CF7D6F9-A5F2-48E3-AF5C-A2074559AE21}" type="presOf" srcId="{B3EFD4A5-9FA1-4ABE-B722-05162509509B}" destId="{62643EF2-016C-41F1-8CBC-398422A85727}" srcOrd="0" destOrd="0" presId="urn:microsoft.com/office/officeart/2005/8/layout/vProcess5"/>
-    <dgm:cxn modelId="{768DB908-A4BF-48A6-A740-5DD0CBAFBB11}" type="presParOf" srcId="{1D84D8B6-AB32-4491-B5D2-EFE3D7668B88}" destId="{3E0E8213-E460-4EB7-9A92-C2B1CC553F0D}" srcOrd="0" destOrd="0" presId="urn:microsoft.com/office/officeart/2005/8/layout/vProcess5"/>
-    <dgm:cxn modelId="{A8B17D3B-E670-4FE0-A845-244C702B8151}" type="presParOf" srcId="{1D84D8B6-AB32-4491-B5D2-EFE3D7668B88}" destId="{124EF20B-D98C-45B2-BB13-7B93B5373CEB}" srcOrd="1" destOrd="0" presId="urn:microsoft.com/office/officeart/2005/8/layout/vProcess5"/>
-    <dgm:cxn modelId="{1E8E2D8B-A980-4080-A16E-1F74528DE4D0}" type="presParOf" srcId="{1D84D8B6-AB32-4491-B5D2-EFE3D7668B88}" destId="{CA544AF7-F7B2-4CA5-9251-B4CDB8D06634}" srcOrd="2" destOrd="0" presId="urn:microsoft.com/office/officeart/2005/8/layout/vProcess5"/>
-    <dgm:cxn modelId="{7992440C-9F36-432D-90EE-E2A708CEB38B}" type="presParOf" srcId="{1D84D8B6-AB32-4491-B5D2-EFE3D7668B88}" destId="{2AE92D3F-F0FA-45DD-BB60-4C6FBC6BC016}" srcOrd="3" destOrd="0" presId="urn:microsoft.com/office/officeart/2005/8/layout/vProcess5"/>
-    <dgm:cxn modelId="{DBE883B8-7D13-43BA-A456-8DBB93D30C93}" type="presParOf" srcId="{1D84D8B6-AB32-4491-B5D2-EFE3D7668B88}" destId="{9CA877D8-99F8-40A0-89E9-59A61C9A70F4}" srcOrd="4" destOrd="0" presId="urn:microsoft.com/office/officeart/2005/8/layout/vProcess5"/>
-    <dgm:cxn modelId="{A3B9E6ED-FFD0-430E-B609-EBE8E75E7C44}" type="presParOf" srcId="{1D84D8B6-AB32-4491-B5D2-EFE3D7668B88}" destId="{62643EF2-016C-41F1-8CBC-398422A85727}" srcOrd="5" destOrd="0" presId="urn:microsoft.com/office/officeart/2005/8/layout/vProcess5"/>
-    <dgm:cxn modelId="{278FE748-9C54-4E36-9203-E948DB63C99A}" type="presParOf" srcId="{1D84D8B6-AB32-4491-B5D2-EFE3D7668B88}" destId="{7A2F6994-DA87-4497-BFC7-DD9D6EC5315F}" srcOrd="6" destOrd="0" presId="urn:microsoft.com/office/officeart/2005/8/layout/vProcess5"/>
-    <dgm:cxn modelId="{E81279B5-23BF-4F73-A353-8831FC04E9BC}" type="presParOf" srcId="{1D84D8B6-AB32-4491-B5D2-EFE3D7668B88}" destId="{916C48CB-E452-4B79-A9B9-4C9A90B47960}" srcOrd="7" destOrd="0" presId="urn:microsoft.com/office/officeart/2005/8/layout/vProcess5"/>
-    <dgm:cxn modelId="{16289EC3-0C51-4B32-B6CC-FE8F7F6F6C76}" type="presParOf" srcId="{1D84D8B6-AB32-4491-B5D2-EFE3D7668B88}" destId="{A31D264E-E285-4E5C-8EB7-762CD501BE72}" srcOrd="8" destOrd="0" presId="urn:microsoft.com/office/officeart/2005/8/layout/vProcess5"/>
-  </dgm:cxnLst>
-  <dgm:bg/>
-  <dgm:whole/>
-  <dgm:extLst>
-    <a:ext uri="http://schemas.microsoft.com/office/drawing/2008/diagram">
-      <dsp:dataModelExt xmlns:dsp="http://schemas.microsoft.com/office/drawing/2008/diagram" relId="rId7" minVer="http://schemas.openxmlformats.org/drawingml/2006/diagram"/>
-    </a:ext>
-  </dgm:extLst>
-</dgm:dataModel>
-</file>
-
-<file path=ppt/diagrams/drawing1.xml><?xml version="1.0" encoding="utf-8"?>
-<dsp:drawing xmlns:dgm="http://schemas.openxmlformats.org/drawingml/2006/diagram" xmlns:dsp="http://schemas.microsoft.com/office/drawing/2008/diagram" xmlns:a="http://schemas.openxmlformats.org/drawingml/2006/main">
-  <dsp:spTree>
-    <dsp:nvGrpSpPr>
-      <dsp:cNvPr id="0" name=""/>
-      <dsp:cNvGrpSpPr/>
-    </dsp:nvGrpSpPr>
-    <dsp:grpSpPr/>
-    <dsp:sp modelId="{124EF20B-D98C-45B2-BB13-7B93B5373CEB}">
-      <dsp:nvSpPr>
-        <dsp:cNvPr id="0" name=""/>
-        <dsp:cNvSpPr/>
-      </dsp:nvSpPr>
-      <dsp:spPr>
-        <a:xfrm>
-          <a:off x="0" y="0"/>
-          <a:ext cx="3807936" cy="1305401"/>
-        </a:xfrm>
-        <a:prstGeom prst="roundRect">
-          <a:avLst>
-            <a:gd name="adj" fmla="val 10000"/>
-          </a:avLst>
-        </a:prstGeom>
-        <a:gradFill rotWithShape="0">
-          <a:gsLst>
-            <a:gs pos="0">
-              <a:srgbClr val="703000"/>
-            </a:gs>
-            <a:gs pos="50000">
-              <a:srgbClr val="A44A00"/>
-            </a:gs>
-            <a:gs pos="70000">
-              <a:srgbClr val="BC5500"/>
-            </a:gs>
-            <a:gs pos="100000">
-              <a:srgbClr val="F26D00"/>
-            </a:gs>
-          </a:gsLst>
-        </a:gradFill>
-        <a:ln>
-          <a:noFill/>
-        </a:ln>
-        <a:effectLst>
-          <a:outerShdw blurRad="50800" dist="15240" dir="5400000" algn="tl" rotWithShape="0">
-            <a:srgbClr val="000000">
-              <a:alpha val="75000"/>
-            </a:srgbClr>
-          </a:outerShdw>
-        </a:effectLst>
-        <a:scene3d>
-          <a:camera prst="orthographicFront">
-            <a:rot lat="0" lon="0" rev="0"/>
-          </a:camera>
-          <a:lightRig rig="brightRoom" dir="tl"/>
-        </a:scene3d>
-        <a:sp3d contourW="9525" prstMaterial="flat">
-          <a:bevelT w="0" h="0" prst="coolSlant"/>
-          <a:contourClr>
-            <a:schemeClr val="accent2">
-              <a:hueOff val="0"/>
-              <a:satOff val="0"/>
-              <a:lumOff val="0"/>
-              <a:alphaOff val="0"/>
-              <a:shade val="35000"/>
-              <a:satMod val="130000"/>
-            </a:schemeClr>
-          </a:contourClr>
-        </a:sp3d>
-      </dsp:spPr>
-      <dsp:style>
-        <a:lnRef idx="0">
-          <a:scrgbClr r="0" g="0" b="0"/>
-        </a:lnRef>
-        <a:fillRef idx="3">
-          <a:scrgbClr r="0" g="0" b="0"/>
-        </a:fillRef>
-        <a:effectRef idx="2">
-          <a:scrgbClr r="0" g="0" b="0"/>
-        </a:effectRef>
-        <a:fontRef idx="minor">
-          <a:schemeClr val="lt1"/>
-        </a:fontRef>
-      </dsp:style>
-      <dsp:txBody>
-        <a:bodyPr spcFirstLastPara="0" vert="horz" wrap="square" lIns="190500" tIns="190500" rIns="190500" bIns="190500" numCol="1" spcCol="1270" anchor="ctr" anchorCtr="0">
-          <a:noAutofit/>
-        </a:bodyPr>
-        <a:lstStyle/>
-        <a:p>
-          <a:pPr marL="0" lvl="0" indent="0" algn="l" defTabSz="2222500">
-            <a:lnSpc>
-              <a:spcPct val="90000"/>
-            </a:lnSpc>
-            <a:spcBef>
-              <a:spcPct val="0"/>
-            </a:spcBef>
-            <a:spcAft>
-              <a:spcPct val="35000"/>
-            </a:spcAft>
-            <a:buNone/>
-          </a:pPr>
-          <a:r>
-            <a:rPr lang="en-US" sz="5000" kern="1200" dirty="0"/>
-            <a:t>Task 1</a:t>
-          </a:r>
-        </a:p>
-      </dsp:txBody>
-      <dsp:txXfrm>
-        <a:off x="38234" y="38234"/>
-        <a:ext cx="2399306" cy="1228933"/>
-      </dsp:txXfrm>
-    </dsp:sp>
-    <dsp:sp modelId="{CA544AF7-F7B2-4CA5-9251-B4CDB8D06634}">
-      <dsp:nvSpPr>
-        <dsp:cNvPr id="0" name=""/>
-        <dsp:cNvSpPr/>
-      </dsp:nvSpPr>
-      <dsp:spPr>
-        <a:xfrm>
-          <a:off x="335994" y="1522968"/>
-          <a:ext cx="3807936" cy="1305401"/>
-        </a:xfrm>
-        <a:prstGeom prst="roundRect">
-          <a:avLst>
-            <a:gd name="adj" fmla="val 10000"/>
-          </a:avLst>
-        </a:prstGeom>
-        <a:solidFill>
-          <a:schemeClr val="accent3">
-            <a:hueOff val="0"/>
-            <a:satOff val="0"/>
-            <a:lumOff val="0"/>
-            <a:alphaOff val="0"/>
-          </a:schemeClr>
-        </a:solidFill>
-        <a:ln>
-          <a:noFill/>
-        </a:ln>
-        <a:effectLst>
-          <a:outerShdw blurRad="50800" dist="15240" dir="5400000" algn="tl" rotWithShape="0">
-            <a:srgbClr val="000000">
-              <a:alpha val="75000"/>
-            </a:srgbClr>
-          </a:outerShdw>
-        </a:effectLst>
-        <a:scene3d>
-          <a:camera prst="orthographicFront">
-            <a:rot lat="0" lon="0" rev="0"/>
-          </a:camera>
-          <a:lightRig rig="brightRoom" dir="tl"/>
-        </a:scene3d>
-        <a:sp3d contourW="9525" prstMaterial="flat">
-          <a:bevelT w="0" h="0" prst="coolSlant"/>
-          <a:contourClr>
-            <a:schemeClr val="accent3">
-              <a:hueOff val="0"/>
-              <a:satOff val="0"/>
-              <a:lumOff val="0"/>
-              <a:alphaOff val="0"/>
-              <a:shade val="35000"/>
-              <a:satMod val="130000"/>
-            </a:schemeClr>
-          </a:contourClr>
-        </a:sp3d>
-      </dsp:spPr>
-      <dsp:style>
-        <a:lnRef idx="0">
-          <a:scrgbClr r="0" g="0" b="0"/>
-        </a:lnRef>
-        <a:fillRef idx="3">
-          <a:scrgbClr r="0" g="0" b="0"/>
-        </a:fillRef>
-        <a:effectRef idx="2">
-          <a:scrgbClr r="0" g="0" b="0"/>
-        </a:effectRef>
-        <a:fontRef idx="minor">
-          <a:schemeClr val="lt1"/>
-        </a:fontRef>
-      </dsp:style>
-      <dsp:txBody>
-        <a:bodyPr spcFirstLastPara="0" vert="horz" wrap="square" lIns="190500" tIns="190500" rIns="190500" bIns="190500" numCol="1" spcCol="1270" anchor="ctr" anchorCtr="0">
-          <a:noAutofit/>
-        </a:bodyPr>
-        <a:lstStyle/>
-        <a:p>
-          <a:pPr marL="0" lvl="0" indent="0" algn="l" defTabSz="2222500">
-            <a:lnSpc>
-              <a:spcPct val="90000"/>
-            </a:lnSpc>
-            <a:spcBef>
-              <a:spcPct val="0"/>
-            </a:spcBef>
-            <a:spcAft>
-              <a:spcPct val="35000"/>
-            </a:spcAft>
-            <a:buNone/>
-          </a:pPr>
-          <a:r>
-            <a:rPr lang="en-US" sz="5000" kern="1200" dirty="0"/>
-            <a:t>Task 2</a:t>
-          </a:r>
-        </a:p>
-      </dsp:txBody>
-      <dsp:txXfrm>
-        <a:off x="374228" y="1561202"/>
-        <a:ext cx="2546962" cy="1228933"/>
-      </dsp:txXfrm>
-    </dsp:sp>
-    <dsp:sp modelId="{2AE92D3F-F0FA-45DD-BB60-4C6FBC6BC016}">
-      <dsp:nvSpPr>
-        <dsp:cNvPr id="0" name=""/>
-        <dsp:cNvSpPr/>
-      </dsp:nvSpPr>
-      <dsp:spPr>
-        <a:xfrm>
-          <a:off x="671988" y="3045936"/>
-          <a:ext cx="3807936" cy="1305401"/>
-        </a:xfrm>
-        <a:prstGeom prst="roundRect">
-          <a:avLst>
-            <a:gd name="adj" fmla="val 10000"/>
-          </a:avLst>
-        </a:prstGeom>
-        <a:gradFill rotWithShape="0">
-          <a:gsLst>
-            <a:gs pos="0">
-              <a:srgbClr val="394404"/>
-            </a:gs>
-            <a:gs pos="50000">
-              <a:srgbClr val="5F6F0F"/>
-            </a:gs>
-            <a:gs pos="70000">
-              <a:srgbClr val="65741A"/>
-            </a:gs>
-            <a:gs pos="100000">
-              <a:schemeClr val="accent4">
-                <a:hueOff val="0"/>
-                <a:satOff val="0"/>
-                <a:lumOff val="0"/>
-                <a:alphaOff val="0"/>
-                <a:tint val="100000"/>
-                <a:shade val="100000"/>
-                <a:satMod val="155000"/>
-              </a:schemeClr>
-            </a:gs>
-          </a:gsLst>
-        </a:gradFill>
-        <a:ln>
-          <a:noFill/>
-        </a:ln>
-        <a:effectLst>
-          <a:outerShdw blurRad="50800" dist="15240" dir="5400000" algn="tl" rotWithShape="0">
-            <a:srgbClr val="000000">
-              <a:alpha val="75000"/>
-            </a:srgbClr>
-          </a:outerShdw>
-        </a:effectLst>
-        <a:scene3d>
-          <a:camera prst="orthographicFront">
-            <a:rot lat="0" lon="0" rev="0"/>
-          </a:camera>
-          <a:lightRig rig="brightRoom" dir="tl"/>
-        </a:scene3d>
-        <a:sp3d contourW="9525" prstMaterial="flat">
-          <a:bevelT w="0" h="0" prst="coolSlant"/>
-          <a:contourClr>
-            <a:schemeClr val="accent4">
-              <a:hueOff val="0"/>
-              <a:satOff val="0"/>
-              <a:lumOff val="0"/>
-              <a:alphaOff val="0"/>
-              <a:shade val="35000"/>
-              <a:satMod val="130000"/>
-            </a:schemeClr>
-          </a:contourClr>
-        </a:sp3d>
-      </dsp:spPr>
-      <dsp:style>
-        <a:lnRef idx="0">
-          <a:scrgbClr r="0" g="0" b="0"/>
-        </a:lnRef>
-        <a:fillRef idx="3">
-          <a:scrgbClr r="0" g="0" b="0"/>
-        </a:fillRef>
-        <a:effectRef idx="2">
-          <a:scrgbClr r="0" g="0" b="0"/>
-        </a:effectRef>
-        <a:fontRef idx="minor">
-          <a:schemeClr val="lt1"/>
-        </a:fontRef>
-      </dsp:style>
-      <dsp:txBody>
-        <a:bodyPr spcFirstLastPara="0" vert="horz" wrap="square" lIns="190500" tIns="190500" rIns="190500" bIns="190500" numCol="1" spcCol="1270" anchor="ctr" anchorCtr="0">
-          <a:noAutofit/>
-        </a:bodyPr>
-        <a:lstStyle/>
-        <a:p>
-          <a:pPr marL="0" lvl="0" indent="0" algn="l" defTabSz="2222500">
-            <a:lnSpc>
-              <a:spcPct val="90000"/>
-            </a:lnSpc>
-            <a:spcBef>
-              <a:spcPct val="0"/>
-            </a:spcBef>
-            <a:spcAft>
-              <a:spcPct val="35000"/>
-            </a:spcAft>
-            <a:buNone/>
-          </a:pPr>
-          <a:r>
-            <a:rPr lang="en-US" sz="5000" kern="1200" dirty="0"/>
-            <a:t>Task 3</a:t>
-          </a:r>
-        </a:p>
-      </dsp:txBody>
-      <dsp:txXfrm>
-        <a:off x="710222" y="3084170"/>
-        <a:ext cx="2546962" cy="1228933"/>
-      </dsp:txXfrm>
-    </dsp:sp>
-    <dsp:sp modelId="{9CA877D8-99F8-40A0-89E9-59A61C9A70F4}">
-      <dsp:nvSpPr>
-        <dsp:cNvPr id="0" name=""/>
-        <dsp:cNvSpPr/>
-      </dsp:nvSpPr>
-      <dsp:spPr>
-        <a:xfrm>
-          <a:off x="2959425" y="989929"/>
-          <a:ext cx="848510" cy="848510"/>
-        </a:xfrm>
-        <a:prstGeom prst="downArrow">
-          <a:avLst>
-            <a:gd name="adj1" fmla="val 55000"/>
-            <a:gd name="adj2" fmla="val 45000"/>
-          </a:avLst>
-        </a:prstGeom>
-        <a:solidFill>
-          <a:schemeClr val="accent2">
-            <a:tint val="40000"/>
-            <a:alpha val="90000"/>
-            <a:hueOff val="0"/>
-            <a:satOff val="0"/>
-            <a:lumOff val="0"/>
-            <a:alphaOff val="0"/>
-          </a:schemeClr>
-        </a:solidFill>
-        <a:ln w="9525" cap="flat" cmpd="sng" algn="ctr">
-          <a:solidFill>
-            <a:schemeClr val="accent2">
-              <a:tint val="40000"/>
-              <a:alpha val="90000"/>
-              <a:hueOff val="0"/>
-              <a:satOff val="0"/>
-              <a:lumOff val="0"/>
-              <a:alphaOff val="0"/>
-            </a:schemeClr>
-          </a:solidFill>
-          <a:prstDash val="solid"/>
-        </a:ln>
-        <a:effectLst/>
-      </dsp:spPr>
-      <dsp:style>
-        <a:lnRef idx="1">
-          <a:scrgbClr r="0" g="0" b="0"/>
-        </a:lnRef>
-        <a:fillRef idx="1">
-          <a:scrgbClr r="0" g="0" b="0"/>
-        </a:fillRef>
-        <a:effectRef idx="0">
-          <a:scrgbClr r="0" g="0" b="0"/>
-        </a:effectRef>
-        <a:fontRef idx="minor"/>
-      </dsp:style>
-      <dsp:txBody>
-        <a:bodyPr spcFirstLastPara="0" vert="horz" wrap="square" lIns="45720" tIns="45720" rIns="45720" bIns="45720" numCol="1" spcCol="1270" anchor="ctr" anchorCtr="0">
-          <a:noAutofit/>
-        </a:bodyPr>
-        <a:lstStyle/>
-        <a:p>
-          <a:pPr marL="0" lvl="0" indent="0" algn="ctr" defTabSz="1600200">
-            <a:lnSpc>
-              <a:spcPct val="90000"/>
-            </a:lnSpc>
-            <a:spcBef>
-              <a:spcPct val="0"/>
-            </a:spcBef>
-            <a:spcAft>
-              <a:spcPct val="35000"/>
-            </a:spcAft>
-            <a:buNone/>
-          </a:pPr>
-          <a:endParaRPr lang="en-US" sz="3600" kern="1200"/>
-        </a:p>
-      </dsp:txBody>
-      <dsp:txXfrm>
-        <a:off x="3150340" y="989929"/>
-        <a:ext cx="466680" cy="638504"/>
-      </dsp:txXfrm>
-    </dsp:sp>
-    <dsp:sp modelId="{62643EF2-016C-41F1-8CBC-398422A85727}">
-      <dsp:nvSpPr>
-        <dsp:cNvPr id="0" name=""/>
-        <dsp:cNvSpPr/>
-      </dsp:nvSpPr>
-      <dsp:spPr>
-        <a:xfrm>
-          <a:off x="3295419" y="2504195"/>
-          <a:ext cx="848510" cy="848510"/>
-        </a:xfrm>
-        <a:prstGeom prst="downArrow">
-          <a:avLst>
-            <a:gd name="adj1" fmla="val 55000"/>
-            <a:gd name="adj2" fmla="val 45000"/>
-          </a:avLst>
-        </a:prstGeom>
-        <a:solidFill>
-          <a:schemeClr val="accent3">
-            <a:tint val="40000"/>
-            <a:alpha val="90000"/>
-            <a:hueOff val="0"/>
-            <a:satOff val="0"/>
-            <a:lumOff val="0"/>
-            <a:alphaOff val="0"/>
-          </a:schemeClr>
-        </a:solidFill>
-        <a:ln w="9525" cap="flat" cmpd="sng" algn="ctr">
-          <a:solidFill>
-            <a:schemeClr val="accent3">
-              <a:tint val="40000"/>
-              <a:alpha val="90000"/>
-              <a:hueOff val="0"/>
-              <a:satOff val="0"/>
-              <a:lumOff val="0"/>
-              <a:alphaOff val="0"/>
-            </a:schemeClr>
-          </a:solidFill>
-          <a:prstDash val="solid"/>
-        </a:ln>
-        <a:effectLst/>
-      </dsp:spPr>
-      <dsp:style>
-        <a:lnRef idx="1">
-          <a:scrgbClr r="0" g="0" b="0"/>
-        </a:lnRef>
-        <a:fillRef idx="1">
-          <a:scrgbClr r="0" g="0" b="0"/>
-        </a:fillRef>
-        <a:effectRef idx="0">
-          <a:scrgbClr r="0" g="0" b="0"/>
-        </a:effectRef>
-        <a:fontRef idx="minor"/>
-      </dsp:style>
-      <dsp:txBody>
-        <a:bodyPr spcFirstLastPara="0" vert="horz" wrap="square" lIns="45720" tIns="45720" rIns="45720" bIns="45720" numCol="1" spcCol="1270" anchor="ctr" anchorCtr="0">
-          <a:noAutofit/>
-        </a:bodyPr>
-        <a:lstStyle/>
-        <a:p>
-          <a:pPr marL="0" lvl="0" indent="0" algn="ctr" defTabSz="1600200">
-            <a:lnSpc>
-              <a:spcPct val="90000"/>
-            </a:lnSpc>
-            <a:spcBef>
-              <a:spcPct val="0"/>
-            </a:spcBef>
-            <a:spcAft>
-              <a:spcPct val="35000"/>
-            </a:spcAft>
-            <a:buNone/>
-          </a:pPr>
-          <a:endParaRPr lang="en-US" sz="3600" kern="1200"/>
-        </a:p>
-      </dsp:txBody>
-      <dsp:txXfrm>
-        <a:off x="3486334" y="2504195"/>
-        <a:ext cx="466680" cy="638504"/>
-      </dsp:txXfrm>
-    </dsp:sp>
-  </dsp:spTree>
-</dsp:drawing>
-</file>
-
-<file path=ppt/diagrams/layout1.xml><?xml version="1.0" encoding="utf-8"?>
-<dgm:layoutDef xmlns:dgm="http://schemas.openxmlformats.org/drawingml/2006/diagram" xmlns:a="http://schemas.openxmlformats.org/drawingml/2006/main" uniqueId="urn:microsoft.com/office/officeart/2005/8/layout/vProcess5">
-  <dgm:title val=""/>
-  <dgm:desc val=""/>
-  <dgm:catLst>
-    <dgm:cat type="process" pri="14000"/>
-  </dgm:catLst>
-  <dgm:sampData>
-    <dgm:dataModel>
-      <dgm:ptLst>
-        <dgm:pt modelId="0" type="doc"/>
-        <dgm:pt modelId="1">
-          <dgm:prSet phldr="1"/>
-        </dgm:pt>
-        <dgm:pt modelId="2">
-          <dgm:prSet phldr="1"/>
-        </dgm:pt>
-        <dgm:pt modelId="3">
-          <dgm:prSet phldr="1"/>
-        </dgm:pt>
-      </dgm:ptLst>
-      <dgm:cxnLst>
-        <dgm:cxn modelId="5" srcId="0" destId="1" srcOrd="0" destOrd="0"/>
-        <dgm:cxn modelId="6" srcId="0" destId="2" srcOrd="1" destOrd="0"/>
-        <dgm:cxn modelId="7" srcId="0" destId="3" srcOrd="2" destOrd="0"/>
-      </dgm:cxnLst>
-      <dgm:bg/>
-      <dgm:whole/>
-    </dgm:dataModel>
-  </dgm:sampData>
-  <dgm:styleData>
-    <dgm:dataModel>
-      <dgm:ptLst>
-        <dgm:pt modelId="0" type="doc"/>
-        <dgm:pt modelId="1"/>
-        <dgm:pt modelId="2"/>
-      </dgm:ptLst>
-      <dgm:cxnLst>
-        <dgm:cxn modelId="3" srcId="0" destId="1" srcOrd="0" destOrd="0"/>
-        <dgm:cxn modelId="4" srcId="0" destId="2" srcOrd="1" destOrd="0"/>
-      </dgm:cxnLst>
-      <dgm:bg/>
-      <dgm:whole/>
-    </dgm:dataModel>
-  </dgm:styleData>
-  <dgm:clrData>
-    <dgm:dataModel>
-      <dgm:ptLst>
-        <dgm:pt modelId="0" type="doc"/>
-        <dgm:pt modelId="1"/>
-        <dgm:pt modelId="2"/>
-        <dgm:pt modelId="3"/>
-        <dgm:pt modelId="4"/>
-      </dgm:ptLst>
-      <dgm:cxnLst>
-        <dgm:cxn modelId="6" srcId="0" destId="1" srcOrd="0" destOrd="0"/>
-        <dgm:cxn modelId="7" srcId="0" destId="2" srcOrd="1" destOrd="0"/>
-        <dgm:cxn modelId="8" srcId="0" destId="3" srcOrd="2" destOrd="0"/>
-        <dgm:cxn modelId="9" srcId="0" destId="4" srcOrd="3" destOrd="0"/>
-      </dgm:cxnLst>
-      <dgm:bg/>
-      <dgm:whole/>
-    </dgm:dataModel>
-  </dgm:clrData>
-  <dgm:layoutNode name="outerComposite">
-    <dgm:varLst>
-      <dgm:chMax val="5"/>
-      <dgm:dir/>
-      <dgm:resizeHandles val="exact"/>
-    </dgm:varLst>
-    <dgm:alg type="composite"/>
-    <dgm:shape xmlns:r="http://schemas.openxmlformats.org/officeDocument/2006/relationships" r:blip="">
-      <dgm:adjLst/>
-    </dgm:shape>
-    <dgm:presOf/>
-    <dgm:choose name="Name0">
-      <dgm:if name="Name1" func="var" arg="dir" op="equ" val="norm">
-        <dgm:constrLst>
-          <dgm:constr type="primFontSz" for="ch" ptType="node" op="equ" val="65"/>
-          <dgm:constr type="w" for="ch" forName="dummyMaxCanvas" refType="w"/>
-          <dgm:constr type="h" for="ch" forName="dummyMaxCanvas" refType="h"/>
-          <dgm:constr type="w" for="ch" forName="OneNode_1" refType="w"/>
-          <dgm:constr type="h" for="ch" forName="OneNode_1" refType="h" fact="0.5"/>
-          <dgm:constr type="ctrY" for="ch" forName="OneNode_1" refType="h" fact="0.5"/>
-          <dgm:constr type="w" for="ch" forName="TwoNodes_1" refType="w" fact="0.85"/>
-          <dgm:constr type="h" for="ch" forName="TwoNodes_1" refType="h" fact="0.45"/>
-          <dgm:constr type="t" for="ch" forName="TwoNodes_1"/>
-          <dgm:constr type="l" for="ch" forName="TwoNodes_1"/>
-          <dgm:constr type="w" for="ch" forName="TwoNodes_2" refType="w" fact="0.85"/>
-          <dgm:constr type="h" for="ch" forName="TwoNodes_2" refType="h" fact="0.45"/>
-          <dgm:constr type="b" for="ch" forName="TwoNodes_2" refType="h"/>
-          <dgm:constr type="r" for="ch" forName="TwoNodes_2" refType="w"/>
-          <dgm:constr type="w" for="ch" forName="TwoConn_1-2" refType="h" refFor="ch" refForName="TwoNodes_1" fact="0.65"/>
-          <dgm:constr type="h" for="ch" forName="TwoConn_1-2" refType="h" refFor="ch" refForName="TwoNodes_1" fact="0.65"/>
-          <dgm:constr type="ctrY" for="ch" forName="TwoConn_1-2" refType="h" fact="0.5"/>
-          <dgm:constr type="r" for="ch" forName="TwoConn_1-2" refType="r" refFor="ch" refForName="TwoNodes_1"/>
-          <dgm:constr type="r" for="ch" forName="TwoNodes_1_text" refType="l" refFor="ch" refForName="TwoConn_1-2"/>
-          <dgm:constr type="rOff" for="ch" forName="TwoNodes_1_text" refType="w" refFor="ch" refForName="TwoConn_1-2" fact="-0.5"/>
-          <dgm:constr type="t" for="ch" forName="TwoNodes_1_text" refType="t" refFor="ch" refForName="TwoNodes_1"/>
-          <dgm:constr type="b" for="ch" forName="TwoNodes_1_text" refType="b" refFor="ch" refForName="TwoNodes_1"/>
-          <dgm:constr type="l" for="ch" forName="TwoNodes_1_text" refType="l" refFor="ch" refForName="TwoNodes_1"/>
-          <dgm:constr type="r" for="ch" forName="TwoNodes_2_text" refType="l" refFor="ch" refForName="TwoConn_1-2"/>
-          <dgm:constr type="t" for="ch" forName="TwoNodes_2_text" refType="t" refFor="ch" refForName="TwoNodes_2"/>
-          <dgm:constr type="b" for="ch" forName="TwoNodes_2_text" refType="b" refFor="ch" refForName="TwoNodes_2"/>
-          <dgm:constr type="l" for="ch" forName="TwoNodes_2_text" refType="l" refFor="ch" refForName="TwoNodes_2"/>
-          <dgm:constr type="w" for="ch" forName="ThreeNodes_1" refType="w" fact="0.85"/>
-          <dgm:constr type="h" for="ch" forName="ThreeNodes_1" refType="h" fact="0.3"/>
-          <dgm:constr type="t" for="ch" forName="ThreeNodes_1"/>
-          <dgm:constr type="l" for="ch" forName="ThreeNodes_1"/>
-          <dgm:constr type="w" for="ch" forName="ThreeNodes_2" refType="w" fact="0.85"/>
-          <dgm:constr type="h" for="ch" forName="ThreeNodes_2" refType="h" fact="0.3"/>
-          <dgm:constr type="ctrY" for="ch" forName="ThreeNodes_2" refType="h" fact="0.5"/>
-          <dgm:constr type="ctrX" for="ch" forName="ThreeNodes_2" refType="w" fact="0.5"/>
-          <dgm:constr type="w" for="ch" forName="ThreeNodes_3" refType="w" fact="0.85"/>
-          <dgm:constr type="h" for="ch" forName="ThreeNodes_3" refType="h" fact="0.3"/>
-          <dgm:constr type="b" for="ch" forName="ThreeNodes_3" refType="h"/>
-          <dgm:constr type="r" for="ch" forName="ThreeNodes_3" refType="w"/>
-          <dgm:constr type="w" for="ch" forName="ThreeConn_1-2" refType="h" refFor="ch" refForName="ThreeNodes_1" fact="0.65"/>
-          <dgm:constr type="h" for="ch" forName="ThreeConn_1-2" refType="h" refFor="ch" refForName="ThreeNodes_1" fact="0.65"/>
-          <dgm:constr type="ctrY" for="ch" forName="ThreeConn_1-2" refType="h" fact="0.325"/>
-          <dgm:constr type="r" for="ch" forName="ThreeConn_1-2" refType="r" refFor="ch" refForName="ThreeNodes_1"/>
-          <dgm:constr type="w" for="ch" forName="ThreeConn_2-3" refType="h" refFor="ch" refForName="ThreeNodes_2" fact="0.65"/>
-          <dgm:constr type="h" for="ch" forName="ThreeConn_2-3" refType="h" refFor="ch" refForName="ThreeNodes_2" fact="0.65"/>
-          <dgm:constr type="ctrY" for="ch" forName="ThreeConn_2-3" refType="h" fact="0.673"/>
-          <dgm:constr type="r" for="ch" forName="ThreeConn_2-3" refType="r" refFor="ch" refForName="ThreeNodes_2"/>
-          <dgm:constr type="r" for="ch" forName="ThreeNodes_1_text" refType="l" refFor="ch" refForName="ThreeConn_1-2"/>
-          <dgm:constr type="rOff" for="ch" forName="ThreeNodes_1_text" refType="w" refFor="ch" refForName="ThreeConn_1-2" fact="-0.57"/>
-          <dgm:constr type="t" for="ch" forName="ThreeNodes_1_text" refType="t" refFor="ch" refForName="ThreeNodes_1"/>
-          <dgm:constr type="b" for="ch" forName="ThreeNodes_1_text" refType="b" refFor="ch" refForName="ThreeNodes_1"/>
-          <dgm:constr type="l" for="ch" forName="ThreeNodes_1_text" refType="l" refFor="ch" refForName="ThreeNodes_1"/>
-          <dgm:constr type="r" for="ch" forName="ThreeNodes_2_text" refType="l" refFor="ch" refForName="ThreeConn_1-2"/>
-          <dgm:constr type="t" for="ch" forName="ThreeNodes_2_text" refType="t" refFor="ch" refForName="ThreeNodes_2"/>
-          <dgm:constr type="b" for="ch" forName="ThreeNodes_2_text" refType="b" refFor="ch" refForName="ThreeNodes_2"/>
-          <dgm:constr type="l" for="ch" forName="ThreeNodes_2_text" refType="l" refFor="ch" refForName="ThreeNodes_2"/>
-          <dgm:constr type="r" for="ch" forName="ThreeNodes_3_text" refType="l" refFor="ch" refForName="ThreeConn_2-3"/>
-          <dgm:constr type="t" for="ch" forName="ThreeNodes_3_text" refType="t" refFor="ch" refForName="ThreeNodes_3"/>
-          <dgm:constr type="b" for="ch" forName="ThreeNodes_3_text" refType="b" refFor="ch" refForName="ThreeNodes_3"/>
-          <dgm:constr type="l" for="ch" forName="ThreeNodes_3_text" refType="l" refFor="ch" refForName="ThreeNodes_3"/>
-          <dgm:constr type="w" for="ch" forName="FourNodes_1" refType="w" fact="0.8"/>
-          <dgm:constr type="h" for="ch" forName="FourNodes_1" refType="h" fact="0.22"/>
-          <dgm:constr type="t" for="ch" forName="FourNodes_1"/>
-          <dgm:constr type="l" for="ch" forName="FourNodes_1"/>
-          <dgm:constr type="w" for="ch" forName="FourNodes_2" refType="w" fact="0.8"/>
-          <dgm:constr type="h" for="ch" forName="FourNodes_2" refType="h" fact="0.22"/>
-          <dgm:constr type="ctrY" for="ch" forName="FourNodes_2" refType="h" fact="0.37"/>
-          <dgm:constr type="ctrX" for="ch" forName="FourNodes_2" refType="w" fact="0.467"/>
-          <dgm:constr type="w" for="ch" forName="FourNodes_3" refType="w" fact="0.8"/>
-          <dgm:constr type="h" for="ch" forName="FourNodes_3" refType="h" fact="0.22"/>
-          <dgm:constr type="ctrY" for="ch" forName="FourNodes_3" refType="h" fact="0.63"/>
-          <dgm:constr type="ctrX" for="ch" forName="FourNodes_3" refType="w" fact="0.533"/>
-          <dgm:constr type="w" for="ch" forName="FourNodes_4" refType="w" fact="0.8"/>
-          <dgm:constr type="h" for="ch" forName="FourNodes_4" refType="h" fact="0.22"/>
-          <dgm:constr type="b" for="ch" forName="FourNodes_4" refType="h"/>
-          <dgm:constr type="r" for="ch" forName="FourNodes_4" refType="w"/>
-          <dgm:constr type="w" for="ch" forName="FourConn_1-2" refType="h" refFor="ch" refForName="FourNodes_1" fact="0.65"/>
-          <dgm:constr type="h" for="ch" forName="FourConn_1-2" refType="h" refFor="ch" refForName="FourNodes_1" fact="0.65"/>
-          <dgm:constr type="ctrY" for="ch" forName="FourConn_1-2" refType="h" fact="0.24"/>
-          <dgm:constr type="r" for="ch" forName="FourConn_1-2" refType="r" refFor="ch" refForName="FourNodes_1"/>
-          <dgm:constr type="w" for="ch" forName="FourConn_2-3" refType="h" refFor="ch" refForName="FourNodes_2" fact="0.65"/>
-          <dgm:constr type="h" for="ch" forName="FourConn_2-3" refType="h" refFor="ch" refForName="FourNodes_2" fact="0.65"/>
-          <dgm:constr type="ctrY" for="ch" forName="FourConn_2-3" refType="h" fact="0.5"/>
-          <dgm:constr type="r" for="ch" forName="FourConn_2-3" refType="r" refFor="ch" refForName="FourNodes_2"/>
-          <dgm:constr type="w" for="ch" forName="FourConn_3-4" refType="h" refFor="ch" refForName="FourNodes_3" fact="0.65"/>
-          <dgm:constr type="h" for="ch" forName="FourConn_3-4" refType="h" refFor="ch" refForName="FourNodes_3" fact="0.65"/>
-          <dgm:constr type="ctrY" for="ch" forName="FourConn_3-4" refType="h" fact="0.76"/>
-          <dgm:constr type="r" for="ch" forName="FourConn_3-4" refType="r" refFor="ch" refForName="FourNodes_3"/>
-          <dgm:constr type="r" for="ch" forName="FourNodes_1_text" refType="l" refFor="ch" refForName="FourConn_1-2"/>
-          <dgm:constr type="rOff" for="ch" forName="FourNodes_1_text" refType="w" refFor="ch" refForName="FourConn_1-2" fact="-0.7"/>
-          <dgm:constr type="t" for="ch" forName="FourNodes_1_text" refType="t" refFor="ch" refForName="FourNodes_1"/>
-          <dgm:constr type="b" for="ch" forName="FourNodes_1_text" refType="b" refFor="ch" refForName="FourNodes_1"/>
-          <dgm:constr type="l" for="ch" forName="FourNodes_1_text" refType="l" refFor="ch" refForName="FourNodes_1"/>
-          <dgm:constr type="r" for="ch" forName="FourNodes_2_text" refType="l" refFor="ch" refForName="FourConn_1-2"/>
-          <dgm:constr type="t" for="ch" forName="FourNodes_2_text" refType="t" refFor="ch" refForName="FourNodes_2"/>
-          <dgm:constr type="b" for="ch" forName="FourNodes_2_text" refType="b" refFor="ch" refForName="FourNodes_2"/>
-          <dgm:constr type="l" for="ch" forName="FourNodes_2_text" refType="l" refFor="ch" refForName="FourNodes_2"/>
-          <dgm:constr type="r" for="ch" forName="FourNodes_3_text" refType="l" refFor="ch" refForName="FourConn_2-3"/>
-          <dgm:constr type="t" for="ch" forName="FourNodes_3_text" refType="t" refFor="ch" refForName="FourNodes_3"/>
-          <dgm:constr type="b" for="ch" forName="FourNodes_3_text" refType="b" refFor="ch" refForName="FourNodes_3"/>
-          <dgm:constr type="l" for="ch" forName="FourNodes_3_text" refType="l" refFor="ch" refForName="FourNodes_3"/>
-          <dgm:constr type="r" for="ch" forName="FourNodes_4_text" refType="l" refFor="ch" refForName="FourConn_3-4"/>
-          <dgm:constr type="t" for="ch" forName="FourNodes_4_text" refType="t" refFor="ch" refForName="FourNodes_4"/>
-          <dgm:constr type="b" for="ch" forName="FourNodes_4_text" refType="b" refFor="ch" refForName="FourNodes_4"/>
-          <dgm:constr type="l" for="ch" forName="FourNodes_4_text" refType="l" refFor="ch" refForName="FourNodes_4"/>
-          <dgm:constr type="w" for="ch" forName="FiveNodes_1" refType="w" fact="0.77"/>
-          <dgm:constr type="h" for="ch" forName="FiveNodes_1" refType="h" fact="0.18"/>
-          <dgm:constr type="t" for="ch" forName="FiveNodes_1"/>
-          <dgm:constr type="l" for="ch" forName="FiveNodes_1"/>
-          <dgm:constr type="w" for="ch" forName="FiveNodes_2" refType="w" fact="0.77"/>
-          <dgm:constr type="h" for="ch" forName="FiveNodes_2" refType="h" fact="0.18"/>
-          <dgm:constr type="ctrY" for="ch" forName="FiveNodes_2" refType="h" fact="0.295"/>
-          <dgm:constr type="ctrX" for="ch" forName="FiveNodes_2" refType="w" fact="0.4425"/>
-          <dgm:constr type="w" for="ch" forName="FiveNodes_3" refType="w" fact="0.77"/>
-          <dgm:constr type="h" for="ch" forName="FiveNodes_3" refType="h" fact="0.18"/>
-          <dgm:constr type="ctrY" for="ch" forName="FiveNodes_3" refType="h" fact="0.5"/>
-          <dgm:constr type="ctrX" for="ch" forName="FiveNodes_3" refType="w" fact="0.5"/>
-          <dgm:constr type="w" for="ch" forName="FiveNodes_4" refType="w" fact="0.77"/>
-          <dgm:constr type="h" for="ch" forName="FiveNodes_4" refType="h" fact="0.18"/>
-          <dgm:constr type="ctrY" for="ch" forName="FiveNodes_4" refType="h" fact="0.705"/>
-          <dgm:constr type="ctrX" for="ch" forName="FiveNodes_4" refType="w" fact="0.5575"/>
-          <dgm:constr type="w" for="ch" forName="FiveNodes_5" refType="w" fact="0.77"/>
-          <dgm:constr type="h" for="ch" forName="FiveNodes_5" refType="h" fact="0.18"/>
-          <dgm:constr type="b" for="ch" forName="FiveNodes_5" refType="h"/>
-          <dgm:constr type="r" for="ch" forName="FiveNodes_5" refType="w"/>
-          <dgm:constr type="w" for="ch" forName="FiveConn_1-2" refType="h" refFor="ch" refForName="FiveNodes_1" fact="0.65"/>
-          <dgm:constr type="h" for="ch" forName="FiveConn_1-2" refType="h" refFor="ch" refForName="FiveNodes_1" fact="0.65"/>
-          <dgm:constr type="ctrY" for="ch" forName="FiveConn_1-2" refType="h" fact="0.19"/>
-          <dgm:constr type="r" for="ch" forName="FiveConn_1-2" refType="r" refFor="ch" refForName="FiveNodes_1"/>
-          <dgm:constr type="w" for="ch" forName="FiveConn_2-3" refType="h" refFor="ch" refForName="FiveNodes_2" fact="0.65"/>
-          <dgm:constr type="h" for="ch" forName="FiveConn_2-3" refType="h" refFor="ch" refForName="FiveNodes_2" fact="0.65"/>
-          <dgm:constr type="ctrY" for="ch" forName="FiveConn_2-3" refType="h" fact="0.395"/>
-          <dgm:constr type="r" for="ch" forName="FiveConn_2-3" refType="r" refFor="ch" refForName="FiveNodes_2"/>
-          <dgm:constr type="w" for="ch" forName="FiveConn_3-4" refType="h" refFor="ch" refForName="FiveNodes_3" fact="0.65"/>
-          <dgm:constr type="h" for="ch" forName="FiveConn_3-4" refType="h" refFor="ch" refForName="FiveNodes_3" fact="0.65"/>
-          <dgm:constr type="ctrY" for="ch" forName="FiveConn_3-4" refType="h" fact="0.597"/>
-          <dgm:constr type="r" for="ch" forName="FiveConn_3-4" refType="r" refFor="ch" refForName="FiveNodes_3"/>
-          <dgm:constr type="w" for="ch" forName="FiveConn_4-5" refType="h" refFor="ch" refForName="FiveNodes_4" fact="0.65"/>
-          <dgm:constr type="h" for="ch" forName="FiveConn_4-5" refType="h" refFor="ch" refForName="FiveNodes_4" fact="0.65"/>
-          <dgm:constr type="ctrY" for="ch" forName="FiveConn_4-5" refType="h" fact="0.804"/>
-          <dgm:constr type="r" for="ch" forName="FiveConn_4-5" refType="r" refFor="ch" refForName="FiveNodes_4"/>
-          <dgm:constr type="r" for="ch" forName="FiveNodes_1_text" refType="l" refFor="ch" refForName="FiveConn_1-2"/>
-          <dgm:constr type="rOff" for="ch" forName="FiveNodes_1_text" refType="w" refFor="ch" refForName="FiveConn_1-2" fact="-0.75"/>
-          <dgm:constr type="t" for="ch" forName="FiveNodes_1_text" refType="t" refFor="ch" refForName="FiveNodes_1"/>
-          <dgm:constr type="b" for="ch" forName="FiveNodes_1_text" refType="b" refFor="ch" refForName="FiveNodes_1"/>
-          <dgm:constr type="l" for="ch" forName="FiveNodes_1_text" refType="l" refFor="ch" refForName="FiveNodes_1"/>
-          <dgm:constr type="r" for="ch" forName="FiveNodes_2_text" refType="l" refFor="ch" refForName="FiveConn_1-2"/>
-          <dgm:constr type="t" for="ch" forName="FiveNodes_2_text" refType="t" refFor="ch" refForName="FiveNodes_2"/>
-          <dgm:constr type="b" for="ch" forName="FiveNodes_2_text" refType="b" refFor="ch" refForName="FiveNodes_2"/>
-          <dgm:constr type="l" for="ch" forName="FiveNodes_2_text" refType="l" refFor="ch" refForName="FiveNodes_2"/>
-          <dgm:constr type="r" for="ch" forName="FiveNodes_3_text" refType="l" refFor="ch" refForName="FiveConn_2-3"/>
-          <dgm:constr type="t" for="ch" forName="FiveNodes_3_text" refType="t" refFor="ch" refForName="FiveNodes_3"/>
-          <dgm:constr type="b" for="ch" forName="FiveNodes_3_text" refType="b" refFor="ch" refForName="FiveNodes_3"/>
-          <dgm:constr type="l" for="ch" forName="FiveNodes_3_text" refType="l" refFor="ch" refForName="FiveNodes_3"/>
-          <dgm:constr type="r" for="ch" forName="FiveNodes_4_text" refType="l" refFor="ch" refForName="FiveConn_3-4"/>
-          <dgm:constr type="t" for="ch" forName="FiveNodes_4_text" refType="t" refFor="ch" refForName="FiveNodes_4"/>
-          <dgm:constr type="b" for="ch" forName="FiveNodes_4_text" refType="b" refFor="ch" refForName="FiveNodes_4"/>
-          <dgm:constr type="l" for="ch" forName="FiveNodes_4_text" refType="l" refFor="ch" refForName="FiveNodes_4"/>
-          <dgm:constr type="r" for="ch" forName="FiveNodes_5_text" refType="l" refFor="ch" refForName="FiveConn_4-5"/>
-          <dgm:constr type="t" for="ch" forName="FiveNodes_5_text" refType="t" refFor="ch" refForName="FiveNodes_5"/>
-          <dgm:constr type="b" for="ch" forName="FiveNodes_5_text" refType="b" refFor="ch" refForName="FiveNodes_5"/>
-          <dgm:constr type="l" for="ch" forName="FiveNodes_5_text" refType="l" refFor="ch" refForName="FiveNodes_5"/>
-        </dgm:constrLst>
-      </dgm:if>
-      <dgm:else name="Name2">
-        <dgm:constrLst>
-          <dgm:constr type="primFontSz" for="ch" ptType="node" op="equ" val="65"/>
-          <dgm:constr type="w" for="ch" forName="dummyMaxCanvas" refType="w"/>
-          <dgm:constr type="h" for="ch" forName="dummyMaxCanvas" refType="h"/>
-          <dgm:constr type="w" for="ch" forName="OneNode_1" refType="w"/>
-          <dgm:constr type="h" for="ch" forName="OneNode_1" refType="h" fact="0.5"/>
-          <dgm:constr type="ctrY" for="ch" forName="OneNode_1" refType="h" fact="0.5"/>
-          <dgm:constr type="w" for="ch" forName="TwoNodes_1" refType="w" fact="0.85"/>
-          <dgm:constr type="h" for="ch" forName="TwoNodes_1" refType="h" fact="0.45"/>
-          <dgm:constr type="t" for="ch" forName="TwoNodes_1"/>
-          <dgm:constr type="r" for="ch" forName="TwoNodes_1" refType="w"/>
-          <dgm:constr type="w" for="ch" forName="TwoNodes_2" refType="w" fact="0.85"/>
-          <dgm:constr type="h" for="ch" forName="TwoNodes_2" refType="h" fact="0.45"/>
-          <dgm:constr type="b" for="ch" forName="TwoNodes_2" refType="h"/>
-          <dgm:constr type="l" for="ch" forName="TwoNodes_2"/>
-          <dgm:constr type="w" for="ch" forName="TwoConn_1-2" refType="h" refFor="ch" refForName="TwoNodes_1" fact="0.65"/>
-          <dgm:constr type="h" for="ch" forName="TwoConn_1-2" refType="h" refFor="ch" refForName="TwoNodes_1" fact="0.65"/>
-          <dgm:constr type="ctrY" for="ch" forName="TwoConn_1-2" refType="h" fact="0.5"/>
-          <dgm:constr type="l" for="ch" forName="TwoConn_1-2" refType="l" refFor="ch" refForName="TwoNodes_1"/>
-          <dgm:constr type="l" for="ch" forName="TwoNodes_1_text" refType="r" refFor="ch" refForName="TwoConn_1-2"/>
-          <dgm:constr type="lOff" for="ch" forName="TwoNodes_1_text" refType="w" refFor="ch" refForName="TwoConn_1-2" fact="0.5"/>
-          <dgm:constr type="t" for="ch" forName="TwoNodes_1_text" refType="t" refFor="ch" refForName="TwoNodes_1"/>
-          <dgm:constr type="b" for="ch" forName="TwoNodes_1_text" refType="b" refFor="ch" refForName="TwoNodes_1"/>
-          <dgm:constr type="r" for="ch" forName="TwoNodes_1_text" refType="r" refFor="ch" refForName="TwoNodes_1"/>
-          <dgm:constr type="l" for="ch" forName="TwoNodes_2_text" refType="r" refFor="ch" refForName="TwoConn_1-2"/>
-          <dgm:constr type="t" for="ch" forName="TwoNodes_2_text" refType="t" refFor="ch" refForName="TwoNodes_2"/>
-          <dgm:constr type="b" for="ch" forName="TwoNodes_2_text" refType="b" refFor="ch" refForName="TwoNodes_2"/>
-          <dgm:constr type="r" for="ch" forName="TwoNodes_2_text" refType="r" refFor="ch" refForName="TwoNodes_2"/>
-          <dgm:constr type="w" for="ch" forName="ThreeNodes_1" refType="w" fact="0.85"/>
-          <dgm:constr type="h" for="ch" forName="ThreeNodes_1" refType="h" fact="0.3"/>
-          <dgm:constr type="t" for="ch" forName="ThreeNodes_1"/>
-          <dgm:constr type="r" for="ch" forName="ThreeNodes_1" refType="w"/>
-          <dgm:constr type="w" for="ch" forName="ThreeNodes_2" refType="w" fact="0.85"/>
-          <dgm:constr type="h" for="ch" forName="ThreeNodes_2" refType="h" fact="0.3"/>
-          <dgm:constr type="ctrY" for="ch" forName="ThreeNodes_2" refType="h" fact="0.5"/>
-          <dgm:constr type="ctrX" for="ch" forName="ThreeNodes_2" refType="w" fact="0.5"/>
-          <dgm:constr type="w" for="ch" forName="ThreeNodes_3" refType="w" fact="0.85"/>
-          <dgm:constr type="h" for="ch" forName="ThreeNodes_3" refType="h" fact="0.3"/>
-          <dgm:constr type="b" for="ch" forName="ThreeNodes_3" refType="h"/>
-          <dgm:constr type="l" for="ch" forName="ThreeNodes_3"/>
-          <dgm:constr type="w" for="ch" forName="ThreeConn_1-2" refType="h" refFor="ch" refForName="ThreeNodes_1" fact="0.65"/>
-          <dgm:constr type="h" for="ch" forName="ThreeConn_1-2" refType="h" refFor="ch" refForName="ThreeNodes_1" fact="0.65"/>
-          <dgm:constr type="ctrY" for="ch" forName="ThreeConn_1-2" refType="h" fact="0.325"/>
-          <dgm:constr type="l" for="ch" forName="ThreeConn_1-2" refType="l" refFor="ch" refForName="ThreeNodes_1"/>
-          <dgm:constr type="w" for="ch" forName="ThreeConn_2-3" refType="h" refFor="ch" refForName="ThreeNodes_2" fact="0.65"/>
-          <dgm:constr type="h" for="ch" forName="ThreeConn_2-3" refType="h" refFor="ch" refForName="ThreeNodes_2" fact="0.65"/>
-          <dgm:constr type="ctrY" for="ch" forName="ThreeConn_2-3" refType="h" fact="0.673"/>
-          <dgm:constr type="l" for="ch" forName="ThreeConn_2-3" refType="l" refFor="ch" refForName="ThreeNodes_2"/>
-          <dgm:constr type="l" for="ch" forName="ThreeNodes_1_text" refType="r" refFor="ch" refForName="ThreeConn_1-2"/>
-          <dgm:constr type="lOff" for="ch" forName="ThreeNodes_1_text" refType="w" refFor="ch" refForName="ThreeConn_1-2" fact="0.55"/>
-          <dgm:constr type="t" for="ch" forName="ThreeNodes_1_text" refType="t" refFor="ch" refForName="ThreeNodes_1"/>
-          <dgm:constr type="b" for="ch" forName="ThreeNodes_1_text" refType="b" refFor="ch" refForName="ThreeNodes_1"/>
-          <dgm:constr type="r" for="ch" forName="ThreeNodes_1_text" refType="r" refFor="ch" refForName="ThreeNodes_1"/>
-          <dgm:constr type="l" for="ch" forName="ThreeNodes_2_text" refType="r" refFor="ch" refForName="ThreeConn_1-2"/>
-          <dgm:constr type="t" for="ch" forName="ThreeNodes_2_text" refType="t" refFor="ch" refForName="ThreeNodes_2"/>
-          <dgm:constr type="b" for="ch" forName="ThreeNodes_2_text" refType="b" refFor="ch" refForName="ThreeNodes_2"/>
-          <dgm:constr type="r" for="ch" forName="ThreeNodes_2_text" refType="r" refFor="ch" refForName="ThreeNodes_2"/>
-          <dgm:constr type="l" for="ch" forName="ThreeNodes_3_text" refType="r" refFor="ch" refForName="ThreeConn_2-3"/>
-          <dgm:constr type="t" for="ch" forName="ThreeNodes_3_text" refType="t" refFor="ch" refForName="ThreeNodes_3"/>
-          <dgm:constr type="b" for="ch" forName="ThreeNodes_3_text" refType="b" refFor="ch" refForName="ThreeNodes_3"/>
-          <dgm:constr type="r" for="ch" forName="ThreeNodes_3_text" refType="r" refFor="ch" refForName="ThreeNodes_3"/>
-          <dgm:constr type="w" for="ch" forName="FourNodes_1" refType="w" fact="0.8"/>
-          <dgm:constr type="h" for="ch" forName="FourNodes_1" refType="h" fact="0.22"/>
-          <dgm:constr type="t" for="ch" forName="FourNodes_1"/>
-          <dgm:constr type="r" for="ch" forName="FourNodes_1" refType="w"/>
-          <dgm:constr type="w" for="ch" forName="FourNodes_2" refType="w" fact="0.8"/>
-          <dgm:constr type="h" for="ch" forName="FourNodes_2" refType="h" fact="0.22"/>
-          <dgm:constr type="ctrY" for="ch" forName="FourNodes_2" refType="h" fact="0.37"/>
-          <dgm:constr type="ctrX" for="ch" forName="FourNodes_2" refType="w" fact="0.533"/>
-          <dgm:constr type="w" for="ch" forName="FourNodes_3" refType="w" fact="0.8"/>
-          <dgm:constr type="h" for="ch" forName="FourNodes_3" refType="h" fact="0.22"/>
-          <dgm:constr type="ctrY" for="ch" forName="FourNodes_3" refType="h" fact="0.63"/>
-          <dgm:constr type="ctrX" for="ch" forName="FourNodes_3" refType="w" fact="0.467"/>
-          <dgm:constr type="w" for="ch" forName="FourNodes_4" refType="w" fact="0.8"/>
-          <dgm:constr type="h" for="ch" forName="FourNodes_4" refType="h" fact="0.22"/>
-          <dgm:constr type="b" for="ch" forName="FourNodes_4" refType="h"/>
-          <dgm:constr type="l" for="ch" forName="FourNodes_4"/>
-          <dgm:constr type="w" for="ch" forName="FourConn_1-2" refType="h" refFor="ch" refForName="FourNodes_1" fact="0.65"/>
-          <dgm:constr type="h" for="ch" forName="FourConn_1-2" refType="h" refFor="ch" refForName="FourNodes_1" fact="0.65"/>
-          <dgm:constr type="ctrY" for="ch" forName="FourConn_1-2" refType="h" fact="0.24"/>
-          <dgm:constr type="l" for="ch" forName="FourConn_1-2" refType="l" refFor="ch" refForName="FourNodes_1"/>
-          <dgm:constr type="w" for="ch" forName="FourConn_2-3" refType="h" refFor="ch" refForName="FourNodes_2" fact="0.65"/>
-          <dgm:constr type="h" for="ch" forName="FourConn_2-3" refType="h" refFor="ch" refForName="FourNodes_2" fact="0.65"/>
-          <dgm:constr type="ctrY" for="ch" forName="FourConn_2-3" refType="h" fact="0.5"/>
-          <dgm:constr type="l" for="ch" forName="FourConn_2-3" refType="l" refFor="ch" refForName="FourNodes_2"/>
-          <dgm:constr type="w" for="ch" forName="FourConn_3-4" refType="h" refFor="ch" refForName="FourNodes_3" fact="0.65"/>
-          <dgm:constr type="h" for="ch" forName="FourConn_3-4" refType="h" refFor="ch" refForName="FourNodes_3" fact="0.65"/>
-          <dgm:constr type="ctrY" for="ch" forName="FourConn_3-4" refType="h" fact="0.76"/>
-          <dgm:constr type="l" for="ch" forName="FourConn_3-4" refType="l" refFor="ch" refForName="FourNodes_3"/>
-          <dgm:constr type="l" for="ch" forName="FourNodes_1_text" refType="r" refFor="ch" refForName="FourConn_1-2"/>
-          <dgm:constr type="lOff" for="ch" forName="FourNodes_1_text" refType="w" refFor="ch" refForName="FourConn_1-2" fact="0.69"/>
-          <dgm:constr type="t" for="ch" forName="FourNodes_1_text" refType="t" refFor="ch" refForName="FourNodes_1"/>
-          <dgm:constr type="b" for="ch" forName="FourNodes_1_text" refType="b" refFor="ch" refForName="FourNodes_1"/>
-          <dgm:constr type="r" for="ch" forName="FourNodes_1_text" refType="r" refFor="ch" refForName="FourNodes_1"/>
-          <dgm:constr type="l" for="ch" forName="FourNodes_2_text" refType="r" refFor="ch" refForName="FourConn_1-2"/>
-          <dgm:constr type="t" for="ch" forName="FourNodes_2_text" refType="t" refFor="ch" refForName="FourNodes_2"/>
-          <dgm:constr type="b" for="ch" forName="FourNodes_2_text" refType="b" refFor="ch" refForName="FourNodes_2"/>
-          <dgm:constr type="r" for="ch" forName="FourNodes_2_text" refType="r" refFor="ch" refForName="FourNodes_2"/>
-          <dgm:constr type="l" for="ch" forName="FourNodes_3_text" refType="r" refFor="ch" refForName="FourConn_2-3"/>
-          <dgm:constr type="t" for="ch" forName="FourNodes_3_text" refType="t" refFor="ch" refForName="FourNodes_3"/>
-          <dgm:constr type="b" for="ch" forName="FourNodes_3_text" refType="b" refFor="ch" refForName="FourNodes_3"/>
-          <dgm:constr type="r" for="ch" forName="FourNodes_3_text" refType="r" refFor="ch" refForName="FourNodes_3"/>
-          <dgm:constr type="l" for="ch" forName="FourNodes_4_text" refType="r" refFor="ch" refForName="FourConn_3-4"/>
-          <dgm:constr type="t" for="ch" forName="FourNodes_4_text" refType="t" refFor="ch" refForName="FourNodes_4"/>
-          <dgm:constr type="b" for="ch" forName="FourNodes_4_text" refType="b" refFor="ch" refForName="FourNodes_4"/>
-          <dgm:constr type="r" for="ch" forName="FourNodes_4_text" refType="r" refFor="ch" refForName="FourNodes_4"/>
-          <dgm:constr type="w" for="ch" forName="FiveNodes_1" refType="w" fact="0.77"/>
-          <dgm:constr type="h" for="ch" forName="FiveNodes_1" refType="h" fact="0.18"/>
-          <dgm:constr type="t" for="ch" forName="FiveNodes_1"/>
-          <dgm:constr type="r" for="ch" forName="FiveNodes_1" refType="w"/>
-          <dgm:constr type="w" for="ch" forName="FiveNodes_2" refType="w" fact="0.77"/>
-          <dgm:constr type="h" for="ch" forName="FiveNodes_2" refType="h" fact="0.18"/>
-          <dgm:constr type="ctrY" for="ch" forName="FiveNodes_2" refType="h" fact="0.295"/>
-          <dgm:constr type="ctrX" for="ch" forName="FiveNodes_2" refType="w" fact="0.5575"/>
-          <dgm:constr type="w" for="ch" forName="FiveNodes_3" refType="w" fact="0.77"/>
-          <dgm:constr type="h" for="ch" forName="FiveNodes_3" refType="h" fact="0.18"/>
-          <dgm:constr type="ctrY" for="ch" forName="FiveNodes_3" refType="h" fact="0.5"/>
-          <dgm:constr type="ctrX" for="ch" forName="FiveNodes_3" refType="w" fact="0.5"/>
-          <dgm:constr type="w" for="ch" forName="FiveNodes_4" refType="w" fact="0.77"/>
-          <dgm:constr type="h" for="ch" forName="FiveNodes_4" refType="h" fact="0.18"/>
-          <dgm:constr type="ctrY" for="ch" forName="FiveNodes_4" refType="h" fact="0.705"/>
-          <dgm:constr type="ctrX" for="ch" forName="FiveNodes_4" refType="w" fact="0.4425"/>
-          <dgm:constr type="w" for="ch" forName="FiveNodes_5" refType="w" fact="0.77"/>
-          <dgm:constr type="h" for="ch" forName="FiveNodes_5" refType="h" fact="0.18"/>
-          <dgm:constr type="b" for="ch" forName="FiveNodes_5" refType="h"/>
-          <dgm:constr type="l" for="ch" forName="FiveNodes_5"/>
-          <dgm:constr type="w" for="ch" forName="FiveConn_1-2" refType="h" refFor="ch" refForName="FiveNodes_1" fact="0.65"/>
-          <dgm:constr type="h" for="ch" forName="FiveConn_1-2" refType="h" refFor="ch" refForName="FiveNodes_1" fact="0.65"/>
-          <dgm:constr type="ctrY" for="ch" forName="FiveConn_1-2" refType="h" fact="0.19"/>
-          <dgm:constr type="l" for="ch" forName="FiveConn_1-2" refType="l" refFor="ch" refForName="FiveNodes_1"/>
-          <dgm:constr type="w" for="ch" forName="FiveConn_2-3" refType="h" refFor="ch" refForName="FiveNodes_2" fact="0.65"/>
-          <dgm:constr type="h" for="ch" forName="FiveConn_2-3" refType="h" refFor="ch" refForName="FiveNodes_2" fact="0.65"/>
-          <dgm:constr type="ctrY" for="ch" forName="FiveConn_2-3" refType="h" fact="0.395"/>
-          <dgm:constr type="l" for="ch" forName="FiveConn_2-3" refType="l" refFor="ch" refForName="FiveNodes_2"/>
-          <dgm:constr type="w" for="ch" forName="FiveConn_3-4" refType="h" refFor="ch" refForName="FiveNodes_3" fact="0.65"/>
-          <dgm:constr type="h" for="ch" forName="FiveConn_3-4" refType="h" refFor="ch" refForName="FiveNodes_3" fact="0.65"/>
-          <dgm:constr type="ctrY" for="ch" forName="FiveConn_3-4" refType="h" fact="0.597"/>
-          <dgm:constr type="l" for="ch" forName="FiveConn_3-4" refType="l" refFor="ch" refForName="FiveNodes_3"/>
-          <dgm:constr type="w" for="ch" forName="FiveConn_4-5" refType="h" refFor="ch" refForName="FiveNodes_4" fact="0.65"/>
-          <dgm:constr type="h" for="ch" forName="FiveConn_4-5" refType="h" refFor="ch" refForName="FiveNodes_4" fact="0.65"/>
-          <dgm:constr type="ctrY" for="ch" forName="FiveConn_4-5" refType="h" fact="0.804"/>
-          <dgm:constr type="l" for="ch" forName="FiveConn_4-5" refType="l" refFor="ch" refForName="FiveNodes_4"/>
-          <dgm:constr type="l" for="ch" forName="FiveNodes_1_text" refType="r" refFor="ch" refForName="FiveConn_1-2"/>
-          <dgm:constr type="lOff" for="ch" forName="FiveNodes_1_text" refType="w" refFor="ch" refForName="FiveConn_1-2" fact="0.73"/>
-          <dgm:constr type="t" for="ch" forName="FiveNodes_1_text" refType="t" refFor="ch" refForName="FiveNodes_1"/>
-          <dgm:constr type="b" for="ch" forName="FiveNodes_1_text" refType="b" refFor="ch" refForName="FiveNodes_1"/>
-          <dgm:constr type="r" for="ch" forName="FiveNodes_1_text" refType="r" refFor="ch" refForName="FiveNodes_1"/>
-          <dgm:constr type="l" for="ch" forName="FiveNodes_2_text" refType="r" refFor="ch" refForName="FiveConn_1-2"/>
-          <dgm:constr type="t" for="ch" forName="FiveNodes_2_text" refType="t" refFor="ch" refForName="FiveNodes_2"/>
-          <dgm:constr type="b" for="ch" forName="FiveNodes_2_text" refType="b" refFor="ch" refForName="FiveNodes_2"/>
-          <dgm:constr type="r" for="ch" forName="FiveNodes_2_text" refType="r" refFor="ch" refForName="FiveNodes_2"/>
-          <dgm:constr type="l" for="ch" forName="FiveNodes_3_text" refType="r" refFor="ch" refForName="FiveConn_2-3"/>
-          <dgm:constr type="t" for="ch" forName="FiveNodes_3_text" refType="t" refFor="ch" refForName="FiveNodes_3"/>
-          <dgm:constr type="b" for="ch" forName="FiveNodes_3_text" refType="b" refFor="ch" refForName="FiveNodes_3"/>
-          <dgm:constr type="r" for="ch" forName="FiveNodes_3_text" refType="r" refFor="ch" refForName="FiveNodes_3"/>
-          <dgm:constr type="l" for="ch" forName="FiveNodes_4_text" refType="r" refFor="ch" refForName="FiveConn_3-4"/>
-          <dgm:constr type="t" for="ch" forName="FiveNodes_4_text" refType="t" refFor="ch" refForName="FiveNodes_4"/>
-          <dgm:constr type="b" for="ch" forName="FiveNodes_4_text" refType="b" refFor="ch" refForName="FiveNodes_4"/>
-          <dgm:constr type="r" for="ch" forName="FiveNodes_4_text" refType="r" refFor="ch" refForName="FiveNodes_4"/>
-          <dgm:constr type="l" for="ch" forName="FiveNodes_5_text" refType="r" refFor="ch" refForName="FiveConn_4-5"/>
-          <dgm:constr type="t" for="ch" forName="FiveNodes_5_text" refType="t" refFor="ch" refForName="FiveNodes_5"/>
-          <dgm:constr type="b" for="ch" forName="FiveNodes_5_text" refType="b" refFor="ch" refForName="FiveNodes_5"/>
-          <dgm:constr type="r" for="ch" forName="FiveNodes_5_text" refType="r" refFor="ch" refForName="FiveNodes_5"/>
-        </dgm:constrLst>
-      </dgm:else>
-    </dgm:choose>
-    <dgm:ruleLst/>
-    <dgm:layoutNode name="dummyMaxCanvas">
-      <dgm:varLst/>
-      <dgm:alg type="sp"/>
-      <dgm:shape xmlns:r="http://schemas.openxmlformats.org/officeDocument/2006/relationships" r:blip="">
-        <dgm:adjLst/>
-      </dgm:shape>
-      <dgm:presOf/>
-      <dgm:constrLst/>
-      <dgm:ruleLst/>
-    </dgm:layoutNode>
-    <dgm:choose name="Name3">
-      <dgm:if name="Name4" axis="ch" ptType="node" func="cnt" op="equ" val="1">
-        <dgm:layoutNode name="OneNode_1">
-          <dgm:varLst>
-            <dgm:bulletEnabled val="1"/>
-          </dgm:varLst>
-          <dgm:alg type="tx"/>
-          <dgm:shape xmlns:r="http://schemas.openxmlformats.org/officeDocument/2006/relationships" type="roundRect" r:blip="">
-            <dgm:adjLst>
-              <dgm:adj idx="1" val="0.1"/>
-            </dgm:adjLst>
-          </dgm:shape>
-          <dgm:presOf axis="ch desOrSelf" ptType="node node" st="1 1" cnt="1 0"/>
-          <dgm:constrLst>
-            <dgm:constr type="lMarg" refType="primFontSz" fact="0.3"/>
-            <dgm:constr type="rMarg" refType="primFontSz" fact="0.3"/>
-            <dgm:constr type="tMarg" refType="primFontSz" fact="0.3"/>
-            <dgm:constr type="bMarg" refType="primFontSz" fact="0.3"/>
-          </dgm:constrLst>
-          <dgm:ruleLst>
-            <dgm:rule type="primFontSz" val="5" fact="NaN" max="NaN"/>
-          </dgm:ruleLst>
-        </dgm:layoutNode>
-      </dgm:if>
-      <dgm:else name="Name5">
-        <dgm:choose name="Name6">
-          <dgm:if name="Name7" axis="ch" ptType="node" func="cnt" op="equ" val="2">
-            <dgm:layoutNode name="TwoNodes_1">
-              <dgm:varLst>
-                <dgm:bulletEnabled val="1"/>
-              </dgm:varLst>
-              <dgm:alg type="sp"/>
-              <dgm:shape xmlns:r="http://schemas.openxmlformats.org/officeDocument/2006/relationships" type="roundRect" r:blip="">
-                <dgm:adjLst>
-                  <dgm:adj idx="1" val="0.1"/>
-                </dgm:adjLst>
-              </dgm:shape>
-              <dgm:presOf axis="ch desOrSelf" ptType="node node" st="1 1" cnt="1 0"/>
-              <dgm:constrLst/>
-              <dgm:ruleLst/>
-            </dgm:layoutNode>
-            <dgm:layoutNode name="TwoNodes_2">
-              <dgm:varLst>
-                <dgm:bulletEnabled val="1"/>
-              </dgm:varLst>
-              <dgm:alg type="sp"/>
-              <dgm:shape xmlns:r="http://schemas.openxmlformats.org/officeDocument/2006/relationships" type="roundRect" r:blip="">
-                <dgm:adjLst>
-                  <dgm:adj idx="1" val="0.1"/>
-                </dgm:adjLst>
-              </dgm:shape>
-              <dgm:presOf axis="ch desOrSelf" ptType="node node" st="2 1" cnt="1 0"/>
-              <dgm:constrLst/>
-              <dgm:ruleLst/>
-            </dgm:layoutNode>
-            <dgm:layoutNode name="TwoConn_1-2" styleLbl="fgAccFollowNode1">
-              <dgm:varLst>
-                <dgm:bulletEnabled val="1"/>
-              </dgm:varLst>
-              <dgm:alg type="tx"/>
-              <dgm:shape xmlns:r="http://schemas.openxmlformats.org/officeDocument/2006/relationships" type="downArrow" r:blip="">
-                <dgm:adjLst>
-                  <dgm:adj idx="1" val="0.55"/>
-                  <dgm:adj idx="2" val="0.45"/>
-                </dgm:adjLst>
-              </dgm:shape>
-              <dgm:presOf axis="ch" ptType="sibTrans" cnt="1"/>
-              <dgm:constrLst>
-                <dgm:constr type="lMarg" refType="primFontSz" fact="0.1"/>
-                <dgm:constr type="rMarg" refType="primFontSz" fact="0.1"/>
-                <dgm:constr type="tMarg" refType="primFontSz" fact="0.1"/>
-                <dgm:constr type="bMarg" refType="primFontSz" fact="0.1"/>
-              </dgm:constrLst>
-              <dgm:ruleLst>
-                <dgm:rule type="primFontSz" val="5" fact="NaN" max="NaN"/>
-              </dgm:ruleLst>
-            </dgm:layoutNode>
-            <dgm:layoutNode name="TwoNodes_1_text">
-              <dgm:varLst>
-                <dgm:bulletEnabled val="1"/>
-              </dgm:varLst>
-              <dgm:alg type="tx">
-                <dgm:param type="parTxLTRAlign" val="l"/>
-                <dgm:param type="txAnchorVertCh" val="mid"/>
-              </dgm:alg>
-              <dgm:shape xmlns:r="http://schemas.openxmlformats.org/officeDocument/2006/relationships" type="roundRect" r:blip="" hideGeom="1">
-                <dgm:adjLst>
-                  <dgm:adj idx="1" val="0.1"/>
-                </dgm:adjLst>
-              </dgm:shape>
-              <dgm:presOf axis="ch desOrSelf" ptType="node node" st="1 1" cnt="1 0"/>
-              <dgm:constrLst>
-                <dgm:constr type="lMarg" refType="primFontSz" fact="0.3"/>
-                <dgm:constr type="rMarg" refType="primFontSz" fact="0.3"/>
-                <dgm:constr type="tMarg" refType="primFontSz" fact="0.3"/>
-                <dgm:constr type="bMarg" refType="primFontSz" fact="0.3"/>
-              </dgm:constrLst>
-              <dgm:ruleLst>
-                <dgm:rule type="primFontSz" val="5" fact="NaN" max="NaN"/>
-              </dgm:ruleLst>
-            </dgm:layoutNode>
-            <dgm:layoutNode name="TwoNodes_2_text">
-              <dgm:varLst>
-                <dgm:bulletEnabled val="1"/>
-              </dgm:varLst>
-              <dgm:alg type="tx">
-                <dgm:param type="parTxLTRAlign" val="l"/>
-                <dgm:param type="txAnchorVertCh" val="mid"/>
-              </dgm:alg>
-              <dgm:shape xmlns:r="http://schemas.openxmlformats.org/officeDocument/2006/relationships" type="roundRect" r:blip="" hideGeom="1">
-                <dgm:adjLst>
-                  <dgm:adj idx="1" val="0.1"/>
-                </dgm:adjLst>
-              </dgm:shape>
-              <dgm:presOf axis="ch desOrSelf" ptType="node node" st="2 1" cnt="1 0"/>
-              <dgm:constrLst>
-                <dgm:constr type="lMarg" refType="primFontSz" fact="0.3"/>
-                <dgm:constr type="rMarg" refType="primFontSz" fact="0.3"/>
-                <dgm:constr type="tMarg" refType="primFontSz" fact="0.3"/>
-                <dgm:constr type="bMarg" refType="primFontSz" fact="0.3"/>
-              </dgm:constrLst>
-              <dgm:ruleLst>
-                <dgm:rule type="primFontSz" val="5" fact="NaN" max="NaN"/>
-              </dgm:ruleLst>
-            </dgm:layoutNode>
-          </dgm:if>
-          <dgm:else name="Name8">
-            <dgm:choose name="Name9">
-              <dgm:if name="Name10" axis="ch" ptType="node" func="cnt" op="equ" val="3">
-                <dgm:layoutNode name="ThreeNodes_1">
-                  <dgm:varLst>
-                    <dgm:bulletEnabled val="1"/>
-                  </dgm:varLst>
-                  <dgm:alg type="sp"/>
-                  <dgm:shape xmlns:r="http://schemas.openxmlformats.org/officeDocument/2006/relationships" type="roundRect" r:blip="">
-                    <dgm:adjLst>
-                      <dgm:adj idx="1" val="0.1"/>
-                    </dgm:adjLst>
-                  </dgm:shape>
-                  <dgm:presOf axis="ch desOrSelf" ptType="node node" st="1 1" cnt="1 0"/>
-                  <dgm:constrLst/>
-                  <dgm:ruleLst/>
-                </dgm:layoutNode>
-                <dgm:layoutNode name="ThreeNodes_2">
-                  <dgm:varLst>
-                    <dgm:bulletEnabled val="1"/>
-                  </dgm:varLst>
-                  <dgm:alg type="sp"/>
-                  <dgm:shape xmlns:r="http://schemas.openxmlformats.org/officeDocument/2006/relationships" type="roundRect" r:blip="">
-                    <dgm:adjLst>
-                      <dgm:adj idx="1" val="0.1"/>
-                    </dgm:adjLst>
-                  </dgm:shape>
-                  <dgm:presOf axis="ch desOrSelf" ptType="node node" st="2 1" cnt="1 0"/>
-                  <dgm:constrLst/>
-                  <dgm:ruleLst/>
-                </dgm:layoutNode>
-                <dgm:layoutNode name="ThreeNodes_3">
-                  <dgm:varLst>
-                    <dgm:bulletEnabled val="1"/>
-                  </dgm:varLst>
-                  <dgm:alg type="sp"/>
-                  <dgm:shape xmlns:r="http://schemas.openxmlformats.org/officeDocument/2006/relationships" type="roundRect" r:blip="">
-                    <dgm:adjLst>
-                      <dgm:adj idx="1" val="0.1"/>
-                    </dgm:adjLst>
-                  </dgm:shape>
-                  <dgm:presOf axis="ch desOrSelf" ptType="node node" st="3 1" cnt="1 0"/>
-                  <dgm:constrLst/>
-                  <dgm:ruleLst/>
-                </dgm:layoutNode>
-                <dgm:layoutNode name="ThreeConn_1-2" styleLbl="fgAccFollowNode1">
-                  <dgm:varLst>
-                    <dgm:bulletEnabled val="1"/>
-                  </dgm:varLst>
-                  <dgm:alg type="tx"/>
-                  <dgm:shape xmlns:r="http://schemas.openxmlformats.org/officeDocument/2006/relationships" type="downArrow" r:blip="">
-                    <dgm:adjLst>
-                      <dgm:adj idx="1" val="0.55"/>
-                      <dgm:adj idx="2" val="0.45"/>
-                    </dgm:adjLst>
-                  </dgm:shape>
-                  <dgm:presOf axis="ch" ptType="sibTrans" cnt="1"/>
-                  <dgm:constrLst>
-                    <dgm:constr type="lMarg" refType="primFontSz" fact="0.1"/>
-                    <dgm:constr type="rMarg" refType="primFontSz" fact="0.1"/>
-                    <dgm:constr type="tMarg" refType="primFontSz" fact="0.1"/>
-                    <dgm:constr type="bMarg" refType="primFontSz" fact="0.1"/>
-                  </dgm:constrLst>
-                  <dgm:ruleLst>
-                    <dgm:rule type="primFontSz" val="5" fact="NaN" max="NaN"/>
-                  </dgm:ruleLst>
-                </dgm:layoutNode>
-                <dgm:layoutNode name="ThreeConn_2-3" styleLbl="fgAccFollowNode1">
-                  <dgm:varLst>
-                    <dgm:bulletEnabled val="1"/>
-                  </dgm:varLst>
-                  <dgm:alg type="tx"/>
-                  <dgm:shape xmlns:r="http://schemas.openxmlformats.org/officeDocument/2006/relationships" type="downArrow" r:blip="">
-                    <dgm:adjLst>
-                      <dgm:adj idx="1" val="0.55"/>
-                      <dgm:adj idx="2" val="0.45"/>
-                    </dgm:adjLst>
-                  </dgm:shape>
-                  <dgm:presOf axis="ch" ptType="sibTrans" st="2" cnt="1"/>
-                  <dgm:constrLst>
-                    <dgm:constr type="lMarg" refType="primFontSz" fact="0.1"/>
-                    <dgm:constr type="rMarg" refType="primFontSz" fact="0.1"/>
-                    <dgm:constr type="tMarg" refType="primFontSz" fact="0.1"/>
-                    <dgm:constr type="bMarg" refType="primFontSz" fact="0.1"/>
-                  </dgm:constrLst>
-                  <dgm:ruleLst>
-                    <dgm:rule type="primFontSz" val="5" fact="NaN" max="NaN"/>
-                  </dgm:ruleLst>
-                </dgm:layoutNode>
-                <dgm:layoutNode name="ThreeNodes_1_text">
-                  <dgm:varLst>
-                    <dgm:bulletEnabled val="1"/>
-                  </dgm:varLst>
-                  <dgm:alg type="tx">
-                    <dgm:param type="parTxLTRAlign" val="l"/>
-                    <dgm:param type="txAnchorVertCh" val="mid"/>
-                  </dgm:alg>
-                  <dgm:shape xmlns:r="http://schemas.openxmlformats.org/officeDocument/2006/relationships" type="roundRect" r:blip="" hideGeom="1">
-                    <dgm:adjLst>
-                      <dgm:adj idx="1" val="0.1"/>
-                    </dgm:adjLst>
-                  </dgm:shape>
-                  <dgm:presOf axis="ch desOrSelf" ptType="node node" st="1 1" cnt="1 0"/>
-                  <dgm:constrLst>
-                    <dgm:constr type="lMarg" refType="primFontSz" fact="0.3"/>
-                    <dgm:constr type="rMarg" refType="primFontSz" fact="0.3"/>
-                    <dgm:constr type="tMarg" refType="primFontSz" fact="0.3"/>
-                    <dgm:constr type="bMarg" refType="primFontSz" fact="0.3"/>
-                  </dgm:constrLst>
-                  <dgm:ruleLst>
-                    <dgm:rule type="primFontSz" val="5" fact="NaN" max="NaN"/>
-                  </dgm:ruleLst>
-                </dgm:layoutNode>
-                <dgm:layoutNode name="ThreeNodes_2_text">
-                  <dgm:varLst>
-                    <dgm:bulletEnabled val="1"/>
-                  </dgm:varLst>
-                  <dgm:alg type="tx">
-                    <dgm:param type="parTxLTRAlign" val="l"/>
-                    <dgm:param type="txAnchorVertCh" val="mid"/>
-                  </dgm:alg>
-                  <dgm:shape xmlns:r="http://schemas.openxmlformats.org/officeDocument/2006/relationships" type="roundRect" r:blip="" hideGeom="1">
-                    <dgm:adjLst>
-                      <dgm:adj idx="1" val="0.1"/>
-                    </dgm:adjLst>
-                  </dgm:shape>
-                  <dgm:presOf axis="ch desOrSelf" ptType="node node" st="2 1" cnt="1 0"/>
-                  <dgm:constrLst>
-                    <dgm:constr type="lMarg" refType="primFontSz" fact="0.3"/>
-                    <dgm:constr type="rMarg" refType="primFontSz" fact="0.3"/>
-                    <dgm:constr type="tMarg" refType="primFontSz" fact="0.3"/>
-                    <dgm:constr type="bMarg" refType="primFontSz" fact="0.3"/>
-                  </dgm:constrLst>
-                  <dgm:ruleLst>
-                    <dgm:rule type="primFontSz" val="5" fact="NaN" max="NaN"/>
-                  </dgm:ruleLst>
-                </dgm:layoutNode>
-                <dgm:layoutNode name="ThreeNodes_3_text">
-                  <dgm:varLst>
-                    <dgm:bulletEnabled val="1"/>
-                  </dgm:varLst>
-                  <dgm:alg type="tx">
-                    <dgm:param type="parTxLTRAlign" val="l"/>
-                    <dgm:param type="txAnchorVertCh" val="mid"/>
-                  </dgm:alg>
-                  <dgm:shape xmlns:r="http://schemas.openxmlformats.org/officeDocument/2006/relationships" type="roundRect" r:blip="" hideGeom="1">
-                    <dgm:adjLst>
-                      <dgm:adj idx="1" val="0.1"/>
-                    </dgm:adjLst>
-                  </dgm:shape>
-                  <dgm:presOf axis="ch desOrSelf" ptType="node node" st="3 1" cnt="1 0"/>
-                  <dgm:constrLst>
-                    <dgm:constr type="lMarg" refType="primFontSz" fact="0.3"/>
-                    <dgm:constr type="rMarg" refType="primFontSz" fact="0.3"/>
-                    <dgm:constr type="tMarg" refType="primFontSz" fact="0.3"/>
-                    <dgm:constr type="bMarg" refType="primFontSz" fact="0.3"/>
-                  </dgm:constrLst>
-                  <dgm:ruleLst>
-                    <dgm:rule type="primFontSz" val="5" fact="NaN" max="NaN"/>
-                  </dgm:ruleLst>
-                </dgm:layoutNode>
-              </dgm:if>
-              <dgm:else name="Name11">
-                <dgm:choose name="Name12">
-                  <dgm:if name="Name13" axis="ch" ptType="node" func="cnt" op="equ" val="4">
-                    <dgm:layoutNode name="FourNodes_1">
-                      <dgm:varLst>
-                        <dgm:bulletEnabled val="1"/>
-                      </dgm:varLst>
-                      <dgm:alg type="sp"/>
-                      <dgm:shape xmlns:r="http://schemas.openxmlformats.org/officeDocument/2006/relationships" type="roundRect" r:blip="">
-                        <dgm:adjLst>
-                          <dgm:adj idx="1" val="0.1"/>
-                        </dgm:adjLst>
-                      </dgm:shape>
-                      <dgm:presOf axis="ch desOrSelf" ptType="node node" st="1 1" cnt="1 0"/>
-                      <dgm:constrLst/>
-                      <dgm:ruleLst/>
-                    </dgm:layoutNode>
-                    <dgm:layoutNode name="FourNodes_2">
-                      <dgm:varLst>
-                        <dgm:bulletEnabled val="1"/>
-                      </dgm:varLst>
-                      <dgm:alg type="sp"/>
-                      <dgm:shape xmlns:r="http://schemas.openxmlformats.org/officeDocument/2006/relationships" type="roundRect" r:blip="">
-                        <dgm:adjLst>
-                          <dgm:adj idx="1" val="0.1"/>
-                        </dgm:adjLst>
-                      </dgm:shape>
-                      <dgm:presOf axis="ch desOrSelf" ptType="node node" st="2 1" cnt="1 0"/>
-                      <dgm:constrLst/>
-                      <dgm:ruleLst/>
-                    </dgm:layoutNode>
-                    <dgm:layoutNode name="FourNodes_3">
-                      <dgm:varLst>
-                        <dgm:bulletEnabled val="1"/>
-                      </dgm:varLst>
-                      <dgm:alg type="sp"/>
-                      <dgm:shape xmlns:r="http://schemas.openxmlformats.org/officeDocument/2006/relationships" type="roundRect" r:blip="">
-                        <dgm:adjLst>
-                          <dgm:adj idx="1" val="0.1"/>
-                        </dgm:adjLst>
-                      </dgm:shape>
-                      <dgm:presOf axis="ch desOrSelf" ptType="node node" st="3 1" cnt="1 0"/>
-                      <dgm:constrLst/>
-                      <dgm:ruleLst/>
-                    </dgm:layoutNode>
-                    <dgm:layoutNode name="FourNodes_4">
-                      <dgm:varLst>
-                        <dgm:bulletEnabled val="1"/>
-                      </dgm:varLst>
-                      <dgm:alg type="sp"/>
-                      <dgm:shape xmlns:r="http://schemas.openxmlformats.org/officeDocument/2006/relationships" type="roundRect" r:blip="">
-                        <dgm:adjLst>
-                          <dgm:adj idx="1" val="0.1"/>
-                        </dgm:adjLst>
-                      </dgm:shape>
-                      <dgm:presOf axis="ch desOrSelf" ptType="node node" st="4 1" cnt="1 0"/>
-                      <dgm:constrLst/>
-                      <dgm:ruleLst/>
-                    </dgm:layoutNode>
-                    <dgm:layoutNode name="FourConn_1-2" styleLbl="fgAccFollowNode1">
-                      <dgm:varLst>
-                        <dgm:bulletEnabled val="1"/>
-                      </dgm:varLst>
-                      <dgm:alg type="tx"/>
-                      <dgm:shape xmlns:r="http://schemas.openxmlformats.org/officeDocument/2006/relationships" type="downArrow" r:blip="">
-                        <dgm:adjLst>
-                          <dgm:adj idx="1" val="0.55"/>
-                          <dgm:adj idx="2" val="0.45"/>
-                        </dgm:adjLst>
-                      </dgm:shape>
-                      <dgm:presOf axis="ch" ptType="sibTrans" cnt="1"/>
-                      <dgm:constrLst>
-                        <dgm:constr type="lMarg" refType="primFontSz" fact="0.1"/>
-                        <dgm:constr type="rMarg" refType="primFontSz" fact="0.1"/>
-                        <dgm:constr type="tMarg" refType="primFontSz" fact="0.1"/>
-                        <dgm:constr type="bMarg" refType="primFontSz" fact="0.1"/>
-                      </dgm:constrLst>
-                      <dgm:ruleLst>
-                        <dgm:rule type="primFontSz" val="5" fact="NaN" max="NaN"/>
-                      </dgm:ruleLst>
-                    </dgm:layoutNode>
-                    <dgm:layoutNode name="FourConn_2-3" styleLbl="fgAccFollowNode1">
-                      <dgm:varLst>
-                        <dgm:bulletEnabled val="1"/>
-                      </dgm:varLst>
-                      <dgm:alg type="tx"/>
-                      <dgm:shape xmlns:r="http://schemas.openxmlformats.org/officeDocument/2006/relationships" type="downArrow" r:blip="">
-                        <dgm:adjLst>
-                          <dgm:adj idx="1" val="0.55"/>
-                          <dgm:adj idx="2" val="0.45"/>
-                        </dgm:adjLst>
-                      </dgm:shape>
-                      <dgm:presOf axis="ch" ptType="sibTrans" st="2" cnt="1"/>
-                      <dgm:constrLst>
-                        <dgm:constr type="lMarg" refType="primFontSz" fact="0.1"/>
-                        <dgm:constr type="rMarg" refType="primFontSz" fact="0.1"/>
-                        <dgm:constr type="tMarg" refType="primFontSz" fact="0.1"/>
-                        <dgm:constr type="bMarg" refType="primFontSz" fact="0.1"/>
-                      </dgm:constrLst>
-                      <dgm:ruleLst>
-                        <dgm:rule type="primFontSz" val="5" fact="NaN" max="NaN"/>
-                      </dgm:ruleLst>
-                    </dgm:layoutNode>
-                    <dgm:layoutNode name="FourConn_3-4" styleLbl="fgAccFollowNode1">
-                      <dgm:varLst>
-                        <dgm:bulletEnabled val="1"/>
-                      </dgm:varLst>
-                      <dgm:alg type="tx"/>
-                      <dgm:shape xmlns:r="http://schemas.openxmlformats.org/officeDocument/2006/relationships" type="downArrow" r:blip="">
-                        <dgm:adjLst>
-                          <dgm:adj idx="1" val="0.55"/>
-                          <dgm:adj idx="2" val="0.45"/>
-                        </dgm:adjLst>
-                      </dgm:shape>
-                      <dgm:presOf axis="ch" ptType="sibTrans" st="3" cnt="1"/>
-                      <dgm:constrLst>
-                        <dgm:constr type="lMarg" refType="primFontSz" fact="0.1"/>
-                        <dgm:constr type="rMarg" refType="primFontSz" fact="0.1"/>
-                        <dgm:constr type="tMarg" refType="primFontSz" fact="0.1"/>
-                        <dgm:constr type="bMarg" refType="primFontSz" fact="0.1"/>
-                      </dgm:constrLst>
-                      <dgm:ruleLst>
-                        <dgm:rule type="primFontSz" val="5" fact="NaN" max="NaN"/>
-                      </dgm:ruleLst>
-                    </dgm:layoutNode>
-                    <dgm:layoutNode name="FourNodes_1_text">
-                      <dgm:varLst>
-                        <dgm:bulletEnabled val="1"/>
-                      </dgm:varLst>
-                      <dgm:alg type="tx">
-                        <dgm:param type="parTxLTRAlign" val="l"/>
-                        <dgm:param type="txAnchorVertCh" val="mid"/>
-                      </dgm:alg>
-                      <dgm:shape xmlns:r="http://schemas.openxmlformats.org/officeDocument/2006/relationships" type="roundRect" r:blip="" hideGeom="1">
-                        <dgm:adjLst>
-                          <dgm:adj idx="1" val="0.1"/>
-                        </dgm:adjLst>
-                      </dgm:shape>
-                      <dgm:presOf axis="ch desOrSelf" ptType="node node" st="1 1" cnt="1 0"/>
-                      <dgm:constrLst>
-                        <dgm:constr type="lMarg" refType="primFontSz" fact="0.3"/>
-                        <dgm:constr type="rMarg" refType="primFontSz" fact="0.3"/>
-                        <dgm:constr type="tMarg" refType="primFontSz" fact="0.3"/>
-                        <dgm:constr type="bMarg" refType="primFontSz" fact="0.3"/>
-                      </dgm:constrLst>
-                      <dgm:ruleLst>
-                        <dgm:rule type="primFontSz" val="5" fact="NaN" max="NaN"/>
-                      </dgm:ruleLst>
-                    </dgm:layoutNode>
-                    <dgm:layoutNode name="FourNodes_2_text">
-                      <dgm:varLst>
-                        <dgm:bulletEnabled val="1"/>
-                      </dgm:varLst>
-                      <dgm:alg type="tx">
-                        <dgm:param type="parTxLTRAlign" val="l"/>
-                        <dgm:param type="txAnchorVertCh" val="mid"/>
-                      </dgm:alg>
-                      <dgm:shape xmlns:r="http://schemas.openxmlformats.org/officeDocument/2006/relationships" type="roundRect" r:blip="" hideGeom="1">
-                        <dgm:adjLst>
-                          <dgm:adj idx="1" val="0.1"/>
-                        </dgm:adjLst>
-                      </dgm:shape>
-                      <dgm:presOf axis="ch desOrSelf" ptType="node node" st="2 1" cnt="1 0"/>
-                      <dgm:constrLst>
-                        <dgm:constr type="lMarg" refType="primFontSz" fact="0.3"/>
-                        <dgm:constr type="rMarg" refType="primFontSz" fact="0.3"/>
-                        <dgm:constr type="tMarg" refType="primFontSz" fact="0.3"/>
-                        <dgm:constr type="bMarg" refType="primFontSz" fact="0.3"/>
-                      </dgm:constrLst>
-                      <dgm:ruleLst>
-                        <dgm:rule type="primFontSz" val="5" fact="NaN" max="NaN"/>
-                      </dgm:ruleLst>
-                    </dgm:layoutNode>
-                    <dgm:layoutNode name="FourNodes_3_text">
-                      <dgm:varLst>
-                        <dgm:bulletEnabled val="1"/>
-                      </dgm:varLst>
-                      <dgm:alg type="tx">
-                        <dgm:param type="parTxLTRAlign" val="l"/>
-                        <dgm:param type="txAnchorVertCh" val="mid"/>
-                      </dgm:alg>
-                      <dgm:shape xmlns:r="http://schemas.openxmlformats.org/officeDocument/2006/relationships" type="roundRect" r:blip="" hideGeom="1">
-                        <dgm:adjLst>
-                          <dgm:adj idx="1" val="0.1"/>
-                        </dgm:adjLst>
-                      </dgm:shape>
-                      <dgm:presOf axis="ch desOrSelf" ptType="node node" st="3 1" cnt="1 0"/>
-                      <dgm:constrLst>
-                        <dgm:constr type="lMarg" refType="primFontSz" fact="0.3"/>
-                        <dgm:constr type="rMarg" refType="primFontSz" fact="0.3"/>
-                        <dgm:constr type="tMarg" refType="primFontSz" fact="0.3"/>
-                        <dgm:constr type="bMarg" refType="primFontSz" fact="0.3"/>
-                      </dgm:constrLst>
-                      <dgm:ruleLst>
-                        <dgm:rule type="primFontSz" val="5" fact="NaN" max="NaN"/>
-                      </dgm:ruleLst>
-                    </dgm:layoutNode>
-                    <dgm:layoutNode name="FourNodes_4_text">
-                      <dgm:varLst>
-                        <dgm:bulletEnabled val="1"/>
-                      </dgm:varLst>
-                      <dgm:alg type="tx">
-                        <dgm:param type="parTxLTRAlign" val="l"/>
-                        <dgm:param type="txAnchorVertCh" val="mid"/>
-                      </dgm:alg>
-                      <dgm:shape xmlns:r="http://schemas.openxmlformats.org/officeDocument/2006/relationships" type="roundRect" r:blip="" hideGeom="1">
-                        <dgm:adjLst>
-                          <dgm:adj idx="1" val="0.1"/>
-                        </dgm:adjLst>
-                      </dgm:shape>
-                      <dgm:presOf axis="ch desOrSelf" ptType="node node" st="4 1" cnt="1 0"/>
-                      <dgm:constrLst>
-                        <dgm:constr type="lMarg" refType="primFontSz" fact="0.3"/>
-                        <dgm:constr type="rMarg" refType="primFontSz" fact="0.3"/>
-                        <dgm:constr type="tMarg" refType="primFontSz" fact="0.3"/>
-                        <dgm:constr type="bMarg" refType="primFontSz" fact="0.3"/>
-                      </dgm:constrLst>
-                      <dgm:ruleLst>
-                        <dgm:rule type="primFontSz" val="5" fact="NaN" max="NaN"/>
-                      </dgm:ruleLst>
-                    </dgm:layoutNode>
-                  </dgm:if>
-                  <dgm:else name="Name14">
-                    <dgm:choose name="Name15">
-                      <dgm:if name="Name16" axis="ch" ptType="node" func="cnt" op="gte" val="5">
-                        <dgm:layoutNode name="FiveNodes_1">
-                          <dgm:varLst>
-                            <dgm:bulletEnabled val="1"/>
-                          </dgm:varLst>
-                          <dgm:alg type="sp"/>
-                          <dgm:shape xmlns:r="http://schemas.openxmlformats.org/officeDocument/2006/relationships" type="roundRect" r:blip="">
-                            <dgm:adjLst>
-                              <dgm:adj idx="1" val="0.1"/>
-                            </dgm:adjLst>
-                          </dgm:shape>
-                          <dgm:presOf axis="ch desOrSelf" ptType="node node" st="1 1" cnt="1 0"/>
-                          <dgm:constrLst/>
-                          <dgm:ruleLst/>
-                        </dgm:layoutNode>
-                        <dgm:layoutNode name="FiveNodes_2">
-                          <dgm:varLst>
-                            <dgm:bulletEnabled val="1"/>
-                          </dgm:varLst>
-                          <dgm:alg type="sp"/>
-                          <dgm:shape xmlns:r="http://schemas.openxmlformats.org/officeDocument/2006/relationships" type="roundRect" r:blip="">
-                            <dgm:adjLst>
-                              <dgm:adj idx="1" val="0.1"/>
-                            </dgm:adjLst>
-                          </dgm:shape>
-                          <dgm:presOf axis="ch desOrSelf" ptType="node node" st="2 1" cnt="1 0"/>
-                          <dgm:constrLst/>
-                          <dgm:ruleLst/>
-                        </dgm:layoutNode>
-                        <dgm:layoutNode name="FiveNodes_3">
-                          <dgm:varLst>
-                            <dgm:bulletEnabled val="1"/>
-                          </dgm:varLst>
-                          <dgm:alg type="sp"/>
-                          <dgm:shape xmlns:r="http://schemas.openxmlformats.org/officeDocument/2006/relationships" type="roundRect" r:blip="">
-                            <dgm:adjLst>
-                              <dgm:adj idx="1" val="0.1"/>
-                            </dgm:adjLst>
-                          </dgm:shape>
-                          <dgm:presOf axis="ch desOrSelf" ptType="node node" st="3 1" cnt="1 0"/>
-                          <dgm:constrLst/>
-                          <dgm:ruleLst/>
-                        </dgm:layoutNode>
-                        <dgm:layoutNode name="FiveNodes_4">
-                          <dgm:varLst>
-                            <dgm:bulletEnabled val="1"/>
-                          </dgm:varLst>
-                          <dgm:alg type="sp"/>
-                          <dgm:shape xmlns:r="http://schemas.openxmlformats.org/officeDocument/2006/relationships" type="roundRect" r:blip="">
-                            <dgm:adjLst>
-                              <dgm:adj idx="1" val="0.1"/>
-                            </dgm:adjLst>
-                          </dgm:shape>
-                          <dgm:presOf axis="ch desOrSelf" ptType="node node" st="4 1" cnt="1 0"/>
-                          <dgm:constrLst/>
-                          <dgm:ruleLst/>
-                        </dgm:layoutNode>
-                        <dgm:layoutNode name="FiveNodes_5">
-                          <dgm:varLst>
-                            <dgm:bulletEnabled val="1"/>
-                          </dgm:varLst>
-                          <dgm:alg type="sp"/>
-                          <dgm:shape xmlns:r="http://schemas.openxmlformats.org/officeDocument/2006/relationships" type="roundRect" r:blip="">
-                            <dgm:adjLst>
-                              <dgm:adj idx="1" val="0.1"/>
-                            </dgm:adjLst>
-                          </dgm:shape>
-                          <dgm:presOf axis="ch desOrSelf" ptType="node node" st="5 1" cnt="1 0"/>
-                          <dgm:constrLst/>
-                          <dgm:ruleLst/>
-                        </dgm:layoutNode>
-                        <dgm:layoutNode name="FiveConn_1-2" styleLbl="fgAccFollowNode1">
-                          <dgm:varLst>
-                            <dgm:bulletEnabled val="1"/>
-                          </dgm:varLst>
-                          <dgm:alg type="tx"/>
-                          <dgm:shape xmlns:r="http://schemas.openxmlformats.org/officeDocument/2006/relationships" type="downArrow" r:blip="">
-                            <dgm:adjLst>
-                              <dgm:adj idx="1" val="0.55"/>
-                              <dgm:adj idx="2" val="0.45"/>
-                            </dgm:adjLst>
-                          </dgm:shape>
-                          <dgm:presOf axis="ch" ptType="sibTrans" cnt="1"/>
-                          <dgm:constrLst>
-                            <dgm:constr type="lMarg" refType="primFontSz" fact="0.1"/>
-                            <dgm:constr type="rMarg" refType="primFontSz" fact="0.1"/>
-                            <dgm:constr type="tMarg" refType="primFontSz" fact="0.1"/>
-                            <dgm:constr type="bMarg" refType="primFontSz" fact="0.1"/>
-                          </dgm:constrLst>
-                          <dgm:ruleLst>
-                            <dgm:rule type="primFontSz" val="5" fact="NaN" max="NaN"/>
-                          </dgm:ruleLst>
-                        </dgm:layoutNode>
-                        <dgm:layoutNode name="FiveConn_2-3" styleLbl="fgAccFollowNode1">
-                          <dgm:varLst>
-                            <dgm:bulletEnabled val="1"/>
-                          </dgm:varLst>
-                          <dgm:alg type="tx"/>
-                          <dgm:shape xmlns:r="http://schemas.openxmlformats.org/officeDocument/2006/relationships" type="downArrow" r:blip="">
-                            <dgm:adjLst>
-                              <dgm:adj idx="1" val="0.55"/>
-                              <dgm:adj idx="2" val="0.45"/>
-                            </dgm:adjLst>
-                          </dgm:shape>
-                          <dgm:presOf axis="ch" ptType="sibTrans" st="2" cnt="1"/>
-                          <dgm:constrLst>
-                            <dgm:constr type="lMarg" refType="primFontSz" fact="0.1"/>
-                            <dgm:constr type="rMarg" refType="primFontSz" fact="0.1"/>
-                            <dgm:constr type="tMarg" refType="primFontSz" fact="0.1"/>
-                            <dgm:constr type="bMarg" refType="primFontSz" fact="0.1"/>
-                          </dgm:constrLst>
-                          <dgm:ruleLst>
-                            <dgm:rule type="primFontSz" val="5" fact="NaN" max="NaN"/>
-                          </dgm:ruleLst>
-                        </dgm:layoutNode>
-                        <dgm:layoutNode name="FiveConn_3-4" styleLbl="fgAccFollowNode1">
-                          <dgm:varLst>
-                            <dgm:bulletEnabled val="1"/>
-                          </dgm:varLst>
-                          <dgm:alg type="tx"/>
-                          <dgm:shape xmlns:r="http://schemas.openxmlformats.org/officeDocument/2006/relationships" type="downArrow" r:blip="">
-                            <dgm:adjLst>
-                              <dgm:adj idx="1" val="0.55"/>
-                              <dgm:adj idx="2" val="0.45"/>
-                            </dgm:adjLst>
-                          </dgm:shape>
-                          <dgm:presOf axis="ch" ptType="sibTrans" st="3" cnt="1"/>
-                          <dgm:constrLst>
-                            <dgm:constr type="lMarg" refType="primFontSz" fact="0.1"/>
-                            <dgm:constr type="rMarg" refType="primFontSz" fact="0.1"/>
-                            <dgm:constr type="tMarg" refType="primFontSz" fact="0.1"/>
-                            <dgm:constr type="bMarg" refType="primFontSz" fact="0.1"/>
-                          </dgm:constrLst>
-                          <dgm:ruleLst>
-                            <dgm:rule type="primFontSz" val="5" fact="NaN" max="NaN"/>
-                          </dgm:ruleLst>
-                        </dgm:layoutNode>
-                        <dgm:layoutNode name="FiveConn_4-5" styleLbl="fgAccFollowNode1">
-                          <dgm:varLst>
-                            <dgm:bulletEnabled val="1"/>
-                          </dgm:varLst>
-                          <dgm:alg type="tx"/>
-                          <dgm:shape xmlns:r="http://schemas.openxmlformats.org/officeDocument/2006/relationships" type="downArrow" r:blip="">
-                            <dgm:adjLst>
-                              <dgm:adj idx="1" val="0.55"/>
-                              <dgm:adj idx="2" val="0.45"/>
-                            </dgm:adjLst>
-                          </dgm:shape>
-                          <dgm:presOf axis="ch" ptType="sibTrans" st="4" cnt="1"/>
-                          <dgm:constrLst>
-                            <dgm:constr type="lMarg" refType="primFontSz" fact="0.1"/>
-                            <dgm:constr type="rMarg" refType="primFontSz" fact="0.1"/>
-                            <dgm:constr type="tMarg" refType="primFontSz" fact="0.1"/>
-                            <dgm:constr type="bMarg" refType="primFontSz" fact="0.1"/>
-                          </dgm:constrLst>
-                          <dgm:ruleLst>
-                            <dgm:rule type="primFontSz" val="5" fact="NaN" max="NaN"/>
-                          </dgm:ruleLst>
-                        </dgm:layoutNode>
-                        <dgm:layoutNode name="FiveNodes_1_text">
-                          <dgm:varLst>
-                            <dgm:bulletEnabled val="1"/>
-                          </dgm:varLst>
-                          <dgm:alg type="tx">
-                            <dgm:param type="parTxLTRAlign" val="l"/>
-                            <dgm:param type="txAnchorVertCh" val="mid"/>
-                          </dgm:alg>
-                          <dgm:shape xmlns:r="http://schemas.openxmlformats.org/officeDocument/2006/relationships" type="roundRect" r:blip="" hideGeom="1">
-                            <dgm:adjLst>
-                              <dgm:adj idx="1" val="0.1"/>
-                            </dgm:adjLst>
-                          </dgm:shape>
-                          <dgm:presOf axis="ch desOrSelf" ptType="node node" st="1 1" cnt="1 0"/>
-                          <dgm:constrLst>
-                            <dgm:constr type="lMarg" refType="primFontSz" fact="0.3"/>
-                            <dgm:constr type="rMarg" refType="primFontSz" fact="0.3"/>
-                            <dgm:constr type="tMarg" refType="primFontSz" fact="0.3"/>
-                            <dgm:constr type="bMarg" refType="primFontSz" fact="0.3"/>
-                          </dgm:constrLst>
-                          <dgm:ruleLst>
-                            <dgm:rule type="primFontSz" val="5" fact="NaN" max="NaN"/>
-                          </dgm:ruleLst>
-                        </dgm:layoutNode>
-                        <dgm:layoutNode name="FiveNodes_2_text">
-                          <dgm:varLst>
-                            <dgm:bulletEnabled val="1"/>
-                          </dgm:varLst>
-                          <dgm:alg type="tx">
-                            <dgm:param type="parTxLTRAlign" val="l"/>
-                            <dgm:param type="txAnchorVertCh" val="mid"/>
-                          </dgm:alg>
-                          <dgm:shape xmlns:r="http://schemas.openxmlformats.org/officeDocument/2006/relationships" type="roundRect" r:blip="" hideGeom="1">
-                            <dgm:adjLst>
-                              <dgm:adj idx="1" val="0.1"/>
-                            </dgm:adjLst>
-                          </dgm:shape>
-                          <dgm:presOf axis="ch desOrSelf" ptType="node node" st="2 1" cnt="1 0"/>
-                          <dgm:constrLst>
-                            <dgm:constr type="lMarg" refType="primFontSz" fact="0.3"/>
-                            <dgm:constr type="rMarg" refType="primFontSz" fact="0.3"/>
-                            <dgm:constr type="tMarg" refType="primFontSz" fact="0.3"/>
-                            <dgm:constr type="bMarg" refType="primFontSz" fact="0.3"/>
-                          </dgm:constrLst>
-                          <dgm:ruleLst>
-                            <dgm:rule type="primFontSz" val="5" fact="NaN" max="NaN"/>
-                          </dgm:ruleLst>
-                        </dgm:layoutNode>
-                        <dgm:layoutNode name="FiveNodes_3_text">
-                          <dgm:varLst>
-                            <dgm:bulletEnabled val="1"/>
-                          </dgm:varLst>
-                          <dgm:alg type="tx">
-                            <dgm:param type="parTxLTRAlign" val="l"/>
-                            <dgm:param type="txAnchorVertCh" val="mid"/>
-                          </dgm:alg>
-                          <dgm:shape xmlns:r="http://schemas.openxmlformats.org/officeDocument/2006/relationships" type="roundRect" r:blip="" hideGeom="1">
-                            <dgm:adjLst>
-                              <dgm:adj idx="1" val="0.1"/>
-                            </dgm:adjLst>
-                          </dgm:shape>
-                          <dgm:presOf axis="ch desOrSelf" ptType="node node" st="3 1" cnt="1 0"/>
-                          <dgm:constrLst>
-                            <dgm:constr type="lMarg" refType="primFontSz" fact="0.3"/>
-                            <dgm:constr type="rMarg" refType="primFontSz" fact="0.3"/>
-                            <dgm:constr type="tMarg" refType="primFontSz" fact="0.3"/>
-                            <dgm:constr type="bMarg" refType="primFontSz" fact="0.3"/>
-                          </dgm:constrLst>
-                          <dgm:ruleLst>
-                            <dgm:rule type="primFontSz" val="5" fact="NaN" max="NaN"/>
-                          </dgm:ruleLst>
-                        </dgm:layoutNode>
-                        <dgm:layoutNode name="FiveNodes_4_text">
-                          <dgm:varLst>
-                            <dgm:bulletEnabled val="1"/>
-                          </dgm:varLst>
-                          <dgm:alg type="tx">
-                            <dgm:param type="parTxLTRAlign" val="l"/>
-                            <dgm:param type="txAnchorVertCh" val="mid"/>
-                          </dgm:alg>
-                          <dgm:shape xmlns:r="http://schemas.openxmlformats.org/officeDocument/2006/relationships" type="roundRect" r:blip="" hideGeom="1">
-                            <dgm:adjLst>
-                              <dgm:adj idx="1" val="0.1"/>
-                            </dgm:adjLst>
-                          </dgm:shape>
-                          <dgm:presOf axis="ch desOrSelf" ptType="node node" st="4 1" cnt="1 0"/>
-                          <dgm:constrLst>
-                            <dgm:constr type="lMarg" refType="primFontSz" fact="0.3"/>
-                            <dgm:constr type="rMarg" refType="primFontSz" fact="0.3"/>
-                            <dgm:constr type="tMarg" refType="primFontSz" fact="0.3"/>
-                            <dgm:constr type="bMarg" refType="primFontSz" fact="0.3"/>
-                          </dgm:constrLst>
-                          <dgm:ruleLst>
-                            <dgm:rule type="primFontSz" val="5" fact="NaN" max="NaN"/>
-                          </dgm:ruleLst>
-                        </dgm:layoutNode>
-                        <dgm:layoutNode name="FiveNodes_5_text">
-                          <dgm:varLst>
-                            <dgm:bulletEnabled val="1"/>
-                          </dgm:varLst>
-                          <dgm:alg type="tx">
-                            <dgm:param type="parTxLTRAlign" val="l"/>
-                            <dgm:param type="txAnchorVertCh" val="mid"/>
-                          </dgm:alg>
-                          <dgm:shape xmlns:r="http://schemas.openxmlformats.org/officeDocument/2006/relationships" type="roundRect" r:blip="" hideGeom="1">
-                            <dgm:adjLst>
-                              <dgm:adj idx="1" val="0.1"/>
-                            </dgm:adjLst>
-                          </dgm:shape>
-                          <dgm:presOf axis="ch desOrSelf" ptType="node node" st="5 1" cnt="1 0"/>
-                          <dgm:constrLst>
-                            <dgm:constr type="lMarg" refType="primFontSz" fact="0.3"/>
-                            <dgm:constr type="rMarg" refType="primFontSz" fact="0.3"/>
-                            <dgm:constr type="tMarg" refType="primFontSz" fact="0.3"/>
-                            <dgm:constr type="bMarg" refType="primFontSz" fact="0.3"/>
-                          </dgm:constrLst>
-                          <dgm:ruleLst>
-                            <dgm:rule type="primFontSz" val="5" fact="NaN" max="NaN"/>
-                          </dgm:ruleLst>
-                        </dgm:layoutNode>
-                      </dgm:if>
-                      <dgm:else name="Name17"/>
-                    </dgm:choose>
-                  </dgm:else>
-                </dgm:choose>
-              </dgm:else>
-            </dgm:choose>
-          </dgm:else>
-        </dgm:choose>
-      </dgm:else>
-    </dgm:choose>
-  </dgm:layoutNode>
-</dgm:layoutDef>
-</file>
-
-<file path=ppt/diagrams/quickStyle1.xml><?xml version="1.0" encoding="utf-8"?>
-<dgm:styleDef xmlns:dgm="http://schemas.openxmlformats.org/drawingml/2006/diagram" xmlns:a="http://schemas.openxmlformats.org/drawingml/2006/main" uniqueId="urn:microsoft.com/office/officeart/2005/8/quickstyle/simple4">
-  <dgm:title val=""/>
-  <dgm:desc val=""/>
-  <dgm:catLst>
-    <dgm:cat type="simple" pri="10400"/>
-  </dgm:catLst>
-  <dgm:scene3d>
-    <a:camera prst="orthographicFront"/>
-    <a:lightRig rig="threePt" dir="t"/>
-  </dgm:scene3d>
-  <dgm:styleLbl name="node0">
-    <dgm:scene3d>
-      <a:camera prst="orthographicFront"/>
-      <a:lightRig rig="threePt" dir="t"/>
-    </dgm:scene3d>
-    <dgm:sp3d/>
-    <dgm:txPr/>
-    <dgm:style>
-      <a:lnRef idx="0">
-        <a:scrgbClr r="0" g="0" b="0"/>
-      </a:lnRef>
-      <a:fillRef idx="3">
-        <a:scrgbClr r="0" g="0" b="0"/>
-      </a:fillRef>
-      <a:effectRef idx="2">
-        <a:scrgbClr r="0" g="0" b="0"/>
-      </a:effectRef>
-      <a:fontRef idx="minor">
-        <a:schemeClr val="lt1"/>
-      </a:fontRef>
-    </dgm:style>
-  </dgm:styleLbl>
-  <dgm:styleLbl name="lnNode1">
-    <dgm:scene3d>
-      <a:camera prst="orthographicFront"/>
-      <a:lightRig rig="threePt" dir="t"/>
-    </dgm:scene3d>
-    <dgm:sp3d/>
-    <dgm:txPr/>
-    <dgm:style>
-      <a:lnRef idx="1">
-        <a:scrgbClr r="0" g="0" b="0"/>
-      </a:lnRef>
-      <a:fillRef idx="3">
-        <a:scrgbClr r="0" g="0" b="0"/>
-      </a:fillRef>
-      <a:effectRef idx="2">
-        <a:scrgbClr r="0" g="0" b="0"/>
-      </a:effectRef>
-      <a:fontRef idx="minor">
-        <a:schemeClr val="lt1"/>
-      </a:fontRef>
-    </dgm:style>
-  </dgm:styleLbl>
-  <dgm:styleLbl name="vennNode1">
-    <dgm:scene3d>
-      <a:camera prst="orthographicFront"/>
-      <a:lightRig rig="threePt" dir="t"/>
-    </dgm:scene3d>
-    <dgm:sp3d/>
-    <dgm:txPr/>
-    <dgm:style>
-      <a:lnRef idx="0">
-        <a:scrgbClr r="0" g="0" b="0"/>
-      </a:lnRef>
-      <a:fillRef idx="3">
-        <a:scrgbClr r="0" g="0" b="0"/>
-      </a:fillRef>
-      <a:effectRef idx="0">
-        <a:scrgbClr r="0" g="0" b="0"/>
-      </a:effectRef>
-      <a:fontRef idx="minor">
-        <a:schemeClr val="tx1"/>
-      </a:fontRef>
-    </dgm:style>
-  </dgm:styleLbl>
-  <dgm:styleLbl name="alignNode1">
-    <dgm:scene3d>
-      <a:camera prst="orthographicFront"/>
-      <a:lightRig rig="threePt" dir="t"/>
-    </dgm:scene3d>
-    <dgm:sp3d/>
-    <dgm:txPr/>
-    <dgm:style>
-      <a:lnRef idx="1">
-        <a:scrgbClr r="0" g="0" b="0"/>
-      </a:lnRef>
-      <a:fillRef idx="3">
-        <a:scrgbClr r="0" g="0" b="0"/>
-      </a:fillRef>
-      <a:effectRef idx="2">
-        <a:scrgbClr r="0" g="0" b="0"/>
-      </a:effectRef>
-      <a:fontRef idx="minor">
-        <a:schemeClr val="lt1"/>
-      </a:fontRef>
-    </dgm:style>
-  </dgm:styleLbl>
-  <dgm:styleLbl name="node1">
-    <dgm:scene3d>
-      <a:camera prst="orthographicFront"/>
-      <a:lightRig rig="threePt" dir="t"/>
-    </dgm:scene3d>
-    <dgm:sp3d/>
-    <dgm:txPr/>
-    <dgm:style>
-      <a:lnRef idx="0">
-        <a:scrgbClr r="0" g="0" b="0"/>
-      </a:lnRef>
-      <a:fillRef idx="3">
-        <a:scrgbClr r="0" g="0" b="0"/>
-      </a:fillRef>
-      <a:effectRef idx="2">
-        <a:scrgbClr r="0" g="0" b="0"/>
-      </a:effectRef>
-      <a:fontRef idx="minor">
-        <a:schemeClr val="lt1"/>
-      </a:fontRef>
-    </dgm:style>
-  </dgm:styleLbl>
-  <dgm:styleLbl name="node2">
-    <dgm:scene3d>
-      <a:camera prst="orthographicFront"/>
-      <a:lightRig rig="threePt" dir="t"/>
-    </dgm:scene3d>
-    <dgm:sp3d/>
-    <dgm:txPr/>
-    <dgm:style>
-      <a:lnRef idx="0">
-        <a:scrgbClr r="0" g="0" b="0"/>
-      </a:lnRef>
-      <a:fillRef idx="3">
-        <a:scrgbClr r="0" g="0" b="0"/>
-      </a:fillRef>
-      <a:effectRef idx="2">
-        <a:scrgbClr r="0" g="0" b="0"/>
-      </a:effectRef>
-      <a:fontRef idx="minor">
-        <a:schemeClr val="lt1"/>
-      </a:fontRef>
-    </dgm:style>
-  </dgm:styleLbl>
-  <dgm:styleLbl name="node3">
-    <dgm:scene3d>
-      <a:camera prst="orthographicFront"/>
-      <a:lightRig rig="threePt" dir="t"/>
-    </dgm:scene3d>
-    <dgm:sp3d/>
-    <dgm:txPr/>
-    <dgm:style>
-      <a:lnRef idx="0">
-        <a:scrgbClr r="0" g="0" b="0"/>
-      </a:lnRef>
-      <a:fillRef idx="3">
-        <a:scrgbClr r="0" g="0" b="0"/>
-      </a:fillRef>
-      <a:effectRef idx="2">
-        <a:scrgbClr r="0" g="0" b="0"/>
-      </a:effectRef>
-      <a:fontRef idx="minor">
-        <a:schemeClr val="lt1"/>
-      </a:fontRef>
-    </dgm:style>
-  </dgm:styleLbl>
-  <dgm:styleLbl name="node4">
-    <dgm:scene3d>
-      <a:camera prst="orthographicFront"/>
-      <a:lightRig rig="threePt" dir="t"/>
-    </dgm:scene3d>
-    <dgm:sp3d/>
-    <dgm:txPr/>
-    <dgm:style>
-      <a:lnRef idx="0">
-        <a:scrgbClr r="0" g="0" b="0"/>
-      </a:lnRef>
-      <a:fillRef idx="3">
-        <a:scrgbClr r="0" g="0" b="0"/>
-      </a:fillRef>
-      <a:effectRef idx="2">
-        <a:scrgbClr r="0" g="0" b="0"/>
-      </a:effectRef>
-      <a:fontRef idx="minor">
-        <a:schemeClr val="lt1"/>
-      </a:fontRef>
-    </dgm:style>
-  </dgm:styleLbl>
-  <dgm:styleLbl name="fgImgPlace1">
-    <dgm:scene3d>
-      <a:camera prst="orthographicFront"/>
-      <a:lightRig rig="threePt" dir="t"/>
-    </dgm:scene3d>
-    <dgm:sp3d/>
-    <dgm:txPr/>
-    <dgm:style>
-      <a:lnRef idx="0">
-        <a:scrgbClr r="0" g="0" b="0"/>
-      </a:lnRef>
-      <a:fillRef idx="1">
-        <a:scrgbClr r="0" g="0" b="0"/>
-      </a:fillRef>
-      <a:effectRef idx="2">
-        <a:scrgbClr r="0" g="0" b="0"/>
-      </a:effectRef>
-      <a:fontRef idx="minor"/>
-    </dgm:style>
-  </dgm:styleLbl>
-  <dgm:styleLbl name="alignImgPlace1">
-    <dgm:scene3d>
-      <a:camera prst="orthographicFront"/>
-      <a:lightRig rig="threePt" dir="t"/>
-    </dgm:scene3d>
-    <dgm:sp3d/>
-    <dgm:txPr/>
-    <dgm:style>
-      <a:lnRef idx="0">
-        <a:scrgbClr r="0" g="0" b="0"/>
-      </a:lnRef>
-      <a:fillRef idx="1">
-        <a:scrgbClr r="0" g="0" b="0"/>
-      </a:fillRef>
-      <a:effectRef idx="2">
-        <a:scrgbClr r="0" g="0" b="0"/>
-      </a:effectRef>
-      <a:fontRef idx="minor"/>
-    </dgm:style>
-  </dgm:styleLbl>
-  <dgm:styleLbl name="bgImgPlace1">
-    <dgm:scene3d>
-      <a:camera prst="orthographicFront"/>
-      <a:lightRig rig="threePt" dir="t"/>
-    </dgm:scene3d>
-    <dgm:sp3d/>
-    <dgm:txPr/>
-    <dgm:style>
-      <a:lnRef idx="0">
-        <a:scrgbClr r="0" g="0" b="0"/>
-      </a:lnRef>
-      <a:fillRef idx="1">
-        <a:scrgbClr r="0" g="0" b="0"/>
-      </a:fillRef>
-      <a:effectRef idx="2">
-        <a:scrgbClr r="0" g="0" b="0"/>
-      </a:effectRef>
-      <a:fontRef idx="minor"/>
-    </dgm:style>
-  </dgm:styleLbl>
-  <dgm:styleLbl name="sibTrans2D1">
-    <dgm:scene3d>
-      <a:camera prst="orthographicFront"/>
-      <a:lightRig rig="threePt" dir="t"/>
-    </dgm:scene3d>
-    <dgm:sp3d/>
-    <dgm:txPr/>
-    <dgm:style>
-      <a:lnRef idx="0">
-        <a:scrgbClr r="0" g="0" b="0"/>
-      </a:lnRef>
-      <a:fillRef idx="3">
-        <a:scrgbClr r="0" g="0" b="0"/>
-      </a:fillRef>
-      <a:effectRef idx="2">
-        <a:scrgbClr r="0" g="0" b="0"/>
-      </a:effectRef>
-      <a:fontRef idx="minor">
-        <a:schemeClr val="lt1"/>
-      </a:fontRef>
-    </dgm:style>
-  </dgm:styleLbl>
-  <dgm:styleLbl name="fgSibTrans2D1">
-    <dgm:scene3d>
-      <a:camera prst="orthographicFront"/>
-      <a:lightRig rig="threePt" dir="t"/>
-    </dgm:scene3d>
-    <dgm:sp3d/>
-    <dgm:txPr/>
-    <dgm:style>
-      <a:lnRef idx="0">
-        <a:scrgbClr r="0" g="0" b="0"/>
-      </a:lnRef>
-      <a:fillRef idx="3">
-        <a:scrgbClr r="0" g="0" b="0"/>
-      </a:fillRef>
-      <a:effectRef idx="2">
-        <a:scrgbClr r="0" g="0" b="0"/>
-      </a:effectRef>
-      <a:fontRef idx="minor">
-        <a:schemeClr val="lt1"/>
-      </a:fontRef>
-    </dgm:style>
-  </dgm:styleLbl>
-  <dgm:styleLbl name="bgSibTrans2D1">
-    <dgm:scene3d>
-      <a:camera prst="orthographicFront"/>
-      <a:lightRig rig="threePt" dir="t"/>
-    </dgm:scene3d>
-    <dgm:sp3d/>
-    <dgm:txPr/>
-    <dgm:style>
-      <a:lnRef idx="0">
-        <a:scrgbClr r="0" g="0" b="0"/>
-      </a:lnRef>
-      <a:fillRef idx="3">
-        <a:scrgbClr r="0" g="0" b="0"/>
-      </a:fillRef>
-      <a:effectRef idx="2">
-        <a:scrgbClr r="0" g="0" b="0"/>
-      </a:effectRef>
-      <a:fontRef idx="minor">
-        <a:schemeClr val="lt1"/>
-      </a:fontRef>
-    </dgm:style>
-  </dgm:styleLbl>
-  <dgm:styleLbl name="sibTrans1D1">
-    <dgm:scene3d>
-      <a:camera prst="orthographicFront"/>
-      <a:lightRig rig="threePt" dir="t"/>
-    </dgm:scene3d>
-    <dgm:sp3d/>
-    <dgm:txPr/>
-    <dgm:style>
-      <a:lnRef idx="1">
-        <a:scrgbClr r="0" g="0" b="0"/>
-      </a:lnRef>
-      <a:fillRef idx="0">
-        <a:scrgbClr r="0" g="0" b="0"/>
-      </a:fillRef>
-      <a:effectRef idx="0">
-        <a:scrgbClr r="0" g="0" b="0"/>
-      </a:effectRef>
-      <a:fontRef idx="minor"/>
-    </dgm:style>
-  </dgm:styleLbl>
-  <dgm:styleLbl name="callout">
-    <dgm:scene3d>
-      <a:camera prst="orthographicFront"/>
-      <a:lightRig rig="threePt" dir="t"/>
-    </dgm:scene3d>
-    <dgm:sp3d/>
-    <dgm:txPr/>
-    <dgm:style>
-      <a:lnRef idx="2">
-        <a:scrgbClr r="0" g="0" b="0"/>
-      </a:lnRef>
-      <a:fillRef idx="1">
-        <a:scrgbClr r="0" g="0" b="0"/>
-      </a:fillRef>
-      <a:effectRef idx="1">
-        <a:scrgbClr r="0" g="0" b="0"/>
-      </a:effectRef>
-      <a:fontRef idx="minor"/>
-    </dgm:style>
-  </dgm:styleLbl>
-  <dgm:styleLbl name="asst0">
-    <dgm:scene3d>
-      <a:camera prst="orthographicFront"/>
-      <a:lightRig rig="threePt" dir="t"/>
-    </dgm:scene3d>
-    <dgm:sp3d/>
-    <dgm:txPr/>
-    <dgm:style>
-      <a:lnRef idx="0">
-        <a:scrgbClr r="0" g="0" b="0"/>
-      </a:lnRef>
-      <a:fillRef idx="3">
-        <a:scrgbClr r="0" g="0" b="0"/>
-      </a:fillRef>
-      <a:effectRef idx="2">
-        <a:scrgbClr r="0" g="0" b="0"/>
-      </a:effectRef>
-      <a:fontRef idx="minor">
-        <a:schemeClr val="lt1"/>
-      </a:fontRef>
-    </dgm:style>
-  </dgm:styleLbl>
-  <dgm:styleLbl name="asst1">
-    <dgm:scene3d>
-      <a:camera prst="orthographicFront"/>
-      <a:lightRig rig="threePt" dir="t"/>
-    </dgm:scene3d>
-    <dgm:sp3d/>
-    <dgm:txPr/>
-    <dgm:style>
-      <a:lnRef idx="0">
-        <a:scrgbClr r="0" g="0" b="0"/>
-      </a:lnRef>
-      <a:fillRef idx="3">
-        <a:scrgbClr r="0" g="0" b="0"/>
-      </a:fillRef>
-      <a:effectRef idx="2">
-        <a:scrgbClr r="0" g="0" b="0"/>
-      </a:effectRef>
-      <a:fontRef idx="minor">
-        <a:schemeClr val="lt1"/>
-      </a:fontRef>
-    </dgm:style>
-  </dgm:styleLbl>
-  <dgm:styleLbl name="asst2">
-    <dgm:scene3d>
-      <a:camera prst="orthographicFront"/>
-      <a:lightRig rig="threePt" dir="t"/>
-    </dgm:scene3d>
-    <dgm:sp3d/>
-    <dgm:txPr/>
-    <dgm:style>
-      <a:lnRef idx="0">
-        <a:scrgbClr r="0" g="0" b="0"/>
-      </a:lnRef>
-      <a:fillRef idx="3">
-        <a:scrgbClr r="0" g="0" b="0"/>
-      </a:fillRef>
-      <a:effectRef idx="2">
-        <a:scrgbClr r="0" g="0" b="0"/>
-      </a:effectRef>
-      <a:fontRef idx="minor">
-        <a:schemeClr val="lt1"/>
-      </a:fontRef>
-    </dgm:style>
-  </dgm:styleLbl>
-  <dgm:styleLbl name="asst3">
-    <dgm:scene3d>
-      <a:camera prst="orthographicFront"/>
-      <a:lightRig rig="threePt" dir="t"/>
-    </dgm:scene3d>
-    <dgm:sp3d/>
-    <dgm:txPr/>
-    <dgm:style>
-      <a:lnRef idx="0">
-        <a:scrgbClr r="0" g="0" b="0"/>
-      </a:lnRef>
-      <a:fillRef idx="3">
-        <a:scrgbClr r="0" g="0" b="0"/>
-      </a:fillRef>
-      <a:effectRef idx="2">
-        <a:scrgbClr r="0" g="0" b="0"/>
-      </a:effectRef>
-      <a:fontRef idx="minor">
-        <a:schemeClr val="lt1"/>
-      </a:fontRef>
-    </dgm:style>
-  </dgm:styleLbl>
-  <dgm:styleLbl name="asst4">
-    <dgm:scene3d>
-      <a:camera prst="orthographicFront"/>
-      <a:lightRig rig="threePt" dir="t"/>
-    </dgm:scene3d>
-    <dgm:sp3d/>
-    <dgm:txPr/>
-    <dgm:style>
-      <a:lnRef idx="0">
-        <a:scrgbClr r="0" g="0" b="0"/>
-      </a:lnRef>
-      <a:fillRef idx="3">
-        <a:scrgbClr r="0" g="0" b="0"/>
-      </a:fillRef>
-      <a:effectRef idx="2">
-        <a:scrgbClr r="0" g="0" b="0"/>
-      </a:effectRef>
-      <a:fontRef idx="minor">
-        <a:schemeClr val="lt1"/>
-      </a:fontRef>
-    </dgm:style>
-  </dgm:styleLbl>
-  <dgm:styleLbl name="parChTrans2D1">
-    <dgm:scene3d>
-      <a:camera prst="orthographicFront"/>
-      <a:lightRig rig="threePt" dir="t"/>
-    </dgm:scene3d>
-    <dgm:sp3d/>
-    <dgm:txPr/>
-    <dgm:style>
-      <a:lnRef idx="0">
-        <a:scrgbClr r="0" g="0" b="0"/>
-      </a:lnRef>
-      <a:fillRef idx="3">
-        <a:scrgbClr r="0" g="0" b="0"/>
-      </a:fillRef>
-      <a:effectRef idx="2">
-        <a:scrgbClr r="0" g="0" b="0"/>
-      </a:effectRef>
-      <a:fontRef idx="minor">
-        <a:schemeClr val="lt1"/>
-      </a:fontRef>
-    </dgm:style>
-  </dgm:styleLbl>
-  <dgm:styleLbl name="parChTrans2D2">
-    <dgm:scene3d>
-      <a:camera prst="orthographicFront"/>
-      <a:lightRig rig="threePt" dir="t"/>
-    </dgm:scene3d>
-    <dgm:sp3d/>
-    <dgm:txPr/>
-    <dgm:style>
-      <a:lnRef idx="0">
-        <a:scrgbClr r="0" g="0" b="0"/>
-      </a:lnRef>
-      <a:fillRef idx="3">
-        <a:scrgbClr r="0" g="0" b="0"/>
-      </a:fillRef>
-      <a:effectRef idx="2">
-        <a:scrgbClr r="0" g="0" b="0"/>
-      </a:effectRef>
-      <a:fontRef idx="minor">
-        <a:schemeClr val="lt1"/>
-      </a:fontRef>
-    </dgm:style>
-  </dgm:styleLbl>
-  <dgm:styleLbl name="parChTrans2D3">
-    <dgm:scene3d>
-      <a:camera prst="orthographicFront"/>
-      <a:lightRig rig="threePt" dir="t"/>
-    </dgm:scene3d>
-    <dgm:sp3d/>
-    <dgm:txPr/>
-    <dgm:style>
-      <a:lnRef idx="1">
-        <a:scrgbClr r="0" g="0" b="0"/>
-      </a:lnRef>
-      <a:fillRef idx="3">
-        <a:scrgbClr r="0" g="0" b="0"/>
-      </a:fillRef>
-      <a:effectRef idx="2">
-        <a:scrgbClr r="0" g="0" b="0"/>
-      </a:effectRef>
-      <a:fontRef idx="minor">
-        <a:schemeClr val="lt1"/>
-      </a:fontRef>
-    </dgm:style>
-  </dgm:styleLbl>
-  <dgm:styleLbl name="parChTrans2D4">
-    <dgm:scene3d>
-      <a:camera prst="orthographicFront"/>
-      <a:lightRig rig="threePt" dir="t"/>
-    </dgm:scene3d>
-    <dgm:sp3d/>
-    <dgm:txPr/>
-    <dgm:style>
-      <a:lnRef idx="1">
-        <a:scrgbClr r="0" g="0" b="0"/>
-      </a:lnRef>
-      <a:fillRef idx="3">
-        <a:scrgbClr r="0" g="0" b="0"/>
-      </a:fillRef>
-      <a:effectRef idx="2">
-        <a:scrgbClr r="0" g="0" b="0"/>
-      </a:effectRef>
-      <a:fontRef idx="minor">
-        <a:schemeClr val="lt1"/>
-      </a:fontRef>
-    </dgm:style>
-  </dgm:styleLbl>
-  <dgm:styleLbl name="parChTrans1D1">
-    <dgm:scene3d>
-      <a:camera prst="orthographicFront"/>
-      <a:lightRig rig="threePt" dir="t"/>
-    </dgm:scene3d>
-    <dgm:sp3d/>
-    <dgm:txPr/>
-    <dgm:style>
-      <a:lnRef idx="1">
-        <a:scrgbClr r="0" g="0" b="0"/>
-      </a:lnRef>
-      <a:fillRef idx="0">
-        <a:scrgbClr r="0" g="0" b="0"/>
-      </a:fillRef>
-      <a:effectRef idx="0">
-        <a:scrgbClr r="0" g="0" b="0"/>
-      </a:effectRef>
-      <a:fontRef idx="minor"/>
-    </dgm:style>
-  </dgm:styleLbl>
-  <dgm:styleLbl name="parChTrans1D2">
-    <dgm:scene3d>
-      <a:camera prst="orthographicFront"/>
-      <a:lightRig rig="threePt" dir="t"/>
-    </dgm:scene3d>
-    <dgm:sp3d/>
-    <dgm:txPr/>
-    <dgm:style>
-      <a:lnRef idx="1">
-        <a:scrgbClr r="0" g="0" b="0"/>
-      </a:lnRef>
-      <a:fillRef idx="0">
-        <a:scrgbClr r="0" g="0" b="0"/>
-      </a:fillRef>
-      <a:effectRef idx="0">
-        <a:scrgbClr r="0" g="0" b="0"/>
-      </a:effectRef>
-      <a:fontRef idx="minor"/>
-    </dgm:style>
-  </dgm:styleLbl>
-  <dgm:styleLbl name="parChTrans1D3">
-    <dgm:scene3d>
-      <a:camera prst="orthographicFront"/>
-      <a:lightRig rig="threePt" dir="t"/>
-    </dgm:scene3d>
-    <dgm:sp3d/>
-    <dgm:txPr/>
-    <dgm:style>
-      <a:lnRef idx="1">
-        <a:scrgbClr r="0" g="0" b="0"/>
-      </a:lnRef>
-      <a:fillRef idx="0">
-        <a:scrgbClr r="0" g="0" b="0"/>
-      </a:fillRef>
-      <a:effectRef idx="0">
-        <a:scrgbClr r="0" g="0" b="0"/>
-      </a:effectRef>
-      <a:fontRef idx="minor"/>
-    </dgm:style>
-  </dgm:styleLbl>
-  <dgm:styleLbl name="parChTrans1D4">
-    <dgm:scene3d>
-      <a:camera prst="orthographicFront"/>
-      <a:lightRig rig="threePt" dir="t"/>
-    </dgm:scene3d>
-    <dgm:sp3d/>
-    <dgm:txPr/>
-    <dgm:style>
-      <a:lnRef idx="1">
-        <a:scrgbClr r="0" g="0" b="0"/>
-      </a:lnRef>
-      <a:fillRef idx="0">
-        <a:scrgbClr r="0" g="0" b="0"/>
-      </a:fillRef>
-      <a:effectRef idx="0">
-        <a:scrgbClr r="0" g="0" b="0"/>
-      </a:effectRef>
-      <a:fontRef idx="minor"/>
-    </dgm:style>
-  </dgm:styleLbl>
-  <dgm:styleLbl name="fgAcc1">
-    <dgm:scene3d>
-      <a:camera prst="orthographicFront"/>
-      <a:lightRig rig="threePt" dir="t"/>
-    </dgm:scene3d>
-    <dgm:sp3d/>
-    <dgm:txPr/>
-    <dgm:style>
-      <a:lnRef idx="1">
-        <a:scrgbClr r="0" g="0" b="0"/>
-      </a:lnRef>
-      <a:fillRef idx="1">
-        <a:scrgbClr r="0" g="0" b="0"/>
-      </a:fillRef>
-      <a:effectRef idx="0">
-        <a:scrgbClr r="0" g="0" b="0"/>
-      </a:effectRef>
-      <a:fontRef idx="minor"/>
-    </dgm:style>
-  </dgm:styleLbl>
-  <dgm:styleLbl name="conFgAcc1">
-    <dgm:scene3d>
-      <a:camera prst="orthographicFront"/>
-      <a:lightRig rig="threePt" dir="t"/>
-    </dgm:scene3d>
-    <dgm:sp3d/>
-    <dgm:txPr/>
-    <dgm:style>
-      <a:lnRef idx="1">
-        <a:scrgbClr r="0" g="0" b="0"/>
-      </a:lnRef>
-      <a:fillRef idx="1">
-        <a:scrgbClr r="0" g="0" b="0"/>
-      </a:fillRef>
-      <a:effectRef idx="0">
-        <a:scrgbClr r="0" g="0" b="0"/>
-      </a:effectRef>
-      <a:fontRef idx="minor"/>
-    </dgm:style>
-  </dgm:styleLbl>
-  <dgm:styleLbl name="alignAcc1">
-    <dgm:scene3d>
-      <a:camera prst="orthographicFront"/>
-      <a:lightRig rig="threePt" dir="t"/>
-    </dgm:scene3d>
-    <dgm:sp3d/>
-    <dgm:txPr/>
-    <dgm:style>
-      <a:lnRef idx="1">
-        <a:scrgbClr r="0" g="0" b="0"/>
-      </a:lnRef>
-      <a:fillRef idx="1">
-        <a:scrgbClr r="0" g="0" b="0"/>
-      </a:fillRef>
-      <a:effectRef idx="0">
-        <a:scrgbClr r="0" g="0" b="0"/>
-      </a:effectRef>
-      <a:fontRef idx="minor"/>
-    </dgm:style>
-  </dgm:styleLbl>
-  <dgm:styleLbl name="trAlignAcc1">
-    <dgm:scene3d>
-      <a:camera prst="orthographicFront"/>
-      <a:lightRig rig="threePt" dir="t"/>
-    </dgm:scene3d>
-    <dgm:sp3d/>
-    <dgm:txPr/>
-    <dgm:style>
-      <a:lnRef idx="1">
-        <a:scrgbClr r="0" g="0" b="0"/>
-      </a:lnRef>
-      <a:fillRef idx="1">
-        <a:scrgbClr r="0" g="0" b="0"/>
-      </a:fillRef>
-      <a:effectRef idx="0">
-        <a:scrgbClr r="0" g="0" b="0"/>
-      </a:effectRef>
-      <a:fontRef idx="minor"/>
-    </dgm:style>
-  </dgm:styleLbl>
-  <dgm:styleLbl name="bgAcc1">
-    <dgm:scene3d>
-      <a:camera prst="orthographicFront"/>
-      <a:lightRig rig="threePt" dir="t"/>
-    </dgm:scene3d>
-    <dgm:sp3d/>
-    <dgm:txPr/>
-    <dgm:style>
-      <a:lnRef idx="1">
-        <a:scrgbClr r="0" g="0" b="0"/>
-      </a:lnRef>
-      <a:fillRef idx="1">
-        <a:scrgbClr r="0" g="0" b="0"/>
-      </a:fillRef>
-      <a:effectRef idx="0">
-        <a:scrgbClr r="0" g="0" b="0"/>
-      </a:effectRef>
-      <a:fontRef idx="minor"/>
-    </dgm:style>
-  </dgm:styleLbl>
-  <dgm:styleLbl name="solidFgAcc1">
-    <dgm:scene3d>
-      <a:camera prst="orthographicFront"/>
-      <a:lightRig rig="threePt" dir="t"/>
-    </dgm:scene3d>
-    <dgm:sp3d/>
-    <dgm:txPr/>
-    <dgm:style>
-      <a:lnRef idx="1">
-        <a:scrgbClr r="0" g="0" b="0"/>
-      </a:lnRef>
-      <a:fillRef idx="1">
-        <a:scrgbClr r="0" g="0" b="0"/>
-      </a:fillRef>
-      <a:effectRef idx="0">
-        <a:scrgbClr r="0" g="0" b="0"/>
-      </a:effectRef>
-      <a:fontRef idx="minor"/>
-    </dgm:style>
-  </dgm:styleLbl>
-  <dgm:styleLbl name="solidAlignAcc1">
-    <dgm:scene3d>
-      <a:camera prst="orthographicFront"/>
-      <a:lightRig rig="threePt" dir="t"/>
-    </dgm:scene3d>
-    <dgm:sp3d/>
-    <dgm:txPr/>
-    <dgm:style>
-      <a:lnRef idx="1">
-        <a:scrgbClr r="0" g="0" b="0"/>
-      </a:lnRef>
-      <a:fillRef idx="1">
-        <a:scrgbClr r="0" g="0" b="0"/>
-      </a:fillRef>
-      <a:effectRef idx="0">
-        <a:scrgbClr r="0" g="0" b="0"/>
-      </a:effectRef>
-      <a:fontRef idx="minor"/>
-    </dgm:style>
-  </dgm:styleLbl>
-  <dgm:styleLbl name="solidBgAcc1">
-    <dgm:scene3d>
-      <a:camera prst="orthographicFront"/>
-      <a:lightRig rig="threePt" dir="t"/>
-    </dgm:scene3d>
-    <dgm:sp3d/>
-    <dgm:txPr/>
-    <dgm:style>
-      <a:lnRef idx="1">
-        <a:scrgbClr r="0" g="0" b="0"/>
-      </a:lnRef>
-      <a:fillRef idx="1">
-        <a:scrgbClr r="0" g="0" b="0"/>
-      </a:fillRef>
-      <a:effectRef idx="0">
-        <a:scrgbClr r="0" g="0" b="0"/>
-      </a:effectRef>
-      <a:fontRef idx="minor"/>
-    </dgm:style>
-  </dgm:styleLbl>
-  <dgm:styleLbl name="fgAccFollowNode1">
-    <dgm:scene3d>
-      <a:camera prst="orthographicFront"/>
-      <a:lightRig rig="threePt" dir="t"/>
-    </dgm:scene3d>
-    <dgm:sp3d/>
-    <dgm:txPr/>
-    <dgm:style>
-      <a:lnRef idx="1">
-        <a:scrgbClr r="0" g="0" b="0"/>
-      </a:lnRef>
-      <a:fillRef idx="1">
-        <a:scrgbClr r="0" g="0" b="0"/>
-      </a:fillRef>
-      <a:effectRef idx="0">
-        <a:scrgbClr r="0" g="0" b="0"/>
-      </a:effectRef>
-      <a:fontRef idx="minor"/>
-    </dgm:style>
-  </dgm:styleLbl>
-  <dgm:styleLbl name="alignAccFollowNode1">
-    <dgm:scene3d>
-      <a:camera prst="orthographicFront"/>
-      <a:lightRig rig="threePt" dir="t"/>
-    </dgm:scene3d>
-    <dgm:sp3d/>
-    <dgm:txPr/>
-    <dgm:style>
-      <a:lnRef idx="1">
-        <a:scrgbClr r="0" g="0" b="0"/>
-      </a:lnRef>
-      <a:fillRef idx="1">
-        <a:scrgbClr r="0" g="0" b="0"/>
-      </a:fillRef>
-      <a:effectRef idx="0">
-        <a:scrgbClr r="0" g="0" b="0"/>
-      </a:effectRef>
-      <a:fontRef idx="minor"/>
-    </dgm:style>
-  </dgm:styleLbl>
-  <dgm:styleLbl name="bgAccFollowNode1">
-    <dgm:scene3d>
-      <a:camera prst="orthographicFront"/>
-      <a:lightRig rig="threePt" dir="t"/>
-    </dgm:scene3d>
-    <dgm:sp3d/>
-    <dgm:txPr/>
-    <dgm:style>
-      <a:lnRef idx="1">
-        <a:scrgbClr r="0" g="0" b="0"/>
-      </a:lnRef>
-      <a:fillRef idx="1">
-        <a:scrgbClr r="0" g="0" b="0"/>
-      </a:fillRef>
-      <a:effectRef idx="0">
-        <a:scrgbClr r="0" g="0" b="0"/>
-      </a:effectRef>
-      <a:fontRef idx="minor"/>
-    </dgm:style>
-  </dgm:styleLbl>
-  <dgm:styleLbl name="fgAcc0">
-    <dgm:scene3d>
-      <a:camera prst="orthographicFront"/>
-      <a:lightRig rig="threePt" dir="t"/>
-    </dgm:scene3d>
-    <dgm:sp3d/>
-    <dgm:txPr/>
-    <dgm:style>
-      <a:lnRef idx="1">
-        <a:scrgbClr r="0" g="0" b="0"/>
-      </a:lnRef>
-      <a:fillRef idx="1">
-        <a:scrgbClr r="0" g="0" b="0"/>
-      </a:fillRef>
-      <a:effectRef idx="0">
-        <a:scrgbClr r="0" g="0" b="0"/>
-      </a:effectRef>
-      <a:fontRef idx="minor"/>
-    </dgm:style>
-  </dgm:styleLbl>
-  <dgm:styleLbl name="fgAcc2">
-    <dgm:scene3d>
-      <a:camera prst="orthographicFront"/>
-      <a:lightRig rig="threePt" dir="t"/>
-    </dgm:scene3d>
-    <dgm:sp3d/>
-    <dgm:txPr/>
-    <dgm:style>
-      <a:lnRef idx="1">
-        <a:scrgbClr r="0" g="0" b="0"/>
-      </a:lnRef>
-      <a:fillRef idx="1">
-        <a:scrgbClr r="0" g="0" b="0"/>
-      </a:fillRef>
-      <a:effectRef idx="0">
-        <a:scrgbClr r="0" g="0" b="0"/>
-      </a:effectRef>
-      <a:fontRef idx="minor"/>
-    </dgm:style>
-  </dgm:styleLbl>
-  <dgm:styleLbl name="fgAcc3">
-    <dgm:scene3d>
-      <a:camera prst="orthographicFront"/>
-      <a:lightRig rig="threePt" dir="t"/>
-    </dgm:scene3d>
-    <dgm:sp3d/>
-    <dgm:txPr/>
-    <dgm:style>
-      <a:lnRef idx="1">
-        <a:scrgbClr r="0" g="0" b="0"/>
-      </a:lnRef>
-      <a:fillRef idx="1">
-        <a:scrgbClr r="0" g="0" b="0"/>
-      </a:fillRef>
-      <a:effectRef idx="0">
-        <a:scrgbClr r="0" g="0" b="0"/>
-      </a:effectRef>
-      <a:fontRef idx="minor"/>
-    </dgm:style>
-  </dgm:styleLbl>
-  <dgm:styleLbl name="fgAcc4">
-    <dgm:scene3d>
-      <a:camera prst="orthographicFront"/>
-      <a:lightRig rig="threePt" dir="t"/>
-    </dgm:scene3d>
-    <dgm:sp3d/>
-    <dgm:txPr/>
-    <dgm:style>
-      <a:lnRef idx="1">
-        <a:scrgbClr r="0" g="0" b="0"/>
-      </a:lnRef>
-      <a:fillRef idx="1">
-        <a:scrgbClr r="0" g="0" b="0"/>
-      </a:fillRef>
-      <a:effectRef idx="0">
-        <a:scrgbClr r="0" g="0" b="0"/>
-      </a:effectRef>
-      <a:fontRef idx="minor"/>
-    </dgm:style>
-  </dgm:styleLbl>
-  <dgm:styleLbl name="bgShp">
-    <dgm:scene3d>
-      <a:camera prst="orthographicFront"/>
-      <a:lightRig rig="threePt" dir="t"/>
-    </dgm:scene3d>
-    <dgm:sp3d/>
-    <dgm:txPr/>
-    <dgm:style>
-      <a:lnRef idx="0">
-        <a:scrgbClr r="0" g="0" b="0"/>
-      </a:lnRef>
-      <a:fillRef idx="1">
-        <a:scrgbClr r="0" g="0" b="0"/>
-      </a:fillRef>
-      <a:effectRef idx="2">
-        <a:scrgbClr r="0" g="0" b="0"/>
-      </a:effectRef>
-      <a:fontRef idx="minor"/>
-    </dgm:style>
-  </dgm:styleLbl>
-  <dgm:styleLbl name="dkBgShp">
-    <dgm:scene3d>
-      <a:camera prst="orthographicFront"/>
-      <a:lightRig rig="threePt" dir="t"/>
-    </dgm:scene3d>
-    <dgm:sp3d/>
-    <dgm:txPr/>
-    <dgm:style>
-      <a:lnRef idx="0">
-        <a:scrgbClr r="0" g="0" b="0"/>
-      </a:lnRef>
-      <a:fillRef idx="1">
-        <a:scrgbClr r="0" g="0" b="0"/>
-      </a:fillRef>
-      <a:effectRef idx="2">
-        <a:scrgbClr r="0" g="0" b="0"/>
-      </a:effectRef>
-      <a:fontRef idx="minor"/>
-    </dgm:style>
-  </dgm:styleLbl>
-  <dgm:styleLbl name="trBgShp">
-    <dgm:scene3d>
-      <a:camera prst="orthographicFront"/>
-      <a:lightRig rig="threePt" dir="t"/>
-    </dgm:scene3d>
-    <dgm:sp3d/>
-    <dgm:txPr/>
-    <dgm:style>
-      <a:lnRef idx="0">
-        <a:scrgbClr r="0" g="0" b="0"/>
-      </a:lnRef>
-      <a:fillRef idx="1">
-        <a:scrgbClr r="0" g="0" b="0"/>
-      </a:fillRef>
-      <a:effectRef idx="0">
-        <a:scrgbClr r="0" g="0" b="0"/>
-      </a:effectRef>
-      <a:fontRef idx="minor"/>
-    </dgm:style>
-  </dgm:styleLbl>
-  <dgm:styleLbl name="fgShp">
-    <dgm:scene3d>
-      <a:camera prst="orthographicFront"/>
-      <a:lightRig rig="threePt" dir="t"/>
-    </dgm:scene3d>
-    <dgm:sp3d/>
-    <dgm:txPr/>
-    <dgm:style>
-      <a:lnRef idx="0">
-        <a:scrgbClr r="0" g="0" b="0"/>
-      </a:lnRef>
-      <a:fillRef idx="3">
-        <a:scrgbClr r="0" g="0" b="0"/>
-      </a:fillRef>
-      <a:effectRef idx="2">
-        <a:scrgbClr r="0" g="0" b="0"/>
-      </a:effectRef>
-      <a:fontRef idx="minor"/>
-    </dgm:style>
-  </dgm:styleLbl>
-  <dgm:styleLbl name="revTx">
-    <dgm:scene3d>
-      <a:camera prst="orthographicFront"/>
-      <a:lightRig rig="threePt" dir="t"/>
-    </dgm:scene3d>
-    <dgm:sp3d/>
-    <dgm:txPr/>
-    <dgm:style>
-      <a:lnRef idx="0">
-        <a:scrgbClr r="0" g="0" b="0"/>
-      </a:lnRef>
-      <a:fillRef idx="0">
-        <a:scrgbClr r="0" g="0" b="0"/>
-      </a:fillRef>
-      <a:effectRef idx="0">
-        <a:scrgbClr r="0" g="0" b="0"/>
-      </a:effectRef>
-      <a:fontRef idx="minor"/>
-    </dgm:style>
-  </dgm:styleLbl>
-</dgm:styleDef>
 </file>
 
 <file path=ppt/handoutMasters/handoutMaster1.xml><?xml version="1.0" encoding="utf-8"?>
@@ -4186,7 +240,7 @@
           <a:p>
             <a:fld id="{FE5B4EDC-59C0-49C7-8ADA-5A781B329E02}" type="datetimeFigureOut">
               <a:rPr lang="en-US"/>
-              <a:t>6/21/2022</a:t>
+              <a:t>6/22/2022</a:t>
             </a:fld>
             <a:endParaRPr/>
           </a:p>
@@ -4351,7 +405,7 @@
           <a:p>
             <a:fld id="{F2D8D46A-B586-417D-BFBD-8C8FE0AAF762}" type="datetimeFigureOut">
               <a:rPr lang="en-US"/>
-              <a:t>6/21/2022</a:t>
+              <a:t>6/22/2022</a:t>
             </a:fld>
             <a:endParaRPr/>
           </a:p>
@@ -4613,90 +667,6 @@
 </p:notesMaster>
 </file>
 
-<file path=ppt/notesSlides/notesSlide1.xml><?xml version="1.0" encoding="utf-8"?>
-<p:notes xmlns:a="http://schemas.openxmlformats.org/drawingml/2006/main" xmlns:r="http://schemas.openxmlformats.org/officeDocument/2006/relationships" xmlns:p="http://schemas.openxmlformats.org/presentationml/2006/main">
-  <p:cSld>
-    <p:spTree>
-      <p:nvGrpSpPr>
-        <p:cNvPr id="1" name=""/>
-        <p:cNvGrpSpPr/>
-        <p:nvPr/>
-      </p:nvGrpSpPr>
-      <p:grpSpPr>
-        <a:xfrm>
-          <a:off x="0" y="0"/>
-          <a:ext cx="0" cy="0"/>
-          <a:chOff x="0" y="0"/>
-          <a:chExt cx="0" cy="0"/>
-        </a:xfrm>
-      </p:grpSpPr>
-      <p:sp>
-        <p:nvSpPr>
-          <p:cNvPr id="2" name="Slide Image Placeholder 1"/>
-          <p:cNvSpPr>
-            <a:spLocks noGrp="1" noRot="1" noChangeAspect="1"/>
-          </p:cNvSpPr>
-          <p:nvPr>
-            <p:ph type="sldImg"/>
-          </p:nvPr>
-        </p:nvSpPr>
-        <p:spPr/>
-      </p:sp>
-      <p:sp>
-        <p:nvSpPr>
-          <p:cNvPr id="3" name="Notes Placeholder 2"/>
-          <p:cNvSpPr>
-            <a:spLocks noGrp="1"/>
-          </p:cNvSpPr>
-          <p:nvPr>
-            <p:ph type="body" idx="1"/>
-          </p:nvPr>
-        </p:nvSpPr>
-        <p:spPr/>
-        <p:txBody>
-          <a:bodyPr/>
-          <a:lstStyle/>
-          <a:p>
-            <a:endParaRPr lang="en-US" dirty="0"/>
-          </a:p>
-        </p:txBody>
-      </p:sp>
-      <p:sp>
-        <p:nvSpPr>
-          <p:cNvPr id="4" name="Slide Number Placeholder 3"/>
-          <p:cNvSpPr>
-            <a:spLocks noGrp="1"/>
-          </p:cNvSpPr>
-          <p:nvPr>
-            <p:ph type="sldNum" sz="quarter" idx="10"/>
-          </p:nvPr>
-        </p:nvSpPr>
-        <p:spPr/>
-        <p:txBody>
-          <a:bodyPr/>
-          <a:lstStyle/>
-          <a:p>
-            <a:fld id="{3EBA5BD7-F043-4D1B-AA17-CD412FC534DE}" type="slidenum">
-              <a:rPr lang="en-US" smtClean="0"/>
-              <a:t>7</a:t>
-            </a:fld>
-            <a:endParaRPr lang="en-US"/>
-          </a:p>
-        </p:txBody>
-      </p:sp>
-    </p:spTree>
-    <p:extLst>
-      <p:ext uri="{BB962C8B-B14F-4D97-AF65-F5344CB8AC3E}">
-        <p14:creationId xmlns:p14="http://schemas.microsoft.com/office/powerpoint/2010/main" val="4117229062"/>
-      </p:ext>
-    </p:extLst>
-  </p:cSld>
-  <p:clrMapOvr>
-    <a:masterClrMapping/>
-  </p:clrMapOvr>
-</p:notes>
-</file>
-
 <file path=ppt/slideLayouts/slideLayout1.xml><?xml version="1.0" encoding="utf-8"?>
 <p:sldLayout xmlns:a="http://schemas.openxmlformats.org/drawingml/2006/main" xmlns:r="http://schemas.openxmlformats.org/officeDocument/2006/relationships" xmlns:p="http://schemas.openxmlformats.org/presentationml/2006/main" showMasterSp="0" type="title" preserve="1">
   <p:cSld name="Title Slide">
@@ -4865,7 +835,7 @@
           <a:p>
             <a:fld id="{F0DFD029-FB74-4578-B929-F66AA97659CA}" type="datetimeFigureOut">
               <a:rPr lang="en-US" smtClean="0"/>
-              <a:t>6/21/2022</a:t>
+              <a:t>6/22/2022</a:t>
             </a:fld>
             <a:endParaRPr lang="en-US"/>
           </a:p>
@@ -5106,7 +1076,7 @@
             <a:fld id="{F0DFD029-FB74-4578-B929-F66AA97659CA}" type="datetimeFigureOut">
               <a:rPr lang="en-US" smtClean="0"/>
               <a:pPr/>
-              <a:t>6/21/2022</a:t>
+              <a:t>6/22/2022</a:t>
             </a:fld>
             <a:endParaRPr lang="en-US"/>
           </a:p>
@@ -5288,7 +1258,7 @@
             <a:fld id="{F0DFD029-FB74-4578-B929-F66AA97659CA}" type="datetimeFigureOut">
               <a:rPr lang="en-US" smtClean="0"/>
               <a:pPr/>
-              <a:t>6/21/2022</a:t>
+              <a:t>6/22/2022</a:t>
             </a:fld>
             <a:endParaRPr lang="en-US"/>
           </a:p>
@@ -5460,7 +1430,7 @@
             <a:fld id="{F0DFD029-FB74-4578-B929-F66AA97659CA}" type="datetimeFigureOut">
               <a:rPr lang="en-US" smtClean="0"/>
               <a:pPr/>
-              <a:t>6/21/2022</a:t>
+              <a:t>6/22/2022</a:t>
             </a:fld>
             <a:endParaRPr lang="en-US"/>
           </a:p>
@@ -5715,7 +1685,7 @@
           <a:p>
             <a:fld id="{F0DFD029-FB74-4578-B929-F66AA97659CA}" type="datetimeFigureOut">
               <a:rPr lang="en-US" smtClean="0"/>
-              <a:t>6/21/2022</a:t>
+              <a:t>6/22/2022</a:t>
             </a:fld>
             <a:endParaRPr lang="en-US"/>
           </a:p>
@@ -6054,7 +2024,7 @@
             <a:fld id="{F0DFD029-FB74-4578-B929-F66AA97659CA}" type="datetimeFigureOut">
               <a:rPr lang="en-US" smtClean="0"/>
               <a:pPr/>
-              <a:t>6/21/2022</a:t>
+              <a:t>6/22/2022</a:t>
             </a:fld>
             <a:endParaRPr lang="en-US"/>
           </a:p>
@@ -6507,7 +2477,7 @@
             <a:fld id="{F0DFD029-FB74-4578-B929-F66AA97659CA}" type="datetimeFigureOut">
               <a:rPr lang="en-US" smtClean="0"/>
               <a:pPr/>
-              <a:t>6/21/2022</a:t>
+              <a:t>6/22/2022</a:t>
             </a:fld>
             <a:endParaRPr lang="en-US"/>
           </a:p>
@@ -6626,7 +2596,7 @@
           <a:p>
             <a:fld id="{F0DFD029-FB74-4578-B929-F66AA97659CA}" type="datetimeFigureOut">
               <a:rPr lang="en-US" smtClean="0"/>
-              <a:t>6/21/2022</a:t>
+              <a:t>6/22/2022</a:t>
             </a:fld>
             <a:endParaRPr lang="en-US"/>
           </a:p>
@@ -6733,7 +2703,7 @@
           <a:p>
             <a:fld id="{F0DFD029-FB74-4578-B929-F66AA97659CA}" type="datetimeFigureOut">
               <a:rPr lang="en-US" smtClean="0"/>
-              <a:t>6/21/2022</a:t>
+              <a:t>6/22/2022</a:t>
             </a:fld>
             <a:endParaRPr lang="en-US"/>
           </a:p>
@@ -7033,7 +3003,7 @@
             <a:fld id="{F0DFD029-FB74-4578-B929-F66AA97659CA}" type="datetimeFigureOut">
               <a:rPr lang="en-US" smtClean="0"/>
               <a:pPr/>
-              <a:t>6/21/2022</a:t>
+              <a:t>6/22/2022</a:t>
             </a:fld>
             <a:endParaRPr lang="en-US"/>
           </a:p>
@@ -7356,7 +3326,7 @@
           <a:p>
             <a:fld id="{F0DFD029-FB74-4578-B929-F66AA97659CA}" type="datetimeFigureOut">
               <a:rPr lang="en-US" smtClean="0"/>
-              <a:t>6/21/2022</a:t>
+              <a:t>6/22/2022</a:t>
             </a:fld>
             <a:endParaRPr lang="en-US"/>
           </a:p>
@@ -7623,7 +3593,7 @@
             <a:fld id="{F0DFD029-FB74-4578-B929-F66AA97659CA}" type="datetimeFigureOut">
               <a:rPr lang="en-US" smtClean="0"/>
               <a:pPr/>
-              <a:t>6/21/2022</a:t>
+              <a:t>6/22/2022</a:t>
             </a:fld>
             <a:endParaRPr lang="en-US"/>
           </a:p>
@@ -8306,7 +4276,7 @@
       </p:grpSpPr>
       <p:sp>
         <p:nvSpPr>
-          <p:cNvPr id="3" name="Title 2"/>
+          <p:cNvPr id="2" name="Title 1"/>
           <p:cNvSpPr>
             <a:spLocks noGrp="1"/>
           </p:cNvSpPr>
@@ -8321,15 +4291,53 @@
           <a:p>
             <a:r>
               <a:rPr lang="en-US" dirty="0"/>
-              <a:t>Add a Slide Title - 3</a:t>
-            </a:r>
+              <a:t>Add a Slide Title - 4</a:t>
+            </a:r>
+          </a:p>
+        </p:txBody>
+      </p:sp>
+      <p:sp>
+        <p:nvSpPr>
+          <p:cNvPr id="3" name="Content Placeholder 2"/>
+          <p:cNvSpPr>
+            <a:spLocks noGrp="1"/>
+          </p:cNvSpPr>
+          <p:nvPr>
+            <p:ph idx="1"/>
+          </p:nvPr>
+        </p:nvSpPr>
+        <p:spPr/>
+        <p:txBody>
+          <a:bodyPr/>
+          <a:lstStyle/>
+          <a:p>
+            <a:endParaRPr lang="en-US" dirty="0"/>
+          </a:p>
+        </p:txBody>
+      </p:sp>
+      <p:sp>
+        <p:nvSpPr>
+          <p:cNvPr id="4" name="Text Placeholder 3"/>
+          <p:cNvSpPr>
+            <a:spLocks noGrp="1"/>
+          </p:cNvSpPr>
+          <p:nvPr>
+            <p:ph type="body" sz="half" idx="2"/>
+          </p:nvPr>
+        </p:nvSpPr>
+        <p:spPr/>
+        <p:txBody>
+          <a:bodyPr/>
+          <a:lstStyle/>
+          <a:p>
+            <a:endParaRPr lang="en-US" dirty="0"/>
           </a:p>
         </p:txBody>
       </p:sp>
     </p:spTree>
     <p:extLst>
       <p:ext uri="{BB962C8B-B14F-4D97-AF65-F5344CB8AC3E}">
-        <p14:creationId xmlns:p14="http://schemas.microsoft.com/office/powerpoint/2010/main" val="397710800"/>
+        <p14:creationId xmlns:p14="http://schemas.microsoft.com/office/powerpoint/2010/main" val="2319046984"/>
       </p:ext>
     </p:extLst>
   </p:cSld>
@@ -8368,150 +4376,6 @@
           <a:chExt cx="0" cy="0"/>
         </a:xfrm>
       </p:grpSpPr>
-    </p:spTree>
-    <p:extLst>
-      <p:ext uri="{BB962C8B-B14F-4D97-AF65-F5344CB8AC3E}">
-        <p14:creationId xmlns:p14="http://schemas.microsoft.com/office/powerpoint/2010/main" val="1405850135"/>
-      </p:ext>
-    </p:extLst>
-  </p:cSld>
-  <p:clrMapOvr>
-    <a:masterClrMapping/>
-  </p:clrMapOvr>
-  <mc:AlternateContent xmlns:mc="http://schemas.openxmlformats.org/markup-compatibility/2006" xmlns:p14="http://schemas.microsoft.com/office/powerpoint/2010/main">
-    <mc:Choice Requires="p14">
-      <p:transition spd="med" p14:dur="700">
-        <p:fade/>
-      </p:transition>
-    </mc:Choice>
-    <mc:Fallback xmlns="">
-      <p:transition spd="med">
-        <p:fade/>
-      </p:transition>
-    </mc:Fallback>
-  </mc:AlternateContent>
-</p:sld>
-</file>
-
-<file path=ppt/slides/slide12.xml><?xml version="1.0" encoding="utf-8"?>
-<p:sld xmlns:a="http://schemas.openxmlformats.org/drawingml/2006/main" xmlns:r="http://schemas.openxmlformats.org/officeDocument/2006/relationships" xmlns:p="http://schemas.openxmlformats.org/presentationml/2006/main">
-  <p:cSld>
-    <p:spTree>
-      <p:nvGrpSpPr>
-        <p:cNvPr id="1" name=""/>
-        <p:cNvGrpSpPr/>
-        <p:nvPr/>
-      </p:nvGrpSpPr>
-      <p:grpSpPr>
-        <a:xfrm>
-          <a:off x="0" y="0"/>
-          <a:ext cx="0" cy="0"/>
-          <a:chOff x="0" y="0"/>
-          <a:chExt cx="0" cy="0"/>
-        </a:xfrm>
-      </p:grpSpPr>
-      <p:sp>
-        <p:nvSpPr>
-          <p:cNvPr id="2" name="Title 1"/>
-          <p:cNvSpPr>
-            <a:spLocks noGrp="1"/>
-          </p:cNvSpPr>
-          <p:nvPr>
-            <p:ph type="title"/>
-          </p:nvPr>
-        </p:nvSpPr>
-        <p:spPr/>
-        <p:txBody>
-          <a:bodyPr/>
-          <a:lstStyle/>
-          <a:p>
-            <a:r>
-              <a:rPr lang="en-US" dirty="0"/>
-              <a:t>Add a Slide Title - 4</a:t>
-            </a:r>
-          </a:p>
-        </p:txBody>
-      </p:sp>
-      <p:sp>
-        <p:nvSpPr>
-          <p:cNvPr id="3" name="Content Placeholder 2"/>
-          <p:cNvSpPr>
-            <a:spLocks noGrp="1"/>
-          </p:cNvSpPr>
-          <p:nvPr>
-            <p:ph idx="1"/>
-          </p:nvPr>
-        </p:nvSpPr>
-        <p:spPr/>
-        <p:txBody>
-          <a:bodyPr/>
-          <a:lstStyle/>
-          <a:p>
-            <a:endParaRPr lang="en-US" dirty="0"/>
-          </a:p>
-        </p:txBody>
-      </p:sp>
-      <p:sp>
-        <p:nvSpPr>
-          <p:cNvPr id="4" name="Text Placeholder 3"/>
-          <p:cNvSpPr>
-            <a:spLocks noGrp="1"/>
-          </p:cNvSpPr>
-          <p:nvPr>
-            <p:ph type="body" sz="half" idx="2"/>
-          </p:nvPr>
-        </p:nvSpPr>
-        <p:spPr/>
-        <p:txBody>
-          <a:bodyPr/>
-          <a:lstStyle/>
-          <a:p>
-            <a:endParaRPr lang="en-US" dirty="0"/>
-          </a:p>
-        </p:txBody>
-      </p:sp>
-    </p:spTree>
-    <p:extLst>
-      <p:ext uri="{BB962C8B-B14F-4D97-AF65-F5344CB8AC3E}">
-        <p14:creationId xmlns:p14="http://schemas.microsoft.com/office/powerpoint/2010/main" val="2319046984"/>
-      </p:ext>
-    </p:extLst>
-  </p:cSld>
-  <p:clrMapOvr>
-    <a:masterClrMapping/>
-  </p:clrMapOvr>
-  <mc:AlternateContent xmlns:mc="http://schemas.openxmlformats.org/markup-compatibility/2006" xmlns:p14="http://schemas.microsoft.com/office/powerpoint/2010/main">
-    <mc:Choice Requires="p14">
-      <p:transition spd="med" p14:dur="700">
-        <p:fade/>
-      </p:transition>
-    </mc:Choice>
-    <mc:Fallback xmlns="">
-      <p:transition spd="med">
-        <p:fade/>
-      </p:transition>
-    </mc:Fallback>
-  </mc:AlternateContent>
-</p:sld>
-</file>
-
-<file path=ppt/slides/slide13.xml><?xml version="1.0" encoding="utf-8"?>
-<p:sld xmlns:a="http://schemas.openxmlformats.org/drawingml/2006/main" xmlns:r="http://schemas.openxmlformats.org/officeDocument/2006/relationships" xmlns:p="http://schemas.openxmlformats.org/presentationml/2006/main">
-  <p:cSld>
-    <p:spTree>
-      <p:nvGrpSpPr>
-        <p:cNvPr id="1" name=""/>
-        <p:cNvGrpSpPr/>
-        <p:nvPr/>
-      </p:nvGrpSpPr>
-      <p:grpSpPr>
-        <a:xfrm>
-          <a:off x="0" y="0"/>
-          <a:ext cx="0" cy="0"/>
-          <a:chOff x="0" y="0"/>
-          <a:chExt cx="0" cy="0"/>
-        </a:xfrm>
-      </p:grpSpPr>
       <p:sp>
         <p:nvSpPr>
           <p:cNvPr id="3" name="Title 2"/>
@@ -8593,6 +4457,14 @@
 <file path=ppt/slides/slide2.xml><?xml version="1.0" encoding="utf-8"?>
 <p:sld xmlns:a="http://schemas.openxmlformats.org/drawingml/2006/main" xmlns:r="http://schemas.openxmlformats.org/officeDocument/2006/relationships" xmlns:p="http://schemas.openxmlformats.org/presentationml/2006/main">
   <p:cSld>
+    <p:bg>
+      <p:bgPr>
+        <a:solidFill>
+          <a:schemeClr val="bg1"/>
+        </a:solidFill>
+        <a:effectLst/>
+      </p:bgPr>
+    </p:bg>
     <p:spTree>
       <p:nvGrpSpPr>
         <p:cNvPr id="1" name=""/>
@@ -8636,9 +4508,10 @@
           <a:lstStyle/>
           <a:p>
             <a:r>
-              <a:rPr lang="en-US" sz="4400" dirty="0"/>
+              <a:rPr lang="en-US" sz="4400"/>
               <a:t>Data Analysis</a:t>
             </a:r>
+            <a:endParaRPr lang="en-US" sz="4400" dirty="0"/>
           </a:p>
         </p:txBody>
       </p:sp>
@@ -8675,7 +4548,7 @@
               <a:buChar char="q"/>
             </a:pPr>
             <a:r>
-              <a:rPr lang="en-US" sz="1900" dirty="0">
+              <a:rPr lang="en-US" sz="1900">
                 <a:solidFill>
                   <a:schemeClr val="tx1">
                     <a:lumMod val="95000"/>
@@ -8692,7 +4565,7 @@
               <a:buChar char="•"/>
             </a:pPr>
             <a:r>
-              <a:rPr lang="en-US" sz="1400" dirty="0">
+              <a:rPr lang="en-US" sz="1400">
                 <a:solidFill>
                   <a:schemeClr val="tx1">
                     <a:lumMod val="95000"/>
@@ -8707,7 +4580,7 @@
               <a:t>Analyzed “County Population totals from 2010-2020”, to identify states with the largest number of counties that fall into the top 25% of total population growth category, that are also a part of a </a:t>
             </a:r>
             <a:r>
-              <a:rPr lang="en-US" sz="1400" dirty="0">
+              <a:rPr lang="en-US" sz="1400">
                 <a:solidFill>
                   <a:schemeClr val="tx1">
                     <a:lumMod val="95000"/>
@@ -8727,7 +4600,7 @@
               <a:buChar char="•"/>
             </a:pPr>
             <a:r>
-              <a:rPr lang="en-US" sz="1400" dirty="0">
+              <a:rPr lang="en-US" sz="1400">
                 <a:solidFill>
                   <a:schemeClr val="tx1">
                     <a:lumMod val="95000"/>
@@ -8736,10 +4609,16 @@
                 </a:solidFill>
                 <a:latin typeface="+mj-lt"/>
               </a:rPr>
-              <a:t>Utilized </a:t>
-            </a:r>
-            <a:r>
-              <a:rPr lang="en-US" sz="1400" dirty="0" err="1">
+              <a:t>Utilized RegEx and PDFPlumber to pull crash data from state crash reports</a:t>
+            </a:r>
+          </a:p>
+          <a:p>
+            <a:pPr marL="799963" lvl="1" indent="-342900">
+              <a:buFont typeface="Arial" panose="020B0604020202020204" pitchFamily="34" charset="0"/>
+              <a:buChar char="•"/>
+            </a:pPr>
+            <a:r>
+              <a:rPr lang="en-US" sz="1400">
                 <a:solidFill>
                   <a:schemeClr val="tx1">
                     <a:lumMod val="95000"/>
@@ -8748,43 +4627,7 @@
                 </a:solidFill>
                 <a:latin typeface="+mj-lt"/>
               </a:rPr>
-              <a:t>RegEx</a:t>
-            </a:r>
-            <a:r>
-              <a:rPr lang="en-US" sz="1400" dirty="0">
-                <a:solidFill>
-                  <a:schemeClr val="tx1">
-                    <a:lumMod val="95000"/>
-                    <a:lumOff val="5000"/>
-                  </a:schemeClr>
-                </a:solidFill>
-                <a:latin typeface="+mj-lt"/>
-              </a:rPr>
-              <a:t> and </a:t>
-            </a:r>
-            <a:r>
-              <a:rPr lang="en-US" sz="1400" dirty="0" err="1">
-                <a:solidFill>
-                  <a:schemeClr val="tx1">
-                    <a:lumMod val="95000"/>
-                    <a:lumOff val="5000"/>
-                  </a:schemeClr>
-                </a:solidFill>
-                <a:latin typeface="+mj-lt"/>
-              </a:rPr>
-              <a:t>PDFPlumber</a:t>
-            </a:r>
-            <a:r>
-              <a:rPr lang="en-US" sz="1400" dirty="0">
-                <a:solidFill>
-                  <a:schemeClr val="tx1">
-                    <a:lumMod val="95000"/>
-                    <a:lumOff val="5000"/>
-                  </a:schemeClr>
-                </a:solidFill>
-                <a:latin typeface="+mj-lt"/>
-              </a:rPr>
-              <a:t> to pull crash data from state crash reports</a:t>
+              <a:t>Merged crashed dataframes with county population and CBSA data</a:t>
             </a:r>
           </a:p>
           <a:p>
@@ -8793,49 +4636,7 @@
               <a:buChar char="•"/>
             </a:pPr>
             <a:r>
-              <a:rPr lang="en-US" sz="1400" dirty="0">
-                <a:solidFill>
-                  <a:schemeClr val="tx1">
-                    <a:lumMod val="95000"/>
-                    <a:lumOff val="5000"/>
-                  </a:schemeClr>
-                </a:solidFill>
-                <a:latin typeface="+mj-lt"/>
-              </a:rPr>
-              <a:t>Merged crashed </a:t>
-            </a:r>
-            <a:r>
-              <a:rPr lang="en-US" sz="1400" dirty="0" err="1">
-                <a:solidFill>
-                  <a:schemeClr val="tx1">
-                    <a:lumMod val="95000"/>
-                    <a:lumOff val="5000"/>
-                  </a:schemeClr>
-                </a:solidFill>
-                <a:latin typeface="+mj-lt"/>
-              </a:rPr>
-              <a:t>dataframes</a:t>
-            </a:r>
-            <a:r>
-              <a:rPr lang="en-US" sz="1400" dirty="0">
-                <a:solidFill>
-                  <a:schemeClr val="tx1">
-                    <a:lumMod val="95000"/>
-                    <a:lumOff val="5000"/>
-                  </a:schemeClr>
-                </a:solidFill>
-                <a:latin typeface="+mj-lt"/>
-              </a:rPr>
-              <a:t> with county population and CBSA data</a:t>
-            </a:r>
-          </a:p>
-          <a:p>
-            <a:pPr marL="799963" lvl="1" indent="-342900">
-              <a:buFont typeface="Arial" panose="020B0604020202020204" pitchFamily="34" charset="0"/>
-              <a:buChar char="•"/>
-            </a:pPr>
-            <a:r>
-              <a:rPr lang="en-US" sz="1400" dirty="0">
+              <a:rPr lang="en-US" sz="1400">
                 <a:solidFill>
                   <a:schemeClr val="tx1">
                     <a:lumMod val="95000"/>
@@ -8843,51 +4644,12 @@
                   </a:schemeClr>
                 </a:solidFill>
               </a:rPr>
-              <a:t>Pandas </a:t>
-            </a:r>
-            <a:r>
-              <a:rPr lang="en-US" sz="1400" dirty="0" err="1">
-                <a:solidFill>
-                  <a:schemeClr val="tx1">
-                    <a:lumMod val="95000"/>
-                    <a:lumOff val="5000"/>
-                  </a:schemeClr>
-                </a:solidFill>
-              </a:rPr>
-              <a:t>dataframe.corr</a:t>
-            </a:r>
-            <a:r>
-              <a:rPr lang="en-US" sz="1400" dirty="0">
-                <a:solidFill>
-                  <a:schemeClr val="tx1">
-                    <a:lumMod val="95000"/>
-                    <a:lumOff val="5000"/>
-                  </a:schemeClr>
-                </a:solidFill>
-              </a:rPr>
-              <a:t>() to determine if there’s a correlation between population growth and total crashes</a:t>
-            </a:r>
-          </a:p>
-          <a:p>
-            <a:pPr marL="799963" lvl="1" indent="-342900">
-              <a:buFont typeface="Arial" panose="020B0604020202020204" pitchFamily="34" charset="0"/>
-              <a:buChar char="•"/>
-            </a:pPr>
-            <a:r>
-              <a:rPr lang="en-US" sz="1400" dirty="0">
-                <a:solidFill>
-                  <a:schemeClr val="tx1">
-                    <a:lumMod val="95000"/>
-                    <a:lumOff val="5000"/>
-                  </a:schemeClr>
-                </a:solidFill>
-              </a:rPr>
-              <a:t>Normalized crash data per 100,000 population for state comparison</a:t>
+              <a:t>Pandas dataframe.corr() to determine if there’s a correlation between population growth and total crashes</a:t>
             </a:r>
           </a:p>
           <a:p>
             <a:pPr lvl="1"/>
-            <a:endParaRPr lang="en-US" sz="1400" dirty="0">
+            <a:endParaRPr lang="en-US" sz="1400">
               <a:solidFill>
                 <a:schemeClr val="tx1">
                   <a:lumMod val="95000"/>
@@ -8898,7 +4660,7 @@
           </a:p>
           <a:p>
             <a:pPr lvl="1"/>
-            <a:endParaRPr lang="en-US" sz="1400" dirty="0">
+            <a:endParaRPr lang="en-US" sz="1400">
               <a:solidFill>
                 <a:schemeClr val="tx1">
                   <a:lumMod val="95000"/>
@@ -8913,7 +4675,7 @@
               <a:buFont typeface="Arial" panose="020B0604020202020204" pitchFamily="34" charset="0"/>
               <a:buChar char="•"/>
             </a:pPr>
-            <a:endParaRPr lang="en-US" sz="1400" dirty="0">
+            <a:endParaRPr lang="en-US" sz="1400">
               <a:solidFill>
                 <a:schemeClr val="tx1">
                   <a:lumMod val="95000"/>
@@ -8925,7 +4687,7 @@
           </a:p>
           <a:p>
             <a:r>
-              <a:rPr lang="en-US" sz="2600" dirty="0">
+              <a:rPr lang="en-US" sz="2600">
                 <a:solidFill>
                   <a:schemeClr val="tx1">
                     <a:lumMod val="95000"/>
@@ -8936,7 +4698,7 @@
               <a:t>  </a:t>
             </a:r>
             <a:r>
-              <a:rPr lang="en-US" sz="2000" dirty="0">
+              <a:rPr lang="en-US" sz="2000">
                 <a:solidFill>
                   <a:schemeClr val="tx1">
                     <a:lumMod val="95000"/>
@@ -8950,7 +4712,7 @@
               </a:rPr>
               <a:t>   </a:t>
             </a:r>
-            <a:endParaRPr lang="en-US" sz="2000" dirty="0">
+            <a:endParaRPr lang="en-US" sz="2000">
               <a:solidFill>
                 <a:schemeClr val="tx1">
                   <a:lumMod val="95000"/>
@@ -8964,7 +4726,7 @@
           </a:p>
           <a:p>
             <a:r>
-              <a:rPr lang="en-US" sz="1600" dirty="0">
+              <a:rPr lang="en-US" sz="1600">
                 <a:solidFill>
                   <a:schemeClr val="tx1">
                     <a:lumMod val="95000"/>
@@ -8978,7 +4740,7 @@
               </a:rPr>
               <a:t>    	</a:t>
             </a:r>
-            <a:endParaRPr lang="en-US" sz="2000" dirty="0">
+            <a:endParaRPr lang="en-US" sz="2000">
               <a:solidFill>
                 <a:schemeClr val="tx1">
                   <a:lumMod val="95000"/>
@@ -8996,7 +4758,7 @@
               <a:buFont typeface="Arial" panose="020B0604020202020204" pitchFamily="34" charset="0"/>
               <a:buChar char="•"/>
             </a:pPr>
-            <a:endParaRPr lang="en-US" sz="2000" dirty="0">
+            <a:endParaRPr lang="en-US" sz="2000">
               <a:solidFill>
                 <a:schemeClr val="tx1">
                   <a:lumMod val="95000"/>
@@ -9369,13 +5131,13 @@
   <p:clrMapOvr>
     <a:masterClrMapping/>
   </p:clrMapOvr>
-  <mc:AlternateContent xmlns:mc="http://schemas.openxmlformats.org/markup-compatibility/2006">
-    <mc:Choice xmlns:p14="http://schemas.microsoft.com/office/powerpoint/2010/main" Requires="p14">
+  <mc:AlternateContent xmlns:mc="http://schemas.openxmlformats.org/markup-compatibility/2006" xmlns:p14="http://schemas.microsoft.com/office/powerpoint/2010/main">
+    <mc:Choice Requires="p14">
       <p:transition spd="med" p14:dur="700">
         <p:fade/>
       </p:transition>
     </mc:Choice>
-    <mc:Fallback>
+    <mc:Fallback xmlns="">
       <p:transition spd="med">
         <p:fade/>
       </p:transition>
@@ -9508,13 +5270,13 @@
   <p:clrMapOvr>
     <a:masterClrMapping/>
   </p:clrMapOvr>
-  <mc:AlternateContent xmlns:mc="http://schemas.openxmlformats.org/markup-compatibility/2006">
-    <mc:Choice xmlns:p14="http://schemas.microsoft.com/office/powerpoint/2010/main" Requires="p14">
+  <mc:AlternateContent xmlns:mc="http://schemas.openxmlformats.org/markup-compatibility/2006" xmlns:p14="http://schemas.microsoft.com/office/powerpoint/2010/main">
+    <mc:Choice Requires="p14">
       <p:transition spd="med" p14:dur="700">
         <p:fade/>
       </p:transition>
     </mc:Choice>
-    <mc:Fallback>
+    <mc:Fallback xmlns="">
       <p:transition spd="med">
         <p:fade/>
       </p:transition>
@@ -9529,7 +5291,7 @@
     <p:bg>
       <p:bgPr>
         <a:solidFill>
-          <a:schemeClr val="bg1"/>
+          <a:schemeClr val="accent1"/>
         </a:solidFill>
         <a:effectLst/>
       </p:bgPr>
@@ -9548,60 +5310,451 @@
           <a:chExt cx="0" cy="0"/>
         </a:xfrm>
       </p:grpSpPr>
-      <p:sp>
-        <p:nvSpPr>
-          <p:cNvPr id="7" name="Title 6"/>
-          <p:cNvSpPr>
-            <a:spLocks noGrp="1"/>
-          </p:cNvSpPr>
-          <p:nvPr>
-            <p:ph type="title"/>
-          </p:nvPr>
-        </p:nvSpPr>
-        <p:spPr>
-          <a:xfrm>
-            <a:off x="1261543" y="365760"/>
-            <a:ext cx="9690116" cy="1325562"/>
-          </a:xfrm>
-        </p:spPr>
-        <p:txBody>
-          <a:bodyPr>
-            <a:normAutofit/>
-          </a:bodyPr>
-          <a:lstStyle/>
-          <a:p>
-            <a:r>
-              <a:rPr lang="en-US"/>
-              <a:t>Title and Content Layout with Chart</a:t>
-            </a:r>
-          </a:p>
-        </p:txBody>
-      </p:sp>
-      <p:sp>
-        <p:nvSpPr>
-          <p:cNvPr id="3" name="Content Placeholder 2">
+      <p:pic>
+        <p:nvPicPr>
+          <p:cNvPr id="13" name="Picture 12" descr="Chart, line chart&#10;&#10;Description automatically generated">
             <a:extLst>
               <a:ext uri="{FF2B5EF4-FFF2-40B4-BE49-F238E27FC236}">
-                <a16:creationId xmlns:a16="http://schemas.microsoft.com/office/drawing/2014/main" id="{59EA9372-B935-2950-39C7-3FC2D12B94B7}"/>
+                <a16:creationId xmlns:a16="http://schemas.microsoft.com/office/drawing/2014/main" id="{FEC53C92-4F3B-7516-C925-5865913BCC4F}"/>
               </a:ext>
             </a:extLst>
           </p:cNvPr>
-          <p:cNvSpPr>
-            <a:spLocks noGrp="1"/>
-          </p:cNvSpPr>
-          <p:nvPr>
-            <p:ph idx="1"/>
-          </p:nvPr>
-        </p:nvSpPr>
-        <p:spPr/>
+          <p:cNvPicPr>
+            <a:picLocks noChangeAspect="1"/>
+          </p:cNvPicPr>
+          <p:nvPr/>
+        </p:nvPicPr>
+        <p:blipFill>
+          <a:blip r:embed="rId2">
+            <a:extLst>
+              <a:ext uri="{28A0092B-C50C-407E-A947-70E740481C1C}">
+                <a14:useLocalDpi xmlns:a14="http://schemas.microsoft.com/office/drawing/2010/main" val="0"/>
+              </a:ext>
+            </a:extLst>
+          </a:blip>
+          <a:stretch>
+            <a:fillRect/>
+          </a:stretch>
+        </p:blipFill>
+        <p:spPr>
+          <a:xfrm>
+            <a:off x="684212" y="286434"/>
+            <a:ext cx="9904412" cy="6285131"/>
+          </a:xfrm>
+          <a:prstGeom prst="rect">
+            <a:avLst/>
+          </a:prstGeom>
+        </p:spPr>
+      </p:pic>
+    </p:spTree>
+    <p:extLst>
+      <p:ext uri="{BB962C8B-B14F-4D97-AF65-F5344CB8AC3E}">
+        <p14:creationId xmlns:p14="http://schemas.microsoft.com/office/powerpoint/2010/main" val="197792169"/>
+      </p:ext>
+    </p:extLst>
+  </p:cSld>
+  <p:clrMapOvr>
+    <a:masterClrMapping/>
+  </p:clrMapOvr>
+  <mc:AlternateContent xmlns:mc="http://schemas.openxmlformats.org/markup-compatibility/2006">
+    <mc:Choice xmlns:p14="http://schemas.microsoft.com/office/powerpoint/2010/main" Requires="p14">
+      <p:transition spd="med" p14:dur="700">
+        <p:fade/>
+      </p:transition>
+    </mc:Choice>
+    <mc:Fallback>
+      <p:transition spd="med">
+        <p:fade/>
+      </p:transition>
+    </mc:Fallback>
+  </mc:AlternateContent>
+</p:sld>
+</file>
+
+<file path=ppt/slides/slide6.xml><?xml version="1.0" encoding="utf-8"?>
+<p:sld xmlns:a="http://schemas.openxmlformats.org/drawingml/2006/main" xmlns:r="http://schemas.openxmlformats.org/officeDocument/2006/relationships" xmlns:p="http://schemas.openxmlformats.org/presentationml/2006/main">
+  <p:cSld>
+    <p:bg>
+      <p:bgPr>
+        <a:solidFill>
+          <a:schemeClr val="accent1"/>
+        </a:solidFill>
+        <a:effectLst/>
+      </p:bgPr>
+    </p:bg>
+    <p:spTree>
+      <p:nvGrpSpPr>
+        <p:cNvPr id="1" name=""/>
+        <p:cNvGrpSpPr/>
+        <p:nvPr/>
+      </p:nvGrpSpPr>
+      <p:grpSpPr>
+        <a:xfrm>
+          <a:off x="0" y="0"/>
+          <a:ext cx="0" cy="0"/>
+          <a:chOff x="0" y="0"/>
+          <a:chExt cx="0" cy="0"/>
+        </a:xfrm>
+      </p:grpSpPr>
+      <p:pic>
+        <p:nvPicPr>
+          <p:cNvPr id="14" name="Picture 13" descr="Chart, line chart&#10;&#10;Description automatically generated">
+            <a:extLst>
+              <a:ext uri="{FF2B5EF4-FFF2-40B4-BE49-F238E27FC236}">
+                <a16:creationId xmlns:a16="http://schemas.microsoft.com/office/drawing/2014/main" id="{74B503A4-291B-43E7-2C44-9A0D987767F4}"/>
+              </a:ext>
+            </a:extLst>
+          </p:cNvPr>
+          <p:cNvPicPr>
+            <a:picLocks noChangeAspect="1"/>
+          </p:cNvPicPr>
+          <p:nvPr/>
+        </p:nvPicPr>
+        <p:blipFill>
+          <a:blip r:embed="rId2">
+            <a:extLst>
+              <a:ext uri="{28A0092B-C50C-407E-A947-70E740481C1C}">
+                <a14:useLocalDpi xmlns:a14="http://schemas.microsoft.com/office/drawing/2010/main" val="0"/>
+              </a:ext>
+            </a:extLst>
+          </a:blip>
+          <a:stretch>
+            <a:fillRect/>
+          </a:stretch>
+        </p:blipFill>
+        <p:spPr>
+          <a:xfrm>
+            <a:off x="684212" y="280738"/>
+            <a:ext cx="9902952" cy="6294586"/>
+          </a:xfrm>
+          <a:prstGeom prst="rect">
+            <a:avLst/>
+          </a:prstGeom>
+        </p:spPr>
+      </p:pic>
+    </p:spTree>
+    <p:extLst>
+      <p:ext uri="{BB962C8B-B14F-4D97-AF65-F5344CB8AC3E}">
+        <p14:creationId xmlns:p14="http://schemas.microsoft.com/office/powerpoint/2010/main" val="1127335855"/>
+      </p:ext>
+    </p:extLst>
+  </p:cSld>
+  <p:clrMapOvr>
+    <a:masterClrMapping/>
+  </p:clrMapOvr>
+  <mc:AlternateContent xmlns:mc="http://schemas.openxmlformats.org/markup-compatibility/2006">
+    <mc:Choice xmlns:p14="http://schemas.microsoft.com/office/powerpoint/2010/main" Requires="p14">
+      <p:transition spd="med" p14:dur="700">
+        <p:fade/>
+      </p:transition>
+    </mc:Choice>
+    <mc:Fallback>
+      <p:transition spd="med">
+        <p:fade/>
+      </p:transition>
+    </mc:Fallback>
+  </mc:AlternateContent>
+</p:sld>
+</file>
+
+<file path=ppt/slides/slide7.xml><?xml version="1.0" encoding="utf-8"?>
+<p:sld xmlns:a="http://schemas.openxmlformats.org/drawingml/2006/main" xmlns:r="http://schemas.openxmlformats.org/officeDocument/2006/relationships" xmlns:p="http://schemas.openxmlformats.org/presentationml/2006/main">
+  <p:cSld>
+    <p:spTree>
+      <p:nvGrpSpPr>
+        <p:cNvPr id="1" name=""/>
+        <p:cNvGrpSpPr/>
+        <p:nvPr/>
+      </p:nvGrpSpPr>
+      <p:grpSpPr>
+        <a:xfrm>
+          <a:off x="0" y="0"/>
+          <a:ext cx="0" cy="0"/>
+          <a:chOff x="0" y="0"/>
+          <a:chExt cx="0" cy="0"/>
+        </a:xfrm>
+      </p:grpSpPr>
+      <p:sp>
+        <p:nvSpPr>
+          <p:cNvPr id="7" name="Title 6"/>
+          <p:cNvSpPr>
+            <a:spLocks noGrp="1"/>
+          </p:cNvSpPr>
+          <p:nvPr>
+            <p:ph type="title"/>
+          </p:nvPr>
+        </p:nvSpPr>
+        <p:spPr>
+          <a:xfrm>
+            <a:off x="684212" y="73808"/>
+            <a:ext cx="9690116" cy="776477"/>
+          </a:xfrm>
+        </p:spPr>
         <p:txBody>
           <a:bodyPr/>
           <a:lstStyle/>
           <a:p>
+            <a:r>
+              <a:rPr lang="en-US" dirty="0"/>
+              <a:t>Add a Slide Title - 2</a:t>
+            </a:r>
+          </a:p>
+        </p:txBody>
+      </p:sp>
+      <p:sp>
+        <p:nvSpPr>
+          <p:cNvPr id="8" name="Text Placeholder 7"/>
+          <p:cNvSpPr>
+            <a:spLocks noGrp="1"/>
+          </p:cNvSpPr>
+          <p:nvPr>
+            <p:ph type="body" idx="1"/>
+          </p:nvPr>
+        </p:nvSpPr>
+        <p:spPr>
+          <a:xfrm>
+            <a:off x="1234020" y="1167854"/>
+            <a:ext cx="4479393" cy="731520"/>
+          </a:xfrm>
+        </p:spPr>
+        <p:txBody>
+          <a:bodyPr/>
+          <a:lstStyle/>
+          <a:p>
             <a:endParaRPr lang="en-US" dirty="0"/>
           </a:p>
         </p:txBody>
       </p:sp>
+      <p:sp>
+        <p:nvSpPr>
+          <p:cNvPr id="9" name="Text Placeholder 8"/>
+          <p:cNvSpPr>
+            <a:spLocks noGrp="1"/>
+          </p:cNvSpPr>
+          <p:nvPr>
+            <p:ph type="body" sz="quarter" idx="3"/>
+          </p:nvPr>
+        </p:nvSpPr>
+        <p:spPr>
+          <a:xfrm>
+            <a:off x="6323012" y="1126182"/>
+            <a:ext cx="4479393" cy="731520"/>
+          </a:xfrm>
+        </p:spPr>
+        <p:txBody>
+          <a:bodyPr/>
+          <a:lstStyle/>
+          <a:p>
+            <a:endParaRPr lang="en-US" dirty="0"/>
+          </a:p>
+        </p:txBody>
+      </p:sp>
+      <p:sp>
+        <p:nvSpPr>
+          <p:cNvPr id="12" name="Content Placeholder 11">
+            <a:extLst>
+              <a:ext uri="{FF2B5EF4-FFF2-40B4-BE49-F238E27FC236}">
+                <a16:creationId xmlns:a16="http://schemas.microsoft.com/office/drawing/2014/main" id="{E522ABB7-944F-60D5-CD49-60292C7D2AE5}"/>
+              </a:ext>
+            </a:extLst>
+          </p:cNvPr>
+          <p:cNvSpPr>
+            <a:spLocks noGrp="1"/>
+          </p:cNvSpPr>
+          <p:nvPr>
+            <p:ph sz="half" idx="2"/>
+          </p:nvPr>
+        </p:nvSpPr>
+        <p:spPr/>
+        <p:txBody>
+          <a:bodyPr/>
+          <a:lstStyle/>
+          <a:p>
+            <a:endParaRPr lang="en-US"/>
+          </a:p>
+        </p:txBody>
+      </p:sp>
+      <p:sp>
+        <p:nvSpPr>
+          <p:cNvPr id="14" name="Content Placeholder 13">
+            <a:extLst>
+              <a:ext uri="{FF2B5EF4-FFF2-40B4-BE49-F238E27FC236}">
+                <a16:creationId xmlns:a16="http://schemas.microsoft.com/office/drawing/2014/main" id="{8B8DB670-A5B2-A3B2-4223-F49DD296F8E0}"/>
+              </a:ext>
+            </a:extLst>
+          </p:cNvPr>
+          <p:cNvSpPr>
+            <a:spLocks noGrp="1"/>
+          </p:cNvSpPr>
+          <p:nvPr>
+            <p:ph sz="quarter" idx="4"/>
+          </p:nvPr>
+        </p:nvSpPr>
+        <p:spPr/>
+        <p:txBody>
+          <a:bodyPr/>
+          <a:lstStyle/>
+          <a:p>
+            <a:endParaRPr lang="en-US"/>
+          </a:p>
+        </p:txBody>
+      </p:sp>
+    </p:spTree>
+    <p:extLst>
+      <p:ext uri="{BB962C8B-B14F-4D97-AF65-F5344CB8AC3E}">
+        <p14:creationId xmlns:p14="http://schemas.microsoft.com/office/powerpoint/2010/main" val="2672039197"/>
+      </p:ext>
+    </p:extLst>
+  </p:cSld>
+  <p:clrMapOvr>
+    <a:masterClrMapping/>
+  </p:clrMapOvr>
+  <mc:AlternateContent xmlns:mc="http://schemas.openxmlformats.org/markup-compatibility/2006" xmlns:p14="http://schemas.microsoft.com/office/powerpoint/2010/main">
+    <mc:Choice Requires="p14">
+      <p:transition spd="med" p14:dur="700">
+        <p:fade/>
+      </p:transition>
+    </mc:Choice>
+    <mc:Fallback xmlns="">
+      <p:transition spd="med">
+        <p:fade/>
+      </p:transition>
+    </mc:Fallback>
+  </mc:AlternateContent>
+</p:sld>
+</file>
+
+<file path=ppt/slides/slide8.xml><?xml version="1.0" encoding="utf-8"?>
+<p:sld xmlns:a="http://schemas.openxmlformats.org/drawingml/2006/main" xmlns:r="http://schemas.openxmlformats.org/officeDocument/2006/relationships" xmlns:p="http://schemas.openxmlformats.org/presentationml/2006/main">
+  <p:cSld>
+    <p:bg>
+      <p:bgPr>
+        <a:solidFill>
+          <a:schemeClr val="accent1"/>
+        </a:solidFill>
+        <a:effectLst/>
+      </p:bgPr>
+    </p:bg>
+    <p:spTree>
+      <p:nvGrpSpPr>
+        <p:cNvPr id="1" name=""/>
+        <p:cNvGrpSpPr/>
+        <p:nvPr/>
+      </p:nvGrpSpPr>
+      <p:grpSpPr>
+        <a:xfrm>
+          <a:off x="0" y="0"/>
+          <a:ext cx="0" cy="0"/>
+          <a:chOff x="0" y="0"/>
+          <a:chExt cx="0" cy="0"/>
+        </a:xfrm>
+      </p:grpSpPr>
+      <p:sp>
+        <p:nvSpPr>
+          <p:cNvPr id="7" name="Title 6"/>
+          <p:cNvSpPr>
+            <a:spLocks noGrp="1"/>
+          </p:cNvSpPr>
+          <p:nvPr>
+            <p:ph type="title"/>
+          </p:nvPr>
+        </p:nvSpPr>
+        <p:spPr>
+          <a:xfrm>
+            <a:off x="7618412" y="94673"/>
+            <a:ext cx="4550352" cy="1200727"/>
+          </a:xfrm>
+        </p:spPr>
+        <p:txBody>
+          <a:bodyPr>
+            <a:normAutofit fontScale="90000"/>
+          </a:bodyPr>
+          <a:lstStyle/>
+          <a:p>
+            <a:pPr algn="ctr"/>
+            <a:r>
+              <a:rPr lang="en-US" sz="2700" b="1" dirty="0">
+                <a:solidFill>
+                  <a:schemeClr val="bg1"/>
+                </a:solidFill>
+              </a:rPr>
+              <a:t>Correlation between Crash Data and Population increase in Metro Areas</a:t>
+            </a:r>
+          </a:p>
+        </p:txBody>
+      </p:sp>
+      <p:pic>
+        <p:nvPicPr>
+          <p:cNvPr id="46" name="Picture 45" descr="Chart, waterfall chart, treemap chart&#10;&#10;Description automatically generated">
+            <a:extLst>
+              <a:ext uri="{FF2B5EF4-FFF2-40B4-BE49-F238E27FC236}">
+                <a16:creationId xmlns:a16="http://schemas.microsoft.com/office/drawing/2014/main" id="{73575AF6-2DA9-2AE1-20CC-A9201A02B972}"/>
+              </a:ext>
+            </a:extLst>
+          </p:cNvPr>
+          <p:cNvPicPr>
+            <a:picLocks noChangeAspect="1"/>
+          </p:cNvPicPr>
+          <p:nvPr/>
+        </p:nvPicPr>
+        <p:blipFill>
+          <a:blip r:embed="rId2">
+            <a:extLst>
+              <a:ext uri="{28A0092B-C50C-407E-A947-70E740481C1C}">
+                <a14:useLocalDpi xmlns:a14="http://schemas.microsoft.com/office/drawing/2010/main" val="0"/>
+              </a:ext>
+            </a:extLst>
+          </a:blip>
+          <a:stretch>
+            <a:fillRect/>
+          </a:stretch>
+        </p:blipFill>
+        <p:spPr>
+          <a:xfrm>
+            <a:off x="155448" y="987552"/>
+            <a:ext cx="7040880" cy="5077983"/>
+          </a:xfrm>
+          <a:prstGeom prst="rect">
+            <a:avLst/>
+          </a:prstGeom>
+        </p:spPr>
+      </p:pic>
+      <p:pic>
+        <p:nvPicPr>
+          <p:cNvPr id="48" name="Picture 47" descr="Chart, bar chart, waterfall chart&#10;&#10;Description automatically generated">
+            <a:extLst>
+              <a:ext uri="{FF2B5EF4-FFF2-40B4-BE49-F238E27FC236}">
+                <a16:creationId xmlns:a16="http://schemas.microsoft.com/office/drawing/2014/main" id="{89F6103E-D103-168B-0932-8BE1154F42AF}"/>
+              </a:ext>
+            </a:extLst>
+          </p:cNvPr>
+          <p:cNvPicPr>
+            <a:picLocks noChangeAspect="1"/>
+          </p:cNvPicPr>
+          <p:nvPr/>
+        </p:nvPicPr>
+        <p:blipFill>
+          <a:blip r:embed="rId3">
+            <a:extLst>
+              <a:ext uri="{28A0092B-C50C-407E-A947-70E740481C1C}">
+                <a14:useLocalDpi xmlns:a14="http://schemas.microsoft.com/office/drawing/2010/main" val="0"/>
+              </a:ext>
+            </a:extLst>
+          </a:blip>
+          <a:stretch>
+            <a:fillRect/>
+          </a:stretch>
+        </p:blipFill>
+        <p:spPr>
+          <a:xfrm>
+            <a:off x="7434072" y="2130552"/>
+            <a:ext cx="3566159" cy="2852928"/>
+          </a:xfrm>
+          <a:prstGeom prst="rect">
+            <a:avLst/>
+          </a:prstGeom>
+        </p:spPr>
+      </p:pic>
     </p:spTree>
     <p:extLst>
       <p:ext uri="{BB962C8B-B14F-4D97-AF65-F5344CB8AC3E}">
@@ -9627,9 +5780,17 @@
 </p:sld>
 </file>
 
-<file path=ppt/slides/slide6.xml><?xml version="1.0" encoding="utf-8"?>
+<file path=ppt/slides/slide9.xml><?xml version="1.0" encoding="utf-8"?>
 <p:sld xmlns:a="http://schemas.openxmlformats.org/drawingml/2006/main" xmlns:r="http://schemas.openxmlformats.org/officeDocument/2006/relationships" xmlns:p="http://schemas.openxmlformats.org/presentationml/2006/main">
   <p:cSld>
+    <p:bg>
+      <p:bgPr>
+        <a:solidFill>
+          <a:schemeClr val="accent1"/>
+        </a:solidFill>
+        <a:effectLst/>
+      </p:bgPr>
+    </p:bg>
     <p:spTree>
       <p:nvGrpSpPr>
         <p:cNvPr id="1" name=""/>
@@ -9646,66 +5807,10 @@
       </p:grpSpPr>
       <p:sp>
         <p:nvSpPr>
-          <p:cNvPr id="2" name="Title 1"/>
-          <p:cNvSpPr>
-            <a:spLocks noGrp="1"/>
-          </p:cNvSpPr>
-          <p:nvPr>
-            <p:ph type="title"/>
-          </p:nvPr>
-        </p:nvSpPr>
-        <p:spPr/>
-        <p:txBody>
-          <a:bodyPr/>
-          <a:lstStyle/>
-          <a:p>
-            <a:r>
-              <a:rPr lang="en-US" dirty="0"/>
-              <a:t>Two Content Layout with Table</a:t>
-            </a:r>
-          </a:p>
-        </p:txBody>
-      </p:sp>
-      <p:sp>
-        <p:nvSpPr>
-          <p:cNvPr id="3" name="Content Placeholder 2"/>
-          <p:cNvSpPr>
-            <a:spLocks noGrp="1"/>
-          </p:cNvSpPr>
-          <p:nvPr>
-            <p:ph sz="half" idx="1"/>
-          </p:nvPr>
-        </p:nvSpPr>
-        <p:spPr/>
-        <p:txBody>
-          <a:bodyPr/>
-          <a:lstStyle/>
-          <a:p>
-            <a:r>
-              <a:rPr lang="en-US" dirty="0"/>
-              <a:t>First bullet point here</a:t>
-            </a:r>
-          </a:p>
-          <a:p>
-            <a:r>
-              <a:rPr lang="en-US" dirty="0"/>
-              <a:t>Second bullet point here</a:t>
-            </a:r>
-          </a:p>
-          <a:p>
-            <a:r>
-              <a:rPr lang="en-US" dirty="0"/>
-              <a:t>Third bullet point here</a:t>
-            </a:r>
-          </a:p>
-        </p:txBody>
-      </p:sp>
-      <p:sp>
-        <p:nvSpPr>
-          <p:cNvPr id="7" name="Content Placeholder 6">
+          <p:cNvPr id="24" name="Title 6">
             <a:extLst>
               <a:ext uri="{FF2B5EF4-FFF2-40B4-BE49-F238E27FC236}">
-                <a16:creationId xmlns:a16="http://schemas.microsoft.com/office/drawing/2014/main" id="{107C05D4-29F5-D0D5-D063-ECD17BEF1A57}"/>
+                <a16:creationId xmlns:a16="http://schemas.microsoft.com/office/drawing/2014/main" id="{24066ABE-F7EC-9714-32BA-FAD9388593F1}"/>
               </a:ext>
             </a:extLst>
           </p:cNvPr>
@@ -9713,381 +5818,122 @@
             <a:spLocks noGrp="1"/>
           </p:cNvSpPr>
           <p:nvPr>
-            <p:ph sz="half" idx="2"/>
-          </p:nvPr>
-        </p:nvSpPr>
-        <p:spPr/>
-        <p:txBody>
-          <a:bodyPr/>
+            <p:ph type="title"/>
+          </p:nvPr>
+        </p:nvSpPr>
+        <p:spPr>
+          <a:xfrm>
+            <a:off x="7618412" y="94673"/>
+            <a:ext cx="4550352" cy="1200727"/>
+          </a:xfrm>
+        </p:spPr>
+        <p:txBody>
+          <a:bodyPr>
+            <a:normAutofit fontScale="90000"/>
+          </a:bodyPr>
           <a:lstStyle/>
           <a:p>
-            <a:endParaRPr lang="en-US"/>
-          </a:p>
-        </p:txBody>
-      </p:sp>
+            <a:pPr algn="ctr"/>
+            <a:r>
+              <a:rPr lang="en-US" sz="2700" b="1" dirty="0">
+                <a:solidFill>
+                  <a:schemeClr val="bg1"/>
+                </a:solidFill>
+              </a:rPr>
+              <a:t>Correlation between Crash Data and Population increase in Micro Areas</a:t>
+            </a:r>
+          </a:p>
+        </p:txBody>
+      </p:sp>
+      <p:pic>
+        <p:nvPicPr>
+          <p:cNvPr id="23" name="Picture 22" descr="Chart, waterfall chart&#10;&#10;Description automatically generated">
+            <a:extLst>
+              <a:ext uri="{FF2B5EF4-FFF2-40B4-BE49-F238E27FC236}">
+                <a16:creationId xmlns:a16="http://schemas.microsoft.com/office/drawing/2014/main" id="{62672E68-B0B8-0FED-BC54-CA5D4744CB2E}"/>
+              </a:ext>
+            </a:extLst>
+          </p:cNvPr>
+          <p:cNvPicPr>
+            <a:picLocks noChangeAspect="1"/>
+          </p:cNvPicPr>
+          <p:nvPr/>
+        </p:nvPicPr>
+        <p:blipFill>
+          <a:blip r:embed="rId2">
+            <a:extLst>
+              <a:ext uri="{28A0092B-C50C-407E-A947-70E740481C1C}">
+                <a14:useLocalDpi xmlns:a14="http://schemas.microsoft.com/office/drawing/2010/main" val="0"/>
+              </a:ext>
+            </a:extLst>
+          </a:blip>
+          <a:stretch>
+            <a:fillRect/>
+          </a:stretch>
+        </p:blipFill>
+        <p:spPr>
+          <a:xfrm>
+            <a:off x="155448" y="991223"/>
+            <a:ext cx="7040880" cy="5081035"/>
+          </a:xfrm>
+          <a:prstGeom prst="rect">
+            <a:avLst/>
+          </a:prstGeom>
+        </p:spPr>
+      </p:pic>
+      <p:pic>
+        <p:nvPicPr>
+          <p:cNvPr id="26" name="Picture 25" descr="Chart, waterfall chart&#10;&#10;Description automatically generated">
+            <a:extLst>
+              <a:ext uri="{FF2B5EF4-FFF2-40B4-BE49-F238E27FC236}">
+                <a16:creationId xmlns:a16="http://schemas.microsoft.com/office/drawing/2014/main" id="{79186157-3030-AEAD-39B5-0D44D72BF1CC}"/>
+              </a:ext>
+            </a:extLst>
+          </p:cNvPr>
+          <p:cNvPicPr>
+            <a:picLocks noChangeAspect="1"/>
+          </p:cNvPicPr>
+          <p:nvPr/>
+        </p:nvPicPr>
+        <p:blipFill>
+          <a:blip r:embed="rId3">
+            <a:extLst>
+              <a:ext uri="{28A0092B-C50C-407E-A947-70E740481C1C}">
+                <a14:useLocalDpi xmlns:a14="http://schemas.microsoft.com/office/drawing/2010/main" val="0"/>
+              </a:ext>
+            </a:extLst>
+          </a:blip>
+          <a:stretch>
+            <a:fillRect/>
+          </a:stretch>
+        </p:blipFill>
+        <p:spPr>
+          <a:xfrm>
+            <a:off x="7616952" y="2130552"/>
+            <a:ext cx="3566159" cy="2852928"/>
+          </a:xfrm>
+          <a:prstGeom prst="rect">
+            <a:avLst/>
+          </a:prstGeom>
+        </p:spPr>
+      </p:pic>
     </p:spTree>
     <p:extLst>
       <p:ext uri="{BB962C8B-B14F-4D97-AF65-F5344CB8AC3E}">
-        <p14:creationId xmlns:p14="http://schemas.microsoft.com/office/powerpoint/2010/main" val="2341911148"/>
+        <p14:creationId xmlns:p14="http://schemas.microsoft.com/office/powerpoint/2010/main" val="2699905132"/>
       </p:ext>
     </p:extLst>
   </p:cSld>
   <p:clrMapOvr>
     <a:masterClrMapping/>
   </p:clrMapOvr>
-  <mc:AlternateContent xmlns:mc="http://schemas.openxmlformats.org/markup-compatibility/2006" xmlns:p14="http://schemas.microsoft.com/office/powerpoint/2010/main">
-    <mc:Choice Requires="p14">
+  <mc:AlternateContent xmlns:mc="http://schemas.openxmlformats.org/markup-compatibility/2006">
+    <mc:Choice xmlns:p14="http://schemas.microsoft.com/office/powerpoint/2010/main" Requires="p14">
       <p:transition spd="med" p14:dur="700">
         <p:fade/>
       </p:transition>
     </mc:Choice>
-    <mc:Fallback xmlns="">
-      <p:transition spd="med">
-        <p:fade/>
-      </p:transition>
-    </mc:Fallback>
-  </mc:AlternateContent>
-</p:sld>
-</file>
-
-<file path=ppt/slides/slide7.xml><?xml version="1.0" encoding="utf-8"?>
-<p:sld xmlns:a="http://schemas.openxmlformats.org/drawingml/2006/main" xmlns:r="http://schemas.openxmlformats.org/officeDocument/2006/relationships" xmlns:p="http://schemas.openxmlformats.org/presentationml/2006/main">
-  <p:cSld>
-    <p:spTree>
-      <p:nvGrpSpPr>
-        <p:cNvPr id="1" name=""/>
-        <p:cNvGrpSpPr/>
-        <p:nvPr/>
-      </p:nvGrpSpPr>
-      <p:grpSpPr>
-        <a:xfrm>
-          <a:off x="0" y="0"/>
-          <a:ext cx="0" cy="0"/>
-          <a:chOff x="0" y="0"/>
-          <a:chExt cx="0" cy="0"/>
-        </a:xfrm>
-      </p:grpSpPr>
-      <p:sp>
-        <p:nvSpPr>
-          <p:cNvPr id="2" name="Title 1"/>
-          <p:cNvSpPr>
-            <a:spLocks noGrp="1"/>
-          </p:cNvSpPr>
-          <p:nvPr>
-            <p:ph type="title"/>
-          </p:nvPr>
-        </p:nvSpPr>
-        <p:spPr/>
-        <p:txBody>
-          <a:bodyPr/>
-          <a:lstStyle/>
-          <a:p>
-            <a:r>
-              <a:rPr lang="en-US" dirty="0"/>
-              <a:t>Two Content Layout with SmartArt</a:t>
-            </a:r>
-          </a:p>
-        </p:txBody>
-      </p:sp>
-      <p:sp>
-        <p:nvSpPr>
-          <p:cNvPr id="3" name="Content Placeholder 2"/>
-          <p:cNvSpPr>
-            <a:spLocks noGrp="1"/>
-          </p:cNvSpPr>
-          <p:nvPr>
-            <p:ph sz="half" idx="1"/>
-          </p:nvPr>
-        </p:nvSpPr>
-        <p:spPr/>
-        <p:txBody>
-          <a:bodyPr/>
-          <a:lstStyle/>
-          <a:p>
-            <a:r>
-              <a:rPr lang="en-US" dirty="0"/>
-              <a:t>First bullet point here</a:t>
-            </a:r>
-          </a:p>
-          <a:p>
-            <a:r>
-              <a:rPr lang="en-US" dirty="0"/>
-              <a:t>Second bullet point here</a:t>
-            </a:r>
-          </a:p>
-          <a:p>
-            <a:r>
-              <a:rPr lang="en-US" dirty="0"/>
-              <a:t>Third bullet point here</a:t>
-            </a:r>
-          </a:p>
-        </p:txBody>
-      </p:sp>
-      <p:graphicFrame>
-        <p:nvGraphicFramePr>
-          <p:cNvPr id="5" name="Content Placeholder 4" descr="Staggered process showing 3 tasks arranged one below the other and two downward pointing arrows are used to indicate progression from first task to second task and second task to third task."/>
-          <p:cNvGraphicFramePr>
-            <a:graphicFrameLocks noGrp="1"/>
-          </p:cNvGraphicFramePr>
-          <p:nvPr>
-            <p:ph sz="half" idx="2"/>
-            <p:extLst>
-              <p:ext uri="{D42A27DB-BD31-4B8C-83A1-F6EECF244321}">
-                <p14:modId xmlns:p14="http://schemas.microsoft.com/office/powerpoint/2010/main" val="2561100622"/>
-              </p:ext>
-            </p:extLst>
-          </p:nvPr>
-        </p:nvGraphicFramePr>
-        <p:xfrm>
-          <a:off x="6124575" y="1828800"/>
-          <a:ext cx="4479925" cy="4351338"/>
-        </p:xfrm>
-        <a:graphic>
-          <a:graphicData uri="http://schemas.openxmlformats.org/drawingml/2006/diagram">
-            <dgm:relIds xmlns:dgm="http://schemas.openxmlformats.org/drawingml/2006/diagram" xmlns:r="http://schemas.openxmlformats.org/officeDocument/2006/relationships" r:dm="rId3" r:lo="rId4" r:qs="rId5" r:cs="rId6"/>
-          </a:graphicData>
-        </a:graphic>
-      </p:graphicFrame>
-    </p:spTree>
-    <p:extLst>
-      <p:ext uri="{BB962C8B-B14F-4D97-AF65-F5344CB8AC3E}">
-        <p14:creationId xmlns:p14="http://schemas.microsoft.com/office/powerpoint/2010/main" val="4123189245"/>
-      </p:ext>
-    </p:extLst>
-  </p:cSld>
-  <p:clrMapOvr>
-    <a:masterClrMapping/>
-  </p:clrMapOvr>
-  <mc:AlternateContent xmlns:mc="http://schemas.openxmlformats.org/markup-compatibility/2006" xmlns:p14="http://schemas.microsoft.com/office/powerpoint/2010/main">
-    <mc:Choice Requires="p14">
-      <p:transition spd="med" p14:dur="700">
-        <p:fade/>
-      </p:transition>
-    </mc:Choice>
-    <mc:Fallback xmlns="">
-      <p:transition spd="med">
-        <p:fade/>
-      </p:transition>
-    </mc:Fallback>
-  </mc:AlternateContent>
-</p:sld>
-</file>
-
-<file path=ppt/slides/slide8.xml><?xml version="1.0" encoding="utf-8"?>
-<p:sld xmlns:a="http://schemas.openxmlformats.org/drawingml/2006/main" xmlns:r="http://schemas.openxmlformats.org/officeDocument/2006/relationships" xmlns:p="http://schemas.openxmlformats.org/presentationml/2006/main">
-  <p:cSld>
-    <p:spTree>
-      <p:nvGrpSpPr>
-        <p:cNvPr id="1" name=""/>
-        <p:cNvGrpSpPr/>
-        <p:nvPr/>
-      </p:nvGrpSpPr>
-      <p:grpSpPr>
-        <a:xfrm>
-          <a:off x="0" y="0"/>
-          <a:ext cx="0" cy="0"/>
-          <a:chOff x="0" y="0"/>
-          <a:chExt cx="0" cy="0"/>
-        </a:xfrm>
-      </p:grpSpPr>
-      <p:sp>
-        <p:nvSpPr>
-          <p:cNvPr id="4" name="Title 3"/>
-          <p:cNvSpPr>
-            <a:spLocks noGrp="1"/>
-          </p:cNvSpPr>
-          <p:nvPr>
-            <p:ph type="title"/>
-          </p:nvPr>
-        </p:nvSpPr>
-        <p:spPr/>
-        <p:txBody>
-          <a:bodyPr/>
-          <a:lstStyle/>
-          <a:p>
-            <a:r>
-              <a:rPr lang="en-US" dirty="0"/>
-              <a:t>Add a Slide Title - 1</a:t>
-            </a:r>
-          </a:p>
-        </p:txBody>
-      </p:sp>
-      <p:sp>
-        <p:nvSpPr>
-          <p:cNvPr id="5" name="Text Placeholder 4"/>
-          <p:cNvSpPr>
-            <a:spLocks noGrp="1"/>
-          </p:cNvSpPr>
-          <p:nvPr>
-            <p:ph type="body" idx="1"/>
-          </p:nvPr>
-        </p:nvSpPr>
-        <p:spPr/>
-        <p:txBody>
-          <a:bodyPr/>
-          <a:lstStyle/>
-          <a:p>
-            <a:endParaRPr lang="en-US" dirty="0"/>
-          </a:p>
-        </p:txBody>
-      </p:sp>
-    </p:spTree>
-    <p:extLst>
-      <p:ext uri="{BB962C8B-B14F-4D97-AF65-F5344CB8AC3E}">
-        <p14:creationId xmlns:p14="http://schemas.microsoft.com/office/powerpoint/2010/main" val="4264977537"/>
-      </p:ext>
-    </p:extLst>
-  </p:cSld>
-  <p:clrMapOvr>
-    <a:masterClrMapping/>
-  </p:clrMapOvr>
-  <mc:AlternateContent xmlns:mc="http://schemas.openxmlformats.org/markup-compatibility/2006" xmlns:p14="http://schemas.microsoft.com/office/powerpoint/2010/main">
-    <mc:Choice Requires="p14">
-      <p:transition spd="med" p14:dur="700">
-        <p:fade/>
-      </p:transition>
-    </mc:Choice>
-    <mc:Fallback xmlns="">
-      <p:transition spd="med">
-        <p:fade/>
-      </p:transition>
-    </mc:Fallback>
-  </mc:AlternateContent>
-</p:sld>
-</file>
-
-<file path=ppt/slides/slide9.xml><?xml version="1.0" encoding="utf-8"?>
-<p:sld xmlns:a="http://schemas.openxmlformats.org/drawingml/2006/main" xmlns:r="http://schemas.openxmlformats.org/officeDocument/2006/relationships" xmlns:p="http://schemas.openxmlformats.org/presentationml/2006/main">
-  <p:cSld>
-    <p:spTree>
-      <p:nvGrpSpPr>
-        <p:cNvPr id="1" name=""/>
-        <p:cNvGrpSpPr/>
-        <p:nvPr/>
-      </p:nvGrpSpPr>
-      <p:grpSpPr>
-        <a:xfrm>
-          <a:off x="0" y="0"/>
-          <a:ext cx="0" cy="0"/>
-          <a:chOff x="0" y="0"/>
-          <a:chExt cx="0" cy="0"/>
-        </a:xfrm>
-      </p:grpSpPr>
-      <p:sp>
-        <p:nvSpPr>
-          <p:cNvPr id="7" name="Title 6"/>
-          <p:cNvSpPr>
-            <a:spLocks noGrp="1"/>
-          </p:cNvSpPr>
-          <p:nvPr>
-            <p:ph type="title"/>
-          </p:nvPr>
-        </p:nvSpPr>
-        <p:spPr/>
-        <p:txBody>
-          <a:bodyPr/>
-          <a:lstStyle/>
-          <a:p>
-            <a:r>
-              <a:rPr lang="en-US" dirty="0"/>
-              <a:t>Add a Slide Title - 2</a:t>
-            </a:r>
-          </a:p>
-        </p:txBody>
-      </p:sp>
-      <p:sp>
-        <p:nvSpPr>
-          <p:cNvPr id="8" name="Text Placeholder 7"/>
-          <p:cNvSpPr>
-            <a:spLocks noGrp="1"/>
-          </p:cNvSpPr>
-          <p:nvPr>
-            <p:ph type="body" idx="1"/>
-          </p:nvPr>
-        </p:nvSpPr>
-        <p:spPr/>
-        <p:txBody>
-          <a:bodyPr/>
-          <a:lstStyle/>
-          <a:p>
-            <a:endParaRPr lang="en-US" dirty="0"/>
-          </a:p>
-        </p:txBody>
-      </p:sp>
-      <p:sp>
-        <p:nvSpPr>
-          <p:cNvPr id="10" name="Content Placeholder 9"/>
-          <p:cNvSpPr>
-            <a:spLocks noGrp="1"/>
-          </p:cNvSpPr>
-          <p:nvPr>
-            <p:ph sz="half" idx="2"/>
-          </p:nvPr>
-        </p:nvSpPr>
-        <p:spPr/>
-        <p:txBody>
-          <a:bodyPr/>
-          <a:lstStyle/>
-          <a:p>
-            <a:endParaRPr lang="en-US" dirty="0"/>
-          </a:p>
-        </p:txBody>
-      </p:sp>
-      <p:sp>
-        <p:nvSpPr>
-          <p:cNvPr id="9" name="Text Placeholder 8"/>
-          <p:cNvSpPr>
-            <a:spLocks noGrp="1"/>
-          </p:cNvSpPr>
-          <p:nvPr>
-            <p:ph type="body" sz="quarter" idx="3"/>
-          </p:nvPr>
-        </p:nvSpPr>
-        <p:spPr/>
-        <p:txBody>
-          <a:bodyPr/>
-          <a:lstStyle/>
-          <a:p>
-            <a:endParaRPr lang="en-US" dirty="0"/>
-          </a:p>
-        </p:txBody>
-      </p:sp>
-      <p:sp>
-        <p:nvSpPr>
-          <p:cNvPr id="11" name="Content Placeholder 10"/>
-          <p:cNvSpPr>
-            <a:spLocks noGrp="1"/>
-          </p:cNvSpPr>
-          <p:nvPr>
-            <p:ph sz="quarter" idx="4"/>
-          </p:nvPr>
-        </p:nvSpPr>
-        <p:spPr/>
-        <p:txBody>
-          <a:bodyPr/>
-          <a:lstStyle/>
-          <a:p>
-            <a:endParaRPr lang="en-US" dirty="0"/>
-          </a:p>
-        </p:txBody>
-      </p:sp>
-    </p:spTree>
-    <p:extLst>
-      <p:ext uri="{BB962C8B-B14F-4D97-AF65-F5344CB8AC3E}">
-        <p14:creationId xmlns:p14="http://schemas.microsoft.com/office/powerpoint/2010/main" val="2672039197"/>
-      </p:ext>
-    </p:extLst>
-  </p:cSld>
-  <p:clrMapOvr>
-    <a:masterClrMapping/>
-  </p:clrMapOvr>
-  <mc:AlternateContent xmlns:mc="http://schemas.openxmlformats.org/markup-compatibility/2006" xmlns:p14="http://schemas.microsoft.com/office/powerpoint/2010/main">
-    <mc:Choice Requires="p14">
-      <p:transition spd="med" p14:dur="700">
-        <p:fade/>
-      </p:transition>
-    </mc:Choice>
-    <mc:Fallback xmlns="">
+    <mc:Fallback>
       <p:transition spd="med">
         <p:fade/>
       </p:transition>
@@ -10940,6 +6786,1046 @@
 </file>
 
 <file path=customXml/item1.xml><?xml version="1.0" encoding="utf-8"?>
+<ct:contentTypeSchema xmlns:ct="http://schemas.microsoft.com/office/2006/metadata/contentType" xmlns:ma="http://schemas.microsoft.com/office/2006/metadata/properties/metaAttributes" ct:_="" ma:_="" ma:contentTypeName="TemplateFile" ma:contentTypeID="0x0101006EDDDB5EE6D98C44930B742096920B300400F5B6D36B3EF94B4E9A635CDF2A18F5B8" ma:contentTypeVersion="72" ma:contentTypeDescription="Create a new document." ma:contentTypeScope="" ma:versionID="a23e56308344d904b51738559c3d67c9">
+  <xsd:schema xmlns:xsd="http://www.w3.org/2001/XMLSchema" xmlns:xs="http://www.w3.org/2001/XMLSchema" xmlns:p="http://schemas.microsoft.com/office/2006/metadata/properties" xmlns:ns2="4873beb7-5857-4685-be1f-d57550cc96cc" targetNamespace="http://schemas.microsoft.com/office/2006/metadata/properties" ma:root="true" ma:fieldsID="cd0908cc4600e77bf5da051303e00c8d" ns2:_="">
+    <xsd:import namespace="4873beb7-5857-4685-be1f-d57550cc96cc"/>
+    <xsd:element name="properties">
+      <xsd:complexType>
+        <xsd:sequence>
+          <xsd:element name="documentManagement">
+            <xsd:complexType>
+              <xsd:all>
+                <xsd:element ref="ns2:AcquiredFrom" minOccurs="0"/>
+                <xsd:element ref="ns2:UACurrentWords" minOccurs="0"/>
+                <xsd:element ref="ns2:TPApplication" minOccurs="0"/>
+                <xsd:element ref="ns2:ApprovalLog" minOccurs="0"/>
+                <xsd:element ref="ns2:ApprovalStatus" minOccurs="0"/>
+                <xsd:element ref="ns2:AssetStart" minOccurs="0"/>
+                <xsd:element ref="ns2:AssetExpire" minOccurs="0"/>
+                <xsd:element ref="ns2:AssetId" minOccurs="0"/>
+                <xsd:element ref="ns2:IsSearchable" minOccurs="0"/>
+                <xsd:element ref="ns2:AssetType" minOccurs="0"/>
+                <xsd:element ref="ns2:APAuthor" minOccurs="0"/>
+                <xsd:element ref="ns2:AverageRating" minOccurs="0"/>
+                <xsd:element ref="ns2:BlockPublish" minOccurs="0"/>
+                <xsd:element ref="ns2:BugNumber" minOccurs="0"/>
+                <xsd:element ref="ns2:CampaignTagsTaxHTField0" minOccurs="0"/>
+                <xsd:element ref="ns2:TPClientViewer" minOccurs="0"/>
+                <xsd:element ref="ns2:ClipArtFilename" minOccurs="0"/>
+                <xsd:element ref="ns2:TPCommandLine" minOccurs="0"/>
+                <xsd:element ref="ns2:TPComponent" minOccurs="0"/>
+                <xsd:element ref="ns2:ContentItem" minOccurs="0"/>
+                <xsd:element ref="ns2:CrawlForDependencies" minOccurs="0"/>
+                <xsd:element ref="ns2:CSXHash" minOccurs="0"/>
+                <xsd:element ref="ns2:CSXSubmissionMarket" minOccurs="0"/>
+                <xsd:element ref="ns2:CSXUpdate" minOccurs="0"/>
+                <xsd:element ref="ns2:IntlLangReviewDate" minOccurs="0"/>
+                <xsd:element ref="ns2:IsDeleted" minOccurs="0"/>
+                <xsd:element ref="ns2:APDescription" minOccurs="0"/>
+                <xsd:element ref="ns2:DirectSourceMarket" minOccurs="0"/>
+                <xsd:element ref="ns2:Downloads" minOccurs="0"/>
+                <xsd:element ref="ns2:DSATActionTaken" minOccurs="0"/>
+                <xsd:element ref="ns2:APEditor" minOccurs="0"/>
+                <xsd:element ref="ns2:EditorialStatus" minOccurs="0"/>
+                <xsd:element ref="ns2:EditorialTags" minOccurs="0"/>
+                <xsd:element ref="ns2:TPExecutable" minOccurs="0"/>
+                <xsd:element ref="ns2:FeatureTagsTaxHTField0" minOccurs="0"/>
+                <xsd:element ref="ns2:TPFriendlyName" minOccurs="0"/>
+                <xsd:element ref="ns2:FriendlyTitle" minOccurs="0"/>
+                <xsd:element ref="ns2:PrimaryImageGen" minOccurs="0"/>
+                <xsd:element ref="ns2:HandoffToMSDN" minOccurs="0"/>
+                <xsd:element ref="ns2:InProjectListLookup" minOccurs="0"/>
+                <xsd:element ref="ns2:TPInstallLocation" minOccurs="0"/>
+                <xsd:element ref="ns2:InternalTagsTaxHTField0" minOccurs="0"/>
+                <xsd:element ref="ns2:IntlLangReview" minOccurs="0"/>
+                <xsd:element ref="ns2:IntlLangReviewer" minOccurs="0"/>
+                <xsd:element ref="ns2:MarketSpecific" minOccurs="0"/>
+                <xsd:element ref="ns2:LastCompleteVersionLookup" minOccurs="0"/>
+                <xsd:element ref="ns2:LastHandOff" minOccurs="0"/>
+                <xsd:element ref="ns2:LastModifiedDateTime" minOccurs="0"/>
+                <xsd:element ref="ns2:LastPreviewErrorLookup" minOccurs="0"/>
+                <xsd:element ref="ns2:LastPreviewResultLookup" minOccurs="0"/>
+                <xsd:element ref="ns2:LastPreviewAttemptDateLookup" minOccurs="0"/>
+                <xsd:element ref="ns2:LastPreviewedByLookup" minOccurs="0"/>
+                <xsd:element ref="ns2:LastPreviewTimeLookup" minOccurs="0"/>
+                <xsd:element ref="ns2:LastPreviewVersionLookup" minOccurs="0"/>
+                <xsd:element ref="ns2:LastPublishErrorLookup" minOccurs="0"/>
+                <xsd:element ref="ns2:LastPublishResultLookup" minOccurs="0"/>
+                <xsd:element ref="ns2:LastPublishAttemptDateLookup" minOccurs="0"/>
+                <xsd:element ref="ns2:LastPublishedByLookup" minOccurs="0"/>
+                <xsd:element ref="ns2:LastPublishTimeLookup" minOccurs="0"/>
+                <xsd:element ref="ns2:LastPublishVersionLookup" minOccurs="0"/>
+                <xsd:element ref="ns2:TPLaunchHelpLinkType" minOccurs="0"/>
+                <xsd:element ref="ns2:LegacyData" minOccurs="0"/>
+                <xsd:element ref="ns2:TPLaunchHelpLink" minOccurs="0"/>
+                <xsd:element ref="ns2:LocComments" minOccurs="0"/>
+                <xsd:element ref="ns2:LocLastLocAttemptVersionLookup" minOccurs="0"/>
+                <xsd:element ref="ns2:LocLastLocAttemptVersionTypeLookup" minOccurs="0"/>
+                <xsd:element ref="ns2:LocManualTestRequired" minOccurs="0"/>
+                <xsd:element ref="ns2:LocMarketGroupTiers2" minOccurs="0"/>
+                <xsd:element ref="ns2:LocNewPublishedVersionLookup" minOccurs="0"/>
+                <xsd:element ref="ns2:LocOverallHandbackStatusLookup" minOccurs="0"/>
+                <xsd:element ref="ns2:LocOverallLocStatusLookup" minOccurs="0"/>
+                <xsd:element ref="ns2:LocOverallPreviewStatusLookup" minOccurs="0"/>
+                <xsd:element ref="ns2:LocOverallPublishStatusLookup" minOccurs="0"/>
+                <xsd:element ref="ns2:IntlLocPriority" minOccurs="0"/>
+                <xsd:element ref="ns2:LocProcessedForHandoffsLookup" minOccurs="0"/>
+                <xsd:element ref="ns2:LocProcessedForMarketsLookup" minOccurs="0"/>
+                <xsd:element ref="ns2:LocPublishedDependentAssetsLookup" minOccurs="0"/>
+                <xsd:element ref="ns2:LocPublishedLinkedAssetsLookup" minOccurs="0"/>
+                <xsd:element ref="ns2:LocRecommendedHandoff" minOccurs="0"/>
+                <xsd:element ref="ns2:LocalizationTagsTaxHTField0" minOccurs="0"/>
+                <xsd:element ref="ns2:MachineTranslated" minOccurs="0"/>
+                <xsd:element ref="ns2:Manager" minOccurs="0"/>
+                <xsd:element ref="ns2:Markets" minOccurs="0"/>
+                <xsd:element ref="ns2:Milestone" minOccurs="0"/>
+                <xsd:element ref="ns2:TPNamespace" minOccurs="0"/>
+                <xsd:element ref="ns2:NumericId" minOccurs="0"/>
+                <xsd:element ref="ns2:NumOfRatingsLookup" minOccurs="0"/>
+                <xsd:element ref="ns2:OOCacheId" minOccurs="0"/>
+                <xsd:element ref="ns2:OpenTemplate" minOccurs="0"/>
+                <xsd:element ref="ns2:OriginAsset" minOccurs="0"/>
+                <xsd:element ref="ns2:OriginalRelease" minOccurs="0"/>
+                <xsd:element ref="ns2:OriginalSourceMarket" minOccurs="0"/>
+                <xsd:element ref="ns2:OutputCachingOn" minOccurs="0"/>
+                <xsd:element ref="ns2:ParentAssetId" minOccurs="0"/>
+                <xsd:element ref="ns2:PlannedPubDate" minOccurs="0"/>
+                <xsd:element ref="ns2:PolicheckWords" minOccurs="0"/>
+                <xsd:element ref="ns2:BusinessGroup" minOccurs="0"/>
+                <xsd:element ref="ns2:UAProjectedTotalWords" minOccurs="0"/>
+                <xsd:element ref="ns2:Provider" minOccurs="0"/>
+                <xsd:element ref="ns2:Providers" minOccurs="0"/>
+                <xsd:element ref="ns2:PublishStatusLookup" minOccurs="0"/>
+                <xsd:element ref="ns2:PublishTargets" minOccurs="0"/>
+                <xsd:element ref="ns2:RecommendationsModifier" minOccurs="0"/>
+                <xsd:element ref="ns2:ArtSampleDocs" minOccurs="0"/>
+                <xsd:element ref="ns2:ScenarioTagsTaxHTField0" minOccurs="0"/>
+                <xsd:element ref="ns2:ShowIn" minOccurs="0"/>
+                <xsd:element ref="ns2:SourceTitle" minOccurs="0"/>
+                <xsd:element ref="ns2:CSXSubmissionDate" minOccurs="0"/>
+                <xsd:element ref="ns2:SubmitterId" minOccurs="0"/>
+                <xsd:element ref="ns2:TaxCatchAll" minOccurs="0"/>
+                <xsd:element ref="ns2:TaxCatchAllLabel" minOccurs="0"/>
+                <xsd:element ref="ns2:TemplateStatus" minOccurs="0"/>
+                <xsd:element ref="ns2:TemplateTemplateType" minOccurs="0"/>
+                <xsd:element ref="ns2:ThumbnailAssetId" minOccurs="0"/>
+                <xsd:element ref="ns2:TimesCloned" minOccurs="0"/>
+                <xsd:element ref="ns2:TrustLevel" minOccurs="0"/>
+                <xsd:element ref="ns2:UALocComments" minOccurs="0"/>
+                <xsd:element ref="ns2:UALocRecommendation" minOccurs="0"/>
+                <xsd:element ref="ns2:UANotes" minOccurs="0"/>
+                <xsd:element ref="ns2:TPAppVersion" minOccurs="0"/>
+                <xsd:element ref="ns2:VoteCount" minOccurs="0"/>
+              </xsd:all>
+            </xsd:complexType>
+          </xsd:element>
+        </xsd:sequence>
+      </xsd:complexType>
+    </xsd:element>
+  </xsd:schema>
+  <xsd:schema xmlns:xsd="http://www.w3.org/2001/XMLSchema" xmlns:xs="http://www.w3.org/2001/XMLSchema" xmlns:dms="http://schemas.microsoft.com/office/2006/documentManagement/types" xmlns:pc="http://schemas.microsoft.com/office/infopath/2007/PartnerControls" targetNamespace="4873beb7-5857-4685-be1f-d57550cc96cc" elementFormDefault="qualified">
+    <xsd:import namespace="http://schemas.microsoft.com/office/2006/documentManagement/types"/>
+    <xsd:import namespace="http://schemas.microsoft.com/office/infopath/2007/PartnerControls"/>
+    <xsd:element name="AcquiredFrom" ma:index="1" nillable="true" ma:displayName="Acquired From" ma:default="Internal MS" ma:internalName="AcquiredFrom" ma:readOnly="false">
+      <xsd:simpleType>
+        <xsd:restriction base="dms:Choice">
+          <xsd:enumeration value="Internal MS"/>
+          <xsd:enumeration value="Community"/>
+          <xsd:enumeration value="MVP"/>
+          <xsd:enumeration value="Publisher"/>
+          <xsd:enumeration value="Partner"/>
+          <xsd:enumeration value="None"/>
+        </xsd:restriction>
+      </xsd:simpleType>
+    </xsd:element>
+    <xsd:element name="UACurrentWords" ma:index="2" nillable="true" ma:displayName="Actual Word Count" ma:default="" ma:internalName="UACurrentWords" ma:readOnly="false">
+      <xsd:simpleType>
+        <xsd:restriction base="dms:Unknown"/>
+      </xsd:simpleType>
+    </xsd:element>
+    <xsd:element name="TPApplication" ma:index="3" nillable="true" ma:displayName="Application to Open Template With" ma:default="" ma:internalName="TPApplication">
+      <xsd:simpleType>
+        <xsd:restriction base="dms:Text"/>
+      </xsd:simpleType>
+    </xsd:element>
+    <xsd:element name="ApprovalLog" ma:index="4" nillable="true" ma:displayName="Approval Log" ma:default="" ma:hidden="true" ma:internalName="ApprovalLog" ma:readOnly="false">
+      <xsd:simpleType>
+        <xsd:restriction base="dms:Note"/>
+      </xsd:simpleType>
+    </xsd:element>
+    <xsd:element name="ApprovalStatus" ma:index="5" nillable="true" ma:displayName="Approval Status" ma:default="InProgress" ma:internalName="ApprovalStatus" ma:readOnly="false">
+      <xsd:simpleType>
+        <xsd:restriction base="dms:Choice">
+          <xsd:enumeration value="InProgress"/>
+          <xsd:enumeration value="Rejected"/>
+          <xsd:enumeration value="Questionable"/>
+          <xsd:enumeration value="ApprovedAutomatic"/>
+          <xsd:enumeration value="ApprovedManual"/>
+          <xsd:enumeration value="On Hold"/>
+          <xsd:enumeration value="Needs Review"/>
+          <xsd:enumeration value="A Violation"/>
+          <xsd:enumeration value="Unpublished Violation"/>
+        </xsd:restriction>
+      </xsd:simpleType>
+    </xsd:element>
+    <xsd:element name="AssetStart" ma:index="6" nillable="true" ma:displayName="Asset Begin Date" ma:default="[Today]" ma:internalName="AssetStart" ma:readOnly="false">
+      <xsd:simpleType>
+        <xsd:restriction base="dms:DateTime"/>
+      </xsd:simpleType>
+    </xsd:element>
+    <xsd:element name="AssetExpire" ma:index="7" nillable="true" ma:displayName="Asset End Date" ma:default="2029-01-01T08:00:00Z" ma:format="DateTime" ma:internalName="AssetExpire" ma:readOnly="false">
+      <xsd:simpleType>
+        <xsd:restriction base="dms:DateTime"/>
+      </xsd:simpleType>
+    </xsd:element>
+    <xsd:element name="AssetId" ma:index="8" nillable="true" ma:displayName="Asset ID" ma:default="" ma:indexed="true" ma:internalName="AssetId" ma:readOnly="false">
+      <xsd:simpleType>
+        <xsd:restriction base="dms:Text">
+          <xsd:maxLength value="255"/>
+        </xsd:restriction>
+      </xsd:simpleType>
+    </xsd:element>
+    <xsd:element name="IsSearchable" ma:index="9" nillable="true" ma:displayName="Asset Searchable?" ma:default="true" ma:internalName="IsSearchable" ma:readOnly="false">
+      <xsd:simpleType>
+        <xsd:restriction base="dms:Boolean"/>
+      </xsd:simpleType>
+    </xsd:element>
+    <xsd:element name="AssetType" ma:index="10" nillable="true" ma:displayName="Asset Type" ma:default="" ma:internalName="AssetType" ma:readOnly="false">
+      <xsd:simpleType>
+        <xsd:restriction base="dms:Unknown"/>
+      </xsd:simpleType>
+    </xsd:element>
+    <xsd:element name="APAuthor" ma:index="11" nillable="true" ma:displayName="Author" ma:default="" ma:list="UserInfo" ma:internalName="APAuthor" ma:readOnly="false">
+      <xsd:complexType>
+        <xsd:complexContent>
+          <xsd:extension base="dms:User">
+            <xsd:sequence>
+              <xsd:element name="UserInfo" minOccurs="0" maxOccurs="unbounded">
+                <xsd:complexType>
+                  <xsd:sequence>
+                    <xsd:element name="DisplayName" type="xsd:string" minOccurs="0"/>
+                    <xsd:element name="AccountId" type="dms:UserId" minOccurs="0" nillable="true"/>
+                    <xsd:element name="AccountType" type="xsd:string" minOccurs="0"/>
+                  </xsd:sequence>
+                </xsd:complexType>
+              </xsd:element>
+            </xsd:sequence>
+          </xsd:extension>
+        </xsd:complexContent>
+      </xsd:complexType>
+    </xsd:element>
+    <xsd:element name="AverageRating" ma:index="12" nillable="true" ma:displayName="Average Rating" ma:internalName="AverageRating" ma:readOnly="false">
+      <xsd:simpleType>
+        <xsd:restriction base="dms:Text"/>
+      </xsd:simpleType>
+    </xsd:element>
+    <xsd:element name="BlockPublish" ma:index="13" nillable="true" ma:displayName="Block from Publishing?" ma:default="" ma:internalName="BlockPublish" ma:readOnly="false">
+      <xsd:simpleType>
+        <xsd:restriction base="dms:Boolean"/>
+      </xsd:simpleType>
+    </xsd:element>
+    <xsd:element name="BugNumber" ma:index="14" nillable="true" ma:displayName="Bug Number" ma:default="" ma:internalName="BugNumber" ma:readOnly="false">
+      <xsd:simpleType>
+        <xsd:restriction base="dms:Text"/>
+      </xsd:simpleType>
+    </xsd:element>
+    <xsd:element name="CampaignTagsTaxHTField0" ma:index="16" nillable="true" ma:taxonomy="true" ma:internalName="CampaignTagsTaxHTField0" ma:taxonomyFieldName="CampaignTags" ma:displayName="Campaigns" ma:readOnly="false" ma:default="" ma:fieldId="{1df42cc3-2301-4f11-a52a-6ead923c29ed}" ma:taxonomyMulti="true" ma:sspId="8f79753a-75d3-41f5-8ca3-40b843941b4f" ma:termSetId="ca0e50d4-faa1-44ce-961e-bb1441c60e66" ma:anchorId="00000000-0000-0000-0000-000000000000" ma:open="false" ma:isKeyword="false">
+      <xsd:complexType>
+        <xsd:sequence>
+          <xsd:element ref="pc:Terms" minOccurs="0" maxOccurs="1"/>
+        </xsd:sequence>
+      </xsd:complexType>
+    </xsd:element>
+    <xsd:element name="TPClientViewer" ma:index="17" nillable="true" ma:displayName="Client Viewer" ma:default="" ma:internalName="TPClientViewer">
+      <xsd:simpleType>
+        <xsd:restriction base="dms:Text"/>
+      </xsd:simpleType>
+    </xsd:element>
+    <xsd:element name="ClipArtFilename" ma:index="18" nillable="true" ma:displayName="Clip Art Name" ma:default="" ma:internalName="ClipArtFilename" ma:readOnly="false">
+      <xsd:simpleType>
+        <xsd:restriction base="dms:Text"/>
+      </xsd:simpleType>
+    </xsd:element>
+    <xsd:element name="TPCommandLine" ma:index="19" nillable="true" ma:displayName="Command Line" ma:default="" ma:internalName="TPCommandLine">
+      <xsd:simpleType>
+        <xsd:restriction base="dms:Text"/>
+      </xsd:simpleType>
+    </xsd:element>
+    <xsd:element name="TPComponent" ma:index="20" nillable="true" ma:displayName="Component" ma:default="" ma:internalName="TPComponent">
+      <xsd:simpleType>
+        <xsd:restriction base="dms:Text"/>
+      </xsd:simpleType>
+    </xsd:element>
+    <xsd:element name="ContentItem" ma:index="21" nillable="true" ma:displayName="Content Item" ma:default="" ma:hidden="true" ma:internalName="ContentItem" ma:readOnly="false">
+      <xsd:simpleType>
+        <xsd:restriction base="dms:Unknown"/>
+      </xsd:simpleType>
+    </xsd:element>
+    <xsd:element name="CrawlForDependencies" ma:index="23" nillable="true" ma:displayName="Crawl for Dependencies?" ma:default="true" ma:internalName="CrawlForDependencies" ma:readOnly="false">
+      <xsd:simpleType>
+        <xsd:restriction base="dms:Boolean"/>
+      </xsd:simpleType>
+    </xsd:element>
+    <xsd:element name="CSXHash" ma:index="26" nillable="true" ma:displayName="CSX Hash" ma:default="" ma:indexed="true" ma:internalName="CSXHash" ma:readOnly="false">
+      <xsd:simpleType>
+        <xsd:restriction base="dms:Text"/>
+      </xsd:simpleType>
+    </xsd:element>
+    <xsd:element name="CSXSubmissionMarket" ma:index="27" nillable="true" ma:displayName="CSX Submission Market" ma:default="" ma:list="{2FBD1B11-2ACE-4FDC-B5A3-635D4ADF6F1B}" ma:internalName="CSXSubmissionMarket" ma:readOnly="false" ma:showField="MarketName" ma:web="4873beb7-5857-4685-be1f-d57550cc96cc">
+      <xsd:simpleType>
+        <xsd:restriction base="dms:Lookup"/>
+      </xsd:simpleType>
+    </xsd:element>
+    <xsd:element name="CSXUpdate" ma:index="28" nillable="true" ma:displayName="CSX Updated?" ma:default="false" ma:internalName="CSXUpdate" ma:readOnly="false">
+      <xsd:simpleType>
+        <xsd:restriction base="dms:Boolean"/>
+      </xsd:simpleType>
+    </xsd:element>
+    <xsd:element name="IntlLangReviewDate" ma:index="29" nillable="true" ma:displayName="Date to Complete Intl QA" ma:default="" ma:internalName="IntlLangReviewDate" ma:readOnly="false">
+      <xsd:simpleType>
+        <xsd:restriction base="dms:DateTime"/>
+      </xsd:simpleType>
+    </xsd:element>
+    <xsd:element name="IsDeleted" ma:index="30" nillable="true" ma:displayName="Deleted?" ma:default="" ma:internalName="IsDeleted" ma:readOnly="false">
+      <xsd:simpleType>
+        <xsd:restriction base="dms:Boolean"/>
+      </xsd:simpleType>
+    </xsd:element>
+    <xsd:element name="APDescription" ma:index="31" nillable="true" ma:displayName="Description" ma:default="" ma:internalName="APDescription" ma:readOnly="false">
+      <xsd:simpleType>
+        <xsd:restriction base="dms:Note"/>
+      </xsd:simpleType>
+    </xsd:element>
+    <xsd:element name="DirectSourceMarket" ma:index="32" nillable="true" ma:displayName="Direct Source Market Group" ma:default="" ma:internalName="DirectSourceMarket" ma:readOnly="false">
+      <xsd:simpleType>
+        <xsd:restriction base="dms:Text"/>
+      </xsd:simpleType>
+    </xsd:element>
+    <xsd:element name="Downloads" ma:index="33" nillable="true" ma:displayName="Downloads" ma:default="0" ma:hidden="true" ma:internalName="Downloads" ma:readOnly="false">
+      <xsd:simpleType>
+        <xsd:restriction base="dms:Unknown"/>
+      </xsd:simpleType>
+    </xsd:element>
+    <xsd:element name="DSATActionTaken" ma:index="34" nillable="true" ma:displayName="DSAT Action Taken" ma:default="" ma:internalName="DSATActionTaken" ma:readOnly="false">
+      <xsd:simpleType>
+        <xsd:restriction base="dms:Choice">
+          <xsd:enumeration value="Best Bets"/>
+          <xsd:enumeration value="Expire"/>
+          <xsd:enumeration value="Hide"/>
+          <xsd:enumeration value="None"/>
+        </xsd:restriction>
+      </xsd:simpleType>
+    </xsd:element>
+    <xsd:element name="APEditor" ma:index="35" nillable="true" ma:displayName="Editor" ma:default="" ma:list="UserInfo" ma:internalName="APEditor" ma:readOnly="false">
+      <xsd:complexType>
+        <xsd:complexContent>
+          <xsd:extension base="dms:User">
+            <xsd:sequence>
+              <xsd:element name="UserInfo" minOccurs="0" maxOccurs="unbounded">
+                <xsd:complexType>
+                  <xsd:sequence>
+                    <xsd:element name="DisplayName" type="xsd:string" minOccurs="0"/>
+                    <xsd:element name="AccountId" type="dms:UserId" minOccurs="0" nillable="true"/>
+                    <xsd:element name="AccountType" type="xsd:string" minOccurs="0"/>
+                  </xsd:sequence>
+                </xsd:complexType>
+              </xsd:element>
+            </xsd:sequence>
+          </xsd:extension>
+        </xsd:complexContent>
+      </xsd:complexType>
+    </xsd:element>
+    <xsd:element name="EditorialStatus" ma:index="36" nillable="true" ma:displayName="Editorial Status" ma:default="" ma:internalName="EditorialStatus" ma:readOnly="false">
+      <xsd:simpleType>
+        <xsd:restriction base="dms:Unknown"/>
+      </xsd:simpleType>
+    </xsd:element>
+    <xsd:element name="EditorialTags" ma:index="37" nillable="true" ma:displayName="Editorial Tags" ma:default="" ma:internalName="EditorialTags">
+      <xsd:simpleType>
+        <xsd:restriction base="dms:Unknown"/>
+      </xsd:simpleType>
+    </xsd:element>
+    <xsd:element name="TPExecutable" ma:index="38" nillable="true" ma:displayName="Executable" ma:default="" ma:internalName="TPExecutable">
+      <xsd:simpleType>
+        <xsd:restriction base="dms:Text"/>
+      </xsd:simpleType>
+    </xsd:element>
+    <xsd:element name="FeatureTagsTaxHTField0" ma:index="40" nillable="true" ma:taxonomy="true" ma:internalName="FeatureTagsTaxHTField0" ma:taxonomyFieldName="FeatureTags" ma:displayName="Features" ma:readOnly="false" ma:default="" ma:fieldId="{7fc0d542-15c6-4882-a8e3-13bca44403fb}" ma:taxonomyMulti="true" ma:sspId="8f79753a-75d3-41f5-8ca3-40b843941b4f" ma:termSetId="f1ab6845-967d-4854-a0ba-4ec07f0f8113" ma:anchorId="00000000-0000-0000-0000-000000000000" ma:open="false" ma:isKeyword="false">
+      <xsd:complexType>
+        <xsd:sequence>
+          <xsd:element ref="pc:Terms" minOccurs="0" maxOccurs="1"/>
+        </xsd:sequence>
+      </xsd:complexType>
+    </xsd:element>
+    <xsd:element name="TPFriendlyName" ma:index="41" nillable="true" ma:displayName="Friendly Name" ma:default="" ma:internalName="TPFriendlyName">
+      <xsd:simpleType>
+        <xsd:restriction base="dms:Text"/>
+      </xsd:simpleType>
+    </xsd:element>
+    <xsd:element name="FriendlyTitle" ma:index="42" nillable="true" ma:displayName="Friendly Title" ma:default="" ma:description="Shorter title to be used when displaying search results" ma:internalName="FriendlyTitle" ma:readOnly="false">
+      <xsd:simpleType>
+        <xsd:restriction base="dms:Text"/>
+      </xsd:simpleType>
+    </xsd:element>
+    <xsd:element name="PrimaryImageGen" ma:index="43" nillable="true" ma:displayName="Generate Images?" ma:default="true" ma:internalName="PrimaryImageGen">
+      <xsd:simpleType>
+        <xsd:restriction base="dms:Boolean"/>
+      </xsd:simpleType>
+    </xsd:element>
+    <xsd:element name="HandoffToMSDN" ma:index="44" nillable="true" ma:displayName="Handoff To MSDN Date" ma:default="" ma:internalName="HandoffToMSDN" ma:readOnly="false">
+      <xsd:simpleType>
+        <xsd:restriction base="dms:DateTime"/>
+      </xsd:simpleType>
+    </xsd:element>
+    <xsd:element name="InProjectListLookup" ma:index="45" nillable="true" ma:displayName="InProjectListLookup" ma:list="{9E343742-310B-4684-A24C-1D137CB4B230}" ma:internalName="InProjectListLookup" ma:readOnly="true" ma:showField="InProjectList" ma:web="4873beb7-5857-4685-be1f-d57550cc96cc">
+      <xsd:complexType>
+        <xsd:complexContent>
+          <xsd:extension base="dms:MultiChoiceLookup">
+            <xsd:sequence>
+              <xsd:element name="Value" type="dms:Lookup" maxOccurs="unbounded" minOccurs="0" nillable="true"/>
+            </xsd:sequence>
+          </xsd:extension>
+        </xsd:complexContent>
+      </xsd:complexType>
+    </xsd:element>
+    <xsd:element name="TPInstallLocation" ma:index="46" nillable="true" ma:displayName="Install Location" ma:default="" ma:internalName="TPInstallLocation">
+      <xsd:simpleType>
+        <xsd:restriction base="dms:Text"/>
+      </xsd:simpleType>
+    </xsd:element>
+    <xsd:element name="InternalTagsTaxHTField0" ma:index="48" nillable="true" ma:taxonomy="true" ma:internalName="InternalTagsTaxHTField0" ma:taxonomyFieldName="InternalTags" ma:displayName="Internal Tags" ma:readOnly="false" ma:default="" ma:fieldId="{1490b8a4-2706-41ec-b5e3-73176dccf34e}" ma:taxonomyMulti="true" ma:sspId="8f79753a-75d3-41f5-8ca3-40b843941b4f" ma:termSetId="82b6639e-f7fc-4c18-ad2d-003a6e707765" ma:anchorId="00000000-0000-0000-0000-000000000000" ma:open="false" ma:isKeyword="false">
+      <xsd:complexType>
+        <xsd:sequence>
+          <xsd:element ref="pc:Terms" minOccurs="0" maxOccurs="1"/>
+        </xsd:sequence>
+      </xsd:complexType>
+    </xsd:element>
+    <xsd:element name="IntlLangReview" ma:index="49" nillable="true" ma:displayName="Intl Lang QA Review Required?" ma:default="" ma:internalName="IntlLangReview" ma:readOnly="false">
+      <xsd:simpleType>
+        <xsd:restriction base="dms:Boolean"/>
+      </xsd:simpleType>
+    </xsd:element>
+    <xsd:element name="IntlLangReviewer" ma:index="50" nillable="true" ma:displayName="Intl Lang QA Reviewer" ma:default="" ma:internalName="IntlLangReviewer" ma:readOnly="false">
+      <xsd:simpleType>
+        <xsd:restriction base="dms:Text"/>
+      </xsd:simpleType>
+    </xsd:element>
+    <xsd:element name="MarketSpecific" ma:index="51" nillable="true" ma:displayName="Is Market Specific?" ma:default="" ma:internalName="MarketSpecific" ma:readOnly="false">
+      <xsd:simpleType>
+        <xsd:restriction base="dms:Boolean"/>
+      </xsd:simpleType>
+    </xsd:element>
+    <xsd:element name="LastCompleteVersionLookup" ma:index="52" nillable="true" ma:displayName="Last Complete Version Lookup" ma:default="" ma:list="{9E343742-310B-4684-A24C-1D137CB4B230}" ma:internalName="LastCompleteVersionLookup" ma:readOnly="true" ma:showField="LastCompleteVersion" ma:web="4873beb7-5857-4685-be1f-d57550cc96cc">
+      <xsd:complexType>
+        <xsd:complexContent>
+          <xsd:extension base="dms:MultiChoiceLookup">
+            <xsd:sequence>
+              <xsd:element name="Value" type="dms:Lookup" maxOccurs="unbounded" minOccurs="0" nillable="true"/>
+            </xsd:sequence>
+          </xsd:extension>
+        </xsd:complexContent>
+      </xsd:complexType>
+    </xsd:element>
+    <xsd:element name="LastHandOff" ma:index="53" nillable="true" ma:displayName="Last Hand-off" ma:default="" ma:internalName="LastHandOff" ma:readOnly="false">
+      <xsd:simpleType>
+        <xsd:restriction base="dms:DateTime"/>
+      </xsd:simpleType>
+    </xsd:element>
+    <xsd:element name="LastModifiedDateTime" ma:index="54" nillable="true" ma:displayName="Last Modified Date" ma:default="" ma:internalName="LastModifiedDateTime" ma:readOnly="false">
+      <xsd:simpleType>
+        <xsd:restriction base="dms:DateTime"/>
+      </xsd:simpleType>
+    </xsd:element>
+    <xsd:element name="LastPreviewErrorLookup" ma:index="55" nillable="true" ma:displayName="Last Preview Attempt Error" ma:default="" ma:list="{9E343742-310B-4684-A24C-1D137CB4B230}" ma:internalName="LastPreviewErrorLookup" ma:readOnly="true" ma:showField="LastPreviewError" ma:web="4873beb7-5857-4685-be1f-d57550cc96cc">
+      <xsd:complexType>
+        <xsd:complexContent>
+          <xsd:extension base="dms:MultiChoiceLookup">
+            <xsd:sequence>
+              <xsd:element name="Value" type="dms:Lookup" maxOccurs="unbounded" minOccurs="0" nillable="true"/>
+            </xsd:sequence>
+          </xsd:extension>
+        </xsd:complexContent>
+      </xsd:complexType>
+    </xsd:element>
+    <xsd:element name="LastPreviewResultLookup" ma:index="56" nillable="true" ma:displayName="Last Preview Attempt Result" ma:default="" ma:list="{9E343742-310B-4684-A24C-1D137CB4B230}" ma:internalName="LastPreviewResultLookup" ma:readOnly="true" ma:showField="LastPreviewResult" ma:web="4873beb7-5857-4685-be1f-d57550cc96cc">
+      <xsd:complexType>
+        <xsd:complexContent>
+          <xsd:extension base="dms:MultiChoiceLookup">
+            <xsd:sequence>
+              <xsd:element name="Value" type="dms:Lookup" maxOccurs="unbounded" minOccurs="0" nillable="true"/>
+            </xsd:sequence>
+          </xsd:extension>
+        </xsd:complexContent>
+      </xsd:complexType>
+    </xsd:element>
+    <xsd:element name="LastPreviewAttemptDateLookup" ma:index="57" nillable="true" ma:displayName="Last Preview Attempted On" ma:default="" ma:list="{9E343742-310B-4684-A24C-1D137CB4B230}" ma:internalName="LastPreviewAttemptDateLookup" ma:readOnly="true" ma:showField="LastPreviewAttemptDate" ma:web="4873beb7-5857-4685-be1f-d57550cc96cc">
+      <xsd:complexType>
+        <xsd:complexContent>
+          <xsd:extension base="dms:MultiChoiceLookup">
+            <xsd:sequence>
+              <xsd:element name="Value" type="dms:Lookup" maxOccurs="unbounded" minOccurs="0" nillable="true"/>
+            </xsd:sequence>
+          </xsd:extension>
+        </xsd:complexContent>
+      </xsd:complexType>
+    </xsd:element>
+    <xsd:element name="LastPreviewedByLookup" ma:index="58" nillable="true" ma:displayName="Last Previewed By" ma:default="" ma:list="{9E343742-310B-4684-A24C-1D137CB4B230}" ma:internalName="LastPreviewedByLookup" ma:readOnly="true" ma:showField="LastPreviewedBy" ma:web="4873beb7-5857-4685-be1f-d57550cc96cc">
+      <xsd:complexType>
+        <xsd:complexContent>
+          <xsd:extension base="dms:MultiChoiceLookup">
+            <xsd:sequence>
+              <xsd:element name="Value" type="dms:Lookup" maxOccurs="unbounded" minOccurs="0" nillable="true"/>
+            </xsd:sequence>
+          </xsd:extension>
+        </xsd:complexContent>
+      </xsd:complexType>
+    </xsd:element>
+    <xsd:element name="LastPreviewTimeLookup" ma:index="59" nillable="true" ma:displayName="Last Previewed Date" ma:default="" ma:list="{9E343742-310B-4684-A24C-1D137CB4B230}" ma:internalName="LastPreviewTimeLookup" ma:readOnly="true" ma:showField="LastPreviewTime" ma:web="4873beb7-5857-4685-be1f-d57550cc96cc">
+      <xsd:complexType>
+        <xsd:complexContent>
+          <xsd:extension base="dms:MultiChoiceLookup">
+            <xsd:sequence>
+              <xsd:element name="Value" type="dms:Lookup" maxOccurs="unbounded" minOccurs="0" nillable="true"/>
+            </xsd:sequence>
+          </xsd:extension>
+        </xsd:complexContent>
+      </xsd:complexType>
+    </xsd:element>
+    <xsd:element name="LastPreviewVersionLookup" ma:index="60" nillable="true" ma:displayName="Last Previewed Version" ma:default="" ma:list="{9E343742-310B-4684-A24C-1D137CB4B230}" ma:internalName="LastPreviewVersionLookup" ma:readOnly="true" ma:showField="LastPreviewVersion" ma:web="4873beb7-5857-4685-be1f-d57550cc96cc">
+      <xsd:complexType>
+        <xsd:complexContent>
+          <xsd:extension base="dms:MultiChoiceLookup">
+            <xsd:sequence>
+              <xsd:element name="Value" type="dms:Lookup" maxOccurs="unbounded" minOccurs="0" nillable="true"/>
+            </xsd:sequence>
+          </xsd:extension>
+        </xsd:complexContent>
+      </xsd:complexType>
+    </xsd:element>
+    <xsd:element name="LastPublishErrorLookup" ma:index="61" nillable="true" ma:displayName="Last Publish Attempt Error" ma:default="" ma:list="{9E343742-310B-4684-A24C-1D137CB4B230}" ma:internalName="LastPublishErrorLookup" ma:readOnly="true" ma:showField="LastPublishError" ma:web="4873beb7-5857-4685-be1f-d57550cc96cc">
+      <xsd:complexType>
+        <xsd:complexContent>
+          <xsd:extension base="dms:MultiChoiceLookup">
+            <xsd:sequence>
+              <xsd:element name="Value" type="dms:Lookup" maxOccurs="unbounded" minOccurs="0" nillable="true"/>
+            </xsd:sequence>
+          </xsd:extension>
+        </xsd:complexContent>
+      </xsd:complexType>
+    </xsd:element>
+    <xsd:element name="LastPublishResultLookup" ma:index="62" nillable="true" ma:displayName="Last Publish Attempt Result" ma:default="" ma:list="{9E343742-310B-4684-A24C-1D137CB4B230}" ma:internalName="LastPublishResultLookup" ma:readOnly="true" ma:showField="LastPublishResult" ma:web="4873beb7-5857-4685-be1f-d57550cc96cc">
+      <xsd:complexType>
+        <xsd:complexContent>
+          <xsd:extension base="dms:MultiChoiceLookup">
+            <xsd:sequence>
+              <xsd:element name="Value" type="dms:Lookup" maxOccurs="unbounded" minOccurs="0" nillable="true"/>
+            </xsd:sequence>
+          </xsd:extension>
+        </xsd:complexContent>
+      </xsd:complexType>
+    </xsd:element>
+    <xsd:element name="LastPublishAttemptDateLookup" ma:index="63" nillable="true" ma:displayName="Last Publish Attempted On" ma:default="" ma:list="{9E343742-310B-4684-A24C-1D137CB4B230}" ma:internalName="LastPublishAttemptDateLookup" ma:readOnly="true" ma:showField="LastPublishAttemptDate" ma:web="4873beb7-5857-4685-be1f-d57550cc96cc">
+      <xsd:complexType>
+        <xsd:complexContent>
+          <xsd:extension base="dms:MultiChoiceLookup">
+            <xsd:sequence>
+              <xsd:element name="Value" type="dms:Lookup" maxOccurs="unbounded" minOccurs="0" nillable="true"/>
+            </xsd:sequence>
+          </xsd:extension>
+        </xsd:complexContent>
+      </xsd:complexType>
+    </xsd:element>
+    <xsd:element name="LastPublishedByLookup" ma:index="64" nillable="true" ma:displayName="Last Published By" ma:default="" ma:list="{9E343742-310B-4684-A24C-1D137CB4B230}" ma:internalName="LastPublishedByLookup" ma:readOnly="true" ma:showField="LastPublishedBy" ma:web="4873beb7-5857-4685-be1f-d57550cc96cc">
+      <xsd:complexType>
+        <xsd:complexContent>
+          <xsd:extension base="dms:MultiChoiceLookup">
+            <xsd:sequence>
+              <xsd:element name="Value" type="dms:Lookup" maxOccurs="unbounded" minOccurs="0" nillable="true"/>
+            </xsd:sequence>
+          </xsd:extension>
+        </xsd:complexContent>
+      </xsd:complexType>
+    </xsd:element>
+    <xsd:element name="LastPublishTimeLookup" ma:index="65" nillable="true" ma:displayName="Last Published Date" ma:default="" ma:list="{9E343742-310B-4684-A24C-1D137CB4B230}" ma:internalName="LastPublishTimeLookup" ma:readOnly="true" ma:showField="LastPublishTime" ma:web="4873beb7-5857-4685-be1f-d57550cc96cc">
+      <xsd:complexType>
+        <xsd:complexContent>
+          <xsd:extension base="dms:MultiChoiceLookup">
+            <xsd:sequence>
+              <xsd:element name="Value" type="dms:Lookup" maxOccurs="unbounded" minOccurs="0" nillable="true"/>
+            </xsd:sequence>
+          </xsd:extension>
+        </xsd:complexContent>
+      </xsd:complexType>
+    </xsd:element>
+    <xsd:element name="LastPublishVersionLookup" ma:index="66" nillable="true" ma:displayName="Last Published Version" ma:default="" ma:list="{9E343742-310B-4684-A24C-1D137CB4B230}" ma:internalName="LastPublishVersionLookup" ma:readOnly="true" ma:showField="LastPublishVersion" ma:web="4873beb7-5857-4685-be1f-d57550cc96cc">
+      <xsd:complexType>
+        <xsd:complexContent>
+          <xsd:extension base="dms:MultiChoiceLookup">
+            <xsd:sequence>
+              <xsd:element name="Value" type="dms:Lookup" maxOccurs="unbounded" minOccurs="0" nillable="true"/>
+            </xsd:sequence>
+          </xsd:extension>
+        </xsd:complexContent>
+      </xsd:complexType>
+    </xsd:element>
+    <xsd:element name="TPLaunchHelpLinkType" ma:index="67" nillable="true" ma:displayName="Launch Help Link Type" ma:default="Template" ma:internalName="TPLaunchHelpLinkType">
+      <xsd:simpleType>
+        <xsd:restriction base="dms:Choice">
+          <xsd:enumeration value="Template"/>
+          <xsd:enumeration value="Training"/>
+          <xsd:enumeration value="URL"/>
+          <xsd:enumeration value="None"/>
+        </xsd:restriction>
+      </xsd:simpleType>
+    </xsd:element>
+    <xsd:element name="LegacyData" ma:index="68" nillable="true" ma:displayName="Legacy Data" ma:default="" ma:internalName="LegacyData" ma:readOnly="false">
+      <xsd:simpleType>
+        <xsd:restriction base="dms:Note"/>
+      </xsd:simpleType>
+    </xsd:element>
+    <xsd:element name="TPLaunchHelpLink" ma:index="69" nillable="true" ma:displayName="Link to Launch Help Topic" ma:default="" ma:internalName="TPLaunchHelpLink">
+      <xsd:simpleType>
+        <xsd:restriction base="dms:Text"/>
+      </xsd:simpleType>
+    </xsd:element>
+    <xsd:element name="LocComments" ma:index="70" nillable="true" ma:displayName="Loc Approval Comments" ma:default="" ma:internalName="LocComments" ma:readOnly="false">
+      <xsd:simpleType>
+        <xsd:restriction base="dms:Note"/>
+      </xsd:simpleType>
+    </xsd:element>
+    <xsd:element name="LocLastLocAttemptVersionLookup" ma:index="71" nillable="true" ma:displayName="Loc Last Loc Attempt Version" ma:default="" ma:list="{7DD1DCEC-E449-43D3-891F-7DC62F62AD21}" ma:internalName="LocLastLocAttemptVersionLookup" ma:readOnly="false" ma:showField="LastLocAttemptVersion" ma:web="4873beb7-5857-4685-be1f-d57550cc96cc">
+      <xsd:simpleType>
+        <xsd:restriction base="dms:Lookup"/>
+      </xsd:simpleType>
+    </xsd:element>
+    <xsd:element name="LocLastLocAttemptVersionTypeLookup" ma:index="72" nillable="true" ma:displayName="Loc Last Loc Attempt Version Type" ma:default="" ma:list="{7DD1DCEC-E449-43D3-891F-7DC62F62AD21}" ma:internalName="LocLastLocAttemptVersionTypeLookup" ma:readOnly="true" ma:showField="LastLocAttemptVersionType" ma:web="4873beb7-5857-4685-be1f-d57550cc96cc">
+      <xsd:simpleType>
+        <xsd:restriction base="dms:Lookup"/>
+      </xsd:simpleType>
+    </xsd:element>
+    <xsd:element name="LocManualTestRequired" ma:index="73" nillable="true" ma:displayName="Loc Manual Test Required" ma:default="" ma:internalName="LocManualTestRequired" ma:readOnly="false">
+      <xsd:simpleType>
+        <xsd:restriction base="dms:Boolean"/>
+      </xsd:simpleType>
+    </xsd:element>
+    <xsd:element name="LocMarketGroupTiers2" ma:index="74" nillable="true" ma:displayName="Loc Market Group Tiers" ma:internalName="LocMarketGroupTiers2" ma:readOnly="false">
+      <xsd:simpleType>
+        <xsd:restriction base="dms:Unknown"/>
+      </xsd:simpleType>
+    </xsd:element>
+    <xsd:element name="LocNewPublishedVersionLookup" ma:index="75" nillable="true" ma:displayName="Loc New Published Version Lookup" ma:default="" ma:list="{7DD1DCEC-E449-43D3-891F-7DC62F62AD21}" ma:internalName="LocNewPublishedVersionLookup" ma:readOnly="true" ma:showField="NewPublishedVersion" ma:web="4873beb7-5857-4685-be1f-d57550cc96cc">
+      <xsd:simpleType>
+        <xsd:restriction base="dms:Lookup"/>
+      </xsd:simpleType>
+    </xsd:element>
+    <xsd:element name="LocOverallHandbackStatusLookup" ma:index="76" nillable="true" ma:displayName="Loc Overall Handback Status" ma:default="" ma:list="{7DD1DCEC-E449-43D3-891F-7DC62F62AD21}" ma:internalName="LocOverallHandbackStatusLookup" ma:readOnly="true" ma:showField="OverallHandbackStatus" ma:web="4873beb7-5857-4685-be1f-d57550cc96cc">
+      <xsd:simpleType>
+        <xsd:restriction base="dms:Lookup"/>
+      </xsd:simpleType>
+    </xsd:element>
+    <xsd:element name="LocOverallLocStatusLookup" ma:index="77" nillable="true" ma:displayName="Loc Overall Localize Status" ma:default="" ma:list="{7DD1DCEC-E449-43D3-891F-7DC62F62AD21}" ma:internalName="LocOverallLocStatusLookup" ma:readOnly="true" ma:showField="OverallLocStatus" ma:web="4873beb7-5857-4685-be1f-d57550cc96cc">
+      <xsd:simpleType>
+        <xsd:restriction base="dms:Lookup"/>
+      </xsd:simpleType>
+    </xsd:element>
+    <xsd:element name="LocOverallPreviewStatusLookup" ma:index="78" nillable="true" ma:displayName="Loc Overall Preview Status" ma:default="" ma:list="{7DD1DCEC-E449-43D3-891F-7DC62F62AD21}" ma:internalName="LocOverallPreviewStatusLookup" ma:readOnly="true" ma:showField="OverallPreviewStatus" ma:web="4873beb7-5857-4685-be1f-d57550cc96cc">
+      <xsd:simpleType>
+        <xsd:restriction base="dms:Lookup"/>
+      </xsd:simpleType>
+    </xsd:element>
+    <xsd:element name="LocOverallPublishStatusLookup" ma:index="79" nillable="true" ma:displayName="Loc Overall Publish Status" ma:default="" ma:list="{7DD1DCEC-E449-43D3-891F-7DC62F62AD21}" ma:internalName="LocOverallPublishStatusLookup" ma:readOnly="true" ma:showField="OverallPublishStatus" ma:web="4873beb7-5857-4685-be1f-d57550cc96cc">
+      <xsd:simpleType>
+        <xsd:restriction base="dms:Lookup"/>
+      </xsd:simpleType>
+    </xsd:element>
+    <xsd:element name="IntlLocPriority" ma:index="80" nillable="true" ma:displayName="Loc Priority" ma:default="" ma:internalName="IntlLocPriority" ma:readOnly="false">
+      <xsd:simpleType>
+        <xsd:restriction base="dms:Unknown"/>
+      </xsd:simpleType>
+    </xsd:element>
+    <xsd:element name="LocProcessedForHandoffsLookup" ma:index="81" nillable="true" ma:displayName="Loc Processed For Handoffs" ma:default="" ma:list="{7DD1DCEC-E449-43D3-891F-7DC62F62AD21}" ma:internalName="LocProcessedForHandoffsLookup" ma:readOnly="true" ma:showField="ProcessedForHandoffs" ma:web="4873beb7-5857-4685-be1f-d57550cc96cc">
+      <xsd:simpleType>
+        <xsd:restriction base="dms:Lookup"/>
+      </xsd:simpleType>
+    </xsd:element>
+    <xsd:element name="LocProcessedForMarketsLookup" ma:index="82" nillable="true" ma:displayName="Loc Processed For Markets" ma:default="" ma:list="{7DD1DCEC-E449-43D3-891F-7DC62F62AD21}" ma:internalName="LocProcessedForMarketsLookup" ma:readOnly="true" ma:showField="ProcessedForMarkets" ma:web="4873beb7-5857-4685-be1f-d57550cc96cc">
+      <xsd:simpleType>
+        <xsd:restriction base="dms:Lookup"/>
+      </xsd:simpleType>
+    </xsd:element>
+    <xsd:element name="LocPublishedDependentAssetsLookup" ma:index="83" nillable="true" ma:displayName="Loc Published Dependent Assets" ma:default="" ma:list="{7DD1DCEC-E449-43D3-891F-7DC62F62AD21}" ma:internalName="LocPublishedDependentAssetsLookup" ma:readOnly="true" ma:showField="PublishedDependentAssets" ma:web="4873beb7-5857-4685-be1f-d57550cc96cc">
+      <xsd:simpleType>
+        <xsd:restriction base="dms:Lookup"/>
+      </xsd:simpleType>
+    </xsd:element>
+    <xsd:element name="LocPublishedLinkedAssetsLookup" ma:index="84" nillable="true" ma:displayName="Loc Published Linked Assets" ma:default="" ma:list="{7DD1DCEC-E449-43D3-891F-7DC62F62AD21}" ma:internalName="LocPublishedLinkedAssetsLookup" ma:readOnly="true" ma:showField="PublishedLinkedAssets" ma:web="4873beb7-5857-4685-be1f-d57550cc96cc">
+      <xsd:simpleType>
+        <xsd:restriction base="dms:Lookup"/>
+      </xsd:simpleType>
+    </xsd:element>
+    <xsd:element name="LocRecommendedHandoff" ma:index="85" nillable="true" ma:displayName="Loc Recommended Handoff" ma:default="" ma:indexed="true" ma:internalName="LocRecommendedHandoff" ma:readOnly="false">
+      <xsd:simpleType>
+        <xsd:restriction base="dms:Text"/>
+      </xsd:simpleType>
+    </xsd:element>
+    <xsd:element name="LocalizationTagsTaxHTField0" ma:index="87" nillable="true" ma:taxonomy="true" ma:internalName="LocalizationTagsTaxHTField0" ma:taxonomyFieldName="LocalizationTags" ma:displayName="Localization Tags" ma:readOnly="false" ma:default="" ma:fieldId="{00f02cb3-2c7c-424a-9c61-10e9b6878429}" ma:taxonomyMulti="true" ma:sspId="8f79753a-75d3-41f5-8ca3-40b843941b4f" ma:termSetId="5b7703a5-8e8b-4b58-8b31-1cea35331da3" ma:anchorId="00000000-0000-0000-0000-000000000000" ma:open="false" ma:isKeyword="false">
+      <xsd:complexType>
+        <xsd:sequence>
+          <xsd:element ref="pc:Terms" minOccurs="0" maxOccurs="1"/>
+        </xsd:sequence>
+      </xsd:complexType>
+    </xsd:element>
+    <xsd:element name="MachineTranslated" ma:index="88" nillable="true" ma:displayName="Machine Translated" ma:default="" ma:internalName="MachineTranslated" ma:readOnly="false">
+      <xsd:simpleType>
+        <xsd:restriction base="dms:Boolean"/>
+      </xsd:simpleType>
+    </xsd:element>
+    <xsd:element name="Manager" ma:index="89" nillable="true" ma:displayName="Manager" ma:hidden="true" ma:internalName="Manager" ma:readOnly="false">
+      <xsd:simpleType>
+        <xsd:restriction base="dms:Text"/>
+      </xsd:simpleType>
+    </xsd:element>
+    <xsd:element name="Markets" ma:index="90" nillable="true" ma:displayName="Markets" ma:default="" ma:description="Leave blank to show in all markets" ma:list="{2FBD1B11-2ACE-4FDC-B5A3-635D4ADF6F1B}" ma:internalName="Markets" ma:readOnly="false" ma:showField="MarketName" ma:web="4873beb7-5857-4685-be1f-d57550cc96cc">
+      <xsd:complexType>
+        <xsd:complexContent>
+          <xsd:extension base="dms:MultiChoiceLookup">
+            <xsd:sequence>
+              <xsd:element name="Value" type="dms:Lookup" maxOccurs="unbounded" minOccurs="0" nillable="true"/>
+            </xsd:sequence>
+          </xsd:extension>
+        </xsd:complexContent>
+      </xsd:complexType>
+    </xsd:element>
+    <xsd:element name="Milestone" ma:index="91" nillable="true" ma:displayName="Milestone" ma:default="" ma:internalName="Milestone" ma:readOnly="false">
+      <xsd:simpleType>
+        <xsd:restriction base="dms:Unknown"/>
+      </xsd:simpleType>
+    </xsd:element>
+    <xsd:element name="TPNamespace" ma:index="94" nillable="true" ma:displayName="Namespace" ma:default="" ma:internalName="TPNamespace">
+      <xsd:simpleType>
+        <xsd:restriction base="dms:Text"/>
+      </xsd:simpleType>
+    </xsd:element>
+    <xsd:element name="NumericId" ma:index="95" nillable="true" ma:displayName="Numeric ID" ma:default="" ma:indexed="true" ma:internalName="NumericId" ma:readOnly="false">
+      <xsd:simpleType>
+        <xsd:restriction base="dms:Number"/>
+      </xsd:simpleType>
+    </xsd:element>
+    <xsd:element name="NumOfRatingsLookup" ma:index="96" nillable="true" ma:displayName="NumOfRatings" ma:default="" ma:list="{9E343742-310B-4684-A24C-1D137CB4B230}" ma:internalName="NumOfRatingsLookup" ma:readOnly="true" ma:showField="NumOfRatings" ma:web="4873beb7-5857-4685-be1f-d57550cc96cc">
+      <xsd:complexType>
+        <xsd:complexContent>
+          <xsd:extension base="dms:MultiChoiceLookup">
+            <xsd:sequence>
+              <xsd:element name="Value" type="dms:Lookup" maxOccurs="unbounded" minOccurs="0" nillable="true"/>
+            </xsd:sequence>
+          </xsd:extension>
+        </xsd:complexContent>
+      </xsd:complexType>
+    </xsd:element>
+    <xsd:element name="OOCacheId" ma:index="97" nillable="true" ma:displayName="OOCacheId" ma:internalName="OOCacheId" ma:readOnly="false">
+      <xsd:simpleType>
+        <xsd:restriction base="dms:Text"/>
+      </xsd:simpleType>
+    </xsd:element>
+    <xsd:element name="OpenTemplate" ma:index="98" nillable="true" ma:displayName="Open Template" ma:default="true" ma:internalName="OpenTemplate">
+      <xsd:simpleType>
+        <xsd:restriction base="dms:Boolean"/>
+      </xsd:simpleType>
+    </xsd:element>
+    <xsd:element name="OriginAsset" ma:index="99" nillable="true" ma:displayName="Origin Asset" ma:default="" ma:internalName="OriginAsset" ma:readOnly="false">
+      <xsd:simpleType>
+        <xsd:restriction base="dms:Text"/>
+      </xsd:simpleType>
+    </xsd:element>
+    <xsd:element name="OriginalRelease" ma:index="100" nillable="true" ma:displayName="Original Release" ma:default="15" ma:internalName="OriginalRelease" ma:readOnly="false">
+      <xsd:simpleType>
+        <xsd:restriction base="dms:Choice">
+          <xsd:enumeration value="14"/>
+          <xsd:enumeration value="15"/>
+          <xsd:enumeration value="16"/>
+        </xsd:restriction>
+      </xsd:simpleType>
+    </xsd:element>
+    <xsd:element name="OriginalSourceMarket" ma:index="101" nillable="true" ma:displayName="Original Source Market Group" ma:default="" ma:internalName="OriginalSourceMarket" ma:readOnly="false">
+      <xsd:simpleType>
+        <xsd:restriction base="dms:Text"/>
+      </xsd:simpleType>
+    </xsd:element>
+    <xsd:element name="OutputCachingOn" ma:index="102" nillable="true" ma:displayName="Output Caching" ma:default="true" ma:hidden="true" ma:internalName="OutputCachingOn" ma:readOnly="false">
+      <xsd:simpleType>
+        <xsd:restriction base="dms:Boolean"/>
+      </xsd:simpleType>
+    </xsd:element>
+    <xsd:element name="ParentAssetId" ma:index="103" nillable="true" ma:displayName="Parent Asset Id" ma:default="" ma:internalName="ParentAssetId" ma:readOnly="false">
+      <xsd:simpleType>
+        <xsd:restriction base="dms:Text"/>
+      </xsd:simpleType>
+    </xsd:element>
+    <xsd:element name="PlannedPubDate" ma:index="104" nillable="true" ma:displayName="Planned Publish Date" ma:default="" ma:indexed="true" ma:internalName="PlannedPubDate" ma:readOnly="false">
+      <xsd:simpleType>
+        <xsd:restriction base="dms:DateTime"/>
+      </xsd:simpleType>
+    </xsd:element>
+    <xsd:element name="PolicheckWords" ma:index="105" nillable="true" ma:displayName="Policheck Words" ma:default="" ma:internalName="PolicheckWords" ma:readOnly="false">
+      <xsd:simpleType>
+        <xsd:restriction base="dms:Text"/>
+      </xsd:simpleType>
+    </xsd:element>
+    <xsd:element name="BusinessGroup" ma:index="106" nillable="true" ma:displayName="Product Division Owner" ma:default="" ma:internalName="BusinessGroup" ma:readOnly="false">
+      <xsd:simpleType>
+        <xsd:restriction base="dms:Unknown"/>
+      </xsd:simpleType>
+    </xsd:element>
+    <xsd:element name="UAProjectedTotalWords" ma:index="107" nillable="true" ma:displayName="Projected Word Count" ma:default="" ma:internalName="UAProjectedTotalWords" ma:readOnly="false">
+      <xsd:simpleType>
+        <xsd:restriction base="dms:Unknown"/>
+      </xsd:simpleType>
+    </xsd:element>
+    <xsd:element name="Provider" ma:index="108" nillable="true" ma:displayName="Provider" ma:default="" ma:internalName="Provider" ma:readOnly="false">
+      <xsd:simpleType>
+        <xsd:restriction base="dms:Unknown"/>
+      </xsd:simpleType>
+    </xsd:element>
+    <xsd:element name="Providers" ma:index="109" nillable="true" ma:displayName="Providers" ma:default="" ma:internalName="Providers">
+      <xsd:simpleType>
+        <xsd:restriction base="dms:Unknown"/>
+      </xsd:simpleType>
+    </xsd:element>
+    <xsd:element name="PublishStatusLookup" ma:index="110" nillable="true" ma:displayName="Publish Status" ma:default="" ma:list="{9E343742-310B-4684-A24C-1D137CB4B230}" ma:internalName="PublishStatusLookup" ma:readOnly="false" ma:showField="PublishStatus" ma:web="4873beb7-5857-4685-be1f-d57550cc96cc">
+      <xsd:complexType>
+        <xsd:complexContent>
+          <xsd:extension base="dms:MultiChoiceLookup">
+            <xsd:sequence>
+              <xsd:element name="Value" type="dms:Lookup" maxOccurs="unbounded" minOccurs="0" nillable="true"/>
+            </xsd:sequence>
+          </xsd:extension>
+        </xsd:complexContent>
+      </xsd:complexType>
+    </xsd:element>
+    <xsd:element name="PublishTargets" ma:index="111" nillable="true" ma:displayName="Publish Target" ma:default="OfficeOnlineVNext" ma:internalName="PublishTargets" ma:readOnly="false">
+      <xsd:simpleType>
+        <xsd:restriction base="dms:Unknown"/>
+      </xsd:simpleType>
+    </xsd:element>
+    <xsd:element name="RecommendationsModifier" ma:index="112" nillable="true" ma:displayName="Recommendations Modifier" ma:default="" ma:internalName="RecommendationsModifier" ma:readOnly="false">
+      <xsd:simpleType>
+        <xsd:restriction base="dms:Number"/>
+      </xsd:simpleType>
+    </xsd:element>
+    <xsd:element name="ArtSampleDocs" ma:index="113" nillable="true" ma:displayName="Sample Docs" ma:default="" ma:hidden="true" ma:internalName="ArtSampleDocs" ma:readOnly="false">
+      <xsd:simpleType>
+        <xsd:restriction base="dms:Text"/>
+      </xsd:simpleType>
+    </xsd:element>
+    <xsd:element name="ScenarioTagsTaxHTField0" ma:index="115" nillable="true" ma:taxonomy="true" ma:internalName="ScenarioTagsTaxHTField0" ma:taxonomyFieldName="ScenarioTags" ma:displayName="Scenarios" ma:readOnly="false" ma:default="" ma:fieldId="{93aef74d-6c78-4815-8310-51477dceeccc}" ma:taxonomyMulti="true" ma:sspId="8f79753a-75d3-41f5-8ca3-40b843941b4f" ma:termSetId="4b7d5f16-e2f2-4fc0-bab3-6e8b931e57d6" ma:anchorId="00000000-0000-0000-0000-000000000000" ma:open="false" ma:isKeyword="false">
+      <xsd:complexType>
+        <xsd:sequence>
+          <xsd:element ref="pc:Terms" minOccurs="0" maxOccurs="1"/>
+        </xsd:sequence>
+      </xsd:complexType>
+    </xsd:element>
+    <xsd:element name="ShowIn" ma:index="117" nillable="true" ma:displayName="Show In" ma:default="Show everywhere" ma:internalName="ShowIn" ma:readOnly="false">
+      <xsd:simpleType>
+        <xsd:restriction base="dms:Choice">
+          <xsd:enumeration value="Hide on web"/>
+          <xsd:enumeration value="On Web no search"/>
+          <xsd:enumeration value="Show everywhere"/>
+          <xsd:enumeration value="Special use only"/>
+        </xsd:restriction>
+      </xsd:simpleType>
+    </xsd:element>
+    <xsd:element name="SourceTitle" ma:index="118" nillable="true" ma:displayName="Source Title" ma:default="" ma:indexed="true" ma:internalName="SourceTitle" ma:readOnly="false">
+      <xsd:simpleType>
+        <xsd:restriction base="dms:Text"/>
+      </xsd:simpleType>
+    </xsd:element>
+    <xsd:element name="CSXSubmissionDate" ma:index="119" nillable="true" ma:displayName="Submission Date" ma:default="" ma:internalName="CSXSubmissionDate" ma:readOnly="false">
+      <xsd:simpleType>
+        <xsd:restriction base="dms:DateTime"/>
+      </xsd:simpleType>
+    </xsd:element>
+    <xsd:element name="SubmitterId" ma:index="120" nillable="true" ma:displayName="Submitter ID" ma:default="" ma:internalName="SubmitterId" ma:readOnly="false">
+      <xsd:simpleType>
+        <xsd:restriction base="dms:Text"/>
+      </xsd:simpleType>
+    </xsd:element>
+    <xsd:element name="TaxCatchAll" ma:index="121" nillable="true" ma:displayName="Taxonomy Catch All Column" ma:hidden="true" ma:list="{530f955b-6704-4601-bd83-f81d87f1e440}" ma:internalName="TaxCatchAll" ma:showField="CatchAllData" ma:web="4873beb7-5857-4685-be1f-d57550cc96cc">
+      <xsd:complexType>
+        <xsd:complexContent>
+          <xsd:extension base="dms:MultiChoiceLookup">
+            <xsd:sequence>
+              <xsd:element name="Value" type="dms:Lookup" maxOccurs="unbounded" minOccurs="0" nillable="true"/>
+            </xsd:sequence>
+          </xsd:extension>
+        </xsd:complexContent>
+      </xsd:complexType>
+    </xsd:element>
+    <xsd:element name="TaxCatchAllLabel" ma:index="122" nillable="true" ma:displayName="Taxonomy Catch All Column1" ma:hidden="true" ma:list="{530f955b-6704-4601-bd83-f81d87f1e440}" ma:internalName="TaxCatchAllLabel" ma:readOnly="true" ma:showField="CatchAllDataLabel" ma:web="4873beb7-5857-4685-be1f-d57550cc96cc">
+      <xsd:complexType>
+        <xsd:complexContent>
+          <xsd:extension base="dms:MultiChoiceLookup">
+            <xsd:sequence>
+              <xsd:element name="Value" type="dms:Lookup" maxOccurs="unbounded" minOccurs="0" nillable="true"/>
+            </xsd:sequence>
+          </xsd:extension>
+        </xsd:complexContent>
+      </xsd:complexType>
+    </xsd:element>
+    <xsd:element name="TemplateStatus" ma:index="123" nillable="true" ma:displayName="Template Status" ma:default="" ma:internalName="TemplateStatus">
+      <xsd:simpleType>
+        <xsd:restriction base="dms:Unknown"/>
+      </xsd:simpleType>
+    </xsd:element>
+    <xsd:element name="TemplateTemplateType" ma:index="124" nillable="true" ma:displayName="Template Type" ma:default="" ma:internalName="TemplateTemplateType">
+      <xsd:simpleType>
+        <xsd:restriction base="dms:Unknown"/>
+      </xsd:simpleType>
+    </xsd:element>
+    <xsd:element name="ThumbnailAssetId" ma:index="125" nillable="true" ma:displayName="Thumbnail Image Asset" ma:default="" ma:internalName="ThumbnailAssetId" ma:readOnly="false">
+      <xsd:simpleType>
+        <xsd:restriction base="dms:Text"/>
+      </xsd:simpleType>
+    </xsd:element>
+    <xsd:element name="TimesCloned" ma:index="126" nillable="true" ma:displayName="Times Cloned" ma:default="" ma:internalName="TimesCloned" ma:readOnly="false">
+      <xsd:simpleType>
+        <xsd:restriction base="dms:Number"/>
+      </xsd:simpleType>
+    </xsd:element>
+    <xsd:element name="TrustLevel" ma:index="128" nillable="true" ma:displayName="Trust Level" ma:default="1 Microsoft Managed Content" ma:internalName="TrustLevel" ma:readOnly="false">
+      <xsd:simpleType>
+        <xsd:restriction base="dms:Unknown"/>
+      </xsd:simpleType>
+    </xsd:element>
+    <xsd:element name="UALocComments" ma:index="129" nillable="true" ma:displayName="UA Loc Comments" ma:default="" ma:internalName="UALocComments" ma:readOnly="false">
+      <xsd:simpleType>
+        <xsd:restriction base="dms:Note"/>
+      </xsd:simpleType>
+    </xsd:element>
+    <xsd:element name="UALocRecommendation" ma:index="130" nillable="true" ma:displayName="UA Loc Recommendation" ma:default="Localize" ma:internalName="UALocRecommendation" ma:readOnly="false">
+      <xsd:simpleType>
+        <xsd:restriction base="dms:Choice">
+          <xsd:enumeration value="Localize"/>
+          <xsd:enumeration value="Never Localize"/>
+          <xsd:enumeration value="Priority Localize"/>
+        </xsd:restriction>
+      </xsd:simpleType>
+    </xsd:element>
+    <xsd:element name="UANotes" ma:index="131" nillable="true" ma:displayName="UA Notes" ma:default="" ma:internalName="UANotes" ma:readOnly="false">
+      <xsd:simpleType>
+        <xsd:restriction base="dms:Note"/>
+      </xsd:simpleType>
+    </xsd:element>
+    <xsd:element name="TPAppVersion" ma:index="132" nillable="true" ma:displayName="Version" ma:default="" ma:internalName="TPAppVersion">
+      <xsd:simpleType>
+        <xsd:restriction base="dms:Text"/>
+      </xsd:simpleType>
+    </xsd:element>
+    <xsd:element name="VoteCount" ma:index="133" nillable="true" ma:displayName="Vote Count" ma:default="" ma:internalName="VoteCount" ma:readOnly="false">
+      <xsd:simpleType>
+        <xsd:restriction base="dms:Unknown"/>
+      </xsd:simpleType>
+    </xsd:element>
+  </xsd:schema>
+  <xsd:schema xmlns="http://schemas.openxmlformats.org/package/2006/metadata/core-properties" xmlns:xsd="http://www.w3.org/2001/XMLSchema" xmlns:xsi="http://www.w3.org/2001/XMLSchema-instance" xmlns:dc="http://purl.org/dc/elements/1.1/" xmlns:dcterms="http://purl.org/dc/terms/" xmlns:odoc="http://schemas.microsoft.com/internal/obd" targetNamespace="http://schemas.openxmlformats.org/package/2006/metadata/core-properties" elementFormDefault="qualified" attributeFormDefault="unqualified" blockDefault="#all">
+    <xsd:import namespace="http://purl.org/dc/elements/1.1/" schemaLocation="http://dublincore.org/schemas/xmls/qdc/2003/04/02/dc.xsd"/>
+    <xsd:import namespace="http://purl.org/dc/terms/" schemaLocation="http://dublincore.org/schemas/xmls/qdc/2003/04/02/dcterms.xsd"/>
+    <xsd:element name="coreProperties" type="CT_coreProperties"/>
+    <xsd:complexType name="CT_coreProperties">
+      <xsd:all>
+        <xsd:element ref="dc:creator" minOccurs="0" maxOccurs="1"/>
+        <xsd:element ref="dcterms:created" minOccurs="0" maxOccurs="1"/>
+        <xsd:element ref="dc:identifier" minOccurs="0" maxOccurs="1"/>
+        <xsd:element name="contentType" minOccurs="0" maxOccurs="1" type="xsd:string" ma:index="22" ma:displayName="Content Type"/>
+        <xsd:element ref="dc:title" minOccurs="0" maxOccurs="1" ma:index="127" ma:displayName="Title"/>
+        <xsd:element ref="dc:subject" minOccurs="0" maxOccurs="1"/>
+        <xsd:element ref="dc:description" minOccurs="0" maxOccurs="1"/>
+        <xsd:element name="keywords" minOccurs="0" maxOccurs="1" type="xsd:string"/>
+        <xsd:element ref="dc:language" minOccurs="0" maxOccurs="1"/>
+        <xsd:element name="category" minOccurs="0" maxOccurs="1" type="xsd:string"/>
+        <xsd:element name="version" minOccurs="0" maxOccurs="1" type="xsd:string"/>
+        <xsd:element name="revision" minOccurs="0" maxOccurs="1" type="xsd:string">
+          <xsd:annotation>
+            <xsd:documentation>
+                        This value indicates the number of saves or revisions. The application is responsible for updating this value after each revision.
+                    </xsd:documentation>
+          </xsd:annotation>
+        </xsd:element>
+        <xsd:element name="lastModifiedBy" minOccurs="0" maxOccurs="1" type="xsd:string"/>
+        <xsd:element ref="dcterms:modified" minOccurs="0" maxOccurs="1"/>
+        <xsd:element name="contentStatus" minOccurs="0" maxOccurs="1" type="xsd:string"/>
+      </xsd:all>
+    </xsd:complexType>
+  </xsd:schema>
+  <xs:schema xmlns:pc="http://schemas.microsoft.com/office/infopath/2007/PartnerControls" xmlns:xs="http://www.w3.org/2001/XMLSchema" targetNamespace="http://schemas.microsoft.com/office/infopath/2007/PartnerControls" elementFormDefault="qualified" attributeFormDefault="unqualified">
+    <xs:element name="Person">
+      <xs:complexType>
+        <xs:sequence>
+          <xs:element ref="pc:DisplayName" minOccurs="0"/>
+          <xs:element ref="pc:AccountId" minOccurs="0"/>
+          <xs:element ref="pc:AccountType" minOccurs="0"/>
+        </xs:sequence>
+      </xs:complexType>
+    </xs:element>
+    <xs:element name="DisplayName" type="xs:string"/>
+    <xs:element name="AccountId" type="xs:string"/>
+    <xs:element name="AccountType" type="xs:string"/>
+    <xs:element name="BDCAssociatedEntity">
+      <xs:complexType>
+        <xs:sequence>
+          <xs:element ref="pc:BDCEntity" minOccurs="0" maxOccurs="unbounded"/>
+        </xs:sequence>
+        <xs:attribute ref="pc:EntityNamespace"/>
+        <xs:attribute ref="pc:EntityName"/>
+        <xs:attribute ref="pc:SystemInstanceName"/>
+        <xs:attribute ref="pc:AssociationName"/>
+      </xs:complexType>
+    </xs:element>
+    <xs:attribute name="EntityNamespace" type="xs:string"/>
+    <xs:attribute name="EntityName" type="xs:string"/>
+    <xs:attribute name="SystemInstanceName" type="xs:string"/>
+    <xs:attribute name="AssociationName" type="xs:string"/>
+    <xs:element name="BDCEntity">
+      <xs:complexType>
+        <xs:sequence>
+          <xs:element ref="pc:EntityDisplayName" minOccurs="0"/>
+          <xs:element ref="pc:EntityInstanceReference" minOccurs="0"/>
+          <xs:element ref="pc:EntityId1" minOccurs="0"/>
+          <xs:element ref="pc:EntityId2" minOccurs="0"/>
+          <xs:element ref="pc:EntityId3" minOccurs="0"/>
+          <xs:element ref="pc:EntityId4" minOccurs="0"/>
+          <xs:element ref="pc:EntityId5" minOccurs="0"/>
+        </xs:sequence>
+      </xs:complexType>
+    </xs:element>
+    <xs:element name="EntityDisplayName" type="xs:string"/>
+    <xs:element name="EntityInstanceReference" type="xs:string"/>
+    <xs:element name="EntityId1" type="xs:string"/>
+    <xs:element name="EntityId2" type="xs:string"/>
+    <xs:element name="EntityId3" type="xs:string"/>
+    <xs:element name="EntityId4" type="xs:string"/>
+    <xs:element name="EntityId5" type="xs:string"/>
+    <xs:element name="Terms">
+      <xs:complexType>
+        <xs:sequence>
+          <xs:element ref="pc:TermInfo" minOccurs="0" maxOccurs="unbounded"/>
+        </xs:sequence>
+      </xs:complexType>
+    </xs:element>
+    <xs:element name="TermInfo">
+      <xs:complexType>
+        <xs:sequence>
+          <xs:element ref="pc:TermName" minOccurs="0"/>
+          <xs:element ref="pc:TermId" minOccurs="0"/>
+        </xs:sequence>
+      </xs:complexType>
+    </xs:element>
+    <xs:element name="TermName" type="xs:string"/>
+    <xs:element name="TermId" type="xs:string"/>
+  </xs:schema>
+</ct:contentTypeSchema>
+</file>
+
+<file path=customXml/item2.xml><?xml version="1.0" encoding="utf-8"?>
 <p:properties xmlns:p="http://schemas.microsoft.com/office/2006/metadata/properties" xmlns:xsi="http://www.w3.org/2001/XMLSchema-instance" xmlns:pc="http://schemas.microsoft.com/office/infopath/2007/PartnerControls">
   <documentManagement>
     <LocPublishedLinkedAssetsLookup xmlns="4873beb7-5857-4685-be1f-d57550cc96cc" xsi:nil="true"/>
@@ -11075,1046 +7961,6 @@
 </p:properties>
 </file>
 
-<file path=customXml/item2.xml><?xml version="1.0" encoding="utf-8"?>
-<ct:contentTypeSchema xmlns:ct="http://schemas.microsoft.com/office/2006/metadata/contentType" xmlns:ma="http://schemas.microsoft.com/office/2006/metadata/properties/metaAttributes" ct:_="" ma:_="" ma:contentTypeName="TemplateFile" ma:contentTypeID="0x0101006EDDDB5EE6D98C44930B742096920B300400F5B6D36B3EF94B4E9A635CDF2A18F5B8" ma:contentTypeVersion="72" ma:contentTypeDescription="Create a new document." ma:contentTypeScope="" ma:versionID="a23e56308344d904b51738559c3d67c9">
-  <xsd:schema xmlns:xsd="http://www.w3.org/2001/XMLSchema" xmlns:xs="http://www.w3.org/2001/XMLSchema" xmlns:p="http://schemas.microsoft.com/office/2006/metadata/properties" xmlns:ns2="4873beb7-5857-4685-be1f-d57550cc96cc" targetNamespace="http://schemas.microsoft.com/office/2006/metadata/properties" ma:root="true" ma:fieldsID="cd0908cc4600e77bf5da051303e00c8d" ns2:_="">
-    <xsd:import namespace="4873beb7-5857-4685-be1f-d57550cc96cc"/>
-    <xsd:element name="properties">
-      <xsd:complexType>
-        <xsd:sequence>
-          <xsd:element name="documentManagement">
-            <xsd:complexType>
-              <xsd:all>
-                <xsd:element ref="ns2:AcquiredFrom" minOccurs="0"/>
-                <xsd:element ref="ns2:UACurrentWords" minOccurs="0"/>
-                <xsd:element ref="ns2:TPApplication" minOccurs="0"/>
-                <xsd:element ref="ns2:ApprovalLog" minOccurs="0"/>
-                <xsd:element ref="ns2:ApprovalStatus" minOccurs="0"/>
-                <xsd:element ref="ns2:AssetStart" minOccurs="0"/>
-                <xsd:element ref="ns2:AssetExpire" minOccurs="0"/>
-                <xsd:element ref="ns2:AssetId" minOccurs="0"/>
-                <xsd:element ref="ns2:IsSearchable" minOccurs="0"/>
-                <xsd:element ref="ns2:AssetType" minOccurs="0"/>
-                <xsd:element ref="ns2:APAuthor" minOccurs="0"/>
-                <xsd:element ref="ns2:AverageRating" minOccurs="0"/>
-                <xsd:element ref="ns2:BlockPublish" minOccurs="0"/>
-                <xsd:element ref="ns2:BugNumber" minOccurs="0"/>
-                <xsd:element ref="ns2:CampaignTagsTaxHTField0" minOccurs="0"/>
-                <xsd:element ref="ns2:TPClientViewer" minOccurs="0"/>
-                <xsd:element ref="ns2:ClipArtFilename" minOccurs="0"/>
-                <xsd:element ref="ns2:TPCommandLine" minOccurs="0"/>
-                <xsd:element ref="ns2:TPComponent" minOccurs="0"/>
-                <xsd:element ref="ns2:ContentItem" minOccurs="0"/>
-                <xsd:element ref="ns2:CrawlForDependencies" minOccurs="0"/>
-                <xsd:element ref="ns2:CSXHash" minOccurs="0"/>
-                <xsd:element ref="ns2:CSXSubmissionMarket" minOccurs="0"/>
-                <xsd:element ref="ns2:CSXUpdate" minOccurs="0"/>
-                <xsd:element ref="ns2:IntlLangReviewDate" minOccurs="0"/>
-                <xsd:element ref="ns2:IsDeleted" minOccurs="0"/>
-                <xsd:element ref="ns2:APDescription" minOccurs="0"/>
-                <xsd:element ref="ns2:DirectSourceMarket" minOccurs="0"/>
-                <xsd:element ref="ns2:Downloads" minOccurs="0"/>
-                <xsd:element ref="ns2:DSATActionTaken" minOccurs="0"/>
-                <xsd:element ref="ns2:APEditor" minOccurs="0"/>
-                <xsd:element ref="ns2:EditorialStatus" minOccurs="0"/>
-                <xsd:element ref="ns2:EditorialTags" minOccurs="0"/>
-                <xsd:element ref="ns2:TPExecutable" minOccurs="0"/>
-                <xsd:element ref="ns2:FeatureTagsTaxHTField0" minOccurs="0"/>
-                <xsd:element ref="ns2:TPFriendlyName" minOccurs="0"/>
-                <xsd:element ref="ns2:FriendlyTitle" minOccurs="0"/>
-                <xsd:element ref="ns2:PrimaryImageGen" minOccurs="0"/>
-                <xsd:element ref="ns2:HandoffToMSDN" minOccurs="0"/>
-                <xsd:element ref="ns2:InProjectListLookup" minOccurs="0"/>
-                <xsd:element ref="ns2:TPInstallLocation" minOccurs="0"/>
-                <xsd:element ref="ns2:InternalTagsTaxHTField0" minOccurs="0"/>
-                <xsd:element ref="ns2:IntlLangReview" minOccurs="0"/>
-                <xsd:element ref="ns2:IntlLangReviewer" minOccurs="0"/>
-                <xsd:element ref="ns2:MarketSpecific" minOccurs="0"/>
-                <xsd:element ref="ns2:LastCompleteVersionLookup" minOccurs="0"/>
-                <xsd:element ref="ns2:LastHandOff" minOccurs="0"/>
-                <xsd:element ref="ns2:LastModifiedDateTime" minOccurs="0"/>
-                <xsd:element ref="ns2:LastPreviewErrorLookup" minOccurs="0"/>
-                <xsd:element ref="ns2:LastPreviewResultLookup" minOccurs="0"/>
-                <xsd:element ref="ns2:LastPreviewAttemptDateLookup" minOccurs="0"/>
-                <xsd:element ref="ns2:LastPreviewedByLookup" minOccurs="0"/>
-                <xsd:element ref="ns2:LastPreviewTimeLookup" minOccurs="0"/>
-                <xsd:element ref="ns2:LastPreviewVersionLookup" minOccurs="0"/>
-                <xsd:element ref="ns2:LastPublishErrorLookup" minOccurs="0"/>
-                <xsd:element ref="ns2:LastPublishResultLookup" minOccurs="0"/>
-                <xsd:element ref="ns2:LastPublishAttemptDateLookup" minOccurs="0"/>
-                <xsd:element ref="ns2:LastPublishedByLookup" minOccurs="0"/>
-                <xsd:element ref="ns2:LastPublishTimeLookup" minOccurs="0"/>
-                <xsd:element ref="ns2:LastPublishVersionLookup" minOccurs="0"/>
-                <xsd:element ref="ns2:TPLaunchHelpLinkType" minOccurs="0"/>
-                <xsd:element ref="ns2:LegacyData" minOccurs="0"/>
-                <xsd:element ref="ns2:TPLaunchHelpLink" minOccurs="0"/>
-                <xsd:element ref="ns2:LocComments" minOccurs="0"/>
-                <xsd:element ref="ns2:LocLastLocAttemptVersionLookup" minOccurs="0"/>
-                <xsd:element ref="ns2:LocLastLocAttemptVersionTypeLookup" minOccurs="0"/>
-                <xsd:element ref="ns2:LocManualTestRequired" minOccurs="0"/>
-                <xsd:element ref="ns2:LocMarketGroupTiers2" minOccurs="0"/>
-                <xsd:element ref="ns2:LocNewPublishedVersionLookup" minOccurs="0"/>
-                <xsd:element ref="ns2:LocOverallHandbackStatusLookup" minOccurs="0"/>
-                <xsd:element ref="ns2:LocOverallLocStatusLookup" minOccurs="0"/>
-                <xsd:element ref="ns2:LocOverallPreviewStatusLookup" minOccurs="0"/>
-                <xsd:element ref="ns2:LocOverallPublishStatusLookup" minOccurs="0"/>
-                <xsd:element ref="ns2:IntlLocPriority" minOccurs="0"/>
-                <xsd:element ref="ns2:LocProcessedForHandoffsLookup" minOccurs="0"/>
-                <xsd:element ref="ns2:LocProcessedForMarketsLookup" minOccurs="0"/>
-                <xsd:element ref="ns2:LocPublishedDependentAssetsLookup" minOccurs="0"/>
-                <xsd:element ref="ns2:LocPublishedLinkedAssetsLookup" minOccurs="0"/>
-                <xsd:element ref="ns2:LocRecommendedHandoff" minOccurs="0"/>
-                <xsd:element ref="ns2:LocalizationTagsTaxHTField0" minOccurs="0"/>
-                <xsd:element ref="ns2:MachineTranslated" minOccurs="0"/>
-                <xsd:element ref="ns2:Manager" minOccurs="0"/>
-                <xsd:element ref="ns2:Markets" minOccurs="0"/>
-                <xsd:element ref="ns2:Milestone" minOccurs="0"/>
-                <xsd:element ref="ns2:TPNamespace" minOccurs="0"/>
-                <xsd:element ref="ns2:NumericId" minOccurs="0"/>
-                <xsd:element ref="ns2:NumOfRatingsLookup" minOccurs="0"/>
-                <xsd:element ref="ns2:OOCacheId" minOccurs="0"/>
-                <xsd:element ref="ns2:OpenTemplate" minOccurs="0"/>
-                <xsd:element ref="ns2:OriginAsset" minOccurs="0"/>
-                <xsd:element ref="ns2:OriginalRelease" minOccurs="0"/>
-                <xsd:element ref="ns2:OriginalSourceMarket" minOccurs="0"/>
-                <xsd:element ref="ns2:OutputCachingOn" minOccurs="0"/>
-                <xsd:element ref="ns2:ParentAssetId" minOccurs="0"/>
-                <xsd:element ref="ns2:PlannedPubDate" minOccurs="0"/>
-                <xsd:element ref="ns2:PolicheckWords" minOccurs="0"/>
-                <xsd:element ref="ns2:BusinessGroup" minOccurs="0"/>
-                <xsd:element ref="ns2:UAProjectedTotalWords" minOccurs="0"/>
-                <xsd:element ref="ns2:Provider" minOccurs="0"/>
-                <xsd:element ref="ns2:Providers" minOccurs="0"/>
-                <xsd:element ref="ns2:PublishStatusLookup" minOccurs="0"/>
-                <xsd:element ref="ns2:PublishTargets" minOccurs="0"/>
-                <xsd:element ref="ns2:RecommendationsModifier" minOccurs="0"/>
-                <xsd:element ref="ns2:ArtSampleDocs" minOccurs="0"/>
-                <xsd:element ref="ns2:ScenarioTagsTaxHTField0" minOccurs="0"/>
-                <xsd:element ref="ns2:ShowIn" minOccurs="0"/>
-                <xsd:element ref="ns2:SourceTitle" minOccurs="0"/>
-                <xsd:element ref="ns2:CSXSubmissionDate" minOccurs="0"/>
-                <xsd:element ref="ns2:SubmitterId" minOccurs="0"/>
-                <xsd:element ref="ns2:TaxCatchAll" minOccurs="0"/>
-                <xsd:element ref="ns2:TaxCatchAllLabel" minOccurs="0"/>
-                <xsd:element ref="ns2:TemplateStatus" minOccurs="0"/>
-                <xsd:element ref="ns2:TemplateTemplateType" minOccurs="0"/>
-                <xsd:element ref="ns2:ThumbnailAssetId" minOccurs="0"/>
-                <xsd:element ref="ns2:TimesCloned" minOccurs="0"/>
-                <xsd:element ref="ns2:TrustLevel" minOccurs="0"/>
-                <xsd:element ref="ns2:UALocComments" minOccurs="0"/>
-                <xsd:element ref="ns2:UALocRecommendation" minOccurs="0"/>
-                <xsd:element ref="ns2:UANotes" minOccurs="0"/>
-                <xsd:element ref="ns2:TPAppVersion" minOccurs="0"/>
-                <xsd:element ref="ns2:VoteCount" minOccurs="0"/>
-              </xsd:all>
-            </xsd:complexType>
-          </xsd:element>
-        </xsd:sequence>
-      </xsd:complexType>
-    </xsd:element>
-  </xsd:schema>
-  <xsd:schema xmlns:xsd="http://www.w3.org/2001/XMLSchema" xmlns:xs="http://www.w3.org/2001/XMLSchema" xmlns:dms="http://schemas.microsoft.com/office/2006/documentManagement/types" xmlns:pc="http://schemas.microsoft.com/office/infopath/2007/PartnerControls" targetNamespace="4873beb7-5857-4685-be1f-d57550cc96cc" elementFormDefault="qualified">
-    <xsd:import namespace="http://schemas.microsoft.com/office/2006/documentManagement/types"/>
-    <xsd:import namespace="http://schemas.microsoft.com/office/infopath/2007/PartnerControls"/>
-    <xsd:element name="AcquiredFrom" ma:index="1" nillable="true" ma:displayName="Acquired From" ma:default="Internal MS" ma:internalName="AcquiredFrom" ma:readOnly="false">
-      <xsd:simpleType>
-        <xsd:restriction base="dms:Choice">
-          <xsd:enumeration value="Internal MS"/>
-          <xsd:enumeration value="Community"/>
-          <xsd:enumeration value="MVP"/>
-          <xsd:enumeration value="Publisher"/>
-          <xsd:enumeration value="Partner"/>
-          <xsd:enumeration value="None"/>
-        </xsd:restriction>
-      </xsd:simpleType>
-    </xsd:element>
-    <xsd:element name="UACurrentWords" ma:index="2" nillable="true" ma:displayName="Actual Word Count" ma:default="" ma:internalName="UACurrentWords" ma:readOnly="false">
-      <xsd:simpleType>
-        <xsd:restriction base="dms:Unknown"/>
-      </xsd:simpleType>
-    </xsd:element>
-    <xsd:element name="TPApplication" ma:index="3" nillable="true" ma:displayName="Application to Open Template With" ma:default="" ma:internalName="TPApplication">
-      <xsd:simpleType>
-        <xsd:restriction base="dms:Text"/>
-      </xsd:simpleType>
-    </xsd:element>
-    <xsd:element name="ApprovalLog" ma:index="4" nillable="true" ma:displayName="Approval Log" ma:default="" ma:hidden="true" ma:internalName="ApprovalLog" ma:readOnly="false">
-      <xsd:simpleType>
-        <xsd:restriction base="dms:Note"/>
-      </xsd:simpleType>
-    </xsd:element>
-    <xsd:element name="ApprovalStatus" ma:index="5" nillable="true" ma:displayName="Approval Status" ma:default="InProgress" ma:internalName="ApprovalStatus" ma:readOnly="false">
-      <xsd:simpleType>
-        <xsd:restriction base="dms:Choice">
-          <xsd:enumeration value="InProgress"/>
-          <xsd:enumeration value="Rejected"/>
-          <xsd:enumeration value="Questionable"/>
-          <xsd:enumeration value="ApprovedAutomatic"/>
-          <xsd:enumeration value="ApprovedManual"/>
-          <xsd:enumeration value="On Hold"/>
-          <xsd:enumeration value="Needs Review"/>
-          <xsd:enumeration value="A Violation"/>
-          <xsd:enumeration value="Unpublished Violation"/>
-        </xsd:restriction>
-      </xsd:simpleType>
-    </xsd:element>
-    <xsd:element name="AssetStart" ma:index="6" nillable="true" ma:displayName="Asset Begin Date" ma:default="[Today]" ma:internalName="AssetStart" ma:readOnly="false">
-      <xsd:simpleType>
-        <xsd:restriction base="dms:DateTime"/>
-      </xsd:simpleType>
-    </xsd:element>
-    <xsd:element name="AssetExpire" ma:index="7" nillable="true" ma:displayName="Asset End Date" ma:default="2029-01-01T08:00:00Z" ma:format="DateTime" ma:internalName="AssetExpire" ma:readOnly="false">
-      <xsd:simpleType>
-        <xsd:restriction base="dms:DateTime"/>
-      </xsd:simpleType>
-    </xsd:element>
-    <xsd:element name="AssetId" ma:index="8" nillable="true" ma:displayName="Asset ID" ma:default="" ma:indexed="true" ma:internalName="AssetId" ma:readOnly="false">
-      <xsd:simpleType>
-        <xsd:restriction base="dms:Text">
-          <xsd:maxLength value="255"/>
-        </xsd:restriction>
-      </xsd:simpleType>
-    </xsd:element>
-    <xsd:element name="IsSearchable" ma:index="9" nillable="true" ma:displayName="Asset Searchable?" ma:default="true" ma:internalName="IsSearchable" ma:readOnly="false">
-      <xsd:simpleType>
-        <xsd:restriction base="dms:Boolean"/>
-      </xsd:simpleType>
-    </xsd:element>
-    <xsd:element name="AssetType" ma:index="10" nillable="true" ma:displayName="Asset Type" ma:default="" ma:internalName="AssetType" ma:readOnly="false">
-      <xsd:simpleType>
-        <xsd:restriction base="dms:Unknown"/>
-      </xsd:simpleType>
-    </xsd:element>
-    <xsd:element name="APAuthor" ma:index="11" nillable="true" ma:displayName="Author" ma:default="" ma:list="UserInfo" ma:internalName="APAuthor" ma:readOnly="false">
-      <xsd:complexType>
-        <xsd:complexContent>
-          <xsd:extension base="dms:User">
-            <xsd:sequence>
-              <xsd:element name="UserInfo" minOccurs="0" maxOccurs="unbounded">
-                <xsd:complexType>
-                  <xsd:sequence>
-                    <xsd:element name="DisplayName" type="xsd:string" minOccurs="0"/>
-                    <xsd:element name="AccountId" type="dms:UserId" minOccurs="0" nillable="true"/>
-                    <xsd:element name="AccountType" type="xsd:string" minOccurs="0"/>
-                  </xsd:sequence>
-                </xsd:complexType>
-              </xsd:element>
-            </xsd:sequence>
-          </xsd:extension>
-        </xsd:complexContent>
-      </xsd:complexType>
-    </xsd:element>
-    <xsd:element name="AverageRating" ma:index="12" nillable="true" ma:displayName="Average Rating" ma:internalName="AverageRating" ma:readOnly="false">
-      <xsd:simpleType>
-        <xsd:restriction base="dms:Text"/>
-      </xsd:simpleType>
-    </xsd:element>
-    <xsd:element name="BlockPublish" ma:index="13" nillable="true" ma:displayName="Block from Publishing?" ma:default="" ma:internalName="BlockPublish" ma:readOnly="false">
-      <xsd:simpleType>
-        <xsd:restriction base="dms:Boolean"/>
-      </xsd:simpleType>
-    </xsd:element>
-    <xsd:element name="BugNumber" ma:index="14" nillable="true" ma:displayName="Bug Number" ma:default="" ma:internalName="BugNumber" ma:readOnly="false">
-      <xsd:simpleType>
-        <xsd:restriction base="dms:Text"/>
-      </xsd:simpleType>
-    </xsd:element>
-    <xsd:element name="CampaignTagsTaxHTField0" ma:index="16" nillable="true" ma:taxonomy="true" ma:internalName="CampaignTagsTaxHTField0" ma:taxonomyFieldName="CampaignTags" ma:displayName="Campaigns" ma:readOnly="false" ma:default="" ma:fieldId="{1df42cc3-2301-4f11-a52a-6ead923c29ed}" ma:taxonomyMulti="true" ma:sspId="8f79753a-75d3-41f5-8ca3-40b843941b4f" ma:termSetId="ca0e50d4-faa1-44ce-961e-bb1441c60e66" ma:anchorId="00000000-0000-0000-0000-000000000000" ma:open="false" ma:isKeyword="false">
-      <xsd:complexType>
-        <xsd:sequence>
-          <xsd:element ref="pc:Terms" minOccurs="0" maxOccurs="1"/>
-        </xsd:sequence>
-      </xsd:complexType>
-    </xsd:element>
-    <xsd:element name="TPClientViewer" ma:index="17" nillable="true" ma:displayName="Client Viewer" ma:default="" ma:internalName="TPClientViewer">
-      <xsd:simpleType>
-        <xsd:restriction base="dms:Text"/>
-      </xsd:simpleType>
-    </xsd:element>
-    <xsd:element name="ClipArtFilename" ma:index="18" nillable="true" ma:displayName="Clip Art Name" ma:default="" ma:internalName="ClipArtFilename" ma:readOnly="false">
-      <xsd:simpleType>
-        <xsd:restriction base="dms:Text"/>
-      </xsd:simpleType>
-    </xsd:element>
-    <xsd:element name="TPCommandLine" ma:index="19" nillable="true" ma:displayName="Command Line" ma:default="" ma:internalName="TPCommandLine">
-      <xsd:simpleType>
-        <xsd:restriction base="dms:Text"/>
-      </xsd:simpleType>
-    </xsd:element>
-    <xsd:element name="TPComponent" ma:index="20" nillable="true" ma:displayName="Component" ma:default="" ma:internalName="TPComponent">
-      <xsd:simpleType>
-        <xsd:restriction base="dms:Text"/>
-      </xsd:simpleType>
-    </xsd:element>
-    <xsd:element name="ContentItem" ma:index="21" nillable="true" ma:displayName="Content Item" ma:default="" ma:hidden="true" ma:internalName="ContentItem" ma:readOnly="false">
-      <xsd:simpleType>
-        <xsd:restriction base="dms:Unknown"/>
-      </xsd:simpleType>
-    </xsd:element>
-    <xsd:element name="CrawlForDependencies" ma:index="23" nillable="true" ma:displayName="Crawl for Dependencies?" ma:default="true" ma:internalName="CrawlForDependencies" ma:readOnly="false">
-      <xsd:simpleType>
-        <xsd:restriction base="dms:Boolean"/>
-      </xsd:simpleType>
-    </xsd:element>
-    <xsd:element name="CSXHash" ma:index="26" nillable="true" ma:displayName="CSX Hash" ma:default="" ma:indexed="true" ma:internalName="CSXHash" ma:readOnly="false">
-      <xsd:simpleType>
-        <xsd:restriction base="dms:Text"/>
-      </xsd:simpleType>
-    </xsd:element>
-    <xsd:element name="CSXSubmissionMarket" ma:index="27" nillable="true" ma:displayName="CSX Submission Market" ma:default="" ma:list="{2FBD1B11-2ACE-4FDC-B5A3-635D4ADF6F1B}" ma:internalName="CSXSubmissionMarket" ma:readOnly="false" ma:showField="MarketName" ma:web="4873beb7-5857-4685-be1f-d57550cc96cc">
-      <xsd:simpleType>
-        <xsd:restriction base="dms:Lookup"/>
-      </xsd:simpleType>
-    </xsd:element>
-    <xsd:element name="CSXUpdate" ma:index="28" nillable="true" ma:displayName="CSX Updated?" ma:default="false" ma:internalName="CSXUpdate" ma:readOnly="false">
-      <xsd:simpleType>
-        <xsd:restriction base="dms:Boolean"/>
-      </xsd:simpleType>
-    </xsd:element>
-    <xsd:element name="IntlLangReviewDate" ma:index="29" nillable="true" ma:displayName="Date to Complete Intl QA" ma:default="" ma:internalName="IntlLangReviewDate" ma:readOnly="false">
-      <xsd:simpleType>
-        <xsd:restriction base="dms:DateTime"/>
-      </xsd:simpleType>
-    </xsd:element>
-    <xsd:element name="IsDeleted" ma:index="30" nillable="true" ma:displayName="Deleted?" ma:default="" ma:internalName="IsDeleted" ma:readOnly="false">
-      <xsd:simpleType>
-        <xsd:restriction base="dms:Boolean"/>
-      </xsd:simpleType>
-    </xsd:element>
-    <xsd:element name="APDescription" ma:index="31" nillable="true" ma:displayName="Description" ma:default="" ma:internalName="APDescription" ma:readOnly="false">
-      <xsd:simpleType>
-        <xsd:restriction base="dms:Note"/>
-      </xsd:simpleType>
-    </xsd:element>
-    <xsd:element name="DirectSourceMarket" ma:index="32" nillable="true" ma:displayName="Direct Source Market Group" ma:default="" ma:internalName="DirectSourceMarket" ma:readOnly="false">
-      <xsd:simpleType>
-        <xsd:restriction base="dms:Text"/>
-      </xsd:simpleType>
-    </xsd:element>
-    <xsd:element name="Downloads" ma:index="33" nillable="true" ma:displayName="Downloads" ma:default="0" ma:hidden="true" ma:internalName="Downloads" ma:readOnly="false">
-      <xsd:simpleType>
-        <xsd:restriction base="dms:Unknown"/>
-      </xsd:simpleType>
-    </xsd:element>
-    <xsd:element name="DSATActionTaken" ma:index="34" nillable="true" ma:displayName="DSAT Action Taken" ma:default="" ma:internalName="DSATActionTaken" ma:readOnly="false">
-      <xsd:simpleType>
-        <xsd:restriction base="dms:Choice">
-          <xsd:enumeration value="Best Bets"/>
-          <xsd:enumeration value="Expire"/>
-          <xsd:enumeration value="Hide"/>
-          <xsd:enumeration value="None"/>
-        </xsd:restriction>
-      </xsd:simpleType>
-    </xsd:element>
-    <xsd:element name="APEditor" ma:index="35" nillable="true" ma:displayName="Editor" ma:default="" ma:list="UserInfo" ma:internalName="APEditor" ma:readOnly="false">
-      <xsd:complexType>
-        <xsd:complexContent>
-          <xsd:extension base="dms:User">
-            <xsd:sequence>
-              <xsd:element name="UserInfo" minOccurs="0" maxOccurs="unbounded">
-                <xsd:complexType>
-                  <xsd:sequence>
-                    <xsd:element name="DisplayName" type="xsd:string" minOccurs="0"/>
-                    <xsd:element name="AccountId" type="dms:UserId" minOccurs="0" nillable="true"/>
-                    <xsd:element name="AccountType" type="xsd:string" minOccurs="0"/>
-                  </xsd:sequence>
-                </xsd:complexType>
-              </xsd:element>
-            </xsd:sequence>
-          </xsd:extension>
-        </xsd:complexContent>
-      </xsd:complexType>
-    </xsd:element>
-    <xsd:element name="EditorialStatus" ma:index="36" nillable="true" ma:displayName="Editorial Status" ma:default="" ma:internalName="EditorialStatus" ma:readOnly="false">
-      <xsd:simpleType>
-        <xsd:restriction base="dms:Unknown"/>
-      </xsd:simpleType>
-    </xsd:element>
-    <xsd:element name="EditorialTags" ma:index="37" nillable="true" ma:displayName="Editorial Tags" ma:default="" ma:internalName="EditorialTags">
-      <xsd:simpleType>
-        <xsd:restriction base="dms:Unknown"/>
-      </xsd:simpleType>
-    </xsd:element>
-    <xsd:element name="TPExecutable" ma:index="38" nillable="true" ma:displayName="Executable" ma:default="" ma:internalName="TPExecutable">
-      <xsd:simpleType>
-        <xsd:restriction base="dms:Text"/>
-      </xsd:simpleType>
-    </xsd:element>
-    <xsd:element name="FeatureTagsTaxHTField0" ma:index="40" nillable="true" ma:taxonomy="true" ma:internalName="FeatureTagsTaxHTField0" ma:taxonomyFieldName="FeatureTags" ma:displayName="Features" ma:readOnly="false" ma:default="" ma:fieldId="{7fc0d542-15c6-4882-a8e3-13bca44403fb}" ma:taxonomyMulti="true" ma:sspId="8f79753a-75d3-41f5-8ca3-40b843941b4f" ma:termSetId="f1ab6845-967d-4854-a0ba-4ec07f0f8113" ma:anchorId="00000000-0000-0000-0000-000000000000" ma:open="false" ma:isKeyword="false">
-      <xsd:complexType>
-        <xsd:sequence>
-          <xsd:element ref="pc:Terms" minOccurs="0" maxOccurs="1"/>
-        </xsd:sequence>
-      </xsd:complexType>
-    </xsd:element>
-    <xsd:element name="TPFriendlyName" ma:index="41" nillable="true" ma:displayName="Friendly Name" ma:default="" ma:internalName="TPFriendlyName">
-      <xsd:simpleType>
-        <xsd:restriction base="dms:Text"/>
-      </xsd:simpleType>
-    </xsd:element>
-    <xsd:element name="FriendlyTitle" ma:index="42" nillable="true" ma:displayName="Friendly Title" ma:default="" ma:description="Shorter title to be used when displaying search results" ma:internalName="FriendlyTitle" ma:readOnly="false">
-      <xsd:simpleType>
-        <xsd:restriction base="dms:Text"/>
-      </xsd:simpleType>
-    </xsd:element>
-    <xsd:element name="PrimaryImageGen" ma:index="43" nillable="true" ma:displayName="Generate Images?" ma:default="true" ma:internalName="PrimaryImageGen">
-      <xsd:simpleType>
-        <xsd:restriction base="dms:Boolean"/>
-      </xsd:simpleType>
-    </xsd:element>
-    <xsd:element name="HandoffToMSDN" ma:index="44" nillable="true" ma:displayName="Handoff To MSDN Date" ma:default="" ma:internalName="HandoffToMSDN" ma:readOnly="false">
-      <xsd:simpleType>
-        <xsd:restriction base="dms:DateTime"/>
-      </xsd:simpleType>
-    </xsd:element>
-    <xsd:element name="InProjectListLookup" ma:index="45" nillable="true" ma:displayName="InProjectListLookup" ma:list="{9E343742-310B-4684-A24C-1D137CB4B230}" ma:internalName="InProjectListLookup" ma:readOnly="true" ma:showField="InProjectList" ma:web="4873beb7-5857-4685-be1f-d57550cc96cc">
-      <xsd:complexType>
-        <xsd:complexContent>
-          <xsd:extension base="dms:MultiChoiceLookup">
-            <xsd:sequence>
-              <xsd:element name="Value" type="dms:Lookup" maxOccurs="unbounded" minOccurs="0" nillable="true"/>
-            </xsd:sequence>
-          </xsd:extension>
-        </xsd:complexContent>
-      </xsd:complexType>
-    </xsd:element>
-    <xsd:element name="TPInstallLocation" ma:index="46" nillable="true" ma:displayName="Install Location" ma:default="" ma:internalName="TPInstallLocation">
-      <xsd:simpleType>
-        <xsd:restriction base="dms:Text"/>
-      </xsd:simpleType>
-    </xsd:element>
-    <xsd:element name="InternalTagsTaxHTField0" ma:index="48" nillable="true" ma:taxonomy="true" ma:internalName="InternalTagsTaxHTField0" ma:taxonomyFieldName="InternalTags" ma:displayName="Internal Tags" ma:readOnly="false" ma:default="" ma:fieldId="{1490b8a4-2706-41ec-b5e3-73176dccf34e}" ma:taxonomyMulti="true" ma:sspId="8f79753a-75d3-41f5-8ca3-40b843941b4f" ma:termSetId="82b6639e-f7fc-4c18-ad2d-003a6e707765" ma:anchorId="00000000-0000-0000-0000-000000000000" ma:open="false" ma:isKeyword="false">
-      <xsd:complexType>
-        <xsd:sequence>
-          <xsd:element ref="pc:Terms" minOccurs="0" maxOccurs="1"/>
-        </xsd:sequence>
-      </xsd:complexType>
-    </xsd:element>
-    <xsd:element name="IntlLangReview" ma:index="49" nillable="true" ma:displayName="Intl Lang QA Review Required?" ma:default="" ma:internalName="IntlLangReview" ma:readOnly="false">
-      <xsd:simpleType>
-        <xsd:restriction base="dms:Boolean"/>
-      </xsd:simpleType>
-    </xsd:element>
-    <xsd:element name="IntlLangReviewer" ma:index="50" nillable="true" ma:displayName="Intl Lang QA Reviewer" ma:default="" ma:internalName="IntlLangReviewer" ma:readOnly="false">
-      <xsd:simpleType>
-        <xsd:restriction base="dms:Text"/>
-      </xsd:simpleType>
-    </xsd:element>
-    <xsd:element name="MarketSpecific" ma:index="51" nillable="true" ma:displayName="Is Market Specific?" ma:default="" ma:internalName="MarketSpecific" ma:readOnly="false">
-      <xsd:simpleType>
-        <xsd:restriction base="dms:Boolean"/>
-      </xsd:simpleType>
-    </xsd:element>
-    <xsd:element name="LastCompleteVersionLookup" ma:index="52" nillable="true" ma:displayName="Last Complete Version Lookup" ma:default="" ma:list="{9E343742-310B-4684-A24C-1D137CB4B230}" ma:internalName="LastCompleteVersionLookup" ma:readOnly="true" ma:showField="LastCompleteVersion" ma:web="4873beb7-5857-4685-be1f-d57550cc96cc">
-      <xsd:complexType>
-        <xsd:complexContent>
-          <xsd:extension base="dms:MultiChoiceLookup">
-            <xsd:sequence>
-              <xsd:element name="Value" type="dms:Lookup" maxOccurs="unbounded" minOccurs="0" nillable="true"/>
-            </xsd:sequence>
-          </xsd:extension>
-        </xsd:complexContent>
-      </xsd:complexType>
-    </xsd:element>
-    <xsd:element name="LastHandOff" ma:index="53" nillable="true" ma:displayName="Last Hand-off" ma:default="" ma:internalName="LastHandOff" ma:readOnly="false">
-      <xsd:simpleType>
-        <xsd:restriction base="dms:DateTime"/>
-      </xsd:simpleType>
-    </xsd:element>
-    <xsd:element name="LastModifiedDateTime" ma:index="54" nillable="true" ma:displayName="Last Modified Date" ma:default="" ma:internalName="LastModifiedDateTime" ma:readOnly="false">
-      <xsd:simpleType>
-        <xsd:restriction base="dms:DateTime"/>
-      </xsd:simpleType>
-    </xsd:element>
-    <xsd:element name="LastPreviewErrorLookup" ma:index="55" nillable="true" ma:displayName="Last Preview Attempt Error" ma:default="" ma:list="{9E343742-310B-4684-A24C-1D137CB4B230}" ma:internalName="LastPreviewErrorLookup" ma:readOnly="true" ma:showField="LastPreviewError" ma:web="4873beb7-5857-4685-be1f-d57550cc96cc">
-      <xsd:complexType>
-        <xsd:complexContent>
-          <xsd:extension base="dms:MultiChoiceLookup">
-            <xsd:sequence>
-              <xsd:element name="Value" type="dms:Lookup" maxOccurs="unbounded" minOccurs="0" nillable="true"/>
-            </xsd:sequence>
-          </xsd:extension>
-        </xsd:complexContent>
-      </xsd:complexType>
-    </xsd:element>
-    <xsd:element name="LastPreviewResultLookup" ma:index="56" nillable="true" ma:displayName="Last Preview Attempt Result" ma:default="" ma:list="{9E343742-310B-4684-A24C-1D137CB4B230}" ma:internalName="LastPreviewResultLookup" ma:readOnly="true" ma:showField="LastPreviewResult" ma:web="4873beb7-5857-4685-be1f-d57550cc96cc">
-      <xsd:complexType>
-        <xsd:complexContent>
-          <xsd:extension base="dms:MultiChoiceLookup">
-            <xsd:sequence>
-              <xsd:element name="Value" type="dms:Lookup" maxOccurs="unbounded" minOccurs="0" nillable="true"/>
-            </xsd:sequence>
-          </xsd:extension>
-        </xsd:complexContent>
-      </xsd:complexType>
-    </xsd:element>
-    <xsd:element name="LastPreviewAttemptDateLookup" ma:index="57" nillable="true" ma:displayName="Last Preview Attempted On" ma:default="" ma:list="{9E343742-310B-4684-A24C-1D137CB4B230}" ma:internalName="LastPreviewAttemptDateLookup" ma:readOnly="true" ma:showField="LastPreviewAttemptDate" ma:web="4873beb7-5857-4685-be1f-d57550cc96cc">
-      <xsd:complexType>
-        <xsd:complexContent>
-          <xsd:extension base="dms:MultiChoiceLookup">
-            <xsd:sequence>
-              <xsd:element name="Value" type="dms:Lookup" maxOccurs="unbounded" minOccurs="0" nillable="true"/>
-            </xsd:sequence>
-          </xsd:extension>
-        </xsd:complexContent>
-      </xsd:complexType>
-    </xsd:element>
-    <xsd:element name="LastPreviewedByLookup" ma:index="58" nillable="true" ma:displayName="Last Previewed By" ma:default="" ma:list="{9E343742-310B-4684-A24C-1D137CB4B230}" ma:internalName="LastPreviewedByLookup" ma:readOnly="true" ma:showField="LastPreviewedBy" ma:web="4873beb7-5857-4685-be1f-d57550cc96cc">
-      <xsd:complexType>
-        <xsd:complexContent>
-          <xsd:extension base="dms:MultiChoiceLookup">
-            <xsd:sequence>
-              <xsd:element name="Value" type="dms:Lookup" maxOccurs="unbounded" minOccurs="0" nillable="true"/>
-            </xsd:sequence>
-          </xsd:extension>
-        </xsd:complexContent>
-      </xsd:complexType>
-    </xsd:element>
-    <xsd:element name="LastPreviewTimeLookup" ma:index="59" nillable="true" ma:displayName="Last Previewed Date" ma:default="" ma:list="{9E343742-310B-4684-A24C-1D137CB4B230}" ma:internalName="LastPreviewTimeLookup" ma:readOnly="true" ma:showField="LastPreviewTime" ma:web="4873beb7-5857-4685-be1f-d57550cc96cc">
-      <xsd:complexType>
-        <xsd:complexContent>
-          <xsd:extension base="dms:MultiChoiceLookup">
-            <xsd:sequence>
-              <xsd:element name="Value" type="dms:Lookup" maxOccurs="unbounded" minOccurs="0" nillable="true"/>
-            </xsd:sequence>
-          </xsd:extension>
-        </xsd:complexContent>
-      </xsd:complexType>
-    </xsd:element>
-    <xsd:element name="LastPreviewVersionLookup" ma:index="60" nillable="true" ma:displayName="Last Previewed Version" ma:default="" ma:list="{9E343742-310B-4684-A24C-1D137CB4B230}" ma:internalName="LastPreviewVersionLookup" ma:readOnly="true" ma:showField="LastPreviewVersion" ma:web="4873beb7-5857-4685-be1f-d57550cc96cc">
-      <xsd:complexType>
-        <xsd:complexContent>
-          <xsd:extension base="dms:MultiChoiceLookup">
-            <xsd:sequence>
-              <xsd:element name="Value" type="dms:Lookup" maxOccurs="unbounded" minOccurs="0" nillable="true"/>
-            </xsd:sequence>
-          </xsd:extension>
-        </xsd:complexContent>
-      </xsd:complexType>
-    </xsd:element>
-    <xsd:element name="LastPublishErrorLookup" ma:index="61" nillable="true" ma:displayName="Last Publish Attempt Error" ma:default="" ma:list="{9E343742-310B-4684-A24C-1D137CB4B230}" ma:internalName="LastPublishErrorLookup" ma:readOnly="true" ma:showField="LastPublishError" ma:web="4873beb7-5857-4685-be1f-d57550cc96cc">
-      <xsd:complexType>
-        <xsd:complexContent>
-          <xsd:extension base="dms:MultiChoiceLookup">
-            <xsd:sequence>
-              <xsd:element name="Value" type="dms:Lookup" maxOccurs="unbounded" minOccurs="0" nillable="true"/>
-            </xsd:sequence>
-          </xsd:extension>
-        </xsd:complexContent>
-      </xsd:complexType>
-    </xsd:element>
-    <xsd:element name="LastPublishResultLookup" ma:index="62" nillable="true" ma:displayName="Last Publish Attempt Result" ma:default="" ma:list="{9E343742-310B-4684-A24C-1D137CB4B230}" ma:internalName="LastPublishResultLookup" ma:readOnly="true" ma:showField="LastPublishResult" ma:web="4873beb7-5857-4685-be1f-d57550cc96cc">
-      <xsd:complexType>
-        <xsd:complexContent>
-          <xsd:extension base="dms:MultiChoiceLookup">
-            <xsd:sequence>
-              <xsd:element name="Value" type="dms:Lookup" maxOccurs="unbounded" minOccurs="0" nillable="true"/>
-            </xsd:sequence>
-          </xsd:extension>
-        </xsd:complexContent>
-      </xsd:complexType>
-    </xsd:element>
-    <xsd:element name="LastPublishAttemptDateLookup" ma:index="63" nillable="true" ma:displayName="Last Publish Attempted On" ma:default="" ma:list="{9E343742-310B-4684-A24C-1D137CB4B230}" ma:internalName="LastPublishAttemptDateLookup" ma:readOnly="true" ma:showField="LastPublishAttemptDate" ma:web="4873beb7-5857-4685-be1f-d57550cc96cc">
-      <xsd:complexType>
-        <xsd:complexContent>
-          <xsd:extension base="dms:MultiChoiceLookup">
-            <xsd:sequence>
-              <xsd:element name="Value" type="dms:Lookup" maxOccurs="unbounded" minOccurs="0" nillable="true"/>
-            </xsd:sequence>
-          </xsd:extension>
-        </xsd:complexContent>
-      </xsd:complexType>
-    </xsd:element>
-    <xsd:element name="LastPublishedByLookup" ma:index="64" nillable="true" ma:displayName="Last Published By" ma:default="" ma:list="{9E343742-310B-4684-A24C-1D137CB4B230}" ma:internalName="LastPublishedByLookup" ma:readOnly="true" ma:showField="LastPublishedBy" ma:web="4873beb7-5857-4685-be1f-d57550cc96cc">
-      <xsd:complexType>
-        <xsd:complexContent>
-          <xsd:extension base="dms:MultiChoiceLookup">
-            <xsd:sequence>
-              <xsd:element name="Value" type="dms:Lookup" maxOccurs="unbounded" minOccurs="0" nillable="true"/>
-            </xsd:sequence>
-          </xsd:extension>
-        </xsd:complexContent>
-      </xsd:complexType>
-    </xsd:element>
-    <xsd:element name="LastPublishTimeLookup" ma:index="65" nillable="true" ma:displayName="Last Published Date" ma:default="" ma:list="{9E343742-310B-4684-A24C-1D137CB4B230}" ma:internalName="LastPublishTimeLookup" ma:readOnly="true" ma:showField="LastPublishTime" ma:web="4873beb7-5857-4685-be1f-d57550cc96cc">
-      <xsd:complexType>
-        <xsd:complexContent>
-          <xsd:extension base="dms:MultiChoiceLookup">
-            <xsd:sequence>
-              <xsd:element name="Value" type="dms:Lookup" maxOccurs="unbounded" minOccurs="0" nillable="true"/>
-            </xsd:sequence>
-          </xsd:extension>
-        </xsd:complexContent>
-      </xsd:complexType>
-    </xsd:element>
-    <xsd:element name="LastPublishVersionLookup" ma:index="66" nillable="true" ma:displayName="Last Published Version" ma:default="" ma:list="{9E343742-310B-4684-A24C-1D137CB4B230}" ma:internalName="LastPublishVersionLookup" ma:readOnly="true" ma:showField="LastPublishVersion" ma:web="4873beb7-5857-4685-be1f-d57550cc96cc">
-      <xsd:complexType>
-        <xsd:complexContent>
-          <xsd:extension base="dms:MultiChoiceLookup">
-            <xsd:sequence>
-              <xsd:element name="Value" type="dms:Lookup" maxOccurs="unbounded" minOccurs="0" nillable="true"/>
-            </xsd:sequence>
-          </xsd:extension>
-        </xsd:complexContent>
-      </xsd:complexType>
-    </xsd:element>
-    <xsd:element name="TPLaunchHelpLinkType" ma:index="67" nillable="true" ma:displayName="Launch Help Link Type" ma:default="Template" ma:internalName="TPLaunchHelpLinkType">
-      <xsd:simpleType>
-        <xsd:restriction base="dms:Choice">
-          <xsd:enumeration value="Template"/>
-          <xsd:enumeration value="Training"/>
-          <xsd:enumeration value="URL"/>
-          <xsd:enumeration value="None"/>
-        </xsd:restriction>
-      </xsd:simpleType>
-    </xsd:element>
-    <xsd:element name="LegacyData" ma:index="68" nillable="true" ma:displayName="Legacy Data" ma:default="" ma:internalName="LegacyData" ma:readOnly="false">
-      <xsd:simpleType>
-        <xsd:restriction base="dms:Note"/>
-      </xsd:simpleType>
-    </xsd:element>
-    <xsd:element name="TPLaunchHelpLink" ma:index="69" nillable="true" ma:displayName="Link to Launch Help Topic" ma:default="" ma:internalName="TPLaunchHelpLink">
-      <xsd:simpleType>
-        <xsd:restriction base="dms:Text"/>
-      </xsd:simpleType>
-    </xsd:element>
-    <xsd:element name="LocComments" ma:index="70" nillable="true" ma:displayName="Loc Approval Comments" ma:default="" ma:internalName="LocComments" ma:readOnly="false">
-      <xsd:simpleType>
-        <xsd:restriction base="dms:Note"/>
-      </xsd:simpleType>
-    </xsd:element>
-    <xsd:element name="LocLastLocAttemptVersionLookup" ma:index="71" nillable="true" ma:displayName="Loc Last Loc Attempt Version" ma:default="" ma:list="{7DD1DCEC-E449-43D3-891F-7DC62F62AD21}" ma:internalName="LocLastLocAttemptVersionLookup" ma:readOnly="false" ma:showField="LastLocAttemptVersion" ma:web="4873beb7-5857-4685-be1f-d57550cc96cc">
-      <xsd:simpleType>
-        <xsd:restriction base="dms:Lookup"/>
-      </xsd:simpleType>
-    </xsd:element>
-    <xsd:element name="LocLastLocAttemptVersionTypeLookup" ma:index="72" nillable="true" ma:displayName="Loc Last Loc Attempt Version Type" ma:default="" ma:list="{7DD1DCEC-E449-43D3-891F-7DC62F62AD21}" ma:internalName="LocLastLocAttemptVersionTypeLookup" ma:readOnly="true" ma:showField="LastLocAttemptVersionType" ma:web="4873beb7-5857-4685-be1f-d57550cc96cc">
-      <xsd:simpleType>
-        <xsd:restriction base="dms:Lookup"/>
-      </xsd:simpleType>
-    </xsd:element>
-    <xsd:element name="LocManualTestRequired" ma:index="73" nillable="true" ma:displayName="Loc Manual Test Required" ma:default="" ma:internalName="LocManualTestRequired" ma:readOnly="false">
-      <xsd:simpleType>
-        <xsd:restriction base="dms:Boolean"/>
-      </xsd:simpleType>
-    </xsd:element>
-    <xsd:element name="LocMarketGroupTiers2" ma:index="74" nillable="true" ma:displayName="Loc Market Group Tiers" ma:internalName="LocMarketGroupTiers2" ma:readOnly="false">
-      <xsd:simpleType>
-        <xsd:restriction base="dms:Unknown"/>
-      </xsd:simpleType>
-    </xsd:element>
-    <xsd:element name="LocNewPublishedVersionLookup" ma:index="75" nillable="true" ma:displayName="Loc New Published Version Lookup" ma:default="" ma:list="{7DD1DCEC-E449-43D3-891F-7DC62F62AD21}" ma:internalName="LocNewPublishedVersionLookup" ma:readOnly="true" ma:showField="NewPublishedVersion" ma:web="4873beb7-5857-4685-be1f-d57550cc96cc">
-      <xsd:simpleType>
-        <xsd:restriction base="dms:Lookup"/>
-      </xsd:simpleType>
-    </xsd:element>
-    <xsd:element name="LocOverallHandbackStatusLookup" ma:index="76" nillable="true" ma:displayName="Loc Overall Handback Status" ma:default="" ma:list="{7DD1DCEC-E449-43D3-891F-7DC62F62AD21}" ma:internalName="LocOverallHandbackStatusLookup" ma:readOnly="true" ma:showField="OverallHandbackStatus" ma:web="4873beb7-5857-4685-be1f-d57550cc96cc">
-      <xsd:simpleType>
-        <xsd:restriction base="dms:Lookup"/>
-      </xsd:simpleType>
-    </xsd:element>
-    <xsd:element name="LocOverallLocStatusLookup" ma:index="77" nillable="true" ma:displayName="Loc Overall Localize Status" ma:default="" ma:list="{7DD1DCEC-E449-43D3-891F-7DC62F62AD21}" ma:internalName="LocOverallLocStatusLookup" ma:readOnly="true" ma:showField="OverallLocStatus" ma:web="4873beb7-5857-4685-be1f-d57550cc96cc">
-      <xsd:simpleType>
-        <xsd:restriction base="dms:Lookup"/>
-      </xsd:simpleType>
-    </xsd:element>
-    <xsd:element name="LocOverallPreviewStatusLookup" ma:index="78" nillable="true" ma:displayName="Loc Overall Preview Status" ma:default="" ma:list="{7DD1DCEC-E449-43D3-891F-7DC62F62AD21}" ma:internalName="LocOverallPreviewStatusLookup" ma:readOnly="true" ma:showField="OverallPreviewStatus" ma:web="4873beb7-5857-4685-be1f-d57550cc96cc">
-      <xsd:simpleType>
-        <xsd:restriction base="dms:Lookup"/>
-      </xsd:simpleType>
-    </xsd:element>
-    <xsd:element name="LocOverallPublishStatusLookup" ma:index="79" nillable="true" ma:displayName="Loc Overall Publish Status" ma:default="" ma:list="{7DD1DCEC-E449-43D3-891F-7DC62F62AD21}" ma:internalName="LocOverallPublishStatusLookup" ma:readOnly="true" ma:showField="OverallPublishStatus" ma:web="4873beb7-5857-4685-be1f-d57550cc96cc">
-      <xsd:simpleType>
-        <xsd:restriction base="dms:Lookup"/>
-      </xsd:simpleType>
-    </xsd:element>
-    <xsd:element name="IntlLocPriority" ma:index="80" nillable="true" ma:displayName="Loc Priority" ma:default="" ma:internalName="IntlLocPriority" ma:readOnly="false">
-      <xsd:simpleType>
-        <xsd:restriction base="dms:Unknown"/>
-      </xsd:simpleType>
-    </xsd:element>
-    <xsd:element name="LocProcessedForHandoffsLookup" ma:index="81" nillable="true" ma:displayName="Loc Processed For Handoffs" ma:default="" ma:list="{7DD1DCEC-E449-43D3-891F-7DC62F62AD21}" ma:internalName="LocProcessedForHandoffsLookup" ma:readOnly="true" ma:showField="ProcessedForHandoffs" ma:web="4873beb7-5857-4685-be1f-d57550cc96cc">
-      <xsd:simpleType>
-        <xsd:restriction base="dms:Lookup"/>
-      </xsd:simpleType>
-    </xsd:element>
-    <xsd:element name="LocProcessedForMarketsLookup" ma:index="82" nillable="true" ma:displayName="Loc Processed For Markets" ma:default="" ma:list="{7DD1DCEC-E449-43D3-891F-7DC62F62AD21}" ma:internalName="LocProcessedForMarketsLookup" ma:readOnly="true" ma:showField="ProcessedForMarkets" ma:web="4873beb7-5857-4685-be1f-d57550cc96cc">
-      <xsd:simpleType>
-        <xsd:restriction base="dms:Lookup"/>
-      </xsd:simpleType>
-    </xsd:element>
-    <xsd:element name="LocPublishedDependentAssetsLookup" ma:index="83" nillable="true" ma:displayName="Loc Published Dependent Assets" ma:default="" ma:list="{7DD1DCEC-E449-43D3-891F-7DC62F62AD21}" ma:internalName="LocPublishedDependentAssetsLookup" ma:readOnly="true" ma:showField="PublishedDependentAssets" ma:web="4873beb7-5857-4685-be1f-d57550cc96cc">
-      <xsd:simpleType>
-        <xsd:restriction base="dms:Lookup"/>
-      </xsd:simpleType>
-    </xsd:element>
-    <xsd:element name="LocPublishedLinkedAssetsLookup" ma:index="84" nillable="true" ma:displayName="Loc Published Linked Assets" ma:default="" ma:list="{7DD1DCEC-E449-43D3-891F-7DC62F62AD21}" ma:internalName="LocPublishedLinkedAssetsLookup" ma:readOnly="true" ma:showField="PublishedLinkedAssets" ma:web="4873beb7-5857-4685-be1f-d57550cc96cc">
-      <xsd:simpleType>
-        <xsd:restriction base="dms:Lookup"/>
-      </xsd:simpleType>
-    </xsd:element>
-    <xsd:element name="LocRecommendedHandoff" ma:index="85" nillable="true" ma:displayName="Loc Recommended Handoff" ma:default="" ma:indexed="true" ma:internalName="LocRecommendedHandoff" ma:readOnly="false">
-      <xsd:simpleType>
-        <xsd:restriction base="dms:Text"/>
-      </xsd:simpleType>
-    </xsd:element>
-    <xsd:element name="LocalizationTagsTaxHTField0" ma:index="87" nillable="true" ma:taxonomy="true" ma:internalName="LocalizationTagsTaxHTField0" ma:taxonomyFieldName="LocalizationTags" ma:displayName="Localization Tags" ma:readOnly="false" ma:default="" ma:fieldId="{00f02cb3-2c7c-424a-9c61-10e9b6878429}" ma:taxonomyMulti="true" ma:sspId="8f79753a-75d3-41f5-8ca3-40b843941b4f" ma:termSetId="5b7703a5-8e8b-4b58-8b31-1cea35331da3" ma:anchorId="00000000-0000-0000-0000-000000000000" ma:open="false" ma:isKeyword="false">
-      <xsd:complexType>
-        <xsd:sequence>
-          <xsd:element ref="pc:Terms" minOccurs="0" maxOccurs="1"/>
-        </xsd:sequence>
-      </xsd:complexType>
-    </xsd:element>
-    <xsd:element name="MachineTranslated" ma:index="88" nillable="true" ma:displayName="Machine Translated" ma:default="" ma:internalName="MachineTranslated" ma:readOnly="false">
-      <xsd:simpleType>
-        <xsd:restriction base="dms:Boolean"/>
-      </xsd:simpleType>
-    </xsd:element>
-    <xsd:element name="Manager" ma:index="89" nillable="true" ma:displayName="Manager" ma:hidden="true" ma:internalName="Manager" ma:readOnly="false">
-      <xsd:simpleType>
-        <xsd:restriction base="dms:Text"/>
-      </xsd:simpleType>
-    </xsd:element>
-    <xsd:element name="Markets" ma:index="90" nillable="true" ma:displayName="Markets" ma:default="" ma:description="Leave blank to show in all markets" ma:list="{2FBD1B11-2ACE-4FDC-B5A3-635D4ADF6F1B}" ma:internalName="Markets" ma:readOnly="false" ma:showField="MarketName" ma:web="4873beb7-5857-4685-be1f-d57550cc96cc">
-      <xsd:complexType>
-        <xsd:complexContent>
-          <xsd:extension base="dms:MultiChoiceLookup">
-            <xsd:sequence>
-              <xsd:element name="Value" type="dms:Lookup" maxOccurs="unbounded" minOccurs="0" nillable="true"/>
-            </xsd:sequence>
-          </xsd:extension>
-        </xsd:complexContent>
-      </xsd:complexType>
-    </xsd:element>
-    <xsd:element name="Milestone" ma:index="91" nillable="true" ma:displayName="Milestone" ma:default="" ma:internalName="Milestone" ma:readOnly="false">
-      <xsd:simpleType>
-        <xsd:restriction base="dms:Unknown"/>
-      </xsd:simpleType>
-    </xsd:element>
-    <xsd:element name="TPNamespace" ma:index="94" nillable="true" ma:displayName="Namespace" ma:default="" ma:internalName="TPNamespace">
-      <xsd:simpleType>
-        <xsd:restriction base="dms:Text"/>
-      </xsd:simpleType>
-    </xsd:element>
-    <xsd:element name="NumericId" ma:index="95" nillable="true" ma:displayName="Numeric ID" ma:default="" ma:indexed="true" ma:internalName="NumericId" ma:readOnly="false">
-      <xsd:simpleType>
-        <xsd:restriction base="dms:Number"/>
-      </xsd:simpleType>
-    </xsd:element>
-    <xsd:element name="NumOfRatingsLookup" ma:index="96" nillable="true" ma:displayName="NumOfRatings" ma:default="" ma:list="{9E343742-310B-4684-A24C-1D137CB4B230}" ma:internalName="NumOfRatingsLookup" ma:readOnly="true" ma:showField="NumOfRatings" ma:web="4873beb7-5857-4685-be1f-d57550cc96cc">
-      <xsd:complexType>
-        <xsd:complexContent>
-          <xsd:extension base="dms:MultiChoiceLookup">
-            <xsd:sequence>
-              <xsd:element name="Value" type="dms:Lookup" maxOccurs="unbounded" minOccurs="0" nillable="true"/>
-            </xsd:sequence>
-          </xsd:extension>
-        </xsd:complexContent>
-      </xsd:complexType>
-    </xsd:element>
-    <xsd:element name="OOCacheId" ma:index="97" nillable="true" ma:displayName="OOCacheId" ma:internalName="OOCacheId" ma:readOnly="false">
-      <xsd:simpleType>
-        <xsd:restriction base="dms:Text"/>
-      </xsd:simpleType>
-    </xsd:element>
-    <xsd:element name="OpenTemplate" ma:index="98" nillable="true" ma:displayName="Open Template" ma:default="true" ma:internalName="OpenTemplate">
-      <xsd:simpleType>
-        <xsd:restriction base="dms:Boolean"/>
-      </xsd:simpleType>
-    </xsd:element>
-    <xsd:element name="OriginAsset" ma:index="99" nillable="true" ma:displayName="Origin Asset" ma:default="" ma:internalName="OriginAsset" ma:readOnly="false">
-      <xsd:simpleType>
-        <xsd:restriction base="dms:Text"/>
-      </xsd:simpleType>
-    </xsd:element>
-    <xsd:element name="OriginalRelease" ma:index="100" nillable="true" ma:displayName="Original Release" ma:default="15" ma:internalName="OriginalRelease" ma:readOnly="false">
-      <xsd:simpleType>
-        <xsd:restriction base="dms:Choice">
-          <xsd:enumeration value="14"/>
-          <xsd:enumeration value="15"/>
-          <xsd:enumeration value="16"/>
-        </xsd:restriction>
-      </xsd:simpleType>
-    </xsd:element>
-    <xsd:element name="OriginalSourceMarket" ma:index="101" nillable="true" ma:displayName="Original Source Market Group" ma:default="" ma:internalName="OriginalSourceMarket" ma:readOnly="false">
-      <xsd:simpleType>
-        <xsd:restriction base="dms:Text"/>
-      </xsd:simpleType>
-    </xsd:element>
-    <xsd:element name="OutputCachingOn" ma:index="102" nillable="true" ma:displayName="Output Caching" ma:default="true" ma:hidden="true" ma:internalName="OutputCachingOn" ma:readOnly="false">
-      <xsd:simpleType>
-        <xsd:restriction base="dms:Boolean"/>
-      </xsd:simpleType>
-    </xsd:element>
-    <xsd:element name="ParentAssetId" ma:index="103" nillable="true" ma:displayName="Parent Asset Id" ma:default="" ma:internalName="ParentAssetId" ma:readOnly="false">
-      <xsd:simpleType>
-        <xsd:restriction base="dms:Text"/>
-      </xsd:simpleType>
-    </xsd:element>
-    <xsd:element name="PlannedPubDate" ma:index="104" nillable="true" ma:displayName="Planned Publish Date" ma:default="" ma:indexed="true" ma:internalName="PlannedPubDate" ma:readOnly="false">
-      <xsd:simpleType>
-        <xsd:restriction base="dms:DateTime"/>
-      </xsd:simpleType>
-    </xsd:element>
-    <xsd:element name="PolicheckWords" ma:index="105" nillable="true" ma:displayName="Policheck Words" ma:default="" ma:internalName="PolicheckWords" ma:readOnly="false">
-      <xsd:simpleType>
-        <xsd:restriction base="dms:Text"/>
-      </xsd:simpleType>
-    </xsd:element>
-    <xsd:element name="BusinessGroup" ma:index="106" nillable="true" ma:displayName="Product Division Owner" ma:default="" ma:internalName="BusinessGroup" ma:readOnly="false">
-      <xsd:simpleType>
-        <xsd:restriction base="dms:Unknown"/>
-      </xsd:simpleType>
-    </xsd:element>
-    <xsd:element name="UAProjectedTotalWords" ma:index="107" nillable="true" ma:displayName="Projected Word Count" ma:default="" ma:internalName="UAProjectedTotalWords" ma:readOnly="false">
-      <xsd:simpleType>
-        <xsd:restriction base="dms:Unknown"/>
-      </xsd:simpleType>
-    </xsd:element>
-    <xsd:element name="Provider" ma:index="108" nillable="true" ma:displayName="Provider" ma:default="" ma:internalName="Provider" ma:readOnly="false">
-      <xsd:simpleType>
-        <xsd:restriction base="dms:Unknown"/>
-      </xsd:simpleType>
-    </xsd:element>
-    <xsd:element name="Providers" ma:index="109" nillable="true" ma:displayName="Providers" ma:default="" ma:internalName="Providers">
-      <xsd:simpleType>
-        <xsd:restriction base="dms:Unknown"/>
-      </xsd:simpleType>
-    </xsd:element>
-    <xsd:element name="PublishStatusLookup" ma:index="110" nillable="true" ma:displayName="Publish Status" ma:default="" ma:list="{9E343742-310B-4684-A24C-1D137CB4B230}" ma:internalName="PublishStatusLookup" ma:readOnly="false" ma:showField="PublishStatus" ma:web="4873beb7-5857-4685-be1f-d57550cc96cc">
-      <xsd:complexType>
-        <xsd:complexContent>
-          <xsd:extension base="dms:MultiChoiceLookup">
-            <xsd:sequence>
-              <xsd:element name="Value" type="dms:Lookup" maxOccurs="unbounded" minOccurs="0" nillable="true"/>
-            </xsd:sequence>
-          </xsd:extension>
-        </xsd:complexContent>
-      </xsd:complexType>
-    </xsd:element>
-    <xsd:element name="PublishTargets" ma:index="111" nillable="true" ma:displayName="Publish Target" ma:default="OfficeOnlineVNext" ma:internalName="PublishTargets" ma:readOnly="false">
-      <xsd:simpleType>
-        <xsd:restriction base="dms:Unknown"/>
-      </xsd:simpleType>
-    </xsd:element>
-    <xsd:element name="RecommendationsModifier" ma:index="112" nillable="true" ma:displayName="Recommendations Modifier" ma:default="" ma:internalName="RecommendationsModifier" ma:readOnly="false">
-      <xsd:simpleType>
-        <xsd:restriction base="dms:Number"/>
-      </xsd:simpleType>
-    </xsd:element>
-    <xsd:element name="ArtSampleDocs" ma:index="113" nillable="true" ma:displayName="Sample Docs" ma:default="" ma:hidden="true" ma:internalName="ArtSampleDocs" ma:readOnly="false">
-      <xsd:simpleType>
-        <xsd:restriction base="dms:Text"/>
-      </xsd:simpleType>
-    </xsd:element>
-    <xsd:element name="ScenarioTagsTaxHTField0" ma:index="115" nillable="true" ma:taxonomy="true" ma:internalName="ScenarioTagsTaxHTField0" ma:taxonomyFieldName="ScenarioTags" ma:displayName="Scenarios" ma:readOnly="false" ma:default="" ma:fieldId="{93aef74d-6c78-4815-8310-51477dceeccc}" ma:taxonomyMulti="true" ma:sspId="8f79753a-75d3-41f5-8ca3-40b843941b4f" ma:termSetId="4b7d5f16-e2f2-4fc0-bab3-6e8b931e57d6" ma:anchorId="00000000-0000-0000-0000-000000000000" ma:open="false" ma:isKeyword="false">
-      <xsd:complexType>
-        <xsd:sequence>
-          <xsd:element ref="pc:Terms" minOccurs="0" maxOccurs="1"/>
-        </xsd:sequence>
-      </xsd:complexType>
-    </xsd:element>
-    <xsd:element name="ShowIn" ma:index="117" nillable="true" ma:displayName="Show In" ma:default="Show everywhere" ma:internalName="ShowIn" ma:readOnly="false">
-      <xsd:simpleType>
-        <xsd:restriction base="dms:Choice">
-          <xsd:enumeration value="Hide on web"/>
-          <xsd:enumeration value="On Web no search"/>
-          <xsd:enumeration value="Show everywhere"/>
-          <xsd:enumeration value="Special use only"/>
-        </xsd:restriction>
-      </xsd:simpleType>
-    </xsd:element>
-    <xsd:element name="SourceTitle" ma:index="118" nillable="true" ma:displayName="Source Title" ma:default="" ma:indexed="true" ma:internalName="SourceTitle" ma:readOnly="false">
-      <xsd:simpleType>
-        <xsd:restriction base="dms:Text"/>
-      </xsd:simpleType>
-    </xsd:element>
-    <xsd:element name="CSXSubmissionDate" ma:index="119" nillable="true" ma:displayName="Submission Date" ma:default="" ma:internalName="CSXSubmissionDate" ma:readOnly="false">
-      <xsd:simpleType>
-        <xsd:restriction base="dms:DateTime"/>
-      </xsd:simpleType>
-    </xsd:element>
-    <xsd:element name="SubmitterId" ma:index="120" nillable="true" ma:displayName="Submitter ID" ma:default="" ma:internalName="SubmitterId" ma:readOnly="false">
-      <xsd:simpleType>
-        <xsd:restriction base="dms:Text"/>
-      </xsd:simpleType>
-    </xsd:element>
-    <xsd:element name="TaxCatchAll" ma:index="121" nillable="true" ma:displayName="Taxonomy Catch All Column" ma:hidden="true" ma:list="{530f955b-6704-4601-bd83-f81d87f1e440}" ma:internalName="TaxCatchAll" ma:showField="CatchAllData" ma:web="4873beb7-5857-4685-be1f-d57550cc96cc">
-      <xsd:complexType>
-        <xsd:complexContent>
-          <xsd:extension base="dms:MultiChoiceLookup">
-            <xsd:sequence>
-              <xsd:element name="Value" type="dms:Lookup" maxOccurs="unbounded" minOccurs="0" nillable="true"/>
-            </xsd:sequence>
-          </xsd:extension>
-        </xsd:complexContent>
-      </xsd:complexType>
-    </xsd:element>
-    <xsd:element name="TaxCatchAllLabel" ma:index="122" nillable="true" ma:displayName="Taxonomy Catch All Column1" ma:hidden="true" ma:list="{530f955b-6704-4601-bd83-f81d87f1e440}" ma:internalName="TaxCatchAllLabel" ma:readOnly="true" ma:showField="CatchAllDataLabel" ma:web="4873beb7-5857-4685-be1f-d57550cc96cc">
-      <xsd:complexType>
-        <xsd:complexContent>
-          <xsd:extension base="dms:MultiChoiceLookup">
-            <xsd:sequence>
-              <xsd:element name="Value" type="dms:Lookup" maxOccurs="unbounded" minOccurs="0" nillable="true"/>
-            </xsd:sequence>
-          </xsd:extension>
-        </xsd:complexContent>
-      </xsd:complexType>
-    </xsd:element>
-    <xsd:element name="TemplateStatus" ma:index="123" nillable="true" ma:displayName="Template Status" ma:default="" ma:internalName="TemplateStatus">
-      <xsd:simpleType>
-        <xsd:restriction base="dms:Unknown"/>
-      </xsd:simpleType>
-    </xsd:element>
-    <xsd:element name="TemplateTemplateType" ma:index="124" nillable="true" ma:displayName="Template Type" ma:default="" ma:internalName="TemplateTemplateType">
-      <xsd:simpleType>
-        <xsd:restriction base="dms:Unknown"/>
-      </xsd:simpleType>
-    </xsd:element>
-    <xsd:element name="ThumbnailAssetId" ma:index="125" nillable="true" ma:displayName="Thumbnail Image Asset" ma:default="" ma:internalName="ThumbnailAssetId" ma:readOnly="false">
-      <xsd:simpleType>
-        <xsd:restriction base="dms:Text"/>
-      </xsd:simpleType>
-    </xsd:element>
-    <xsd:element name="TimesCloned" ma:index="126" nillable="true" ma:displayName="Times Cloned" ma:default="" ma:internalName="TimesCloned" ma:readOnly="false">
-      <xsd:simpleType>
-        <xsd:restriction base="dms:Number"/>
-      </xsd:simpleType>
-    </xsd:element>
-    <xsd:element name="TrustLevel" ma:index="128" nillable="true" ma:displayName="Trust Level" ma:default="1 Microsoft Managed Content" ma:internalName="TrustLevel" ma:readOnly="false">
-      <xsd:simpleType>
-        <xsd:restriction base="dms:Unknown"/>
-      </xsd:simpleType>
-    </xsd:element>
-    <xsd:element name="UALocComments" ma:index="129" nillable="true" ma:displayName="UA Loc Comments" ma:default="" ma:internalName="UALocComments" ma:readOnly="false">
-      <xsd:simpleType>
-        <xsd:restriction base="dms:Note"/>
-      </xsd:simpleType>
-    </xsd:element>
-    <xsd:element name="UALocRecommendation" ma:index="130" nillable="true" ma:displayName="UA Loc Recommendation" ma:default="Localize" ma:internalName="UALocRecommendation" ma:readOnly="false">
-      <xsd:simpleType>
-        <xsd:restriction base="dms:Choice">
-          <xsd:enumeration value="Localize"/>
-          <xsd:enumeration value="Never Localize"/>
-          <xsd:enumeration value="Priority Localize"/>
-        </xsd:restriction>
-      </xsd:simpleType>
-    </xsd:element>
-    <xsd:element name="UANotes" ma:index="131" nillable="true" ma:displayName="UA Notes" ma:default="" ma:internalName="UANotes" ma:readOnly="false">
-      <xsd:simpleType>
-        <xsd:restriction base="dms:Note"/>
-      </xsd:simpleType>
-    </xsd:element>
-    <xsd:element name="TPAppVersion" ma:index="132" nillable="true" ma:displayName="Version" ma:default="" ma:internalName="TPAppVersion">
-      <xsd:simpleType>
-        <xsd:restriction base="dms:Text"/>
-      </xsd:simpleType>
-    </xsd:element>
-    <xsd:element name="VoteCount" ma:index="133" nillable="true" ma:displayName="Vote Count" ma:default="" ma:internalName="VoteCount" ma:readOnly="false">
-      <xsd:simpleType>
-        <xsd:restriction base="dms:Unknown"/>
-      </xsd:simpleType>
-    </xsd:element>
-  </xsd:schema>
-  <xsd:schema xmlns="http://schemas.openxmlformats.org/package/2006/metadata/core-properties" xmlns:xsd="http://www.w3.org/2001/XMLSchema" xmlns:xsi="http://www.w3.org/2001/XMLSchema-instance" xmlns:dc="http://purl.org/dc/elements/1.1/" xmlns:dcterms="http://purl.org/dc/terms/" xmlns:odoc="http://schemas.microsoft.com/internal/obd" targetNamespace="http://schemas.openxmlformats.org/package/2006/metadata/core-properties" elementFormDefault="qualified" attributeFormDefault="unqualified" blockDefault="#all">
-    <xsd:import namespace="http://purl.org/dc/elements/1.1/" schemaLocation="http://dublincore.org/schemas/xmls/qdc/2003/04/02/dc.xsd"/>
-    <xsd:import namespace="http://purl.org/dc/terms/" schemaLocation="http://dublincore.org/schemas/xmls/qdc/2003/04/02/dcterms.xsd"/>
-    <xsd:element name="coreProperties" type="CT_coreProperties"/>
-    <xsd:complexType name="CT_coreProperties">
-      <xsd:all>
-        <xsd:element ref="dc:creator" minOccurs="0" maxOccurs="1"/>
-        <xsd:element ref="dcterms:created" minOccurs="0" maxOccurs="1"/>
-        <xsd:element ref="dc:identifier" minOccurs="0" maxOccurs="1"/>
-        <xsd:element name="contentType" minOccurs="0" maxOccurs="1" type="xsd:string" ma:index="22" ma:displayName="Content Type"/>
-        <xsd:element ref="dc:title" minOccurs="0" maxOccurs="1" ma:index="127" ma:displayName="Title"/>
-        <xsd:element ref="dc:subject" minOccurs="0" maxOccurs="1"/>
-        <xsd:element ref="dc:description" minOccurs="0" maxOccurs="1"/>
-        <xsd:element name="keywords" minOccurs="0" maxOccurs="1" type="xsd:string"/>
-        <xsd:element ref="dc:language" minOccurs="0" maxOccurs="1"/>
-        <xsd:element name="category" minOccurs="0" maxOccurs="1" type="xsd:string"/>
-        <xsd:element name="version" minOccurs="0" maxOccurs="1" type="xsd:string"/>
-        <xsd:element name="revision" minOccurs="0" maxOccurs="1" type="xsd:string">
-          <xsd:annotation>
-            <xsd:documentation>
-                        This value indicates the number of saves or revisions. The application is responsible for updating this value after each revision.
-                    </xsd:documentation>
-          </xsd:annotation>
-        </xsd:element>
-        <xsd:element name="lastModifiedBy" minOccurs="0" maxOccurs="1" type="xsd:string"/>
-        <xsd:element ref="dcterms:modified" minOccurs="0" maxOccurs="1"/>
-        <xsd:element name="contentStatus" minOccurs="0" maxOccurs="1" type="xsd:string"/>
-      </xsd:all>
-    </xsd:complexType>
-  </xsd:schema>
-  <xs:schema xmlns:pc="http://schemas.microsoft.com/office/infopath/2007/PartnerControls" xmlns:xs="http://www.w3.org/2001/XMLSchema" targetNamespace="http://schemas.microsoft.com/office/infopath/2007/PartnerControls" elementFormDefault="qualified" attributeFormDefault="unqualified">
-    <xs:element name="Person">
-      <xs:complexType>
-        <xs:sequence>
-          <xs:element ref="pc:DisplayName" minOccurs="0"/>
-          <xs:element ref="pc:AccountId" minOccurs="0"/>
-          <xs:element ref="pc:AccountType" minOccurs="0"/>
-        </xs:sequence>
-      </xs:complexType>
-    </xs:element>
-    <xs:element name="DisplayName" type="xs:string"/>
-    <xs:element name="AccountId" type="xs:string"/>
-    <xs:element name="AccountType" type="xs:string"/>
-    <xs:element name="BDCAssociatedEntity">
-      <xs:complexType>
-        <xs:sequence>
-          <xs:element ref="pc:BDCEntity" minOccurs="0" maxOccurs="unbounded"/>
-        </xs:sequence>
-        <xs:attribute ref="pc:EntityNamespace"/>
-        <xs:attribute ref="pc:EntityName"/>
-        <xs:attribute ref="pc:SystemInstanceName"/>
-        <xs:attribute ref="pc:AssociationName"/>
-      </xs:complexType>
-    </xs:element>
-    <xs:attribute name="EntityNamespace" type="xs:string"/>
-    <xs:attribute name="EntityName" type="xs:string"/>
-    <xs:attribute name="SystemInstanceName" type="xs:string"/>
-    <xs:attribute name="AssociationName" type="xs:string"/>
-    <xs:element name="BDCEntity">
-      <xs:complexType>
-        <xs:sequence>
-          <xs:element ref="pc:EntityDisplayName" minOccurs="0"/>
-          <xs:element ref="pc:EntityInstanceReference" minOccurs="0"/>
-          <xs:element ref="pc:EntityId1" minOccurs="0"/>
-          <xs:element ref="pc:EntityId2" minOccurs="0"/>
-          <xs:element ref="pc:EntityId3" minOccurs="0"/>
-          <xs:element ref="pc:EntityId4" minOccurs="0"/>
-          <xs:element ref="pc:EntityId5" minOccurs="0"/>
-        </xs:sequence>
-      </xs:complexType>
-    </xs:element>
-    <xs:element name="EntityDisplayName" type="xs:string"/>
-    <xs:element name="EntityInstanceReference" type="xs:string"/>
-    <xs:element name="EntityId1" type="xs:string"/>
-    <xs:element name="EntityId2" type="xs:string"/>
-    <xs:element name="EntityId3" type="xs:string"/>
-    <xs:element name="EntityId4" type="xs:string"/>
-    <xs:element name="EntityId5" type="xs:string"/>
-    <xs:element name="Terms">
-      <xs:complexType>
-        <xs:sequence>
-          <xs:element ref="pc:TermInfo" minOccurs="0" maxOccurs="unbounded"/>
-        </xs:sequence>
-      </xs:complexType>
-    </xs:element>
-    <xs:element name="TermInfo">
-      <xs:complexType>
-        <xs:sequence>
-          <xs:element ref="pc:TermName" minOccurs="0"/>
-          <xs:element ref="pc:TermId" minOccurs="0"/>
-        </xs:sequence>
-      </xs:complexType>
-    </xs:element>
-    <xs:element name="TermName" type="xs:string"/>
-    <xs:element name="TermId" type="xs:string"/>
-  </xs:schema>
-</ct:contentTypeSchema>
-</file>
-
 <file path=customXml/item3.xml><?xml version="1.0" encoding="utf-8"?>
 <?mso-contentType ?>
 <FormTemplates xmlns="http://schemas.microsoft.com/sharepoint/v3/contenttype/forms">
@@ -12125,22 +7971,6 @@
 </file>
 
 <file path=customXml/itemProps1.xml><?xml version="1.0" encoding="utf-8"?>
-<ds:datastoreItem xmlns:ds="http://schemas.openxmlformats.org/officeDocument/2006/customXml" ds:itemID="{60C67BEE-D13F-4BD2-98A5-34D8A0977F68}">
-  <ds:schemaRefs>
-    <ds:schemaRef ds:uri="4873beb7-5857-4685-be1f-d57550cc96cc"/>
-    <ds:schemaRef ds:uri="http://schemas.openxmlformats.org/package/2006/metadata/core-properties"/>
-    <ds:schemaRef ds:uri="http://purl.org/dc/terms/"/>
-    <ds:schemaRef ds:uri="http://schemas.microsoft.com/office/2006/documentManagement/types"/>
-    <ds:schemaRef ds:uri="http://purl.org/dc/elements/1.1/"/>
-    <ds:schemaRef ds:uri="http://schemas.microsoft.com/office/2006/metadata/properties"/>
-    <ds:schemaRef ds:uri="http://schemas.microsoft.com/office/infopath/2007/PartnerControls"/>
-    <ds:schemaRef ds:uri="http://www.w3.org/XML/1998/namespace"/>
-    <ds:schemaRef ds:uri="http://purl.org/dc/dcmitype/"/>
-  </ds:schemaRefs>
-</ds:datastoreItem>
-</file>
-
-<file path=customXml/itemProps2.xml><?xml version="1.0" encoding="utf-8"?>
 <ds:datastoreItem xmlns:ds="http://schemas.openxmlformats.org/officeDocument/2006/customXml" ds:itemID="{A09BF4D4-EF60-4196-BFC3-9462D607978C}">
   <ds:schemaRefs>
     <ds:schemaRef ds:uri="http://schemas.microsoft.com/office/2006/metadata/contentType"/>
@@ -12158,6 +7988,22 @@
 </ds:datastoreItem>
 </file>
 
+<file path=customXml/itemProps2.xml><?xml version="1.0" encoding="utf-8"?>
+<ds:datastoreItem xmlns:ds="http://schemas.openxmlformats.org/officeDocument/2006/customXml" ds:itemID="{60C67BEE-D13F-4BD2-98A5-34D8A0977F68}">
+  <ds:schemaRefs>
+    <ds:schemaRef ds:uri="4873beb7-5857-4685-be1f-d57550cc96cc"/>
+    <ds:schemaRef ds:uri="http://schemas.openxmlformats.org/package/2006/metadata/core-properties"/>
+    <ds:schemaRef ds:uri="http://purl.org/dc/terms/"/>
+    <ds:schemaRef ds:uri="http://schemas.microsoft.com/office/2006/documentManagement/types"/>
+    <ds:schemaRef ds:uri="http://purl.org/dc/elements/1.1/"/>
+    <ds:schemaRef ds:uri="http://schemas.microsoft.com/office/2006/metadata/properties"/>
+    <ds:schemaRef ds:uri="http://schemas.microsoft.com/office/infopath/2007/PartnerControls"/>
+    <ds:schemaRef ds:uri="http://www.w3.org/XML/1998/namespace"/>
+    <ds:schemaRef ds:uri="http://purl.org/dc/dcmitype/"/>
+  </ds:schemaRefs>
+</ds:datastoreItem>
+</file>
+
 <file path=customXml/itemProps3.xml><?xml version="1.0" encoding="utf-8"?>
 <ds:datastoreItem xmlns:ds="http://schemas.openxmlformats.org/officeDocument/2006/customXml" ds:itemID="{3836F65B-1B07-41EE-A0E8-BC6EF3855225}">
   <ds:schemaRefs>

--- a/Capstone_Presentation.pptx
+++ b/Capstone_Presentation.pptx
@@ -12,16 +12,16 @@
   </p:handoutMasterIdLst>
   <p:sldIdLst>
     <p:sldId id="257" r:id="rId5"/>
-    <p:sldId id="274" r:id="rId6"/>
+    <p:sldId id="281" r:id="rId6"/>
     <p:sldId id="276" r:id="rId7"/>
-    <p:sldId id="275" r:id="rId8"/>
-    <p:sldId id="278" r:id="rId9"/>
-    <p:sldId id="279" r:id="rId10"/>
-    <p:sldId id="261" r:id="rId11"/>
-    <p:sldId id="267" r:id="rId12"/>
-    <p:sldId id="277" r:id="rId13"/>
-    <p:sldId id="271" r:id="rId14"/>
-    <p:sldId id="265" r:id="rId15"/>
+    <p:sldId id="274" r:id="rId8"/>
+    <p:sldId id="282" r:id="rId9"/>
+    <p:sldId id="286" r:id="rId10"/>
+    <p:sldId id="283" r:id="rId11"/>
+    <p:sldId id="279" r:id="rId12"/>
+    <p:sldId id="284" r:id="rId13"/>
+    <p:sldId id="285" r:id="rId14"/>
+    <p:sldId id="287" r:id="rId15"/>
   </p:sldIdLst>
   <p:sldSz cx="12188825" cy="6858000"/>
   <p:notesSz cx="6858000" cy="9144000"/>
@@ -240,7 +240,7 @@
           <a:p>
             <a:fld id="{FE5B4EDC-59C0-49C7-8ADA-5A781B329E02}" type="datetimeFigureOut">
               <a:rPr lang="en-US"/>
-              <a:t>6/22/2022</a:t>
+              <a:t>6/23/2022</a:t>
             </a:fld>
             <a:endParaRPr/>
           </a:p>
@@ -405,7 +405,7 @@
           <a:p>
             <a:fld id="{F2D8D46A-B586-417D-BFBD-8C8FE0AAF762}" type="datetimeFigureOut">
               <a:rPr lang="en-US"/>
-              <a:t>6/22/2022</a:t>
+              <a:t>6/23/2022</a:t>
             </a:fld>
             <a:endParaRPr/>
           </a:p>
@@ -835,7 +835,7 @@
           <a:p>
             <a:fld id="{F0DFD029-FB74-4578-B929-F66AA97659CA}" type="datetimeFigureOut">
               <a:rPr lang="en-US" smtClean="0"/>
-              <a:t>6/22/2022</a:t>
+              <a:t>6/23/2022</a:t>
             </a:fld>
             <a:endParaRPr lang="en-US"/>
           </a:p>
@@ -1076,7 +1076,7 @@
             <a:fld id="{F0DFD029-FB74-4578-B929-F66AA97659CA}" type="datetimeFigureOut">
               <a:rPr lang="en-US" smtClean="0"/>
               <a:pPr/>
-              <a:t>6/22/2022</a:t>
+              <a:t>6/23/2022</a:t>
             </a:fld>
             <a:endParaRPr lang="en-US"/>
           </a:p>
@@ -1258,7 +1258,7 @@
             <a:fld id="{F0DFD029-FB74-4578-B929-F66AA97659CA}" type="datetimeFigureOut">
               <a:rPr lang="en-US" smtClean="0"/>
               <a:pPr/>
-              <a:t>6/22/2022</a:t>
+              <a:t>6/23/2022</a:t>
             </a:fld>
             <a:endParaRPr lang="en-US"/>
           </a:p>
@@ -1430,7 +1430,7 @@
             <a:fld id="{F0DFD029-FB74-4578-B929-F66AA97659CA}" type="datetimeFigureOut">
               <a:rPr lang="en-US" smtClean="0"/>
               <a:pPr/>
-              <a:t>6/22/2022</a:t>
+              <a:t>6/23/2022</a:t>
             </a:fld>
             <a:endParaRPr lang="en-US"/>
           </a:p>
@@ -1685,7 +1685,7 @@
           <a:p>
             <a:fld id="{F0DFD029-FB74-4578-B929-F66AA97659CA}" type="datetimeFigureOut">
               <a:rPr lang="en-US" smtClean="0"/>
-              <a:t>6/22/2022</a:t>
+              <a:t>6/23/2022</a:t>
             </a:fld>
             <a:endParaRPr lang="en-US"/>
           </a:p>
@@ -2024,7 +2024,7 @@
             <a:fld id="{F0DFD029-FB74-4578-B929-F66AA97659CA}" type="datetimeFigureOut">
               <a:rPr lang="en-US" smtClean="0"/>
               <a:pPr/>
-              <a:t>6/22/2022</a:t>
+              <a:t>6/23/2022</a:t>
             </a:fld>
             <a:endParaRPr lang="en-US"/>
           </a:p>
@@ -2477,7 +2477,7 @@
             <a:fld id="{F0DFD029-FB74-4578-B929-F66AA97659CA}" type="datetimeFigureOut">
               <a:rPr lang="en-US" smtClean="0"/>
               <a:pPr/>
-              <a:t>6/22/2022</a:t>
+              <a:t>6/23/2022</a:t>
             </a:fld>
             <a:endParaRPr lang="en-US"/>
           </a:p>
@@ -2596,7 +2596,7 @@
           <a:p>
             <a:fld id="{F0DFD029-FB74-4578-B929-F66AA97659CA}" type="datetimeFigureOut">
               <a:rPr lang="en-US" smtClean="0"/>
-              <a:t>6/22/2022</a:t>
+              <a:t>6/23/2022</a:t>
             </a:fld>
             <a:endParaRPr lang="en-US"/>
           </a:p>
@@ -2703,7 +2703,7 @@
           <a:p>
             <a:fld id="{F0DFD029-FB74-4578-B929-F66AA97659CA}" type="datetimeFigureOut">
               <a:rPr lang="en-US" smtClean="0"/>
-              <a:t>6/22/2022</a:t>
+              <a:t>6/23/2022</a:t>
             </a:fld>
             <a:endParaRPr lang="en-US"/>
           </a:p>
@@ -3003,7 +3003,7 @@
             <a:fld id="{F0DFD029-FB74-4578-B929-F66AA97659CA}" type="datetimeFigureOut">
               <a:rPr lang="en-US" smtClean="0"/>
               <a:pPr/>
-              <a:t>6/22/2022</a:t>
+              <a:t>6/23/2022</a:t>
             </a:fld>
             <a:endParaRPr lang="en-US"/>
           </a:p>
@@ -3326,7 +3326,7 @@
           <a:p>
             <a:fld id="{F0DFD029-FB74-4578-B929-F66AA97659CA}" type="datetimeFigureOut">
               <a:rPr lang="en-US" smtClean="0"/>
-              <a:t>6/22/2022</a:t>
+              <a:t>6/23/2022</a:t>
             </a:fld>
             <a:endParaRPr lang="en-US"/>
           </a:p>
@@ -3593,7 +3593,7 @@
             <a:fld id="{F0DFD029-FB74-4578-B929-F66AA97659CA}" type="datetimeFigureOut">
               <a:rPr lang="en-US" smtClean="0"/>
               <a:pPr/>
-              <a:t>6/22/2022</a:t>
+              <a:t>6/23/2022</a:t>
             </a:fld>
             <a:endParaRPr lang="en-US"/>
           </a:p>
@@ -4144,8 +4144,8 @@
           <a:p>
             <a:pPr algn="ctr"/>
             <a:r>
-              <a:rPr lang="en-US" sz="5900"/>
-              <a:t>Title Layout</a:t>
+              <a:rPr lang="en-US" sz="5900" dirty="0"/>
+              <a:t>Population Growth effects on Car Accidents</a:t>
             </a:r>
           </a:p>
         </p:txBody>
@@ -4174,9 +4174,13 @@
           <a:p>
             <a:pPr algn="ctr"/>
             <a:r>
-              <a:rPr lang="en-US"/>
-              <a:t>Subtitle</a:t>
-            </a:r>
+              <a:rPr lang="en-US" dirty="0"/>
+              <a:t>Iulia Goike</a:t>
+            </a:r>
+          </a:p>
+          <a:p>
+            <a:pPr algn="ctr"/>
+            <a:endParaRPr lang="en-US" dirty="0"/>
           </a:p>
         </p:txBody>
       </p:sp>
@@ -4260,6 +4264,14 @@
 <file path=ppt/slides/slide10.xml><?xml version="1.0" encoding="utf-8"?>
 <p:sld xmlns:a="http://schemas.openxmlformats.org/drawingml/2006/main" xmlns:r="http://schemas.openxmlformats.org/officeDocument/2006/relationships" xmlns:p="http://schemas.openxmlformats.org/presentationml/2006/main">
   <p:cSld>
+    <p:bg>
+      <p:bgPr>
+        <a:solidFill>
+          <a:schemeClr val="bg1"/>
+        </a:solidFill>
+        <a:effectLst/>
+      </p:bgPr>
+    </p:bg>
     <p:spTree>
       <p:nvGrpSpPr>
         <p:cNvPr id="1" name=""/>
@@ -4276,7 +4288,125 @@
       </p:grpSpPr>
       <p:sp>
         <p:nvSpPr>
-          <p:cNvPr id="2" name="Title 1"/>
+          <p:cNvPr id="8" name="Rectangle 7">
+            <a:extLst>
+              <a:ext uri="{FF2B5EF4-FFF2-40B4-BE49-F238E27FC236}">
+                <a16:creationId xmlns:a16="http://schemas.microsoft.com/office/drawing/2014/main" id="{0E99ED6D-365F-4CAE-942F-ECA78F74BD7F}"/>
+              </a:ext>
+              <a:ext uri="{C183D7F6-B498-43B3-948B-1728B52AA6E4}">
+                <adec:decorative xmlns:adec="http://schemas.microsoft.com/office/drawing/2017/decorative" val="1"/>
+              </a:ext>
+            </a:extLst>
+          </p:cNvPr>
+          <p:cNvSpPr>
+            <a:spLocks noGrp="1" noRot="1" noChangeAspect="1" noMove="1" noResize="1" noEditPoints="1" noAdjustHandles="1" noChangeArrowheads="1" noChangeShapeType="1" noTextEdit="1"/>
+          </p:cNvSpPr>
+          <p:nvPr>
+            <p:extLst>
+              <p:ext uri="{386F3935-93C4-4BCD-93E2-E3B085C9AB24}">
+                <p16:designElem xmlns:p16="http://schemas.microsoft.com/office/powerpoint/2015/main" val="1"/>
+              </p:ext>
+            </p:extLst>
+          </p:nvPr>
+        </p:nvSpPr>
+        <p:spPr>
+          <a:xfrm>
+            <a:off x="11289899" y="0"/>
+            <a:ext cx="914162" cy="6858000"/>
+          </a:xfrm>
+          <a:prstGeom prst="rect">
+            <a:avLst/>
+          </a:prstGeom>
+          <a:solidFill>
+            <a:schemeClr val="tx2">
+              <a:lumMod val="75000"/>
+            </a:schemeClr>
+          </a:solidFill>
+          <a:ln>
+            <a:noFill/>
+          </a:ln>
+        </p:spPr>
+        <p:style>
+          <a:lnRef idx="2">
+            <a:schemeClr val="accent1">
+              <a:shade val="50000"/>
+            </a:schemeClr>
+          </a:lnRef>
+          <a:fillRef idx="1">
+            <a:schemeClr val="accent1"/>
+          </a:fillRef>
+          <a:effectRef idx="0">
+            <a:schemeClr val="accent1"/>
+          </a:effectRef>
+          <a:fontRef idx="minor">
+            <a:schemeClr val="lt1"/>
+          </a:fontRef>
+        </p:style>
+      </p:sp>
+      <p:sp>
+        <p:nvSpPr>
+          <p:cNvPr id="10" name="Rectangle 9">
+            <a:extLst>
+              <a:ext uri="{FF2B5EF4-FFF2-40B4-BE49-F238E27FC236}">
+                <a16:creationId xmlns:a16="http://schemas.microsoft.com/office/drawing/2014/main" id="{CD0FF873-0D97-4AE7-A97E-539910376DCF}"/>
+              </a:ext>
+              <a:ext uri="{C183D7F6-B498-43B3-948B-1728B52AA6E4}">
+                <adec:decorative xmlns:adec="http://schemas.microsoft.com/office/drawing/2017/decorative" val="1"/>
+              </a:ext>
+            </a:extLst>
+          </p:cNvPr>
+          <p:cNvSpPr>
+            <a:spLocks noGrp="1" noRot="1" noChangeAspect="1" noMove="1" noResize="1" noEditPoints="1" noAdjustHandles="1" noChangeArrowheads="1" noChangeShapeType="1" noTextEdit="1"/>
+          </p:cNvSpPr>
+          <p:nvPr>
+            <p:extLst>
+              <p:ext uri="{386F3935-93C4-4BCD-93E2-E3B085C9AB24}">
+                <p16:designElem xmlns:p16="http://schemas.microsoft.com/office/powerpoint/2015/main" val="1"/>
+              </p:ext>
+            </p:extLst>
+          </p:nvPr>
+        </p:nvSpPr>
+        <p:spPr>
+          <a:xfrm>
+            <a:off x="0" y="0"/>
+            <a:ext cx="457080" cy="6858000"/>
+          </a:xfrm>
+          <a:prstGeom prst="rect">
+            <a:avLst/>
+          </a:prstGeom>
+          <a:solidFill>
+            <a:schemeClr val="accent1"/>
+          </a:solidFill>
+          <a:ln>
+            <a:noFill/>
+          </a:ln>
+        </p:spPr>
+        <p:style>
+          <a:lnRef idx="2">
+            <a:schemeClr val="accent1">
+              <a:shade val="50000"/>
+            </a:schemeClr>
+          </a:lnRef>
+          <a:fillRef idx="1">
+            <a:schemeClr val="accent1"/>
+          </a:fillRef>
+          <a:effectRef idx="0">
+            <a:schemeClr val="accent1"/>
+          </a:effectRef>
+          <a:fontRef idx="minor">
+            <a:schemeClr val="lt1"/>
+          </a:fontRef>
+        </p:style>
+      </p:sp>
+      <p:sp>
+        <p:nvSpPr>
+          <p:cNvPr id="7" name="Title 1">
+            <a:extLst>
+              <a:ext uri="{FF2B5EF4-FFF2-40B4-BE49-F238E27FC236}">
+                <a16:creationId xmlns:a16="http://schemas.microsoft.com/office/drawing/2014/main" id="{BBE1DB60-D625-1D31-E80A-0CD3ADB9CB48}"/>
+              </a:ext>
+            </a:extLst>
+          </p:cNvPr>
           <p:cNvSpPr>
             <a:spLocks noGrp="1"/>
           </p:cNvSpPr>
@@ -4284,60 +4414,103 @@
             <p:ph type="title"/>
           </p:nvPr>
         </p:nvSpPr>
-        <p:spPr/>
+        <p:spPr>
+          <a:xfrm>
+            <a:off x="3198812" y="76200"/>
+            <a:ext cx="4191000" cy="609600"/>
+          </a:xfrm>
+        </p:spPr>
         <p:txBody>
-          <a:bodyPr/>
+          <a:bodyPr>
+            <a:normAutofit fontScale="90000"/>
+          </a:bodyPr>
           <a:lstStyle/>
           <a:p>
-            <a:r>
-              <a:rPr lang="en-US" dirty="0"/>
-              <a:t>Add a Slide Title - 4</a:t>
-            </a:r>
+            <a:pPr algn="ctr"/>
+            <a:r>
+              <a:rPr lang="en-US" sz="1800" b="1" dirty="0"/>
+              <a:t>Correlation between Crash Data and Population increase in Micro Areas</a:t>
+            </a:r>
+            <a:endParaRPr lang="en-US" sz="4400" dirty="0"/>
           </a:p>
         </p:txBody>
       </p:sp>
-      <p:sp>
-        <p:nvSpPr>
-          <p:cNvPr id="3" name="Content Placeholder 2"/>
-          <p:cNvSpPr>
-            <a:spLocks noGrp="1"/>
-          </p:cNvSpPr>
-          <p:nvPr>
-            <p:ph idx="1"/>
-          </p:nvPr>
-        </p:nvSpPr>
-        <p:spPr/>
-        <p:txBody>
-          <a:bodyPr/>
-          <a:lstStyle/>
-          <a:p>
-            <a:endParaRPr lang="en-US" dirty="0"/>
-          </a:p>
-        </p:txBody>
-      </p:sp>
-      <p:sp>
-        <p:nvSpPr>
-          <p:cNvPr id="4" name="Text Placeholder 3"/>
-          <p:cNvSpPr>
-            <a:spLocks noGrp="1"/>
-          </p:cNvSpPr>
-          <p:nvPr>
-            <p:ph type="body" sz="half" idx="2"/>
-          </p:nvPr>
-        </p:nvSpPr>
-        <p:spPr/>
-        <p:txBody>
-          <a:bodyPr/>
-          <a:lstStyle/>
-          <a:p>
-            <a:endParaRPr lang="en-US" dirty="0"/>
-          </a:p>
-        </p:txBody>
-      </p:sp>
+      <p:pic>
+        <p:nvPicPr>
+          <p:cNvPr id="3" name="Picture 2" descr="A screenshot of a computer&#10;&#10;Description automatically generated with medium confidence">
+            <a:extLst>
+              <a:ext uri="{FF2B5EF4-FFF2-40B4-BE49-F238E27FC236}">
+                <a16:creationId xmlns:a16="http://schemas.microsoft.com/office/drawing/2014/main" id="{A7DEDDC5-E452-C379-7C1B-94EB1961E052}"/>
+              </a:ext>
+            </a:extLst>
+          </p:cNvPr>
+          <p:cNvPicPr>
+            <a:picLocks noChangeAspect="1"/>
+          </p:cNvPicPr>
+          <p:nvPr/>
+        </p:nvPicPr>
+        <p:blipFill>
+          <a:blip r:embed="rId2">
+            <a:extLst>
+              <a:ext uri="{28A0092B-C50C-407E-A947-70E740481C1C}">
+                <a14:useLocalDpi xmlns:a14="http://schemas.microsoft.com/office/drawing/2010/main" val="0"/>
+              </a:ext>
+            </a:extLst>
+          </a:blip>
+          <a:stretch>
+            <a:fillRect/>
+          </a:stretch>
+        </p:blipFill>
+        <p:spPr>
+          <a:xfrm>
+            <a:off x="466498" y="849859"/>
+            <a:ext cx="6999514" cy="5550941"/>
+          </a:xfrm>
+          <a:prstGeom prst="rect">
+            <a:avLst/>
+          </a:prstGeom>
+        </p:spPr>
+      </p:pic>
+      <p:pic>
+        <p:nvPicPr>
+          <p:cNvPr id="5" name="Picture 4" descr="Chart, histogram&#10;&#10;Description automatically generated">
+            <a:extLst>
+              <a:ext uri="{FF2B5EF4-FFF2-40B4-BE49-F238E27FC236}">
+                <a16:creationId xmlns:a16="http://schemas.microsoft.com/office/drawing/2014/main" id="{7269CE31-A0D5-BA5E-46BB-B4198540A80F}"/>
+              </a:ext>
+            </a:extLst>
+          </p:cNvPr>
+          <p:cNvPicPr>
+            <a:picLocks noChangeAspect="1"/>
+          </p:cNvPicPr>
+          <p:nvPr/>
+        </p:nvPicPr>
+        <p:blipFill>
+          <a:blip r:embed="rId3">
+            <a:extLst>
+              <a:ext uri="{28A0092B-C50C-407E-A947-70E740481C1C}">
+                <a14:useLocalDpi xmlns:a14="http://schemas.microsoft.com/office/drawing/2010/main" val="0"/>
+              </a:ext>
+            </a:extLst>
+          </a:blip>
+          <a:stretch>
+            <a:fillRect/>
+          </a:stretch>
+        </p:blipFill>
+        <p:spPr>
+          <a:xfrm>
+            <a:off x="7389812" y="1828800"/>
+            <a:ext cx="3905249" cy="3124200"/>
+          </a:xfrm>
+          <a:prstGeom prst="rect">
+            <a:avLst/>
+          </a:prstGeom>
+        </p:spPr>
+      </p:pic>
     </p:spTree>
     <p:extLst>
       <p:ext uri="{BB962C8B-B14F-4D97-AF65-F5344CB8AC3E}">
-        <p14:creationId xmlns:p14="http://schemas.microsoft.com/office/powerpoint/2010/main" val="2319046984"/>
+        <p14:creationId xmlns:p14="http://schemas.microsoft.com/office/powerpoint/2010/main" val="686200574"/>
       </p:ext>
     </p:extLst>
   </p:cSld>
@@ -4378,7 +4551,13 @@
       </p:grpSpPr>
       <p:sp>
         <p:nvSpPr>
-          <p:cNvPr id="3" name="Title 2"/>
+          <p:cNvPr id="2" name="Title 1">
+            <a:extLst>
+              <a:ext uri="{FF2B5EF4-FFF2-40B4-BE49-F238E27FC236}">
+                <a16:creationId xmlns:a16="http://schemas.microsoft.com/office/drawing/2014/main" id="{FC03B530-DECD-23DD-0222-E301E40ABF16}"/>
+              </a:ext>
+            </a:extLst>
+          </p:cNvPr>
           <p:cNvSpPr>
             <a:spLocks noGrp="1"/>
           </p:cNvSpPr>
@@ -4386,44 +4565,58 @@
             <p:ph type="title"/>
           </p:nvPr>
         </p:nvSpPr>
-        <p:spPr/>
+        <p:spPr>
+          <a:xfrm>
+            <a:off x="760412" y="609600"/>
+            <a:ext cx="10363200" cy="838200"/>
+          </a:xfrm>
+        </p:spPr>
+        <p:txBody>
+          <a:bodyPr>
+            <a:normAutofit/>
+          </a:bodyPr>
+          <a:lstStyle/>
+          <a:p>
+            <a:r>
+              <a:rPr lang="en-US" sz="4400" dirty="0"/>
+              <a:t>Key Takeaways</a:t>
+            </a:r>
+          </a:p>
+        </p:txBody>
+      </p:sp>
+      <p:sp>
+        <p:nvSpPr>
+          <p:cNvPr id="3" name="Text Placeholder 2">
+            <a:extLst>
+              <a:ext uri="{FF2B5EF4-FFF2-40B4-BE49-F238E27FC236}">
+                <a16:creationId xmlns:a16="http://schemas.microsoft.com/office/drawing/2014/main" id="{5DD375D0-C6F1-B42F-25F0-0AD4C263C842}"/>
+              </a:ext>
+            </a:extLst>
+          </p:cNvPr>
+          <p:cNvSpPr>
+            <a:spLocks noGrp="1"/>
+          </p:cNvSpPr>
+          <p:nvPr>
+            <p:ph type="body" idx="1"/>
+          </p:nvPr>
+        </p:nvSpPr>
+        <p:spPr>
+          <a:xfrm>
+            <a:off x="684212" y="1752600"/>
+            <a:ext cx="10134600" cy="2743200"/>
+          </a:xfrm>
+        </p:spPr>
         <p:txBody>
           <a:bodyPr/>
           <a:lstStyle/>
           <a:p>
-            <a:r>
-              <a:rPr lang="en-US" dirty="0"/>
-              <a:t>Add a Slide Title - 5</a:t>
-            </a:r>
-          </a:p>
-        </p:txBody>
-      </p:sp>
-      <p:sp>
-        <p:nvSpPr>
-          <p:cNvPr id="6" name="Picture Placeholder 5" descr="An empty placeholder to add an image. Click on the placeholder and select the image that you wish to add."/>
-          <p:cNvSpPr>
-            <a:spLocks noGrp="1"/>
-          </p:cNvSpPr>
-          <p:nvPr>
-            <p:ph type="pic" idx="1"/>
-          </p:nvPr>
-        </p:nvSpPr>
-        <p:spPr/>
-      </p:sp>
-      <p:sp>
-        <p:nvSpPr>
-          <p:cNvPr id="5" name="Text Placeholder 4"/>
-          <p:cNvSpPr>
-            <a:spLocks noGrp="1"/>
-          </p:cNvSpPr>
-          <p:nvPr>
-            <p:ph type="body" sz="half" idx="2"/>
-          </p:nvPr>
-        </p:nvSpPr>
-        <p:spPr/>
-        <p:txBody>
-          <a:bodyPr/>
-          <a:lstStyle/>
+            <a:endParaRPr lang="en-US" dirty="0">
+              <a:solidFill>
+                <a:srgbClr val="112E51"/>
+              </a:solidFill>
+              <a:latin typeface="Roboto" panose="02000000000000000000" pitchFamily="2" charset="0"/>
+            </a:endParaRPr>
+          </a:p>
           <a:p>
             <a:endParaRPr lang="en-US" dirty="0"/>
           </a:p>
@@ -4432,20 +4625,20 @@
     </p:spTree>
     <p:extLst>
       <p:ext uri="{BB962C8B-B14F-4D97-AF65-F5344CB8AC3E}">
-        <p14:creationId xmlns:p14="http://schemas.microsoft.com/office/powerpoint/2010/main" val="3480339974"/>
+        <p14:creationId xmlns:p14="http://schemas.microsoft.com/office/powerpoint/2010/main" val="3527532138"/>
       </p:ext>
     </p:extLst>
   </p:cSld>
   <p:clrMapOvr>
     <a:masterClrMapping/>
   </p:clrMapOvr>
-  <mc:AlternateContent xmlns:mc="http://schemas.openxmlformats.org/markup-compatibility/2006" xmlns:p14="http://schemas.microsoft.com/office/powerpoint/2010/main">
-    <mc:Choice Requires="p14">
+  <mc:AlternateContent xmlns:mc="http://schemas.openxmlformats.org/markup-compatibility/2006">
+    <mc:Choice xmlns:p14="http://schemas.microsoft.com/office/powerpoint/2010/main" Requires="p14">
       <p:transition spd="med" p14:dur="700">
         <p:fade/>
       </p:transition>
     </mc:Choice>
-    <mc:Fallback xmlns="">
+    <mc:Fallback>
       <p:transition spd="med">
         <p:fade/>
       </p:transition>
@@ -4508,10 +4701,9 @@
           <a:lstStyle/>
           <a:p>
             <a:r>
-              <a:rPr lang="en-US" sz="4400"/>
-              <a:t>Data Analysis</a:t>
-            </a:r>
-            <a:endParaRPr lang="en-US" sz="4400" dirty="0"/>
+              <a:rPr lang="en-US" sz="4400" dirty="0"/>
+              <a:t>Motivation</a:t>
+            </a:r>
           </a:p>
         </p:txBody>
       </p:sp>
@@ -4539,16 +4731,28 @@
         </p:spPr>
         <p:txBody>
           <a:bodyPr>
-            <a:normAutofit/>
+            <a:normAutofit lnSpcReduction="10000"/>
           </a:bodyPr>
           <a:lstStyle/>
           <a:p>
-            <a:pPr marL="342900" indent="-342900">
-              <a:buFont typeface="Wingdings" panose="05000000000000000000" pitchFamily="2" charset="2"/>
-              <a:buChar char="q"/>
+            <a:pPr lvl="1"/>
+            <a:endParaRPr lang="en-US" sz="1400" dirty="0">
+              <a:solidFill>
+                <a:schemeClr val="tx1">
+                  <a:lumMod val="95000"/>
+                  <a:lumOff val="5000"/>
+                </a:schemeClr>
+              </a:solidFill>
+            </a:endParaRPr>
+          </a:p>
+          <a:p>
+            <a:pPr marR="0">
+              <a:lnSpc>
+                <a:spcPct val="105000"/>
+              </a:lnSpc>
             </a:pPr>
             <a:r>
-              <a:rPr lang="en-US" sz="1900">
+              <a:rPr lang="en-US" sz="1900" dirty="0">
                 <a:solidFill>
                   <a:schemeClr val="tx1">
                     <a:lumMod val="95000"/>
@@ -4556,87 +4760,17 @@
                   </a:schemeClr>
                 </a:solidFill>
               </a:rPr>
-              <a:t>Python </a:t>
-            </a:r>
-          </a:p>
-          <a:p>
-            <a:pPr marL="799963" lvl="1" indent="-342900">
-              <a:buFont typeface="Arial" panose="020B0604020202020204" pitchFamily="34" charset="0"/>
-              <a:buChar char="•"/>
+              <a:t>Motor Vehicle Crashes cause significant social harm and economic losses.</a:t>
+            </a:r>
+          </a:p>
+          <a:p>
+            <a:pPr marR="0">
+              <a:lnSpc>
+                <a:spcPct val="105000"/>
+              </a:lnSpc>
             </a:pPr>
             <a:r>
-              <a:rPr lang="en-US" sz="1400">
-                <a:solidFill>
-                  <a:schemeClr val="tx1">
-                    <a:lumMod val="95000"/>
-                    <a:lumOff val="5000"/>
-                  </a:schemeClr>
-                </a:solidFill>
-                <a:effectLst/>
-                <a:latin typeface="+mj-lt"/>
-                <a:ea typeface="Calibri" panose="020F0502020204030204" pitchFamily="34" charset="0"/>
-                <a:cs typeface="Times New Roman" panose="02020603050405020304" pitchFamily="18" charset="0"/>
-              </a:rPr>
-              <a:t>Analyzed “County Population totals from 2010-2020”, to identify states with the largest number of counties that fall into the top 25% of total population growth category, that are also a part of a </a:t>
-            </a:r>
-            <a:r>
-              <a:rPr lang="en-US" sz="1400">
-                <a:solidFill>
-                  <a:schemeClr val="tx1">
-                    <a:lumMod val="95000"/>
-                    <a:lumOff val="5000"/>
-                  </a:schemeClr>
-                </a:solidFill>
-                <a:latin typeface="+mj-lt"/>
-                <a:ea typeface="Calibri" panose="020F0502020204030204" pitchFamily="34" charset="0"/>
-                <a:cs typeface="Times New Roman" panose="02020603050405020304" pitchFamily="18" charset="0"/>
-              </a:rPr>
-              <a:t>Metropolitan Statistical Area</a:t>
-            </a:r>
-          </a:p>
-          <a:p>
-            <a:pPr marL="799963" lvl="1" indent="-342900">
-              <a:buFont typeface="Arial" panose="020B0604020202020204" pitchFamily="34" charset="0"/>
-              <a:buChar char="•"/>
-            </a:pPr>
-            <a:r>
-              <a:rPr lang="en-US" sz="1400">
-                <a:solidFill>
-                  <a:schemeClr val="tx1">
-                    <a:lumMod val="95000"/>
-                    <a:lumOff val="5000"/>
-                  </a:schemeClr>
-                </a:solidFill>
-                <a:latin typeface="+mj-lt"/>
-              </a:rPr>
-              <a:t>Utilized RegEx and PDFPlumber to pull crash data from state crash reports</a:t>
-            </a:r>
-          </a:p>
-          <a:p>
-            <a:pPr marL="799963" lvl="1" indent="-342900">
-              <a:buFont typeface="Arial" panose="020B0604020202020204" pitchFamily="34" charset="0"/>
-              <a:buChar char="•"/>
-            </a:pPr>
-            <a:r>
-              <a:rPr lang="en-US" sz="1400">
-                <a:solidFill>
-                  <a:schemeClr val="tx1">
-                    <a:lumMod val="95000"/>
-                    <a:lumOff val="5000"/>
-                  </a:schemeClr>
-                </a:solidFill>
-                <a:latin typeface="+mj-lt"/>
-              </a:rPr>
-              <a:t>Merged crashed dataframes with county population and CBSA data</a:t>
-            </a:r>
-          </a:p>
-          <a:p>
-            <a:pPr marL="799963" lvl="1" indent="-342900">
-              <a:buFont typeface="Arial" panose="020B0604020202020204" pitchFamily="34" charset="0"/>
-              <a:buChar char="•"/>
-            </a:pPr>
-            <a:r>
-              <a:rPr lang="en-US" sz="1400">
+              <a:rPr lang="en-US" sz="1900" dirty="0">
                 <a:solidFill>
                   <a:schemeClr val="tx1">
                     <a:lumMod val="95000"/>
@@ -4644,23 +4778,30 @@
                   </a:schemeClr>
                 </a:solidFill>
               </a:rPr>
-              <a:t>Pandas dataframe.corr() to determine if there’s a correlation between population growth and total crashes</a:t>
+              <a:t>On average, there are 6.75 million car accidents in the U.S. every year. That’s roughly ​18,510 per day. Around 38,000 people die in automobile crashes on annual basis and an additional 3 million are injured or disabled.</a:t>
+            </a:r>
+          </a:p>
+          <a:p>
+            <a:pPr marR="0">
+              <a:lnSpc>
+                <a:spcPct val="105000"/>
+              </a:lnSpc>
+            </a:pPr>
+            <a:r>
+              <a:rPr lang="en-US" sz="1900" dirty="0">
+                <a:solidFill>
+                  <a:schemeClr val="tx1">
+                    <a:lumMod val="95000"/>
+                    <a:lumOff val="5000"/>
+                  </a:schemeClr>
+                </a:solidFill>
+              </a:rPr>
+              <a:t>Leaving in Metro Nashville area, you often hear people talk about the constant traffic accidents and how so many people are moving here every day. That made me wonder if it’s something worth looking into, if there’s any interesting patterns that can be found by combining population data with car accident reports.</a:t>
             </a:r>
           </a:p>
           <a:p>
             <a:pPr lvl="1"/>
-            <a:endParaRPr lang="en-US" sz="1400">
-              <a:solidFill>
-                <a:schemeClr val="tx1">
-                  <a:lumMod val="95000"/>
-                  <a:lumOff val="5000"/>
-                </a:schemeClr>
-              </a:solidFill>
-            </a:endParaRPr>
-          </a:p>
-          <a:p>
-            <a:pPr lvl="1"/>
-            <a:endParaRPr lang="en-US" sz="1400">
+            <a:endParaRPr lang="en-US" sz="1400" dirty="0">
               <a:solidFill>
                 <a:schemeClr val="tx1">
                   <a:lumMod val="95000"/>
@@ -4675,7 +4816,7 @@
               <a:buFont typeface="Arial" panose="020B0604020202020204" pitchFamily="34" charset="0"/>
               <a:buChar char="•"/>
             </a:pPr>
-            <a:endParaRPr lang="en-US" sz="1400">
+            <a:endParaRPr lang="en-US" sz="1400" dirty="0">
               <a:solidFill>
                 <a:schemeClr val="tx1">
                   <a:lumMod val="95000"/>
@@ -4686,33 +4827,7 @@
             </a:endParaRPr>
           </a:p>
           <a:p>
-            <a:r>
-              <a:rPr lang="en-US" sz="2600">
-                <a:solidFill>
-                  <a:schemeClr val="tx1">
-                    <a:lumMod val="95000"/>
-                    <a:lumOff val="5000"/>
-                  </a:schemeClr>
-                </a:solidFill>
-              </a:rPr>
-              <a:t>  </a:t>
-            </a:r>
-            <a:r>
-              <a:rPr lang="en-US" sz="2000">
-                <a:solidFill>
-                  <a:schemeClr val="tx1">
-                    <a:lumMod val="95000"/>
-                    <a:lumOff val="5000"/>
-                  </a:schemeClr>
-                </a:solidFill>
-                <a:effectLst/>
-                <a:latin typeface="Calibri" panose="020F0502020204030204" pitchFamily="34" charset="0"/>
-                <a:ea typeface="Calibri" panose="020F0502020204030204" pitchFamily="34" charset="0"/>
-                <a:cs typeface="Times New Roman" panose="02020603050405020304" pitchFamily="18" charset="0"/>
-              </a:rPr>
-              <a:t>   </a:t>
-            </a:r>
-            <a:endParaRPr lang="en-US" sz="2000">
+            <a:endParaRPr lang="en-US" sz="2000" dirty="0">
               <a:solidFill>
                 <a:schemeClr val="tx1">
                   <a:lumMod val="95000"/>
@@ -4726,7 +4841,7 @@
           </a:p>
           <a:p>
             <a:r>
-              <a:rPr lang="en-US" sz="1600">
+              <a:rPr lang="en-US" sz="1600" dirty="0">
                 <a:solidFill>
                   <a:schemeClr val="tx1">
                     <a:lumMod val="95000"/>
@@ -4740,7 +4855,7 @@
               </a:rPr>
               <a:t>    	</a:t>
             </a:r>
-            <a:endParaRPr lang="en-US" sz="2000">
+            <a:endParaRPr lang="en-US" sz="2000" dirty="0">
               <a:solidFill>
                 <a:schemeClr val="tx1">
                   <a:lumMod val="95000"/>
@@ -4758,7 +4873,7 @@
               <a:buFont typeface="Arial" panose="020B0604020202020204" pitchFamily="34" charset="0"/>
               <a:buChar char="•"/>
             </a:pPr>
-            <a:endParaRPr lang="en-US" sz="2000">
+            <a:endParaRPr lang="en-US" sz="2000" dirty="0">
               <a:solidFill>
                 <a:schemeClr val="tx1">
                   <a:lumMod val="95000"/>
@@ -4793,7 +4908,7 @@
     </p:spTree>
     <p:extLst>
       <p:ext uri="{BB962C8B-B14F-4D97-AF65-F5344CB8AC3E}">
-        <p14:creationId xmlns:p14="http://schemas.microsoft.com/office/powerpoint/2010/main" val="3276342373"/>
+        <p14:creationId xmlns:p14="http://schemas.microsoft.com/office/powerpoint/2010/main" val="3185673167"/>
       </p:ext>
     </p:extLst>
   </p:cSld>
@@ -5149,6 +5264,14 @@
 <file path=ppt/slides/slide4.xml><?xml version="1.0" encoding="utf-8"?>
 <p:sld xmlns:a="http://schemas.openxmlformats.org/drawingml/2006/main" xmlns:r="http://schemas.openxmlformats.org/officeDocument/2006/relationships" xmlns:p="http://schemas.openxmlformats.org/presentationml/2006/main">
   <p:cSld>
+    <p:bg>
+      <p:bgPr>
+        <a:solidFill>
+          <a:schemeClr val="bg1"/>
+        </a:solidFill>
+        <a:effectLst/>
+      </p:bgPr>
+    </p:bg>
     <p:spTree>
       <p:nvGrpSpPr>
         <p:cNvPr id="1" name=""/>
@@ -5181,8 +5304,8 @@
         </p:nvSpPr>
         <p:spPr>
           <a:xfrm>
-            <a:off x="760412" y="609600"/>
-            <a:ext cx="5334000" cy="838200"/>
+            <a:off x="531812" y="457200"/>
+            <a:ext cx="4909068" cy="990600"/>
           </a:xfrm>
         </p:spPr>
         <p:txBody>
@@ -5193,7 +5316,7 @@
           <a:p>
             <a:r>
               <a:rPr lang="en-US" sz="4400" dirty="0"/>
-              <a:t>Data Limitations</a:t>
+              <a:t>Data Analysis</a:t>
             </a:r>
           </a:p>
         </p:txBody>
@@ -5221,49 +5344,402 @@
           </a:xfrm>
         </p:spPr>
         <p:txBody>
-          <a:bodyPr/>
+          <a:bodyPr>
+            <a:normAutofit fontScale="92500" lnSpcReduction="10000"/>
+          </a:bodyPr>
           <a:lstStyle/>
           <a:p>
-            <a:pPr>
+            <a:pPr marL="342900" indent="-342900">
               <a:buFont typeface="Wingdings" panose="05000000000000000000" pitchFamily="2" charset="2"/>
               <a:buChar char="q"/>
             </a:pPr>
             <a:r>
-              <a:rPr lang="en-US" dirty="0"/>
-              <a:t> It’s important to note, that there’s multiple factors that can affect car accident crash data, however this analyses only reviews one of many.</a:t>
-            </a:r>
-          </a:p>
-          <a:p>
-            <a:pPr>
+              <a:rPr lang="en-US" sz="1900" dirty="0">
+                <a:solidFill>
+                  <a:schemeClr val="tx1">
+                    <a:lumMod val="95000"/>
+                    <a:lumOff val="5000"/>
+                  </a:schemeClr>
+                </a:solidFill>
+              </a:rPr>
+              <a:t>Python </a:t>
+            </a:r>
+          </a:p>
+          <a:p>
+            <a:pPr marL="799963" lvl="1" indent="-342900">
+              <a:buFont typeface="Arial" panose="020B0604020202020204" pitchFamily="34" charset="0"/>
+              <a:buChar char="•"/>
+            </a:pPr>
+            <a:r>
+              <a:rPr lang="en-US" sz="1400" dirty="0">
+                <a:solidFill>
+                  <a:schemeClr val="tx1">
+                    <a:lumMod val="95000"/>
+                    <a:lumOff val="5000"/>
+                  </a:schemeClr>
+                </a:solidFill>
+                <a:effectLst/>
+                <a:latin typeface="+mj-lt"/>
+                <a:ea typeface="Calibri" panose="020F0502020204030204" pitchFamily="34" charset="0"/>
+                <a:cs typeface="Times New Roman" panose="02020603050405020304" pitchFamily="18" charset="0"/>
+              </a:rPr>
+              <a:t>Analyzed “County Population totals from 2010-2020”, to identify states with the largest number of counties that fall into the top 25% of total population growth category, that are also a part of a </a:t>
+            </a:r>
+            <a:r>
+              <a:rPr lang="en-US" sz="1400" dirty="0">
+                <a:solidFill>
+                  <a:schemeClr val="tx1">
+                    <a:lumMod val="95000"/>
+                    <a:lumOff val="5000"/>
+                  </a:schemeClr>
+                </a:solidFill>
+                <a:latin typeface="+mj-lt"/>
+                <a:ea typeface="Calibri" panose="020F0502020204030204" pitchFamily="34" charset="0"/>
+                <a:cs typeface="Times New Roman" panose="02020603050405020304" pitchFamily="18" charset="0"/>
+              </a:rPr>
+              <a:t>Metropolitan Statistical Area</a:t>
+            </a:r>
+          </a:p>
+          <a:p>
+            <a:pPr marL="799963" lvl="1" indent="-342900">
+              <a:buFont typeface="Arial" panose="020B0604020202020204" pitchFamily="34" charset="0"/>
+              <a:buChar char="•"/>
+            </a:pPr>
+            <a:r>
+              <a:rPr lang="en-US" sz="1400" dirty="0">
+                <a:solidFill>
+                  <a:schemeClr val="tx1">
+                    <a:lumMod val="95000"/>
+                    <a:lumOff val="5000"/>
+                  </a:schemeClr>
+                </a:solidFill>
+                <a:latin typeface="+mj-lt"/>
+              </a:rPr>
+              <a:t>Utilized </a:t>
+            </a:r>
+            <a:r>
+              <a:rPr lang="en-US" sz="1400" dirty="0" err="1">
+                <a:solidFill>
+                  <a:schemeClr val="tx1">
+                    <a:lumMod val="95000"/>
+                    <a:lumOff val="5000"/>
+                  </a:schemeClr>
+                </a:solidFill>
+                <a:latin typeface="+mj-lt"/>
+              </a:rPr>
+              <a:t>RegEx</a:t>
+            </a:r>
+            <a:r>
+              <a:rPr lang="en-US" sz="1400" dirty="0">
+                <a:solidFill>
+                  <a:schemeClr val="tx1">
+                    <a:lumMod val="95000"/>
+                    <a:lumOff val="5000"/>
+                  </a:schemeClr>
+                </a:solidFill>
+                <a:latin typeface="+mj-lt"/>
+              </a:rPr>
+              <a:t> and </a:t>
+            </a:r>
+            <a:r>
+              <a:rPr lang="en-US" sz="1400" dirty="0" err="1">
+                <a:solidFill>
+                  <a:schemeClr val="tx1">
+                    <a:lumMod val="95000"/>
+                    <a:lumOff val="5000"/>
+                  </a:schemeClr>
+                </a:solidFill>
+                <a:latin typeface="+mj-lt"/>
+              </a:rPr>
+              <a:t>PDFPlumber</a:t>
+            </a:r>
+            <a:r>
+              <a:rPr lang="en-US" sz="1400" dirty="0">
+                <a:solidFill>
+                  <a:schemeClr val="tx1">
+                    <a:lumMod val="95000"/>
+                    <a:lumOff val="5000"/>
+                  </a:schemeClr>
+                </a:solidFill>
+                <a:latin typeface="+mj-lt"/>
+              </a:rPr>
+              <a:t> to pull crash data from state crash reports</a:t>
+            </a:r>
+          </a:p>
+          <a:p>
+            <a:pPr marL="799963" lvl="1" indent="-342900">
+              <a:buFont typeface="Arial" panose="020B0604020202020204" pitchFamily="34" charset="0"/>
+              <a:buChar char="•"/>
+            </a:pPr>
+            <a:r>
+              <a:rPr lang="en-US" sz="1400" dirty="0">
+                <a:solidFill>
+                  <a:schemeClr val="tx1">
+                    <a:lumMod val="95000"/>
+                    <a:lumOff val="5000"/>
+                  </a:schemeClr>
+                </a:solidFill>
+                <a:latin typeface="+mj-lt"/>
+              </a:rPr>
+              <a:t>Merged crashed </a:t>
+            </a:r>
+            <a:r>
+              <a:rPr lang="en-US" sz="1400" dirty="0" err="1">
+                <a:solidFill>
+                  <a:schemeClr val="tx1">
+                    <a:lumMod val="95000"/>
+                    <a:lumOff val="5000"/>
+                  </a:schemeClr>
+                </a:solidFill>
+                <a:latin typeface="+mj-lt"/>
+              </a:rPr>
+              <a:t>dataframes</a:t>
+            </a:r>
+            <a:r>
+              <a:rPr lang="en-US" sz="1400" dirty="0">
+                <a:solidFill>
+                  <a:schemeClr val="tx1">
+                    <a:lumMod val="95000"/>
+                    <a:lumOff val="5000"/>
+                  </a:schemeClr>
+                </a:solidFill>
+                <a:latin typeface="+mj-lt"/>
+              </a:rPr>
+              <a:t> with county population and CBSA data</a:t>
+            </a:r>
+          </a:p>
+          <a:p>
+            <a:pPr marL="799963" lvl="1" indent="-342900">
+              <a:buFont typeface="Arial" panose="020B0604020202020204" pitchFamily="34" charset="0"/>
+              <a:buChar char="•"/>
+            </a:pPr>
+            <a:r>
+              <a:rPr lang="en-US" sz="1400" dirty="0">
+                <a:solidFill>
+                  <a:schemeClr val="tx1">
+                    <a:lumMod val="95000"/>
+                    <a:lumOff val="5000"/>
+                  </a:schemeClr>
+                </a:solidFill>
+              </a:rPr>
+              <a:t>Pandas </a:t>
+            </a:r>
+            <a:r>
+              <a:rPr lang="en-US" sz="1400" dirty="0" err="1">
+                <a:solidFill>
+                  <a:schemeClr val="tx1">
+                    <a:lumMod val="95000"/>
+                    <a:lumOff val="5000"/>
+                  </a:schemeClr>
+                </a:solidFill>
+              </a:rPr>
+              <a:t>dataframe.corr</a:t>
+            </a:r>
+            <a:r>
+              <a:rPr lang="en-US" sz="1400" dirty="0">
+                <a:solidFill>
+                  <a:schemeClr val="tx1">
+                    <a:lumMod val="95000"/>
+                    <a:lumOff val="5000"/>
+                  </a:schemeClr>
+                </a:solidFill>
+              </a:rPr>
+              <a:t>() to determine if there’s a correlation between population growth and total crashes</a:t>
+            </a:r>
+          </a:p>
+          <a:p>
+            <a:pPr marL="285750" indent="-285750">
               <a:buFont typeface="Wingdings" panose="05000000000000000000" pitchFamily="2" charset="2"/>
               <a:buChar char="q"/>
             </a:pPr>
             <a:r>
-              <a:rPr lang="en-US" dirty="0"/>
-              <a:t> Census population data is estimate based so the numbers </a:t>
-            </a:r>
-          </a:p>
-          <a:p>
-            <a:pPr>
+              <a:rPr lang="en-US" sz="1800" dirty="0">
+                <a:solidFill>
+                  <a:schemeClr val="tx1">
+                    <a:lumMod val="95000"/>
+                    <a:lumOff val="5000"/>
+                  </a:schemeClr>
+                </a:solidFill>
+                <a:latin typeface="+mj-lt"/>
+              </a:rPr>
+              <a:t>Excel</a:t>
+            </a:r>
+          </a:p>
+          <a:p>
+            <a:pPr marL="799963" lvl="1" indent="-342900">
+              <a:buFont typeface="Arial" panose="020B0604020202020204" pitchFamily="34" charset="0"/>
+              <a:buChar char="•"/>
+            </a:pPr>
+            <a:r>
+              <a:rPr lang="en-US" sz="1400" dirty="0">
+                <a:solidFill>
+                  <a:schemeClr val="tx1">
+                    <a:lumMod val="95000"/>
+                    <a:lumOff val="5000"/>
+                  </a:schemeClr>
+                </a:solidFill>
+              </a:rPr>
+              <a:t>Data Storing	</a:t>
+            </a:r>
+          </a:p>
+          <a:p>
+            <a:pPr marL="285750" indent="-285750">
               <a:buFont typeface="Wingdings" panose="05000000000000000000" pitchFamily="2" charset="2"/>
               <a:buChar char="q"/>
             </a:pPr>
-            <a:endParaRPr lang="en-US" dirty="0">
+            <a:r>
+              <a:rPr lang="en-US" sz="1800" dirty="0">
+                <a:solidFill>
+                  <a:schemeClr val="tx1">
+                    <a:lumMod val="95000"/>
+                    <a:lumOff val="5000"/>
+                  </a:schemeClr>
+                </a:solidFill>
+                <a:latin typeface="+mj-lt"/>
+              </a:rPr>
+              <a:t>Tableau</a:t>
+            </a:r>
+          </a:p>
+          <a:p>
+            <a:pPr marL="799963" lvl="1" indent="-342900">
+              <a:buFont typeface="Arial" panose="020B0604020202020204" pitchFamily="34" charset="0"/>
+              <a:buChar char="•"/>
+            </a:pPr>
+            <a:r>
+              <a:rPr lang="en-US" sz="1400" dirty="0">
+                <a:solidFill>
+                  <a:schemeClr val="tx1">
+                    <a:lumMod val="95000"/>
+                    <a:lumOff val="5000"/>
+                  </a:schemeClr>
+                </a:solidFill>
+              </a:rPr>
+              <a:t>Created interactive dashboard for a more detailed overview of the data</a:t>
+            </a:r>
+          </a:p>
+          <a:p>
+            <a:r>
+              <a:rPr lang="en-US" sz="1800" dirty="0">
+                <a:solidFill>
+                  <a:schemeClr val="tx1">
+                    <a:lumMod val="95000"/>
+                    <a:lumOff val="5000"/>
+                  </a:schemeClr>
+                </a:solidFill>
+                <a:latin typeface="+mj-lt"/>
+              </a:rPr>
+              <a:t>																	</a:t>
+            </a:r>
+          </a:p>
+          <a:p>
+            <a:r>
+              <a:rPr lang="en-US" sz="2600" dirty="0">
+                <a:solidFill>
+                  <a:schemeClr val="tx1">
+                    <a:lumMod val="95000"/>
+                    <a:lumOff val="5000"/>
+                  </a:schemeClr>
+                </a:solidFill>
+              </a:rPr>
+              <a:t>  </a:t>
+            </a:r>
+            <a:r>
+              <a:rPr lang="en-US" sz="2000" dirty="0">
+                <a:solidFill>
+                  <a:schemeClr val="tx1">
+                    <a:lumMod val="95000"/>
+                    <a:lumOff val="5000"/>
+                  </a:schemeClr>
+                </a:solidFill>
+                <a:effectLst/>
+                <a:latin typeface="Calibri" panose="020F0502020204030204" pitchFamily="34" charset="0"/>
+                <a:ea typeface="Calibri" panose="020F0502020204030204" pitchFamily="34" charset="0"/>
+                <a:cs typeface="Times New Roman" panose="02020603050405020304" pitchFamily="18" charset="0"/>
+              </a:rPr>
+              <a:t>   </a:t>
+            </a:r>
+            <a:endParaRPr lang="en-US" sz="2000" dirty="0">
               <a:solidFill>
-                <a:srgbClr val="112E51"/>
+                <a:schemeClr val="tx1">
+                  <a:lumMod val="95000"/>
+                  <a:lumOff val="5000"/>
+                </a:schemeClr>
               </a:solidFill>
-              <a:latin typeface="Roboto" panose="02000000000000000000" pitchFamily="2" charset="0"/>
+              <a:latin typeface="Calibri" panose="020F0502020204030204" pitchFamily="34" charset="0"/>
+              <a:ea typeface="Calibri" panose="020F0502020204030204" pitchFamily="34" charset="0"/>
+              <a:cs typeface="Times New Roman" panose="02020603050405020304" pitchFamily="18" charset="0"/>
             </a:endParaRPr>
           </a:p>
           <a:p>
-            <a:endParaRPr lang="en-US" dirty="0"/>
+            <a:r>
+              <a:rPr lang="en-US" sz="1600" dirty="0">
+                <a:solidFill>
+                  <a:schemeClr val="tx1">
+                    <a:lumMod val="95000"/>
+                    <a:lumOff val="5000"/>
+                  </a:schemeClr>
+                </a:solidFill>
+                <a:effectLst/>
+                <a:latin typeface="Calibri" panose="020F0502020204030204" pitchFamily="34" charset="0"/>
+                <a:ea typeface="Calibri" panose="020F0502020204030204" pitchFamily="34" charset="0"/>
+                <a:cs typeface="Times New Roman" panose="02020603050405020304" pitchFamily="18" charset="0"/>
+              </a:rPr>
+              <a:t>    	</a:t>
+            </a:r>
+            <a:endParaRPr lang="en-US" sz="2000" dirty="0">
+              <a:solidFill>
+                <a:schemeClr val="tx1">
+                  <a:lumMod val="95000"/>
+                  <a:lumOff val="5000"/>
+                </a:schemeClr>
+              </a:solidFill>
+              <a:effectLst/>
+              <a:latin typeface="Calibri" panose="020F0502020204030204" pitchFamily="34" charset="0"/>
+              <a:ea typeface="Calibri" panose="020F0502020204030204" pitchFamily="34" charset="0"/>
+              <a:cs typeface="Times New Roman" panose="02020603050405020304" pitchFamily="18" charset="0"/>
+            </a:endParaRPr>
+          </a:p>
+          <a:p>
+            <a:pPr marL="342900" indent="-342900">
+              <a:buFont typeface="Arial" panose="020B0604020202020204" pitchFamily="34" charset="0"/>
+              <a:buChar char="•"/>
+            </a:pPr>
+            <a:endParaRPr lang="en-US" sz="2000" dirty="0">
+              <a:solidFill>
+                <a:schemeClr val="tx1">
+                  <a:lumMod val="95000"/>
+                  <a:lumOff val="5000"/>
+                </a:schemeClr>
+              </a:solidFill>
+              <a:latin typeface="Calibri" panose="020F0502020204030204" pitchFamily="34" charset="0"/>
+              <a:ea typeface="Calibri" panose="020F0502020204030204" pitchFamily="34" charset="0"/>
+              <a:cs typeface="Times New Roman" panose="02020603050405020304" pitchFamily="18" charset="0"/>
+            </a:endParaRPr>
+          </a:p>
+          <a:p>
+            <a:pPr marL="342900" indent="-342900">
+              <a:buFont typeface="Arial" panose="020B0604020202020204" pitchFamily="34" charset="0"/>
+              <a:buChar char="•"/>
+            </a:pPr>
+            <a:endParaRPr lang="en-US" sz="2000" dirty="0">
+              <a:solidFill>
+                <a:schemeClr val="tx1">
+                  <a:lumMod val="95000"/>
+                  <a:lumOff val="5000"/>
+                </a:schemeClr>
+              </a:solidFill>
+              <a:effectLst/>
+              <a:latin typeface="Calibri" panose="020F0502020204030204" pitchFamily="34" charset="0"/>
+              <a:ea typeface="Calibri" panose="020F0502020204030204" pitchFamily="34" charset="0"/>
+              <a:cs typeface="Times New Roman" panose="02020603050405020304" pitchFamily="18" charset="0"/>
+            </a:endParaRPr>
           </a:p>
         </p:txBody>
       </p:sp>
     </p:spTree>
     <p:extLst>
       <p:ext uri="{BB962C8B-B14F-4D97-AF65-F5344CB8AC3E}">
-        <p14:creationId xmlns:p14="http://schemas.microsoft.com/office/powerpoint/2010/main" val="672182518"/>
+        <p14:creationId xmlns:p14="http://schemas.microsoft.com/office/powerpoint/2010/main" val="3276342373"/>
       </p:ext>
     </p:extLst>
   </p:cSld>
@@ -5288,10 +5764,957 @@
 <file path=ppt/slides/slide5.xml><?xml version="1.0" encoding="utf-8"?>
 <p:sld xmlns:a="http://schemas.openxmlformats.org/drawingml/2006/main" xmlns:r="http://schemas.openxmlformats.org/officeDocument/2006/relationships" xmlns:p="http://schemas.openxmlformats.org/presentationml/2006/main">
   <p:cSld>
+    <p:spTree>
+      <p:nvGrpSpPr>
+        <p:cNvPr id="1" name=""/>
+        <p:cNvGrpSpPr/>
+        <p:nvPr/>
+      </p:nvGrpSpPr>
+      <p:grpSpPr>
+        <a:xfrm>
+          <a:off x="0" y="0"/>
+          <a:ext cx="0" cy="0"/>
+          <a:chOff x="0" y="0"/>
+          <a:chExt cx="0" cy="0"/>
+        </a:xfrm>
+      </p:grpSpPr>
+      <p:sp>
+        <p:nvSpPr>
+          <p:cNvPr id="2" name="Title 1">
+            <a:extLst>
+              <a:ext uri="{FF2B5EF4-FFF2-40B4-BE49-F238E27FC236}">
+                <a16:creationId xmlns:a16="http://schemas.microsoft.com/office/drawing/2014/main" id="{FC03B530-DECD-23DD-0222-E301E40ABF16}"/>
+              </a:ext>
+            </a:extLst>
+          </p:cNvPr>
+          <p:cNvSpPr>
+            <a:spLocks noGrp="1"/>
+          </p:cNvSpPr>
+          <p:nvPr>
+            <p:ph type="title"/>
+          </p:nvPr>
+        </p:nvSpPr>
+        <p:spPr>
+          <a:xfrm>
+            <a:off x="760412" y="609600"/>
+            <a:ext cx="10363200" cy="838200"/>
+          </a:xfrm>
+        </p:spPr>
+        <p:txBody>
+          <a:bodyPr>
+            <a:normAutofit/>
+          </a:bodyPr>
+          <a:lstStyle/>
+          <a:p>
+            <a:r>
+              <a:rPr lang="en-US" sz="4400" dirty="0"/>
+              <a:t>Data Question’s</a:t>
+            </a:r>
+          </a:p>
+        </p:txBody>
+      </p:sp>
+      <p:sp>
+        <p:nvSpPr>
+          <p:cNvPr id="3" name="Text Placeholder 2">
+            <a:extLst>
+              <a:ext uri="{FF2B5EF4-FFF2-40B4-BE49-F238E27FC236}">
+                <a16:creationId xmlns:a16="http://schemas.microsoft.com/office/drawing/2014/main" id="{5DD375D0-C6F1-B42F-25F0-0AD4C263C842}"/>
+              </a:ext>
+            </a:extLst>
+          </p:cNvPr>
+          <p:cNvSpPr>
+            <a:spLocks noGrp="1"/>
+          </p:cNvSpPr>
+          <p:nvPr>
+            <p:ph type="body" idx="1"/>
+          </p:nvPr>
+        </p:nvSpPr>
+        <p:spPr>
+          <a:xfrm>
+            <a:off x="684212" y="1752600"/>
+            <a:ext cx="10134600" cy="2743200"/>
+          </a:xfrm>
+        </p:spPr>
+        <p:txBody>
+          <a:bodyPr/>
+          <a:lstStyle/>
+          <a:p>
+            <a:pPr marL="342900" indent="-342900">
+              <a:lnSpc>
+                <a:spcPct val="85000"/>
+              </a:lnSpc>
+              <a:buFont typeface="Wingdings" panose="05000000000000000000" pitchFamily="2" charset="2"/>
+              <a:buChar char="q"/>
+            </a:pPr>
+            <a:r>
+              <a:rPr lang="en-US" dirty="0">
+                <a:solidFill>
+                  <a:srgbClr val="112E51"/>
+                </a:solidFill>
+                <a:latin typeface="Roboto" panose="02000000000000000000" pitchFamily="2" charset="0"/>
+              </a:rPr>
+              <a:t> </a:t>
+            </a:r>
+            <a:r>
+              <a:rPr lang="en-US" sz="1800" dirty="0">
+                <a:solidFill>
+                  <a:schemeClr val="tx1">
+                    <a:lumMod val="95000"/>
+                    <a:lumOff val="5000"/>
+                  </a:schemeClr>
+                </a:solidFill>
+              </a:rPr>
+              <a:t>Is there correlation between population growth and number of car accidents?</a:t>
+            </a:r>
+          </a:p>
+          <a:p>
+            <a:pPr marL="342900" indent="-342900">
+              <a:lnSpc>
+                <a:spcPct val="85000"/>
+              </a:lnSpc>
+              <a:buFont typeface="Wingdings" panose="05000000000000000000" pitchFamily="2" charset="2"/>
+              <a:buChar char="q"/>
+            </a:pPr>
+            <a:r>
+              <a:rPr lang="en-US" sz="1900" dirty="0">
+                <a:solidFill>
+                  <a:schemeClr val="tx1">
+                    <a:lumMod val="95000"/>
+                    <a:lumOff val="5000"/>
+                  </a:schemeClr>
+                </a:solidFill>
+              </a:rPr>
+              <a:t>Does </a:t>
+            </a:r>
+            <a:r>
+              <a:rPr lang="en-US" sz="1800" dirty="0">
+                <a:solidFill>
+                  <a:schemeClr val="tx1">
+                    <a:lumMod val="95000"/>
+                    <a:lumOff val="5000"/>
+                  </a:schemeClr>
+                </a:solidFill>
+              </a:rPr>
+              <a:t>population growth affect Metropolitan and Micropolitan the number of injury crashes and car accident fatalities?</a:t>
+            </a:r>
+          </a:p>
+          <a:p>
+            <a:pPr>
+              <a:buFont typeface="Wingdings" panose="05000000000000000000" pitchFamily="2" charset="2"/>
+              <a:buChar char="q"/>
+            </a:pPr>
+            <a:endParaRPr lang="en-US" dirty="0">
+              <a:solidFill>
+                <a:srgbClr val="112E51"/>
+              </a:solidFill>
+              <a:latin typeface="Roboto" panose="02000000000000000000" pitchFamily="2" charset="0"/>
+            </a:endParaRPr>
+          </a:p>
+          <a:p>
+            <a:endParaRPr lang="en-US" dirty="0"/>
+          </a:p>
+        </p:txBody>
+      </p:sp>
+    </p:spTree>
+    <p:extLst>
+      <p:ext uri="{BB962C8B-B14F-4D97-AF65-F5344CB8AC3E}">
+        <p14:creationId xmlns:p14="http://schemas.microsoft.com/office/powerpoint/2010/main" val="3644475563"/>
+      </p:ext>
+    </p:extLst>
+  </p:cSld>
+  <p:clrMapOvr>
+    <a:masterClrMapping/>
+  </p:clrMapOvr>
+  <mc:AlternateContent xmlns:mc="http://schemas.openxmlformats.org/markup-compatibility/2006" xmlns:p14="http://schemas.microsoft.com/office/powerpoint/2010/main">
+    <mc:Choice Requires="p14">
+      <p:transition spd="med" p14:dur="700">
+        <p:fade/>
+      </p:transition>
+    </mc:Choice>
+    <mc:Fallback xmlns="">
+      <p:transition spd="med">
+        <p:fade/>
+      </p:transition>
+    </mc:Fallback>
+  </mc:AlternateContent>
+</p:sld>
+</file>
+
+<file path=ppt/slides/slide6.xml><?xml version="1.0" encoding="utf-8"?>
+<p:sld xmlns:a="http://schemas.openxmlformats.org/drawingml/2006/main" xmlns:r="http://schemas.openxmlformats.org/officeDocument/2006/relationships" xmlns:p="http://schemas.openxmlformats.org/presentationml/2006/main">
+  <p:cSld>
+    <p:spTree>
+      <p:nvGrpSpPr>
+        <p:cNvPr id="1" name=""/>
+        <p:cNvGrpSpPr/>
+        <p:nvPr/>
+      </p:nvGrpSpPr>
+      <p:grpSpPr>
+        <a:xfrm>
+          <a:off x="0" y="0"/>
+          <a:ext cx="0" cy="0"/>
+          <a:chOff x="0" y="0"/>
+          <a:chExt cx="0" cy="0"/>
+        </a:xfrm>
+      </p:grpSpPr>
+      <p:sp>
+        <p:nvSpPr>
+          <p:cNvPr id="2" name="Title 1">
+            <a:extLst>
+              <a:ext uri="{FF2B5EF4-FFF2-40B4-BE49-F238E27FC236}">
+                <a16:creationId xmlns:a16="http://schemas.microsoft.com/office/drawing/2014/main" id="{FC03B530-DECD-23DD-0222-E301E40ABF16}"/>
+              </a:ext>
+            </a:extLst>
+          </p:cNvPr>
+          <p:cNvSpPr>
+            <a:spLocks noGrp="1"/>
+          </p:cNvSpPr>
+          <p:nvPr>
+            <p:ph type="title"/>
+          </p:nvPr>
+        </p:nvSpPr>
+        <p:spPr>
+          <a:xfrm>
+            <a:off x="608012" y="304800"/>
+            <a:ext cx="10363200" cy="609600"/>
+          </a:xfrm>
+        </p:spPr>
+        <p:txBody>
+          <a:bodyPr>
+            <a:normAutofit fontScale="90000"/>
+          </a:bodyPr>
+          <a:lstStyle/>
+          <a:p>
+            <a:r>
+              <a:rPr lang="en-US" sz="4400" dirty="0"/>
+              <a:t>Data Limitations and Challenges</a:t>
+            </a:r>
+          </a:p>
+        </p:txBody>
+      </p:sp>
+      <p:sp>
+        <p:nvSpPr>
+          <p:cNvPr id="4" name="Text Placeholder 2">
+            <a:extLst>
+              <a:ext uri="{FF2B5EF4-FFF2-40B4-BE49-F238E27FC236}">
+                <a16:creationId xmlns:a16="http://schemas.microsoft.com/office/drawing/2014/main" id="{1B27587C-A086-7F3B-B1AF-4F2E6878B346}"/>
+              </a:ext>
+            </a:extLst>
+          </p:cNvPr>
+          <p:cNvSpPr txBox="1">
+            <a:spLocks/>
+          </p:cNvSpPr>
+          <p:nvPr/>
+        </p:nvSpPr>
+        <p:spPr>
+          <a:xfrm>
+            <a:off x="608012" y="1143000"/>
+            <a:ext cx="4876800" cy="4815840"/>
+          </a:xfrm>
+          <a:prstGeom prst="rect">
+            <a:avLst/>
+          </a:prstGeom>
+        </p:spPr>
+        <p:txBody>
+          <a:bodyPr vert="horz" lIns="91440" tIns="45720" rIns="91440" bIns="45720" rtlCol="0" anchor="t">
+            <a:normAutofit/>
+          </a:bodyPr>
+          <a:lstStyle>
+            <a:lvl1pPr marL="0" indent="0" algn="l" defTabSz="914126" rtl="0" eaLnBrk="1" latinLnBrk="0" hangingPunct="1">
+              <a:lnSpc>
+                <a:spcPct val="95000"/>
+              </a:lnSpc>
+              <a:spcBef>
+                <a:spcPts val="1400"/>
+              </a:spcBef>
+              <a:spcAft>
+                <a:spcPts val="200"/>
+              </a:spcAft>
+              <a:buClr>
+                <a:schemeClr val="accent1"/>
+              </a:buClr>
+              <a:buSzPct val="80000"/>
+              <a:buFont typeface="Arial" pitchFamily="34" charset="0"/>
+              <a:buNone/>
+              <a:defRPr sz="2199" kern="1200" spc="10" baseline="0">
+                <a:solidFill>
+                  <a:schemeClr val="tx1">
+                    <a:lumMod val="65000"/>
+                    <a:lumOff val="35000"/>
+                  </a:schemeClr>
+                </a:solidFill>
+                <a:latin typeface="+mn-lt"/>
+                <a:ea typeface="+mn-ea"/>
+                <a:cs typeface="+mn-cs"/>
+              </a:defRPr>
+            </a:lvl1pPr>
+            <a:lvl2pPr marL="457063" indent="0" algn="l" defTabSz="914126" rtl="0" eaLnBrk="1" latinLnBrk="0" hangingPunct="1">
+              <a:lnSpc>
+                <a:spcPct val="90000"/>
+              </a:lnSpc>
+              <a:spcBef>
+                <a:spcPts val="300"/>
+              </a:spcBef>
+              <a:spcAft>
+                <a:spcPts val="300"/>
+              </a:spcAft>
+              <a:buClr>
+                <a:schemeClr val="accent1"/>
+              </a:buClr>
+              <a:buFont typeface="Wingdings 2" pitchFamily="18" charset="2"/>
+              <a:buNone/>
+              <a:defRPr sz="1799" kern="1200">
+                <a:solidFill>
+                  <a:schemeClr val="tx1">
+                    <a:tint val="75000"/>
+                  </a:schemeClr>
+                </a:solidFill>
+                <a:latin typeface="+mn-lt"/>
+                <a:ea typeface="+mn-ea"/>
+                <a:cs typeface="+mn-cs"/>
+              </a:defRPr>
+            </a:lvl2pPr>
+            <a:lvl3pPr marL="914126" indent="0" algn="l" defTabSz="914126" rtl="0" eaLnBrk="1" latinLnBrk="0" hangingPunct="1">
+              <a:lnSpc>
+                <a:spcPct val="90000"/>
+              </a:lnSpc>
+              <a:spcBef>
+                <a:spcPts val="300"/>
+              </a:spcBef>
+              <a:spcAft>
+                <a:spcPts val="300"/>
+              </a:spcAft>
+              <a:buClr>
+                <a:schemeClr val="accent1"/>
+              </a:buClr>
+              <a:buFont typeface="Wingdings 2" pitchFamily="18" charset="2"/>
+              <a:buNone/>
+              <a:defRPr sz="1600" kern="1200">
+                <a:solidFill>
+                  <a:schemeClr val="tx1">
+                    <a:tint val="75000"/>
+                  </a:schemeClr>
+                </a:solidFill>
+                <a:latin typeface="+mn-lt"/>
+                <a:ea typeface="+mn-ea"/>
+                <a:cs typeface="+mn-cs"/>
+              </a:defRPr>
+            </a:lvl3pPr>
+            <a:lvl4pPr marL="1371189" indent="0" algn="l" defTabSz="914126" rtl="0" eaLnBrk="1" latinLnBrk="0" hangingPunct="1">
+              <a:lnSpc>
+                <a:spcPct val="90000"/>
+              </a:lnSpc>
+              <a:spcBef>
+                <a:spcPts val="300"/>
+              </a:spcBef>
+              <a:spcAft>
+                <a:spcPts val="300"/>
+              </a:spcAft>
+              <a:buClr>
+                <a:schemeClr val="accent1"/>
+              </a:buClr>
+              <a:buFont typeface="Wingdings 2" pitchFamily="18" charset="2"/>
+              <a:buNone/>
+              <a:defRPr sz="1400" kern="1200">
+                <a:solidFill>
+                  <a:schemeClr val="tx1">
+                    <a:tint val="75000"/>
+                  </a:schemeClr>
+                </a:solidFill>
+                <a:latin typeface="+mn-lt"/>
+                <a:ea typeface="+mn-ea"/>
+                <a:cs typeface="+mn-cs"/>
+              </a:defRPr>
+            </a:lvl4pPr>
+            <a:lvl5pPr marL="1828251" indent="0" algn="l" defTabSz="914126" rtl="0" eaLnBrk="1" latinLnBrk="0" hangingPunct="1">
+              <a:lnSpc>
+                <a:spcPct val="90000"/>
+              </a:lnSpc>
+              <a:spcBef>
+                <a:spcPts val="300"/>
+              </a:spcBef>
+              <a:spcAft>
+                <a:spcPts val="300"/>
+              </a:spcAft>
+              <a:buClr>
+                <a:schemeClr val="accent1"/>
+              </a:buClr>
+              <a:buFont typeface="Wingdings 2" pitchFamily="18" charset="2"/>
+              <a:buNone/>
+              <a:defRPr sz="1400" kern="1200">
+                <a:solidFill>
+                  <a:schemeClr val="tx1">
+                    <a:tint val="75000"/>
+                  </a:schemeClr>
+                </a:solidFill>
+                <a:latin typeface="+mn-lt"/>
+                <a:ea typeface="+mn-ea"/>
+                <a:cs typeface="+mn-cs"/>
+              </a:defRPr>
+            </a:lvl5pPr>
+            <a:lvl6pPr marL="2285314" indent="0" algn="l" defTabSz="914126" rtl="0" eaLnBrk="1" latinLnBrk="0" hangingPunct="1">
+              <a:lnSpc>
+                <a:spcPct val="90000"/>
+              </a:lnSpc>
+              <a:spcBef>
+                <a:spcPts val="300"/>
+              </a:spcBef>
+              <a:spcAft>
+                <a:spcPts val="300"/>
+              </a:spcAft>
+              <a:buClr>
+                <a:schemeClr val="accent1"/>
+              </a:buClr>
+              <a:buFont typeface="Wingdings 2" pitchFamily="18" charset="2"/>
+              <a:buNone/>
+              <a:defRPr sz="1400" kern="1200">
+                <a:solidFill>
+                  <a:schemeClr val="tx1">
+                    <a:tint val="75000"/>
+                  </a:schemeClr>
+                </a:solidFill>
+                <a:latin typeface="+mn-lt"/>
+                <a:ea typeface="+mn-ea"/>
+                <a:cs typeface="+mn-cs"/>
+              </a:defRPr>
+            </a:lvl6pPr>
+            <a:lvl7pPr marL="2742377" indent="0" algn="l" defTabSz="914126" rtl="0" eaLnBrk="1" latinLnBrk="0" hangingPunct="1">
+              <a:lnSpc>
+                <a:spcPct val="90000"/>
+              </a:lnSpc>
+              <a:spcBef>
+                <a:spcPts val="300"/>
+              </a:spcBef>
+              <a:spcAft>
+                <a:spcPts val="300"/>
+              </a:spcAft>
+              <a:buClr>
+                <a:schemeClr val="accent1"/>
+              </a:buClr>
+              <a:buFont typeface="Wingdings 2" pitchFamily="18" charset="2"/>
+              <a:buNone/>
+              <a:defRPr sz="1400" kern="1200">
+                <a:solidFill>
+                  <a:schemeClr val="tx1">
+                    <a:tint val="75000"/>
+                  </a:schemeClr>
+                </a:solidFill>
+                <a:latin typeface="+mn-lt"/>
+                <a:ea typeface="+mn-ea"/>
+                <a:cs typeface="+mn-cs"/>
+              </a:defRPr>
+            </a:lvl7pPr>
+            <a:lvl8pPr marL="3199440" indent="0" algn="l" defTabSz="914126" rtl="0" eaLnBrk="1" latinLnBrk="0" hangingPunct="1">
+              <a:lnSpc>
+                <a:spcPct val="90000"/>
+              </a:lnSpc>
+              <a:spcBef>
+                <a:spcPts val="300"/>
+              </a:spcBef>
+              <a:spcAft>
+                <a:spcPts val="300"/>
+              </a:spcAft>
+              <a:buClr>
+                <a:schemeClr val="accent1"/>
+              </a:buClr>
+              <a:buFont typeface="Wingdings 2" pitchFamily="18" charset="2"/>
+              <a:buNone/>
+              <a:defRPr sz="1400" kern="1200">
+                <a:solidFill>
+                  <a:schemeClr val="tx1">
+                    <a:tint val="75000"/>
+                  </a:schemeClr>
+                </a:solidFill>
+                <a:latin typeface="+mn-lt"/>
+                <a:ea typeface="+mn-ea"/>
+                <a:cs typeface="+mn-cs"/>
+              </a:defRPr>
+            </a:lvl8pPr>
+            <a:lvl9pPr marL="3656503" indent="0" algn="l" defTabSz="914126" rtl="0" eaLnBrk="1" latinLnBrk="0" hangingPunct="1">
+              <a:lnSpc>
+                <a:spcPct val="90000"/>
+              </a:lnSpc>
+              <a:spcBef>
+                <a:spcPts val="300"/>
+              </a:spcBef>
+              <a:spcAft>
+                <a:spcPts val="300"/>
+              </a:spcAft>
+              <a:buClr>
+                <a:schemeClr val="accent1"/>
+              </a:buClr>
+              <a:buFont typeface="Wingdings 2" pitchFamily="18" charset="2"/>
+              <a:buNone/>
+              <a:defRPr sz="1400" kern="1200">
+                <a:solidFill>
+                  <a:schemeClr val="tx1">
+                    <a:tint val="75000"/>
+                  </a:schemeClr>
+                </a:solidFill>
+                <a:latin typeface="+mn-lt"/>
+                <a:ea typeface="+mn-ea"/>
+                <a:cs typeface="+mn-cs"/>
+              </a:defRPr>
+            </a:lvl9pPr>
+          </a:lstStyle>
+          <a:p>
+            <a:pPr marL="342900" indent="-342900">
+              <a:lnSpc>
+                <a:spcPct val="85000"/>
+              </a:lnSpc>
+              <a:buFont typeface="Wingdings" panose="05000000000000000000" pitchFamily="2" charset="2"/>
+              <a:buChar char="q"/>
+            </a:pPr>
+            <a:r>
+              <a:rPr lang="en-US" dirty="0"/>
+              <a:t> </a:t>
+            </a:r>
+            <a:r>
+              <a:rPr lang="en-US" sz="1800" dirty="0">
+                <a:solidFill>
+                  <a:schemeClr val="tx1">
+                    <a:lumMod val="95000"/>
+                    <a:lumOff val="5000"/>
+                  </a:schemeClr>
+                </a:solidFill>
+              </a:rPr>
+              <a:t>It’s important to note, that there’s multiple factors that can affect car accident crash data, however this analyses only reviews one of them.</a:t>
+            </a:r>
+          </a:p>
+          <a:p>
+            <a:pPr marL="342900" indent="-342900">
+              <a:lnSpc>
+                <a:spcPct val="85000"/>
+              </a:lnSpc>
+              <a:buFont typeface="Wingdings" panose="05000000000000000000" pitchFamily="2" charset="2"/>
+              <a:buChar char="q"/>
+            </a:pPr>
+            <a:r>
+              <a:rPr lang="en-US" dirty="0"/>
+              <a:t> </a:t>
+            </a:r>
+            <a:r>
+              <a:rPr lang="en-US" sz="1800" dirty="0">
+                <a:solidFill>
+                  <a:schemeClr val="tx1">
+                    <a:lumMod val="95000"/>
+                    <a:lumOff val="5000"/>
+                  </a:schemeClr>
+                </a:solidFill>
+              </a:rPr>
+              <a:t>Census population data used in this analysis is estimate based so the final numbers might be slightly off.</a:t>
+            </a:r>
+          </a:p>
+          <a:p>
+            <a:pPr marL="342900" indent="-342900">
+              <a:lnSpc>
+                <a:spcPct val="85000"/>
+              </a:lnSpc>
+              <a:buFont typeface="Wingdings" panose="05000000000000000000" pitchFamily="2" charset="2"/>
+              <a:buChar char="q"/>
+            </a:pPr>
+            <a:r>
+              <a:rPr lang="en-US" dirty="0">
+                <a:solidFill>
+                  <a:srgbClr val="112E51"/>
+                </a:solidFill>
+                <a:latin typeface="Roboto" panose="02000000000000000000" pitchFamily="2" charset="0"/>
+              </a:rPr>
+              <a:t> </a:t>
+            </a:r>
+            <a:r>
+              <a:rPr lang="en-US" sz="1800" dirty="0">
+                <a:solidFill>
+                  <a:schemeClr val="tx1">
+                    <a:lumMod val="95000"/>
+                    <a:lumOff val="5000"/>
+                  </a:schemeClr>
+                </a:solidFill>
+              </a:rPr>
+              <a:t>Analysis only covers 5 states.</a:t>
+            </a:r>
+          </a:p>
+          <a:p>
+            <a:pPr marL="342900" indent="-342900">
+              <a:lnSpc>
+                <a:spcPct val="85000"/>
+              </a:lnSpc>
+              <a:buFont typeface="Wingdings" panose="05000000000000000000" pitchFamily="2" charset="2"/>
+              <a:buChar char="q"/>
+            </a:pPr>
+            <a:r>
+              <a:rPr lang="en-US" sz="1800" dirty="0">
+                <a:solidFill>
+                  <a:schemeClr val="tx1">
+                    <a:lumMod val="95000"/>
+                    <a:lumOff val="5000"/>
+                  </a:schemeClr>
+                </a:solidFill>
+              </a:rPr>
+              <a:t>Data for year 2020 was excluded from correlation heatmap due to unusual behavior when included.</a:t>
+            </a:r>
+          </a:p>
+          <a:p>
+            <a:pPr marL="342900" indent="-342900">
+              <a:lnSpc>
+                <a:spcPct val="85000"/>
+              </a:lnSpc>
+              <a:buFont typeface="Wingdings" panose="05000000000000000000" pitchFamily="2" charset="2"/>
+              <a:buChar char="q"/>
+            </a:pPr>
+            <a:endParaRPr lang="en-US" sz="1800" dirty="0">
+              <a:solidFill>
+                <a:schemeClr val="tx1">
+                  <a:lumMod val="95000"/>
+                  <a:lumOff val="5000"/>
+                </a:schemeClr>
+              </a:solidFill>
+            </a:endParaRPr>
+          </a:p>
+          <a:p>
+            <a:endParaRPr lang="en-US" dirty="0"/>
+          </a:p>
+        </p:txBody>
+      </p:sp>
+      <p:sp>
+        <p:nvSpPr>
+          <p:cNvPr id="7" name="Text Placeholder 2">
+            <a:extLst>
+              <a:ext uri="{FF2B5EF4-FFF2-40B4-BE49-F238E27FC236}">
+                <a16:creationId xmlns:a16="http://schemas.microsoft.com/office/drawing/2014/main" id="{47D7BEDC-5474-4901-41B7-EDB8A811390C}"/>
+              </a:ext>
+            </a:extLst>
+          </p:cNvPr>
+          <p:cNvSpPr txBox="1">
+            <a:spLocks/>
+          </p:cNvSpPr>
+          <p:nvPr/>
+        </p:nvSpPr>
+        <p:spPr>
+          <a:xfrm>
+            <a:off x="5637212" y="1143000"/>
+            <a:ext cx="5410200" cy="4815840"/>
+          </a:xfrm>
+          <a:prstGeom prst="rect">
+            <a:avLst/>
+          </a:prstGeom>
+        </p:spPr>
+        <p:txBody>
+          <a:bodyPr vert="horz" lIns="91440" tIns="45720" rIns="91440" bIns="45720" rtlCol="0" anchor="t">
+            <a:normAutofit/>
+          </a:bodyPr>
+          <a:lstStyle>
+            <a:lvl1pPr marL="0" indent="0" algn="l" defTabSz="914126" rtl="0" eaLnBrk="1" latinLnBrk="0" hangingPunct="1">
+              <a:lnSpc>
+                <a:spcPct val="95000"/>
+              </a:lnSpc>
+              <a:spcBef>
+                <a:spcPts val="1400"/>
+              </a:spcBef>
+              <a:spcAft>
+                <a:spcPts val="200"/>
+              </a:spcAft>
+              <a:buClr>
+                <a:schemeClr val="accent1"/>
+              </a:buClr>
+              <a:buSzPct val="80000"/>
+              <a:buFont typeface="Arial" pitchFamily="34" charset="0"/>
+              <a:buNone/>
+              <a:defRPr sz="2199" kern="1200" spc="10" baseline="0">
+                <a:solidFill>
+                  <a:schemeClr val="tx1">
+                    <a:lumMod val="65000"/>
+                    <a:lumOff val="35000"/>
+                  </a:schemeClr>
+                </a:solidFill>
+                <a:latin typeface="+mn-lt"/>
+                <a:ea typeface="+mn-ea"/>
+                <a:cs typeface="+mn-cs"/>
+              </a:defRPr>
+            </a:lvl1pPr>
+            <a:lvl2pPr marL="457063" indent="0" algn="l" defTabSz="914126" rtl="0" eaLnBrk="1" latinLnBrk="0" hangingPunct="1">
+              <a:lnSpc>
+                <a:spcPct val="90000"/>
+              </a:lnSpc>
+              <a:spcBef>
+                <a:spcPts val="300"/>
+              </a:spcBef>
+              <a:spcAft>
+                <a:spcPts val="300"/>
+              </a:spcAft>
+              <a:buClr>
+                <a:schemeClr val="accent1"/>
+              </a:buClr>
+              <a:buFont typeface="Wingdings 2" pitchFamily="18" charset="2"/>
+              <a:buNone/>
+              <a:defRPr sz="1799" kern="1200">
+                <a:solidFill>
+                  <a:schemeClr val="tx1">
+                    <a:tint val="75000"/>
+                  </a:schemeClr>
+                </a:solidFill>
+                <a:latin typeface="+mn-lt"/>
+                <a:ea typeface="+mn-ea"/>
+                <a:cs typeface="+mn-cs"/>
+              </a:defRPr>
+            </a:lvl2pPr>
+            <a:lvl3pPr marL="914126" indent="0" algn="l" defTabSz="914126" rtl="0" eaLnBrk="1" latinLnBrk="0" hangingPunct="1">
+              <a:lnSpc>
+                <a:spcPct val="90000"/>
+              </a:lnSpc>
+              <a:spcBef>
+                <a:spcPts val="300"/>
+              </a:spcBef>
+              <a:spcAft>
+                <a:spcPts val="300"/>
+              </a:spcAft>
+              <a:buClr>
+                <a:schemeClr val="accent1"/>
+              </a:buClr>
+              <a:buFont typeface="Wingdings 2" pitchFamily="18" charset="2"/>
+              <a:buNone/>
+              <a:defRPr sz="1600" kern="1200">
+                <a:solidFill>
+                  <a:schemeClr val="tx1">
+                    <a:tint val="75000"/>
+                  </a:schemeClr>
+                </a:solidFill>
+                <a:latin typeface="+mn-lt"/>
+                <a:ea typeface="+mn-ea"/>
+                <a:cs typeface="+mn-cs"/>
+              </a:defRPr>
+            </a:lvl3pPr>
+            <a:lvl4pPr marL="1371189" indent="0" algn="l" defTabSz="914126" rtl="0" eaLnBrk="1" latinLnBrk="0" hangingPunct="1">
+              <a:lnSpc>
+                <a:spcPct val="90000"/>
+              </a:lnSpc>
+              <a:spcBef>
+                <a:spcPts val="300"/>
+              </a:spcBef>
+              <a:spcAft>
+                <a:spcPts val="300"/>
+              </a:spcAft>
+              <a:buClr>
+                <a:schemeClr val="accent1"/>
+              </a:buClr>
+              <a:buFont typeface="Wingdings 2" pitchFamily="18" charset="2"/>
+              <a:buNone/>
+              <a:defRPr sz="1400" kern="1200">
+                <a:solidFill>
+                  <a:schemeClr val="tx1">
+                    <a:tint val="75000"/>
+                  </a:schemeClr>
+                </a:solidFill>
+                <a:latin typeface="+mn-lt"/>
+                <a:ea typeface="+mn-ea"/>
+                <a:cs typeface="+mn-cs"/>
+              </a:defRPr>
+            </a:lvl4pPr>
+            <a:lvl5pPr marL="1828251" indent="0" algn="l" defTabSz="914126" rtl="0" eaLnBrk="1" latinLnBrk="0" hangingPunct="1">
+              <a:lnSpc>
+                <a:spcPct val="90000"/>
+              </a:lnSpc>
+              <a:spcBef>
+                <a:spcPts val="300"/>
+              </a:spcBef>
+              <a:spcAft>
+                <a:spcPts val="300"/>
+              </a:spcAft>
+              <a:buClr>
+                <a:schemeClr val="accent1"/>
+              </a:buClr>
+              <a:buFont typeface="Wingdings 2" pitchFamily="18" charset="2"/>
+              <a:buNone/>
+              <a:defRPr sz="1400" kern="1200">
+                <a:solidFill>
+                  <a:schemeClr val="tx1">
+                    <a:tint val="75000"/>
+                  </a:schemeClr>
+                </a:solidFill>
+                <a:latin typeface="+mn-lt"/>
+                <a:ea typeface="+mn-ea"/>
+                <a:cs typeface="+mn-cs"/>
+              </a:defRPr>
+            </a:lvl5pPr>
+            <a:lvl6pPr marL="2285314" indent="0" algn="l" defTabSz="914126" rtl="0" eaLnBrk="1" latinLnBrk="0" hangingPunct="1">
+              <a:lnSpc>
+                <a:spcPct val="90000"/>
+              </a:lnSpc>
+              <a:spcBef>
+                <a:spcPts val="300"/>
+              </a:spcBef>
+              <a:spcAft>
+                <a:spcPts val="300"/>
+              </a:spcAft>
+              <a:buClr>
+                <a:schemeClr val="accent1"/>
+              </a:buClr>
+              <a:buFont typeface="Wingdings 2" pitchFamily="18" charset="2"/>
+              <a:buNone/>
+              <a:defRPr sz="1400" kern="1200">
+                <a:solidFill>
+                  <a:schemeClr val="tx1">
+                    <a:tint val="75000"/>
+                  </a:schemeClr>
+                </a:solidFill>
+                <a:latin typeface="+mn-lt"/>
+                <a:ea typeface="+mn-ea"/>
+                <a:cs typeface="+mn-cs"/>
+              </a:defRPr>
+            </a:lvl6pPr>
+            <a:lvl7pPr marL="2742377" indent="0" algn="l" defTabSz="914126" rtl="0" eaLnBrk="1" latinLnBrk="0" hangingPunct="1">
+              <a:lnSpc>
+                <a:spcPct val="90000"/>
+              </a:lnSpc>
+              <a:spcBef>
+                <a:spcPts val="300"/>
+              </a:spcBef>
+              <a:spcAft>
+                <a:spcPts val="300"/>
+              </a:spcAft>
+              <a:buClr>
+                <a:schemeClr val="accent1"/>
+              </a:buClr>
+              <a:buFont typeface="Wingdings 2" pitchFamily="18" charset="2"/>
+              <a:buNone/>
+              <a:defRPr sz="1400" kern="1200">
+                <a:solidFill>
+                  <a:schemeClr val="tx1">
+                    <a:tint val="75000"/>
+                  </a:schemeClr>
+                </a:solidFill>
+                <a:latin typeface="+mn-lt"/>
+                <a:ea typeface="+mn-ea"/>
+                <a:cs typeface="+mn-cs"/>
+              </a:defRPr>
+            </a:lvl7pPr>
+            <a:lvl8pPr marL="3199440" indent="0" algn="l" defTabSz="914126" rtl="0" eaLnBrk="1" latinLnBrk="0" hangingPunct="1">
+              <a:lnSpc>
+                <a:spcPct val="90000"/>
+              </a:lnSpc>
+              <a:spcBef>
+                <a:spcPts val="300"/>
+              </a:spcBef>
+              <a:spcAft>
+                <a:spcPts val="300"/>
+              </a:spcAft>
+              <a:buClr>
+                <a:schemeClr val="accent1"/>
+              </a:buClr>
+              <a:buFont typeface="Wingdings 2" pitchFamily="18" charset="2"/>
+              <a:buNone/>
+              <a:defRPr sz="1400" kern="1200">
+                <a:solidFill>
+                  <a:schemeClr val="tx1">
+                    <a:tint val="75000"/>
+                  </a:schemeClr>
+                </a:solidFill>
+                <a:latin typeface="+mn-lt"/>
+                <a:ea typeface="+mn-ea"/>
+                <a:cs typeface="+mn-cs"/>
+              </a:defRPr>
+            </a:lvl8pPr>
+            <a:lvl9pPr marL="3656503" indent="0" algn="l" defTabSz="914126" rtl="0" eaLnBrk="1" latinLnBrk="0" hangingPunct="1">
+              <a:lnSpc>
+                <a:spcPct val="90000"/>
+              </a:lnSpc>
+              <a:spcBef>
+                <a:spcPts val="300"/>
+              </a:spcBef>
+              <a:spcAft>
+                <a:spcPts val="300"/>
+              </a:spcAft>
+              <a:buClr>
+                <a:schemeClr val="accent1"/>
+              </a:buClr>
+              <a:buFont typeface="Wingdings 2" pitchFamily="18" charset="2"/>
+              <a:buNone/>
+              <a:defRPr sz="1400" kern="1200">
+                <a:solidFill>
+                  <a:schemeClr val="tx1">
+                    <a:tint val="75000"/>
+                  </a:schemeClr>
+                </a:solidFill>
+                <a:latin typeface="+mn-lt"/>
+                <a:ea typeface="+mn-ea"/>
+                <a:cs typeface="+mn-cs"/>
+              </a:defRPr>
+            </a:lvl9pPr>
+          </a:lstStyle>
+          <a:p>
+            <a:pPr marL="342900" indent="-342900">
+              <a:lnSpc>
+                <a:spcPct val="85000"/>
+              </a:lnSpc>
+              <a:buFont typeface="Wingdings" panose="05000000000000000000" pitchFamily="2" charset="2"/>
+              <a:buChar char="q"/>
+            </a:pPr>
+            <a:r>
+              <a:rPr lang="en-US" sz="1800" dirty="0">
+                <a:solidFill>
+                  <a:schemeClr val="tx1">
+                    <a:lumMod val="95000"/>
+                    <a:lumOff val="5000"/>
+                  </a:schemeClr>
+                </a:solidFill>
+              </a:rPr>
+              <a:t>Locating crash data broken down by county.</a:t>
+            </a:r>
+          </a:p>
+          <a:p>
+            <a:pPr marL="342900" indent="-342900">
+              <a:lnSpc>
+                <a:spcPct val="85000"/>
+              </a:lnSpc>
+              <a:buFont typeface="Wingdings" panose="05000000000000000000" pitchFamily="2" charset="2"/>
+              <a:buChar char="q"/>
+            </a:pPr>
+            <a:r>
+              <a:rPr lang="en-US" sz="1800" dirty="0">
+                <a:solidFill>
+                  <a:schemeClr val="tx1">
+                    <a:lumMod val="95000"/>
+                    <a:lumOff val="5000"/>
+                  </a:schemeClr>
+                </a:solidFill>
+              </a:rPr>
+              <a:t>Crash reporting differ from state to state, not to mention that some states adopted different report formatting over the years, so I had to develop an individual approach for data extraction for almost every single report.</a:t>
+            </a:r>
+          </a:p>
+        </p:txBody>
+      </p:sp>
+    </p:spTree>
+    <p:extLst>
+      <p:ext uri="{BB962C8B-B14F-4D97-AF65-F5344CB8AC3E}">
+        <p14:creationId xmlns:p14="http://schemas.microsoft.com/office/powerpoint/2010/main" val="4014819263"/>
+      </p:ext>
+    </p:extLst>
+  </p:cSld>
+  <p:clrMapOvr>
+    <a:masterClrMapping/>
+  </p:clrMapOvr>
+  <mc:AlternateContent xmlns:mc="http://schemas.openxmlformats.org/markup-compatibility/2006" xmlns:p14="http://schemas.microsoft.com/office/powerpoint/2010/main">
+    <mc:Choice Requires="p14">
+      <p:transition spd="med" p14:dur="700">
+        <p:fade/>
+      </p:transition>
+    </mc:Choice>
+    <mc:Fallback xmlns="">
+      <p:transition spd="med">
+        <p:fade/>
+      </p:transition>
+    </mc:Fallback>
+  </mc:AlternateContent>
+</p:sld>
+</file>
+
+<file path=ppt/slides/slide7.xml><?xml version="1.0" encoding="utf-8"?>
+<p:sld xmlns:a="http://schemas.openxmlformats.org/drawingml/2006/main" xmlns:r="http://schemas.openxmlformats.org/officeDocument/2006/relationships" xmlns:p="http://schemas.openxmlformats.org/presentationml/2006/main">
+  <p:cSld>
     <p:bg>
       <p:bgPr>
         <a:solidFill>
-          <a:schemeClr val="accent1"/>
+          <a:schemeClr val="bg1"/>
         </a:solidFill>
         <a:effectLst/>
       </p:bgPr>
@@ -5310,12 +6733,124 @@
           <a:chExt cx="0" cy="0"/>
         </a:xfrm>
       </p:grpSpPr>
+      <p:sp>
+        <p:nvSpPr>
+          <p:cNvPr id="8" name="Rectangle 7">
+            <a:extLst>
+              <a:ext uri="{FF2B5EF4-FFF2-40B4-BE49-F238E27FC236}">
+                <a16:creationId xmlns:a16="http://schemas.microsoft.com/office/drawing/2014/main" id="{0E99ED6D-365F-4CAE-942F-ECA78F74BD7F}"/>
+              </a:ext>
+              <a:ext uri="{C183D7F6-B498-43B3-948B-1728B52AA6E4}">
+                <adec:decorative xmlns:adec="http://schemas.microsoft.com/office/drawing/2017/decorative" val="1"/>
+              </a:ext>
+            </a:extLst>
+          </p:cNvPr>
+          <p:cNvSpPr>
+            <a:spLocks noGrp="1" noRot="1" noChangeAspect="1" noMove="1" noResize="1" noEditPoints="1" noAdjustHandles="1" noChangeArrowheads="1" noChangeShapeType="1" noTextEdit="1"/>
+          </p:cNvSpPr>
+          <p:nvPr>
+            <p:extLst>
+              <p:ext uri="{386F3935-93C4-4BCD-93E2-E3B085C9AB24}">
+                <p16:designElem xmlns:p16="http://schemas.microsoft.com/office/powerpoint/2015/main" val="1"/>
+              </p:ext>
+            </p:extLst>
+          </p:nvPr>
+        </p:nvSpPr>
+        <p:spPr>
+          <a:xfrm>
+            <a:off x="11289899" y="0"/>
+            <a:ext cx="914162" cy="6858000"/>
+          </a:xfrm>
+          <a:prstGeom prst="rect">
+            <a:avLst/>
+          </a:prstGeom>
+          <a:solidFill>
+            <a:schemeClr val="tx2">
+              <a:lumMod val="75000"/>
+            </a:schemeClr>
+          </a:solidFill>
+          <a:ln>
+            <a:noFill/>
+          </a:ln>
+        </p:spPr>
+        <p:style>
+          <a:lnRef idx="2">
+            <a:schemeClr val="accent1">
+              <a:shade val="50000"/>
+            </a:schemeClr>
+          </a:lnRef>
+          <a:fillRef idx="1">
+            <a:schemeClr val="accent1"/>
+          </a:fillRef>
+          <a:effectRef idx="0">
+            <a:schemeClr val="accent1"/>
+          </a:effectRef>
+          <a:fontRef idx="minor">
+            <a:schemeClr val="lt1"/>
+          </a:fontRef>
+        </p:style>
+      </p:sp>
+      <p:sp>
+        <p:nvSpPr>
+          <p:cNvPr id="10" name="Rectangle 9">
+            <a:extLst>
+              <a:ext uri="{FF2B5EF4-FFF2-40B4-BE49-F238E27FC236}">
+                <a16:creationId xmlns:a16="http://schemas.microsoft.com/office/drawing/2014/main" id="{CD0FF873-0D97-4AE7-A97E-539910376DCF}"/>
+              </a:ext>
+              <a:ext uri="{C183D7F6-B498-43B3-948B-1728B52AA6E4}">
+                <adec:decorative xmlns:adec="http://schemas.microsoft.com/office/drawing/2017/decorative" val="1"/>
+              </a:ext>
+            </a:extLst>
+          </p:cNvPr>
+          <p:cNvSpPr>
+            <a:spLocks noGrp="1" noRot="1" noChangeAspect="1" noMove="1" noResize="1" noEditPoints="1" noAdjustHandles="1" noChangeArrowheads="1" noChangeShapeType="1" noTextEdit="1"/>
+          </p:cNvSpPr>
+          <p:nvPr>
+            <p:extLst>
+              <p:ext uri="{386F3935-93C4-4BCD-93E2-E3B085C9AB24}">
+                <p16:designElem xmlns:p16="http://schemas.microsoft.com/office/powerpoint/2015/main" val="1"/>
+              </p:ext>
+            </p:extLst>
+          </p:nvPr>
+        </p:nvSpPr>
+        <p:spPr>
+          <a:xfrm>
+            <a:off x="0" y="0"/>
+            <a:ext cx="457080" cy="6858000"/>
+          </a:xfrm>
+          <a:prstGeom prst="rect">
+            <a:avLst/>
+          </a:prstGeom>
+          <a:solidFill>
+            <a:schemeClr val="accent1"/>
+          </a:solidFill>
+          <a:ln>
+            <a:noFill/>
+          </a:ln>
+        </p:spPr>
+        <p:style>
+          <a:lnRef idx="2">
+            <a:schemeClr val="accent1">
+              <a:shade val="50000"/>
+            </a:schemeClr>
+          </a:lnRef>
+          <a:fillRef idx="1">
+            <a:schemeClr val="accent1"/>
+          </a:fillRef>
+          <a:effectRef idx="0">
+            <a:schemeClr val="accent1"/>
+          </a:effectRef>
+          <a:fontRef idx="minor">
+            <a:schemeClr val="lt1"/>
+          </a:fontRef>
+        </p:style>
+      </p:sp>
       <p:pic>
         <p:nvPicPr>
-          <p:cNvPr id="13" name="Picture 12" descr="Chart, line chart&#10;&#10;Description automatically generated">
+          <p:cNvPr id="4" name="Picture 3" descr="Chart&#10;&#10;Description automatically generated">
             <a:extLst>
               <a:ext uri="{FF2B5EF4-FFF2-40B4-BE49-F238E27FC236}">
-                <a16:creationId xmlns:a16="http://schemas.microsoft.com/office/drawing/2014/main" id="{FEC53C92-4F3B-7516-C925-5865913BCC4F}"/>
+                <a16:creationId xmlns:a16="http://schemas.microsoft.com/office/drawing/2014/main" id="{2FA40FFD-FC05-6E5B-5D01-8686C4097865}"/>
               </a:ext>
             </a:extLst>
           </p:cNvPr>
@@ -5338,271 +6873,61 @@
         </p:blipFill>
         <p:spPr>
           <a:xfrm>
-            <a:off x="684212" y="286434"/>
-            <a:ext cx="9904412" cy="6285131"/>
+            <a:off x="457081" y="984027"/>
+            <a:ext cx="10832818" cy="5873973"/>
           </a:xfrm>
           <a:prstGeom prst="rect">
             <a:avLst/>
           </a:prstGeom>
         </p:spPr>
       </p:pic>
+      <p:sp>
+        <p:nvSpPr>
+          <p:cNvPr id="7" name="Title 1">
+            <a:extLst>
+              <a:ext uri="{FF2B5EF4-FFF2-40B4-BE49-F238E27FC236}">
+                <a16:creationId xmlns:a16="http://schemas.microsoft.com/office/drawing/2014/main" id="{7FC878F7-35A2-A20F-575B-3B0628F429B2}"/>
+              </a:ext>
+            </a:extLst>
+          </p:cNvPr>
+          <p:cNvSpPr>
+            <a:spLocks noGrp="1"/>
+          </p:cNvSpPr>
+          <p:nvPr>
+            <p:ph type="title"/>
+          </p:nvPr>
+        </p:nvSpPr>
+        <p:spPr>
+          <a:xfrm>
+            <a:off x="3198812" y="76200"/>
+            <a:ext cx="4191000" cy="609600"/>
+          </a:xfrm>
+        </p:spPr>
+        <p:txBody>
+          <a:bodyPr>
+            <a:normAutofit/>
+          </a:bodyPr>
+          <a:lstStyle/>
+          <a:p>
+            <a:pPr algn="ctr"/>
+            <a:r>
+              <a:rPr lang="en-US" sz="1800" b="1" dirty="0">
+                <a:solidFill>
+                  <a:srgbClr val="000000"/>
+                </a:solidFill>
+                <a:effectLst/>
+                <a:latin typeface="Tableau Bold"/>
+              </a:rPr>
+              <a:t>% Difference in Population and Total Crashes in Metropolitan Areas from previous year</a:t>
+            </a:r>
+            <a:endParaRPr lang="en-US" sz="4400" dirty="0"/>
+          </a:p>
+        </p:txBody>
+      </p:sp>
     </p:spTree>
     <p:extLst>
       <p:ext uri="{BB962C8B-B14F-4D97-AF65-F5344CB8AC3E}">
-        <p14:creationId xmlns:p14="http://schemas.microsoft.com/office/powerpoint/2010/main" val="197792169"/>
-      </p:ext>
-    </p:extLst>
-  </p:cSld>
-  <p:clrMapOvr>
-    <a:masterClrMapping/>
-  </p:clrMapOvr>
-  <mc:AlternateContent xmlns:mc="http://schemas.openxmlformats.org/markup-compatibility/2006">
-    <mc:Choice xmlns:p14="http://schemas.microsoft.com/office/powerpoint/2010/main" Requires="p14">
-      <p:transition spd="med" p14:dur="700">
-        <p:fade/>
-      </p:transition>
-    </mc:Choice>
-    <mc:Fallback>
-      <p:transition spd="med">
-        <p:fade/>
-      </p:transition>
-    </mc:Fallback>
-  </mc:AlternateContent>
-</p:sld>
-</file>
-
-<file path=ppt/slides/slide6.xml><?xml version="1.0" encoding="utf-8"?>
-<p:sld xmlns:a="http://schemas.openxmlformats.org/drawingml/2006/main" xmlns:r="http://schemas.openxmlformats.org/officeDocument/2006/relationships" xmlns:p="http://schemas.openxmlformats.org/presentationml/2006/main">
-  <p:cSld>
-    <p:bg>
-      <p:bgPr>
-        <a:solidFill>
-          <a:schemeClr val="accent1"/>
-        </a:solidFill>
-        <a:effectLst/>
-      </p:bgPr>
-    </p:bg>
-    <p:spTree>
-      <p:nvGrpSpPr>
-        <p:cNvPr id="1" name=""/>
-        <p:cNvGrpSpPr/>
-        <p:nvPr/>
-      </p:nvGrpSpPr>
-      <p:grpSpPr>
-        <a:xfrm>
-          <a:off x="0" y="0"/>
-          <a:ext cx="0" cy="0"/>
-          <a:chOff x="0" y="0"/>
-          <a:chExt cx="0" cy="0"/>
-        </a:xfrm>
-      </p:grpSpPr>
-      <p:pic>
-        <p:nvPicPr>
-          <p:cNvPr id="14" name="Picture 13" descr="Chart, line chart&#10;&#10;Description automatically generated">
-            <a:extLst>
-              <a:ext uri="{FF2B5EF4-FFF2-40B4-BE49-F238E27FC236}">
-                <a16:creationId xmlns:a16="http://schemas.microsoft.com/office/drawing/2014/main" id="{74B503A4-291B-43E7-2C44-9A0D987767F4}"/>
-              </a:ext>
-            </a:extLst>
-          </p:cNvPr>
-          <p:cNvPicPr>
-            <a:picLocks noChangeAspect="1"/>
-          </p:cNvPicPr>
-          <p:nvPr/>
-        </p:nvPicPr>
-        <p:blipFill>
-          <a:blip r:embed="rId2">
-            <a:extLst>
-              <a:ext uri="{28A0092B-C50C-407E-A947-70E740481C1C}">
-                <a14:useLocalDpi xmlns:a14="http://schemas.microsoft.com/office/drawing/2010/main" val="0"/>
-              </a:ext>
-            </a:extLst>
-          </a:blip>
-          <a:stretch>
-            <a:fillRect/>
-          </a:stretch>
-        </p:blipFill>
-        <p:spPr>
-          <a:xfrm>
-            <a:off x="684212" y="280738"/>
-            <a:ext cx="9902952" cy="6294586"/>
-          </a:xfrm>
-          <a:prstGeom prst="rect">
-            <a:avLst/>
-          </a:prstGeom>
-        </p:spPr>
-      </p:pic>
-    </p:spTree>
-    <p:extLst>
-      <p:ext uri="{BB962C8B-B14F-4D97-AF65-F5344CB8AC3E}">
-        <p14:creationId xmlns:p14="http://schemas.microsoft.com/office/powerpoint/2010/main" val="1127335855"/>
-      </p:ext>
-    </p:extLst>
-  </p:cSld>
-  <p:clrMapOvr>
-    <a:masterClrMapping/>
-  </p:clrMapOvr>
-  <mc:AlternateContent xmlns:mc="http://schemas.openxmlformats.org/markup-compatibility/2006">
-    <mc:Choice xmlns:p14="http://schemas.microsoft.com/office/powerpoint/2010/main" Requires="p14">
-      <p:transition spd="med" p14:dur="700">
-        <p:fade/>
-      </p:transition>
-    </mc:Choice>
-    <mc:Fallback>
-      <p:transition spd="med">
-        <p:fade/>
-      </p:transition>
-    </mc:Fallback>
-  </mc:AlternateContent>
-</p:sld>
-</file>
-
-<file path=ppt/slides/slide7.xml><?xml version="1.0" encoding="utf-8"?>
-<p:sld xmlns:a="http://schemas.openxmlformats.org/drawingml/2006/main" xmlns:r="http://schemas.openxmlformats.org/officeDocument/2006/relationships" xmlns:p="http://schemas.openxmlformats.org/presentationml/2006/main">
-  <p:cSld>
-    <p:spTree>
-      <p:nvGrpSpPr>
-        <p:cNvPr id="1" name=""/>
-        <p:cNvGrpSpPr/>
-        <p:nvPr/>
-      </p:nvGrpSpPr>
-      <p:grpSpPr>
-        <a:xfrm>
-          <a:off x="0" y="0"/>
-          <a:ext cx="0" cy="0"/>
-          <a:chOff x="0" y="0"/>
-          <a:chExt cx="0" cy="0"/>
-        </a:xfrm>
-      </p:grpSpPr>
-      <p:sp>
-        <p:nvSpPr>
-          <p:cNvPr id="7" name="Title 6"/>
-          <p:cNvSpPr>
-            <a:spLocks noGrp="1"/>
-          </p:cNvSpPr>
-          <p:nvPr>
-            <p:ph type="title"/>
-          </p:nvPr>
-        </p:nvSpPr>
-        <p:spPr>
-          <a:xfrm>
-            <a:off x="684212" y="73808"/>
-            <a:ext cx="9690116" cy="776477"/>
-          </a:xfrm>
-        </p:spPr>
-        <p:txBody>
-          <a:bodyPr/>
-          <a:lstStyle/>
-          <a:p>
-            <a:r>
-              <a:rPr lang="en-US" dirty="0"/>
-              <a:t>Add a Slide Title - 2</a:t>
-            </a:r>
-          </a:p>
-        </p:txBody>
-      </p:sp>
-      <p:sp>
-        <p:nvSpPr>
-          <p:cNvPr id="8" name="Text Placeholder 7"/>
-          <p:cNvSpPr>
-            <a:spLocks noGrp="1"/>
-          </p:cNvSpPr>
-          <p:nvPr>
-            <p:ph type="body" idx="1"/>
-          </p:nvPr>
-        </p:nvSpPr>
-        <p:spPr>
-          <a:xfrm>
-            <a:off x="1234020" y="1167854"/>
-            <a:ext cx="4479393" cy="731520"/>
-          </a:xfrm>
-        </p:spPr>
-        <p:txBody>
-          <a:bodyPr/>
-          <a:lstStyle/>
-          <a:p>
-            <a:endParaRPr lang="en-US" dirty="0"/>
-          </a:p>
-        </p:txBody>
-      </p:sp>
-      <p:sp>
-        <p:nvSpPr>
-          <p:cNvPr id="9" name="Text Placeholder 8"/>
-          <p:cNvSpPr>
-            <a:spLocks noGrp="1"/>
-          </p:cNvSpPr>
-          <p:nvPr>
-            <p:ph type="body" sz="quarter" idx="3"/>
-          </p:nvPr>
-        </p:nvSpPr>
-        <p:spPr>
-          <a:xfrm>
-            <a:off x="6323012" y="1126182"/>
-            <a:ext cx="4479393" cy="731520"/>
-          </a:xfrm>
-        </p:spPr>
-        <p:txBody>
-          <a:bodyPr/>
-          <a:lstStyle/>
-          <a:p>
-            <a:endParaRPr lang="en-US" dirty="0"/>
-          </a:p>
-        </p:txBody>
-      </p:sp>
-      <p:sp>
-        <p:nvSpPr>
-          <p:cNvPr id="12" name="Content Placeholder 11">
-            <a:extLst>
-              <a:ext uri="{FF2B5EF4-FFF2-40B4-BE49-F238E27FC236}">
-                <a16:creationId xmlns:a16="http://schemas.microsoft.com/office/drawing/2014/main" id="{E522ABB7-944F-60D5-CD49-60292C7D2AE5}"/>
-              </a:ext>
-            </a:extLst>
-          </p:cNvPr>
-          <p:cNvSpPr>
-            <a:spLocks noGrp="1"/>
-          </p:cNvSpPr>
-          <p:nvPr>
-            <p:ph sz="half" idx="2"/>
-          </p:nvPr>
-        </p:nvSpPr>
-        <p:spPr/>
-        <p:txBody>
-          <a:bodyPr/>
-          <a:lstStyle/>
-          <a:p>
-            <a:endParaRPr lang="en-US"/>
-          </a:p>
-        </p:txBody>
-      </p:sp>
-      <p:sp>
-        <p:nvSpPr>
-          <p:cNvPr id="14" name="Content Placeholder 13">
-            <a:extLst>
-              <a:ext uri="{FF2B5EF4-FFF2-40B4-BE49-F238E27FC236}">
-                <a16:creationId xmlns:a16="http://schemas.microsoft.com/office/drawing/2014/main" id="{8B8DB670-A5B2-A3B2-4223-F49DD296F8E0}"/>
-              </a:ext>
-            </a:extLst>
-          </p:cNvPr>
-          <p:cNvSpPr>
-            <a:spLocks noGrp="1"/>
-          </p:cNvSpPr>
-          <p:nvPr>
-            <p:ph sz="quarter" idx="4"/>
-          </p:nvPr>
-        </p:nvSpPr>
-        <p:spPr/>
-        <p:txBody>
-          <a:bodyPr/>
-          <a:lstStyle/>
-          <a:p>
-            <a:endParaRPr lang="en-US"/>
-          </a:p>
-        </p:txBody>
-      </p:sp>
-    </p:spTree>
-    <p:extLst>
-      <p:ext uri="{BB962C8B-B14F-4D97-AF65-F5344CB8AC3E}">
-        <p14:creationId xmlns:p14="http://schemas.microsoft.com/office/powerpoint/2010/main" val="2672039197"/>
+        <p14:creationId xmlns:p14="http://schemas.microsoft.com/office/powerpoint/2010/main" val="3086200520"/>
       </p:ext>
     </p:extLst>
   </p:cSld>
@@ -5630,7 +6955,7 @@
     <p:bg>
       <p:bgPr>
         <a:solidFill>
-          <a:schemeClr val="accent1"/>
+          <a:schemeClr val="bg1"/>
         </a:solidFill>
         <a:effectLst/>
       </p:bgPr>
@@ -5651,44 +6976,122 @@
       </p:grpSpPr>
       <p:sp>
         <p:nvSpPr>
-          <p:cNvPr id="7" name="Title 6"/>
-          <p:cNvSpPr>
-            <a:spLocks noGrp="1"/>
-          </p:cNvSpPr>
-          <p:nvPr>
-            <p:ph type="title"/>
+          <p:cNvPr id="8" name="Rectangle 7">
+            <a:extLst>
+              <a:ext uri="{FF2B5EF4-FFF2-40B4-BE49-F238E27FC236}">
+                <a16:creationId xmlns:a16="http://schemas.microsoft.com/office/drawing/2014/main" id="{0E99ED6D-365F-4CAE-942F-ECA78F74BD7F}"/>
+              </a:ext>
+              <a:ext uri="{C183D7F6-B498-43B3-948B-1728B52AA6E4}">
+                <adec:decorative xmlns:adec="http://schemas.microsoft.com/office/drawing/2017/decorative" val="1"/>
+              </a:ext>
+            </a:extLst>
+          </p:cNvPr>
+          <p:cNvSpPr>
+            <a:spLocks noGrp="1" noRot="1" noChangeAspect="1" noMove="1" noResize="1" noEditPoints="1" noAdjustHandles="1" noChangeArrowheads="1" noChangeShapeType="1" noTextEdit="1"/>
+          </p:cNvSpPr>
+          <p:nvPr>
+            <p:extLst>
+              <p:ext uri="{386F3935-93C4-4BCD-93E2-E3B085C9AB24}">
+                <p16:designElem xmlns:p16="http://schemas.microsoft.com/office/powerpoint/2015/main" val="1"/>
+              </p:ext>
+            </p:extLst>
           </p:nvPr>
         </p:nvSpPr>
         <p:spPr>
           <a:xfrm>
-            <a:off x="7618412" y="94673"/>
-            <a:ext cx="4550352" cy="1200727"/>
+            <a:off x="11289899" y="0"/>
+            <a:ext cx="914162" cy="6858000"/>
           </a:xfrm>
+          <a:prstGeom prst="rect">
+            <a:avLst/>
+          </a:prstGeom>
+          <a:solidFill>
+            <a:schemeClr val="tx2">
+              <a:lumMod val="75000"/>
+            </a:schemeClr>
+          </a:solidFill>
+          <a:ln>
+            <a:noFill/>
+          </a:ln>
         </p:spPr>
-        <p:txBody>
-          <a:bodyPr>
-            <a:normAutofit fontScale="90000"/>
-          </a:bodyPr>
-          <a:lstStyle/>
-          <a:p>
-            <a:pPr algn="ctr"/>
-            <a:r>
-              <a:rPr lang="en-US" sz="2700" b="1" dirty="0">
-                <a:solidFill>
-                  <a:schemeClr val="bg1"/>
-                </a:solidFill>
-              </a:rPr>
-              <a:t>Correlation between Crash Data and Population increase in Metro Areas</a:t>
-            </a:r>
-          </a:p>
-        </p:txBody>
+        <p:style>
+          <a:lnRef idx="2">
+            <a:schemeClr val="accent1">
+              <a:shade val="50000"/>
+            </a:schemeClr>
+          </a:lnRef>
+          <a:fillRef idx="1">
+            <a:schemeClr val="accent1"/>
+          </a:fillRef>
+          <a:effectRef idx="0">
+            <a:schemeClr val="accent1"/>
+          </a:effectRef>
+          <a:fontRef idx="minor">
+            <a:schemeClr val="lt1"/>
+          </a:fontRef>
+        </p:style>
+      </p:sp>
+      <p:sp>
+        <p:nvSpPr>
+          <p:cNvPr id="10" name="Rectangle 9">
+            <a:extLst>
+              <a:ext uri="{FF2B5EF4-FFF2-40B4-BE49-F238E27FC236}">
+                <a16:creationId xmlns:a16="http://schemas.microsoft.com/office/drawing/2014/main" id="{CD0FF873-0D97-4AE7-A97E-539910376DCF}"/>
+              </a:ext>
+              <a:ext uri="{C183D7F6-B498-43B3-948B-1728B52AA6E4}">
+                <adec:decorative xmlns:adec="http://schemas.microsoft.com/office/drawing/2017/decorative" val="1"/>
+              </a:ext>
+            </a:extLst>
+          </p:cNvPr>
+          <p:cNvSpPr>
+            <a:spLocks noGrp="1" noRot="1" noChangeAspect="1" noMove="1" noResize="1" noEditPoints="1" noAdjustHandles="1" noChangeArrowheads="1" noChangeShapeType="1" noTextEdit="1"/>
+          </p:cNvSpPr>
+          <p:nvPr>
+            <p:extLst>
+              <p:ext uri="{386F3935-93C4-4BCD-93E2-E3B085C9AB24}">
+                <p16:designElem xmlns:p16="http://schemas.microsoft.com/office/powerpoint/2015/main" val="1"/>
+              </p:ext>
+            </p:extLst>
+          </p:nvPr>
+        </p:nvSpPr>
+        <p:spPr>
+          <a:xfrm>
+            <a:off x="0" y="0"/>
+            <a:ext cx="457080" cy="6858000"/>
+          </a:xfrm>
+          <a:prstGeom prst="rect">
+            <a:avLst/>
+          </a:prstGeom>
+          <a:solidFill>
+            <a:schemeClr val="accent1"/>
+          </a:solidFill>
+          <a:ln>
+            <a:noFill/>
+          </a:ln>
+        </p:spPr>
+        <p:style>
+          <a:lnRef idx="2">
+            <a:schemeClr val="accent1">
+              <a:shade val="50000"/>
+            </a:schemeClr>
+          </a:lnRef>
+          <a:fillRef idx="1">
+            <a:schemeClr val="accent1"/>
+          </a:fillRef>
+          <a:effectRef idx="0">
+            <a:schemeClr val="accent1"/>
+          </a:effectRef>
+          <a:fontRef idx="minor">
+            <a:schemeClr val="lt1"/>
+          </a:fontRef>
+        </p:style>
       </p:sp>
       <p:pic>
         <p:nvPicPr>
-          <p:cNvPr id="46" name="Picture 45" descr="Chart, waterfall chart, treemap chart&#10;&#10;Description automatically generated">
+          <p:cNvPr id="5" name="Picture 4" descr="Chart, line chart&#10;&#10;Description automatically generated">
             <a:extLst>
               <a:ext uri="{FF2B5EF4-FFF2-40B4-BE49-F238E27FC236}">
-                <a16:creationId xmlns:a16="http://schemas.microsoft.com/office/drawing/2014/main" id="{73575AF6-2DA9-2AE1-20CC-A9201A02B972}"/>
+                <a16:creationId xmlns:a16="http://schemas.microsoft.com/office/drawing/2014/main" id="{59450CBD-AE62-DA25-30C6-D36BE9EDD4DD}"/>
               </a:ext>
             </a:extLst>
           </p:cNvPr>
@@ -5711,54 +7114,61 @@
         </p:blipFill>
         <p:spPr>
           <a:xfrm>
-            <a:off x="155448" y="987552"/>
-            <a:ext cx="7040880" cy="5077983"/>
+            <a:off x="457080" y="914400"/>
+            <a:ext cx="10832819" cy="5943600"/>
           </a:xfrm>
           <a:prstGeom prst="rect">
             <a:avLst/>
           </a:prstGeom>
         </p:spPr>
       </p:pic>
-      <p:pic>
-        <p:nvPicPr>
-          <p:cNvPr id="48" name="Picture 47" descr="Chart, bar chart, waterfall chart&#10;&#10;Description automatically generated">
+      <p:sp>
+        <p:nvSpPr>
+          <p:cNvPr id="9" name="Title 1">
             <a:extLst>
               <a:ext uri="{FF2B5EF4-FFF2-40B4-BE49-F238E27FC236}">
-                <a16:creationId xmlns:a16="http://schemas.microsoft.com/office/drawing/2014/main" id="{89F6103E-D103-168B-0932-8BE1154F42AF}"/>
+                <a16:creationId xmlns:a16="http://schemas.microsoft.com/office/drawing/2014/main" id="{C0567BB1-139C-FF44-CD8E-F664B2D56C05}"/>
               </a:ext>
             </a:extLst>
           </p:cNvPr>
-          <p:cNvPicPr>
-            <a:picLocks noChangeAspect="1"/>
-          </p:cNvPicPr>
-          <p:nvPr/>
-        </p:nvPicPr>
-        <p:blipFill>
-          <a:blip r:embed="rId3">
-            <a:extLst>
-              <a:ext uri="{28A0092B-C50C-407E-A947-70E740481C1C}">
-                <a14:useLocalDpi xmlns:a14="http://schemas.microsoft.com/office/drawing/2010/main" val="0"/>
-              </a:ext>
-            </a:extLst>
-          </a:blip>
-          <a:stretch>
-            <a:fillRect/>
-          </a:stretch>
-        </p:blipFill>
+          <p:cNvSpPr>
+            <a:spLocks noGrp="1"/>
+          </p:cNvSpPr>
+          <p:nvPr>
+            <p:ph type="title"/>
+          </p:nvPr>
+        </p:nvSpPr>
         <p:spPr>
           <a:xfrm>
-            <a:off x="7434072" y="2130552"/>
-            <a:ext cx="3566159" cy="2852928"/>
+            <a:off x="3198812" y="76200"/>
+            <a:ext cx="4191000" cy="609600"/>
           </a:xfrm>
-          <a:prstGeom prst="rect">
-            <a:avLst/>
-          </a:prstGeom>
         </p:spPr>
-      </p:pic>
+        <p:txBody>
+          <a:bodyPr>
+            <a:normAutofit/>
+          </a:bodyPr>
+          <a:lstStyle/>
+          <a:p>
+            <a:pPr algn="ctr"/>
+            <a:r>
+              <a:rPr lang="en-US" sz="1800" b="1" dirty="0">
+                <a:solidFill>
+                  <a:srgbClr val="000000"/>
+                </a:solidFill>
+                <a:effectLst/>
+                <a:latin typeface="Tableau Bold"/>
+              </a:rPr>
+              <a:t>% Difference in Population and Total Crashes in Micropolitan Areas from previous year</a:t>
+            </a:r>
+            <a:endParaRPr lang="en-US" sz="4400" dirty="0"/>
+          </a:p>
+        </p:txBody>
+      </p:sp>
     </p:spTree>
     <p:extLst>
       <p:ext uri="{BB962C8B-B14F-4D97-AF65-F5344CB8AC3E}">
-        <p14:creationId xmlns:p14="http://schemas.microsoft.com/office/powerpoint/2010/main" val="1484811712"/>
+        <p14:creationId xmlns:p14="http://schemas.microsoft.com/office/powerpoint/2010/main" val="1127335855"/>
       </p:ext>
     </p:extLst>
   </p:cSld>
@@ -5786,7 +7196,7 @@
     <p:bg>
       <p:bgPr>
         <a:solidFill>
-          <a:schemeClr val="accent1"/>
+          <a:schemeClr val="bg1"/>
         </a:solidFill>
         <a:effectLst/>
       </p:bgPr>
@@ -5807,24 +7217,136 @@
       </p:grpSpPr>
       <p:sp>
         <p:nvSpPr>
-          <p:cNvPr id="24" name="Title 6">
+          <p:cNvPr id="8" name="Rectangle 7">
             <a:extLst>
               <a:ext uri="{FF2B5EF4-FFF2-40B4-BE49-F238E27FC236}">
-                <a16:creationId xmlns:a16="http://schemas.microsoft.com/office/drawing/2014/main" id="{24066ABE-F7EC-9714-32BA-FAD9388593F1}"/>
+                <a16:creationId xmlns:a16="http://schemas.microsoft.com/office/drawing/2014/main" id="{0E99ED6D-365F-4CAE-942F-ECA78F74BD7F}"/>
+              </a:ext>
+              <a:ext uri="{C183D7F6-B498-43B3-948B-1728B52AA6E4}">
+                <adec:decorative xmlns:adec="http://schemas.microsoft.com/office/drawing/2017/decorative" val="1"/>
               </a:ext>
             </a:extLst>
           </p:cNvPr>
           <p:cNvSpPr>
-            <a:spLocks noGrp="1"/>
-          </p:cNvSpPr>
-          <p:nvPr>
-            <p:ph type="title"/>
+            <a:spLocks noGrp="1" noRot="1" noChangeAspect="1" noMove="1" noResize="1" noEditPoints="1" noAdjustHandles="1" noChangeArrowheads="1" noChangeShapeType="1" noTextEdit="1"/>
+          </p:cNvSpPr>
+          <p:nvPr>
+            <p:extLst>
+              <p:ext uri="{386F3935-93C4-4BCD-93E2-E3B085C9AB24}">
+                <p16:designElem xmlns:p16="http://schemas.microsoft.com/office/powerpoint/2015/main" val="1"/>
+              </p:ext>
+            </p:extLst>
           </p:nvPr>
         </p:nvSpPr>
         <p:spPr>
           <a:xfrm>
-            <a:off x="7618412" y="94673"/>
-            <a:ext cx="4550352" cy="1200727"/>
+            <a:off x="11289899" y="0"/>
+            <a:ext cx="914162" cy="6858000"/>
+          </a:xfrm>
+          <a:prstGeom prst="rect">
+            <a:avLst/>
+          </a:prstGeom>
+          <a:solidFill>
+            <a:schemeClr val="tx2">
+              <a:lumMod val="75000"/>
+            </a:schemeClr>
+          </a:solidFill>
+          <a:ln>
+            <a:noFill/>
+          </a:ln>
+        </p:spPr>
+        <p:style>
+          <a:lnRef idx="2">
+            <a:schemeClr val="accent1">
+              <a:shade val="50000"/>
+            </a:schemeClr>
+          </a:lnRef>
+          <a:fillRef idx="1">
+            <a:schemeClr val="accent1"/>
+          </a:fillRef>
+          <a:effectRef idx="0">
+            <a:schemeClr val="accent1"/>
+          </a:effectRef>
+          <a:fontRef idx="minor">
+            <a:schemeClr val="lt1"/>
+          </a:fontRef>
+        </p:style>
+      </p:sp>
+      <p:sp>
+        <p:nvSpPr>
+          <p:cNvPr id="10" name="Rectangle 9">
+            <a:extLst>
+              <a:ext uri="{FF2B5EF4-FFF2-40B4-BE49-F238E27FC236}">
+                <a16:creationId xmlns:a16="http://schemas.microsoft.com/office/drawing/2014/main" id="{CD0FF873-0D97-4AE7-A97E-539910376DCF}"/>
+              </a:ext>
+              <a:ext uri="{C183D7F6-B498-43B3-948B-1728B52AA6E4}">
+                <adec:decorative xmlns:adec="http://schemas.microsoft.com/office/drawing/2017/decorative" val="1"/>
+              </a:ext>
+            </a:extLst>
+          </p:cNvPr>
+          <p:cNvSpPr>
+            <a:spLocks noGrp="1" noRot="1" noChangeAspect="1" noMove="1" noResize="1" noEditPoints="1" noAdjustHandles="1" noChangeArrowheads="1" noChangeShapeType="1" noTextEdit="1"/>
+          </p:cNvSpPr>
+          <p:nvPr>
+            <p:extLst>
+              <p:ext uri="{386F3935-93C4-4BCD-93E2-E3B085C9AB24}">
+                <p16:designElem xmlns:p16="http://schemas.microsoft.com/office/powerpoint/2015/main" val="1"/>
+              </p:ext>
+            </p:extLst>
+          </p:nvPr>
+        </p:nvSpPr>
+        <p:spPr>
+          <a:xfrm>
+            <a:off x="0" y="0"/>
+            <a:ext cx="457080" cy="6858000"/>
+          </a:xfrm>
+          <a:prstGeom prst="rect">
+            <a:avLst/>
+          </a:prstGeom>
+          <a:solidFill>
+            <a:schemeClr val="accent1"/>
+          </a:solidFill>
+          <a:ln>
+            <a:noFill/>
+          </a:ln>
+        </p:spPr>
+        <p:style>
+          <a:lnRef idx="2">
+            <a:schemeClr val="accent1">
+              <a:shade val="50000"/>
+            </a:schemeClr>
+          </a:lnRef>
+          <a:fillRef idx="1">
+            <a:schemeClr val="accent1"/>
+          </a:fillRef>
+          <a:effectRef idx="0">
+            <a:schemeClr val="accent1"/>
+          </a:effectRef>
+          <a:fontRef idx="minor">
+            <a:schemeClr val="lt1"/>
+          </a:fontRef>
+        </p:style>
+      </p:sp>
+      <p:sp>
+        <p:nvSpPr>
+          <p:cNvPr id="7" name="Title 1">
+            <a:extLst>
+              <a:ext uri="{FF2B5EF4-FFF2-40B4-BE49-F238E27FC236}">
+                <a16:creationId xmlns:a16="http://schemas.microsoft.com/office/drawing/2014/main" id="{BBE1DB60-D625-1D31-E80A-0CD3ADB9CB48}"/>
+              </a:ext>
+            </a:extLst>
+          </p:cNvPr>
+          <p:cNvSpPr>
+            <a:spLocks noGrp="1"/>
+          </p:cNvSpPr>
+          <p:nvPr>
+            <p:ph type="title"/>
+          </p:nvPr>
+        </p:nvSpPr>
+        <p:spPr>
+          <a:xfrm>
+            <a:off x="3198812" y="76200"/>
+            <a:ext cx="4191000" cy="609600"/>
           </a:xfrm>
         </p:spPr>
         <p:txBody>
@@ -5835,22 +7357,19 @@
           <a:p>
             <a:pPr algn="ctr"/>
             <a:r>
-              <a:rPr lang="en-US" sz="2700" b="1" dirty="0">
-                <a:solidFill>
-                  <a:schemeClr val="bg1"/>
-                </a:solidFill>
-              </a:rPr>
-              <a:t>Correlation between Crash Data and Population increase in Micro Areas</a:t>
-            </a:r>
+              <a:rPr lang="en-US" sz="1800" b="1" dirty="0"/>
+              <a:t>Correlation between Crash Data and Population increase in Metro Areas</a:t>
+            </a:r>
+            <a:endParaRPr lang="en-US" sz="4400" dirty="0"/>
           </a:p>
         </p:txBody>
       </p:sp>
       <p:pic>
         <p:nvPicPr>
-          <p:cNvPr id="23" name="Picture 22" descr="Chart, waterfall chart&#10;&#10;Description automatically generated">
+          <p:cNvPr id="3" name="Picture 2" descr="Graphical user interface, application&#10;&#10;Description automatically generated">
             <a:extLst>
               <a:ext uri="{FF2B5EF4-FFF2-40B4-BE49-F238E27FC236}">
-                <a16:creationId xmlns:a16="http://schemas.microsoft.com/office/drawing/2014/main" id="{62672E68-B0B8-0FED-BC54-CA5D4744CB2E}"/>
+                <a16:creationId xmlns:a16="http://schemas.microsoft.com/office/drawing/2014/main" id="{586B4B1D-F8E5-2759-1BDB-CFD9821201BA}"/>
               </a:ext>
             </a:extLst>
           </p:cNvPr>
@@ -5873,8 +7392,8 @@
         </p:blipFill>
         <p:spPr>
           <a:xfrm>
-            <a:off x="155448" y="991223"/>
-            <a:ext cx="7040880" cy="5081035"/>
+            <a:off x="457079" y="990600"/>
+            <a:ext cx="7156387" cy="5410200"/>
           </a:xfrm>
           <a:prstGeom prst="rect">
             <a:avLst/>
@@ -5883,10 +7402,10 @@
       </p:pic>
       <p:pic>
         <p:nvPicPr>
-          <p:cNvPr id="26" name="Picture 25" descr="Chart, waterfall chart&#10;&#10;Description automatically generated">
+          <p:cNvPr id="9" name="Picture 8" descr="Chart, histogram&#10;&#10;Description automatically generated">
             <a:extLst>
               <a:ext uri="{FF2B5EF4-FFF2-40B4-BE49-F238E27FC236}">
-                <a16:creationId xmlns:a16="http://schemas.microsoft.com/office/drawing/2014/main" id="{79186157-3030-AEAD-39B5-0D44D72BF1CC}"/>
+                <a16:creationId xmlns:a16="http://schemas.microsoft.com/office/drawing/2014/main" id="{E593010F-148D-0028-6270-83CCF95D484B}"/>
               </a:ext>
             </a:extLst>
           </p:cNvPr>
@@ -5909,8 +7428,8 @@
         </p:blipFill>
         <p:spPr>
           <a:xfrm>
-            <a:off x="7616952" y="2130552"/>
-            <a:ext cx="3566159" cy="2852928"/>
+            <a:off x="7613465" y="2057400"/>
+            <a:ext cx="3700245" cy="3048229"/>
           </a:xfrm>
           <a:prstGeom prst="rect">
             <a:avLst/>
@@ -5920,20 +7439,20 @@
     </p:spTree>
     <p:extLst>
       <p:ext uri="{BB962C8B-B14F-4D97-AF65-F5344CB8AC3E}">
-        <p14:creationId xmlns:p14="http://schemas.microsoft.com/office/powerpoint/2010/main" val="2699905132"/>
+        <p14:creationId xmlns:p14="http://schemas.microsoft.com/office/powerpoint/2010/main" val="3306054297"/>
       </p:ext>
     </p:extLst>
   </p:cSld>
   <p:clrMapOvr>
     <a:masterClrMapping/>
   </p:clrMapOvr>
-  <mc:AlternateContent xmlns:mc="http://schemas.openxmlformats.org/markup-compatibility/2006">
-    <mc:Choice xmlns:p14="http://schemas.microsoft.com/office/powerpoint/2010/main" Requires="p14">
+  <mc:AlternateContent xmlns:mc="http://schemas.openxmlformats.org/markup-compatibility/2006" xmlns:p14="http://schemas.microsoft.com/office/powerpoint/2010/main">
+    <mc:Choice Requires="p14">
       <p:transition spd="med" p14:dur="700">
         <p:fade/>
       </p:transition>
     </mc:Choice>
-    <mc:Fallback>
+    <mc:Fallback xmlns="">
       <p:transition spd="med">
         <p:fade/>
       </p:transition>
@@ -7826,6 +9345,15 @@
 </file>
 
 <file path=customXml/item2.xml><?xml version="1.0" encoding="utf-8"?>
+<?mso-contentType ?>
+<FormTemplates xmlns="http://schemas.microsoft.com/sharepoint/v3/contenttype/forms">
+  <Display>DocumentLibraryForm</Display>
+  <Edit>AssetEditForm</Edit>
+  <New>DocumentLibraryForm</New>
+</FormTemplates>
+</file>
+
+<file path=customXml/item3.xml><?xml version="1.0" encoding="utf-8"?>
 <p:properties xmlns:p="http://schemas.microsoft.com/office/2006/metadata/properties" xmlns:xsi="http://www.w3.org/2001/XMLSchema-instance" xmlns:pc="http://schemas.microsoft.com/office/infopath/2007/PartnerControls">
   <documentManagement>
     <LocPublishedLinkedAssetsLookup xmlns="4873beb7-5857-4685-be1f-d57550cc96cc" xsi:nil="true"/>
@@ -7961,15 +9489,6 @@
 </p:properties>
 </file>
 
-<file path=customXml/item3.xml><?xml version="1.0" encoding="utf-8"?>
-<?mso-contentType ?>
-<FormTemplates xmlns="http://schemas.microsoft.com/sharepoint/v3/contenttype/forms">
-  <Display>DocumentLibraryForm</Display>
-  <Edit>AssetEditForm</Edit>
-  <New>DocumentLibraryForm</New>
-</FormTemplates>
-</file>
-
 <file path=customXml/itemProps1.xml><?xml version="1.0" encoding="utf-8"?>
 <ds:datastoreItem xmlns:ds="http://schemas.openxmlformats.org/officeDocument/2006/customXml" ds:itemID="{A09BF4D4-EF60-4196-BFC3-9462D607978C}">
   <ds:schemaRefs>
@@ -7989,6 +9508,14 @@
 </file>
 
 <file path=customXml/itemProps2.xml><?xml version="1.0" encoding="utf-8"?>
+<ds:datastoreItem xmlns:ds="http://schemas.openxmlformats.org/officeDocument/2006/customXml" ds:itemID="{3836F65B-1B07-41EE-A0E8-BC6EF3855225}">
+  <ds:schemaRefs>
+    <ds:schemaRef ds:uri="http://schemas.microsoft.com/sharepoint/v3/contenttype/forms"/>
+  </ds:schemaRefs>
+</ds:datastoreItem>
+</file>
+
+<file path=customXml/itemProps3.xml><?xml version="1.0" encoding="utf-8"?>
 <ds:datastoreItem xmlns:ds="http://schemas.openxmlformats.org/officeDocument/2006/customXml" ds:itemID="{60C67BEE-D13F-4BD2-98A5-34D8A0977F68}">
   <ds:schemaRefs>
     <ds:schemaRef ds:uri="4873beb7-5857-4685-be1f-d57550cc96cc"/>
@@ -8002,12 +9529,4 @@
     <ds:schemaRef ds:uri="http://purl.org/dc/dcmitype/"/>
   </ds:schemaRefs>
 </ds:datastoreItem>
-</file>
-
-<file path=customXml/itemProps3.xml><?xml version="1.0" encoding="utf-8"?>
-<ds:datastoreItem xmlns:ds="http://schemas.openxmlformats.org/officeDocument/2006/customXml" ds:itemID="{3836F65B-1B07-41EE-A0E8-BC6EF3855225}">
-  <ds:schemaRefs>
-    <ds:schemaRef ds:uri="http://schemas.microsoft.com/sharepoint/v3/contenttype/forms"/>
-  </ds:schemaRefs>
-</ds:datastoreItem>
 </file>